--- a/lecture07_library.pptx
+++ b/lecture07_library.pptx
@@ -171,7 +171,7 @@
           <p:cNvPr id="2" name="Header Placeholder 1">
             <a:extLst>
               <a:ext uri="{FF2B5EF4-FFF2-40B4-BE49-F238E27FC236}">
-                <a16:creationId xmlns:a16="http://schemas.microsoft.com/office/drawing/2014/main" id="{AD1774C6-C20B-430F-8D96-A46B3460A412}"/>
+                <a16:creationId xmlns:a16="http://schemas.microsoft.com/office/drawing/2014/main" xmlns="" id="{AD1774C6-C20B-430F-8D96-A46B3460A412}"/>
               </a:ext>
             </a:extLst>
           </p:cNvPr>
@@ -208,7 +208,7 @@
           <p:cNvPr id="3" name="Date Placeholder 2">
             <a:extLst>
               <a:ext uri="{FF2B5EF4-FFF2-40B4-BE49-F238E27FC236}">
-                <a16:creationId xmlns:a16="http://schemas.microsoft.com/office/drawing/2014/main" id="{EAC0D0C3-47AD-4E93-87E7-567B2DA7F24E}"/>
+                <a16:creationId xmlns:a16="http://schemas.microsoft.com/office/drawing/2014/main" xmlns="" id="{EAC0D0C3-47AD-4E93-87E7-567B2DA7F24E}"/>
               </a:ext>
             </a:extLst>
           </p:cNvPr>
@@ -238,7 +238,7 @@
           <a:p>
             <a:fld id="{8E6F5CD2-97F2-476B-BED4-B02F2EDC4BF0}" type="datetimeFigureOut">
               <a:rPr lang="en-US" smtClean="0"/>
-              <a:t>4/25/2021</a:t>
+              <a:t>4/28/2021</a:t>
             </a:fld>
             <a:endParaRPr lang="en-US"/>
           </a:p>
@@ -249,7 +249,7 @@
           <p:cNvPr id="4" name="Footer Placeholder 3">
             <a:extLst>
               <a:ext uri="{FF2B5EF4-FFF2-40B4-BE49-F238E27FC236}">
-                <a16:creationId xmlns:a16="http://schemas.microsoft.com/office/drawing/2014/main" id="{9D5081F8-5BE7-4238-9E6C-BA8E26802D4C}"/>
+                <a16:creationId xmlns:a16="http://schemas.microsoft.com/office/drawing/2014/main" xmlns="" id="{9D5081F8-5BE7-4238-9E6C-BA8E26802D4C}"/>
               </a:ext>
             </a:extLst>
           </p:cNvPr>
@@ -286,7 +286,7 @@
           <p:cNvPr id="5" name="Slide Number Placeholder 4">
             <a:extLst>
               <a:ext uri="{FF2B5EF4-FFF2-40B4-BE49-F238E27FC236}">
-                <a16:creationId xmlns:a16="http://schemas.microsoft.com/office/drawing/2014/main" id="{DB993ECE-5611-45C2-8C00-9E2A2EE38227}"/>
+                <a16:creationId xmlns:a16="http://schemas.microsoft.com/office/drawing/2014/main" xmlns="" id="{DB993ECE-5611-45C2-8C00-9E2A2EE38227}"/>
               </a:ext>
             </a:extLst>
           </p:cNvPr>
@@ -415,7 +415,7 @@
           <a:p>
             <a:fld id="{195B3867-7BAC-48A8-85C4-AB40F533468D}" type="datetimeFigureOut">
               <a:rPr lang="en-US" smtClean="0"/>
-              <a:t>4/25/2021</a:t>
+              <a:t>4/28/2021</a:t>
             </a:fld>
             <a:endParaRPr lang="en-US"/>
           </a:p>
@@ -3583,7 +3583,7 @@
           <p:cNvPr id="2" name="Title 1">
             <a:extLst>
               <a:ext uri="{FF2B5EF4-FFF2-40B4-BE49-F238E27FC236}">
-                <a16:creationId xmlns:a16="http://schemas.microsoft.com/office/drawing/2014/main" id="{1D29A29D-DB3C-4F0F-9E08-EF424E96FEE0}"/>
+                <a16:creationId xmlns:a16="http://schemas.microsoft.com/office/drawing/2014/main" xmlns="" id="{1D29A29D-DB3C-4F0F-9E08-EF424E96FEE0}"/>
               </a:ext>
             </a:extLst>
           </p:cNvPr>
@@ -3617,7 +3617,7 @@
           <p:cNvPr id="3" name="Subtitle 2">
             <a:extLst>
               <a:ext uri="{FF2B5EF4-FFF2-40B4-BE49-F238E27FC236}">
-                <a16:creationId xmlns:a16="http://schemas.microsoft.com/office/drawing/2014/main" id="{B53108F5-F484-43D1-A1B7-702B73884C82}"/>
+                <a16:creationId xmlns:a16="http://schemas.microsoft.com/office/drawing/2014/main" xmlns="" id="{B53108F5-F484-43D1-A1B7-702B73884C82}"/>
               </a:ext>
             </a:extLst>
           </p:cNvPr>
@@ -3673,6 +3673,16 @@
                 </a:solidFill>
               </a:rPr>
               <a:t>Кафедра Управления и интеллектуальных технологий</a:t>
+            </a:r>
+            <a:r>
+              <a:rPr lang="en-US" sz="2000" dirty="0">
+                <a:solidFill>
+                  <a:schemeClr val="bg1">
+                    <a:lumMod val="50000"/>
+                  </a:schemeClr>
+                </a:solidFill>
+              </a:rPr>
+              <a:t/>
             </a:r>
             <a:br>
               <a:rPr lang="en-US" sz="2000" dirty="0">
@@ -3738,7 +3748,7 @@
           <p:cNvPr id="2" name="Title 1">
             <a:extLst>
               <a:ext uri="{FF2B5EF4-FFF2-40B4-BE49-F238E27FC236}">
-                <a16:creationId xmlns:a16="http://schemas.microsoft.com/office/drawing/2014/main" id="{5F161B13-FC3E-4572-BD88-D13C49734F47}"/>
+                <a16:creationId xmlns:a16="http://schemas.microsoft.com/office/drawing/2014/main" xmlns="" id="{5F161B13-FC3E-4572-BD88-D13C49734F47}"/>
               </a:ext>
             </a:extLst>
           </p:cNvPr>
@@ -3772,7 +3782,7 @@
           <p:cNvPr id="4" name="TextBox 3">
             <a:extLst>
               <a:ext uri="{FF2B5EF4-FFF2-40B4-BE49-F238E27FC236}">
-                <a16:creationId xmlns:a16="http://schemas.microsoft.com/office/drawing/2014/main" id="{3458FCB8-6F8D-47A5-8D68-F5F0F44E3E66}"/>
+                <a16:creationId xmlns:a16="http://schemas.microsoft.com/office/drawing/2014/main" xmlns="" id="{3458FCB8-6F8D-47A5-8D68-F5F0F44E3E66}"/>
               </a:ext>
             </a:extLst>
           </p:cNvPr>
@@ -3811,7 +3821,7 @@
           <p:cNvPr id="5" name="Straight Connector 4">
             <a:extLst>
               <a:ext uri="{FF2B5EF4-FFF2-40B4-BE49-F238E27FC236}">
-                <a16:creationId xmlns:a16="http://schemas.microsoft.com/office/drawing/2014/main" id="{BD18D9A1-425F-4B73-816E-673E2CEEED05}"/>
+                <a16:creationId xmlns:a16="http://schemas.microsoft.com/office/drawing/2014/main" xmlns="" id="{BD18D9A1-425F-4B73-816E-673E2CEEED05}"/>
               </a:ext>
             </a:extLst>
           </p:cNvPr>
@@ -3857,7 +3867,7 @@
           <p:cNvPr id="6" name="TextBox 5">
             <a:extLst>
               <a:ext uri="{FF2B5EF4-FFF2-40B4-BE49-F238E27FC236}">
-                <a16:creationId xmlns:a16="http://schemas.microsoft.com/office/drawing/2014/main" id="{D1326568-801D-4796-ADD6-838984957492}"/>
+                <a16:creationId xmlns:a16="http://schemas.microsoft.com/office/drawing/2014/main" xmlns="" id="{D1326568-801D-4796-ADD6-838984957492}"/>
               </a:ext>
             </a:extLst>
           </p:cNvPr>
@@ -3906,7 +3916,7 @@
           <p:cNvPr id="7" name="TextBox 6">
             <a:extLst>
               <a:ext uri="{FF2B5EF4-FFF2-40B4-BE49-F238E27FC236}">
-                <a16:creationId xmlns:a16="http://schemas.microsoft.com/office/drawing/2014/main" id="{12600895-516D-42EC-AD9A-9860D9F4603F}"/>
+                <a16:creationId xmlns:a16="http://schemas.microsoft.com/office/drawing/2014/main" xmlns="" id="{12600895-516D-42EC-AD9A-9860D9F4603F}"/>
               </a:ext>
             </a:extLst>
           </p:cNvPr>
@@ -3955,7 +3965,7 @@
           <p:cNvPr id="8" name="TextBox 7">
             <a:extLst>
               <a:ext uri="{FF2B5EF4-FFF2-40B4-BE49-F238E27FC236}">
-                <a16:creationId xmlns:a16="http://schemas.microsoft.com/office/drawing/2014/main" id="{DFA683CE-A9D1-43C6-A4BC-FEDF3600053C}"/>
+                <a16:creationId xmlns:a16="http://schemas.microsoft.com/office/drawing/2014/main" xmlns="" id="{DFA683CE-A9D1-43C6-A4BC-FEDF3600053C}"/>
               </a:ext>
             </a:extLst>
           </p:cNvPr>
@@ -4003,7 +4013,7 @@
           <p:cNvPr id="9" name="Straight Connector 8">
             <a:extLst>
               <a:ext uri="{FF2B5EF4-FFF2-40B4-BE49-F238E27FC236}">
-                <a16:creationId xmlns:a16="http://schemas.microsoft.com/office/drawing/2014/main" id="{CEF25851-77FD-4713-89DD-EEB5F67BEF35}"/>
+                <a16:creationId xmlns:a16="http://schemas.microsoft.com/office/drawing/2014/main" xmlns="" id="{CEF25851-77FD-4713-89DD-EEB5F67BEF35}"/>
               </a:ext>
             </a:extLst>
           </p:cNvPr>
@@ -4049,7 +4059,7 @@
           <p:cNvPr id="10" name="Rectangle: Folded Corner 9">
             <a:extLst>
               <a:ext uri="{FF2B5EF4-FFF2-40B4-BE49-F238E27FC236}">
-                <a16:creationId xmlns:a16="http://schemas.microsoft.com/office/drawing/2014/main" id="{B06DE679-1FD9-48A6-AC9D-28D93647EBAC}"/>
+                <a16:creationId xmlns:a16="http://schemas.microsoft.com/office/drawing/2014/main" xmlns="" id="{B06DE679-1FD9-48A6-AC9D-28D93647EBAC}"/>
               </a:ext>
             </a:extLst>
           </p:cNvPr>
@@ -4102,7 +4112,7 @@
           <p:cNvPr id="11" name="Flowchart: Alternate Process 10">
             <a:extLst>
               <a:ext uri="{FF2B5EF4-FFF2-40B4-BE49-F238E27FC236}">
-                <a16:creationId xmlns:a16="http://schemas.microsoft.com/office/drawing/2014/main" id="{D7BFBBB9-F644-4BD6-BB2A-D50F5545AFDB}"/>
+                <a16:creationId xmlns:a16="http://schemas.microsoft.com/office/drawing/2014/main" xmlns="" id="{D7BFBBB9-F644-4BD6-BB2A-D50F5545AFDB}"/>
               </a:ext>
             </a:extLst>
           </p:cNvPr>
@@ -4155,7 +4165,7 @@
           <p:cNvPr id="12" name="Flowchart: Alternate Process 11">
             <a:extLst>
               <a:ext uri="{FF2B5EF4-FFF2-40B4-BE49-F238E27FC236}">
-                <a16:creationId xmlns:a16="http://schemas.microsoft.com/office/drawing/2014/main" id="{627A0081-4CEB-4AD7-93C6-DA5225D6EB92}"/>
+                <a16:creationId xmlns:a16="http://schemas.microsoft.com/office/drawing/2014/main" xmlns="" id="{627A0081-4CEB-4AD7-93C6-DA5225D6EB92}"/>
               </a:ext>
             </a:extLst>
           </p:cNvPr>
@@ -4231,7 +4241,7 @@
           <p:cNvPr id="13" name="Rectangle: Folded Corner 12">
             <a:extLst>
               <a:ext uri="{FF2B5EF4-FFF2-40B4-BE49-F238E27FC236}">
-                <a16:creationId xmlns:a16="http://schemas.microsoft.com/office/drawing/2014/main" id="{141157AE-A6D2-4DA4-8A8C-537F7B51F9ED}"/>
+                <a16:creationId xmlns:a16="http://schemas.microsoft.com/office/drawing/2014/main" xmlns="" id="{141157AE-A6D2-4DA4-8A8C-537F7B51F9ED}"/>
               </a:ext>
             </a:extLst>
           </p:cNvPr>
@@ -4285,7 +4295,7 @@
           <p:cNvPr id="15" name="Connector: Curved 14">
             <a:extLst>
               <a:ext uri="{FF2B5EF4-FFF2-40B4-BE49-F238E27FC236}">
-                <a16:creationId xmlns:a16="http://schemas.microsoft.com/office/drawing/2014/main" id="{ED3EB16A-4E77-454A-B395-42E06742ED65}"/>
+                <a16:creationId xmlns:a16="http://schemas.microsoft.com/office/drawing/2014/main" xmlns="" id="{ED3EB16A-4E77-454A-B395-42E06742ED65}"/>
               </a:ext>
             </a:extLst>
           </p:cNvPr>
@@ -4333,7 +4343,7 @@
           <p:cNvPr id="17" name="Connector: Curved 16">
             <a:extLst>
               <a:ext uri="{FF2B5EF4-FFF2-40B4-BE49-F238E27FC236}">
-                <a16:creationId xmlns:a16="http://schemas.microsoft.com/office/drawing/2014/main" id="{EC672942-BB7E-469D-A1FA-97F2DBFE7681}"/>
+                <a16:creationId xmlns:a16="http://schemas.microsoft.com/office/drawing/2014/main" xmlns="" id="{EC672942-BB7E-469D-A1FA-97F2DBFE7681}"/>
               </a:ext>
             </a:extLst>
           </p:cNvPr>
@@ -4382,7 +4392,7 @@
           <p:cNvPr id="24" name="Rectangle: Folded Corner 23">
             <a:extLst>
               <a:ext uri="{FF2B5EF4-FFF2-40B4-BE49-F238E27FC236}">
-                <a16:creationId xmlns:a16="http://schemas.microsoft.com/office/drawing/2014/main" id="{B7E90F0B-0F3E-46B1-9B22-313756E72E94}"/>
+                <a16:creationId xmlns:a16="http://schemas.microsoft.com/office/drawing/2014/main" xmlns="" id="{B7E90F0B-0F3E-46B1-9B22-313756E72E94}"/>
               </a:ext>
             </a:extLst>
           </p:cNvPr>
@@ -4435,7 +4445,7 @@
           <p:cNvPr id="25" name="Rectangle 24">
             <a:extLst>
               <a:ext uri="{FF2B5EF4-FFF2-40B4-BE49-F238E27FC236}">
-                <a16:creationId xmlns:a16="http://schemas.microsoft.com/office/drawing/2014/main" id="{6EC9E3DF-B421-4BC5-A4AE-2279B5EF7509}"/>
+                <a16:creationId xmlns:a16="http://schemas.microsoft.com/office/drawing/2014/main" xmlns="" id="{6EC9E3DF-B421-4BC5-A4AE-2279B5EF7509}"/>
               </a:ext>
             </a:extLst>
           </p:cNvPr>
@@ -4489,7 +4499,7 @@
           <p:cNvPr id="26" name="Rectangle 25">
             <a:extLst>
               <a:ext uri="{FF2B5EF4-FFF2-40B4-BE49-F238E27FC236}">
-                <a16:creationId xmlns:a16="http://schemas.microsoft.com/office/drawing/2014/main" id="{07CE043A-FFA4-4E26-836F-B018CED09082}"/>
+                <a16:creationId xmlns:a16="http://schemas.microsoft.com/office/drawing/2014/main" xmlns="" id="{07CE043A-FFA4-4E26-836F-B018CED09082}"/>
               </a:ext>
             </a:extLst>
           </p:cNvPr>
@@ -4542,7 +4552,7 @@
           <p:cNvPr id="28" name="Connector: Curved 27">
             <a:extLst>
               <a:ext uri="{FF2B5EF4-FFF2-40B4-BE49-F238E27FC236}">
-                <a16:creationId xmlns:a16="http://schemas.microsoft.com/office/drawing/2014/main" id="{12A1B84D-5670-4598-970F-917306B29CDD}"/>
+                <a16:creationId xmlns:a16="http://schemas.microsoft.com/office/drawing/2014/main" xmlns="" id="{12A1B84D-5670-4598-970F-917306B29CDD}"/>
               </a:ext>
             </a:extLst>
           </p:cNvPr>
@@ -4592,7 +4602,7 @@
           <p:cNvPr id="33" name="Connector: Curved 32">
             <a:extLst>
               <a:ext uri="{FF2B5EF4-FFF2-40B4-BE49-F238E27FC236}">
-                <a16:creationId xmlns:a16="http://schemas.microsoft.com/office/drawing/2014/main" id="{81C10C76-42F6-45DB-8FD4-4542C8D03AC0}"/>
+                <a16:creationId xmlns:a16="http://schemas.microsoft.com/office/drawing/2014/main" xmlns="" id="{81C10C76-42F6-45DB-8FD4-4542C8D03AC0}"/>
               </a:ext>
             </a:extLst>
           </p:cNvPr>
@@ -4640,7 +4650,7 @@
           <p:cNvPr id="38" name="Straight Arrow Connector 37">
             <a:extLst>
               <a:ext uri="{FF2B5EF4-FFF2-40B4-BE49-F238E27FC236}">
-                <a16:creationId xmlns:a16="http://schemas.microsoft.com/office/drawing/2014/main" id="{C990DC79-FA60-4767-AEBB-238FEDA6DB48}"/>
+                <a16:creationId xmlns:a16="http://schemas.microsoft.com/office/drawing/2014/main" xmlns="" id="{C990DC79-FA60-4767-AEBB-238FEDA6DB48}"/>
               </a:ext>
             </a:extLst>
           </p:cNvPr>
@@ -4689,7 +4699,7 @@
           <p:cNvPr id="43" name="Connector: Curved 42">
             <a:extLst>
               <a:ext uri="{FF2B5EF4-FFF2-40B4-BE49-F238E27FC236}">
-                <a16:creationId xmlns:a16="http://schemas.microsoft.com/office/drawing/2014/main" id="{43023065-C08E-4FBA-AA5E-46D4713D314A}"/>
+                <a16:creationId xmlns:a16="http://schemas.microsoft.com/office/drawing/2014/main" xmlns="" id="{43023065-C08E-4FBA-AA5E-46D4713D314A}"/>
               </a:ext>
             </a:extLst>
           </p:cNvPr>
@@ -4736,7 +4746,7 @@
           <p:cNvPr id="44" name="Rectangle 43">
             <a:extLst>
               <a:ext uri="{FF2B5EF4-FFF2-40B4-BE49-F238E27FC236}">
-                <a16:creationId xmlns:a16="http://schemas.microsoft.com/office/drawing/2014/main" id="{31F1094F-765F-4B72-B4BB-AE821BB1E670}"/>
+                <a16:creationId xmlns:a16="http://schemas.microsoft.com/office/drawing/2014/main" xmlns="" id="{31F1094F-765F-4B72-B4BB-AE821BB1E670}"/>
               </a:ext>
             </a:extLst>
           </p:cNvPr>
@@ -4790,7 +4800,7 @@
           <p:cNvPr id="50" name="Straight Arrow Connector 49">
             <a:extLst>
               <a:ext uri="{FF2B5EF4-FFF2-40B4-BE49-F238E27FC236}">
-                <a16:creationId xmlns:a16="http://schemas.microsoft.com/office/drawing/2014/main" id="{53E378A0-586B-4A75-A040-3C9A2800F11A}"/>
+                <a16:creationId xmlns:a16="http://schemas.microsoft.com/office/drawing/2014/main" xmlns="" id="{53E378A0-586B-4A75-A040-3C9A2800F11A}"/>
               </a:ext>
             </a:extLst>
           </p:cNvPr>
@@ -4837,7 +4847,7 @@
           <p:cNvPr id="52" name="Connector: Curved 51">
             <a:extLst>
               <a:ext uri="{FF2B5EF4-FFF2-40B4-BE49-F238E27FC236}">
-                <a16:creationId xmlns:a16="http://schemas.microsoft.com/office/drawing/2014/main" id="{AFC872D3-FC68-451A-B7E2-9F356EDF9027}"/>
+                <a16:creationId xmlns:a16="http://schemas.microsoft.com/office/drawing/2014/main" xmlns="" id="{AFC872D3-FC68-451A-B7E2-9F356EDF9027}"/>
               </a:ext>
             </a:extLst>
           </p:cNvPr>
@@ -4885,7 +4895,7 @@
           <p:cNvPr id="54" name="Straight Arrow Connector 53">
             <a:extLst>
               <a:ext uri="{FF2B5EF4-FFF2-40B4-BE49-F238E27FC236}">
-                <a16:creationId xmlns:a16="http://schemas.microsoft.com/office/drawing/2014/main" id="{A4E4B6AE-1173-4271-BA49-EAC6AD924961}"/>
+                <a16:creationId xmlns:a16="http://schemas.microsoft.com/office/drawing/2014/main" xmlns="" id="{A4E4B6AE-1173-4271-BA49-EAC6AD924961}"/>
               </a:ext>
             </a:extLst>
           </p:cNvPr>
@@ -4932,7 +4942,7 @@
           <p:cNvPr id="57" name="TextBox 56">
             <a:extLst>
               <a:ext uri="{FF2B5EF4-FFF2-40B4-BE49-F238E27FC236}">
-                <a16:creationId xmlns:a16="http://schemas.microsoft.com/office/drawing/2014/main" id="{B892DD18-6AA2-4BA2-BB66-267E44C1F9EB}"/>
+                <a16:creationId xmlns:a16="http://schemas.microsoft.com/office/drawing/2014/main" xmlns="" id="{B892DD18-6AA2-4BA2-BB66-267E44C1F9EB}"/>
               </a:ext>
             </a:extLst>
           </p:cNvPr>
@@ -4970,6 +4980,10 @@
               <a:rPr lang="en-US" dirty="0"/>
               <a:t> DLL</a:t>
             </a:r>
+            <a:r>
+              <a:rPr lang="ru-RU" dirty="0"/>
+              <a:t/>
+            </a:r>
             <a:br>
               <a:rPr lang="ru-RU" dirty="0"/>
             </a:br>
@@ -4986,7 +5000,7 @@
           <p:cNvPr id="58" name="TextBox 57">
             <a:extLst>
               <a:ext uri="{FF2B5EF4-FFF2-40B4-BE49-F238E27FC236}">
-                <a16:creationId xmlns:a16="http://schemas.microsoft.com/office/drawing/2014/main" id="{1BAF9419-046C-4A55-A6F8-2BE7917641AD}"/>
+                <a16:creationId xmlns:a16="http://schemas.microsoft.com/office/drawing/2014/main" xmlns="" id="{1BAF9419-046C-4A55-A6F8-2BE7917641AD}"/>
               </a:ext>
             </a:extLst>
           </p:cNvPr>
@@ -5029,7 +5043,7 @@
           <p:cNvPr id="3" name="Date Placeholder 2">
             <a:extLst>
               <a:ext uri="{FF2B5EF4-FFF2-40B4-BE49-F238E27FC236}">
-                <a16:creationId xmlns:a16="http://schemas.microsoft.com/office/drawing/2014/main" id="{B585E723-357C-4D0A-BA9D-1A3BEA64FE09}"/>
+                <a16:creationId xmlns:a16="http://schemas.microsoft.com/office/drawing/2014/main" xmlns="" id="{B585E723-357C-4D0A-BA9D-1A3BEA64FE09}"/>
               </a:ext>
             </a:extLst>
           </p:cNvPr>
@@ -5057,7 +5071,7 @@
           <p:cNvPr id="14" name="Footer Placeholder 13">
             <a:extLst>
               <a:ext uri="{FF2B5EF4-FFF2-40B4-BE49-F238E27FC236}">
-                <a16:creationId xmlns:a16="http://schemas.microsoft.com/office/drawing/2014/main" id="{DAB47491-B763-4002-A662-74309143416F}"/>
+                <a16:creationId xmlns:a16="http://schemas.microsoft.com/office/drawing/2014/main" xmlns="" id="{DAB47491-B763-4002-A662-74309143416F}"/>
               </a:ext>
             </a:extLst>
           </p:cNvPr>
@@ -5086,7 +5100,7 @@
           <p:cNvPr id="16" name="Slide Number Placeholder 15">
             <a:extLst>
               <a:ext uri="{FF2B5EF4-FFF2-40B4-BE49-F238E27FC236}">
-                <a16:creationId xmlns:a16="http://schemas.microsoft.com/office/drawing/2014/main" id="{C6E0A341-724D-4E40-8EF3-3B3BD5C225C6}"/>
+                <a16:creationId xmlns:a16="http://schemas.microsoft.com/office/drawing/2014/main" xmlns="" id="{C6E0A341-724D-4E40-8EF3-3B3BD5C225C6}"/>
               </a:ext>
             </a:extLst>
           </p:cNvPr>
@@ -5145,7 +5159,7 @@
           <p:cNvPr id="4" name="Text Placeholder 3">
             <a:extLst>
               <a:ext uri="{FF2B5EF4-FFF2-40B4-BE49-F238E27FC236}">
-                <a16:creationId xmlns:a16="http://schemas.microsoft.com/office/drawing/2014/main" id="{BA43D6DD-EAD6-4589-A844-1B607AF3FD34}"/>
+                <a16:creationId xmlns:a16="http://schemas.microsoft.com/office/drawing/2014/main" xmlns="" id="{BA43D6DD-EAD6-4589-A844-1B607AF3FD34}"/>
               </a:ext>
             </a:extLst>
           </p:cNvPr>
@@ -5188,7 +5202,7 @@
           <p:cNvPr id="5" name="Content Placeholder 4">
             <a:extLst>
               <a:ext uri="{FF2B5EF4-FFF2-40B4-BE49-F238E27FC236}">
-                <a16:creationId xmlns:a16="http://schemas.microsoft.com/office/drawing/2014/main" id="{0A6D1649-28A2-4444-9A05-C58E38A15734}"/>
+                <a16:creationId xmlns:a16="http://schemas.microsoft.com/office/drawing/2014/main" xmlns="" id="{0A6D1649-28A2-4444-9A05-C58E38A15734}"/>
               </a:ext>
             </a:extLst>
           </p:cNvPr>
@@ -5281,6 +5295,14 @@
               </a:rPr>
               <a:t>Работа программы </a:t>
             </a:r>
+            <a:r>
+              <a:rPr lang="en-US" sz="2000" dirty="0">
+                <a:solidFill>
+                  <a:srgbClr val="00B050"/>
+                </a:solidFill>
+              </a:rPr>
+              <a:t/>
+            </a:r>
             <a:br>
               <a:rPr lang="en-US" sz="2000" dirty="0">
                 <a:solidFill>
@@ -5311,7 +5333,23 @@
                   <a:srgbClr val="FF0000"/>
                 </a:solidFill>
               </a:rPr>
-              <a:t>Чтобы обновить бибилотеку, нужно пересобирать программу.</a:t>
+              <a:t>Чтобы обновить </a:t>
+            </a:r>
+            <a:r>
+              <a:rPr lang="ru-RU" sz="2000" dirty="0" smtClean="0">
+                <a:solidFill>
+                  <a:srgbClr val="FF0000"/>
+                </a:solidFill>
+              </a:rPr>
+              <a:t>библиотеку</a:t>
+            </a:r>
+            <a:r>
+              <a:rPr lang="ru-RU" sz="2000" dirty="0">
+                <a:solidFill>
+                  <a:srgbClr val="FF0000"/>
+                </a:solidFill>
+              </a:rPr>
+              <a:t>, нужно пересобирать программу.</a:t>
             </a:r>
             <a:endParaRPr lang="en-US" sz="2000" dirty="0">
               <a:solidFill>
@@ -5351,7 +5389,7 @@
           <p:cNvPr id="6" name="Text Placeholder 5">
             <a:extLst>
               <a:ext uri="{FF2B5EF4-FFF2-40B4-BE49-F238E27FC236}">
-                <a16:creationId xmlns:a16="http://schemas.microsoft.com/office/drawing/2014/main" id="{2486ADCE-9867-497D-8924-099CF24B0EF8}"/>
+                <a16:creationId xmlns:a16="http://schemas.microsoft.com/office/drawing/2014/main" xmlns="" id="{2486ADCE-9867-497D-8924-099CF24B0EF8}"/>
               </a:ext>
             </a:extLst>
           </p:cNvPr>
@@ -5387,7 +5425,7 @@
           <p:cNvPr id="7" name="Content Placeholder 6">
             <a:extLst>
               <a:ext uri="{FF2B5EF4-FFF2-40B4-BE49-F238E27FC236}">
-                <a16:creationId xmlns:a16="http://schemas.microsoft.com/office/drawing/2014/main" id="{6A3C51E6-14CD-4D36-8B8F-64E2808ED822}"/>
+                <a16:creationId xmlns:a16="http://schemas.microsoft.com/office/drawing/2014/main" xmlns="" id="{6A3C51E6-14CD-4D36-8B8F-64E2808ED822}"/>
               </a:ext>
             </a:extLst>
           </p:cNvPr>
@@ -5552,7 +5590,7 @@
           <p:cNvPr id="10" name="TextBox 9">
             <a:extLst>
               <a:ext uri="{FF2B5EF4-FFF2-40B4-BE49-F238E27FC236}">
-                <a16:creationId xmlns:a16="http://schemas.microsoft.com/office/drawing/2014/main" id="{D0B2BD82-122C-460A-8184-95A09B0B6D0D}"/>
+                <a16:creationId xmlns:a16="http://schemas.microsoft.com/office/drawing/2014/main" xmlns="" id="{D0B2BD82-122C-460A-8184-95A09B0B6D0D}"/>
               </a:ext>
             </a:extLst>
           </p:cNvPr>
@@ -5591,6 +5629,10 @@
               <a:rPr lang="en-US" dirty="0"/>
               <a:t>DLL,</a:t>
             </a:r>
+            <a:r>
+              <a:rPr lang="ru-RU" dirty="0"/>
+              <a:t/>
+            </a:r>
             <a:br>
               <a:rPr lang="ru-RU" dirty="0"/>
             </a:br>
@@ -5607,7 +5649,7 @@
           <p:cNvPr id="11" name="TextBox 10">
             <a:extLst>
               <a:ext uri="{FF2B5EF4-FFF2-40B4-BE49-F238E27FC236}">
-                <a16:creationId xmlns:a16="http://schemas.microsoft.com/office/drawing/2014/main" id="{93436781-9A57-4E5D-B770-009D39704239}"/>
+                <a16:creationId xmlns:a16="http://schemas.microsoft.com/office/drawing/2014/main" xmlns="" id="{93436781-9A57-4E5D-B770-009D39704239}"/>
               </a:ext>
             </a:extLst>
           </p:cNvPr>
@@ -5651,7 +5693,7 @@
           <p:cNvPr id="12" name="TextBox 11">
             <a:extLst>
               <a:ext uri="{FF2B5EF4-FFF2-40B4-BE49-F238E27FC236}">
-                <a16:creationId xmlns:a16="http://schemas.microsoft.com/office/drawing/2014/main" id="{59947B5C-0CE3-4829-8DB6-17621EE1821E}"/>
+                <a16:creationId xmlns:a16="http://schemas.microsoft.com/office/drawing/2014/main" xmlns="" id="{59947B5C-0CE3-4829-8DB6-17621EE1821E}"/>
               </a:ext>
             </a:extLst>
           </p:cNvPr>
@@ -5695,7 +5737,7 @@
           <p:cNvPr id="13" name="TextBox 12">
             <a:extLst>
               <a:ext uri="{FF2B5EF4-FFF2-40B4-BE49-F238E27FC236}">
-                <a16:creationId xmlns:a16="http://schemas.microsoft.com/office/drawing/2014/main" id="{D524CCE4-0A99-4103-96D7-8204678666CB}"/>
+                <a16:creationId xmlns:a16="http://schemas.microsoft.com/office/drawing/2014/main" xmlns="" id="{D524CCE4-0A99-4103-96D7-8204678666CB}"/>
               </a:ext>
             </a:extLst>
           </p:cNvPr>
@@ -5739,7 +5781,7 @@
           <p:cNvPr id="14" name="Date Placeholder 13">
             <a:extLst>
               <a:ext uri="{FF2B5EF4-FFF2-40B4-BE49-F238E27FC236}">
-                <a16:creationId xmlns:a16="http://schemas.microsoft.com/office/drawing/2014/main" id="{19BEA9D2-0C24-4BD4-9F3B-769468B3422E}"/>
+                <a16:creationId xmlns:a16="http://schemas.microsoft.com/office/drawing/2014/main" xmlns="" id="{19BEA9D2-0C24-4BD4-9F3B-769468B3422E}"/>
               </a:ext>
             </a:extLst>
           </p:cNvPr>
@@ -5767,7 +5809,7 @@
           <p:cNvPr id="15" name="Footer Placeholder 14">
             <a:extLst>
               <a:ext uri="{FF2B5EF4-FFF2-40B4-BE49-F238E27FC236}">
-                <a16:creationId xmlns:a16="http://schemas.microsoft.com/office/drawing/2014/main" id="{C75BA00D-8C8B-4AB6-AC2F-115508ECC726}"/>
+                <a16:creationId xmlns:a16="http://schemas.microsoft.com/office/drawing/2014/main" xmlns="" id="{C75BA00D-8C8B-4AB6-AC2F-115508ECC726}"/>
               </a:ext>
             </a:extLst>
           </p:cNvPr>
@@ -5796,7 +5838,7 @@
           <p:cNvPr id="16" name="Slide Number Placeholder 15">
             <a:extLst>
               <a:ext uri="{FF2B5EF4-FFF2-40B4-BE49-F238E27FC236}">
-                <a16:creationId xmlns:a16="http://schemas.microsoft.com/office/drawing/2014/main" id="{7B964009-9B0E-4D24-8F2B-7321E312EC1E}"/>
+                <a16:creationId xmlns:a16="http://schemas.microsoft.com/office/drawing/2014/main" xmlns="" id="{7B964009-9B0E-4D24-8F2B-7321E312EC1E}"/>
               </a:ext>
             </a:extLst>
           </p:cNvPr>
@@ -5855,7 +5897,7 @@
           <p:cNvPr id="6" name="Content Placeholder 5">
             <a:extLst>
               <a:ext uri="{FF2B5EF4-FFF2-40B4-BE49-F238E27FC236}">
-                <a16:creationId xmlns:a16="http://schemas.microsoft.com/office/drawing/2014/main" id="{4A9EEA92-E5A0-439C-ABE4-B9AADFF89F31}"/>
+                <a16:creationId xmlns:a16="http://schemas.microsoft.com/office/drawing/2014/main" xmlns="" id="{4A9EEA92-E5A0-439C-ABE4-B9AADFF89F31}"/>
               </a:ext>
             </a:extLst>
           </p:cNvPr>
@@ -5977,6 +6019,12 @@
               </a:rPr>
               <a:t>dll</a:t>
             </a:r>
+            <a:r>
+              <a:rPr lang="en-US" sz="2000" dirty="0">
+                <a:latin typeface="Consolas" panose="020B0609020204030204" pitchFamily="49" charset="0"/>
+              </a:rPr>
+              <a:t/>
+            </a:r>
             <a:br>
               <a:rPr lang="en-US" sz="2000" dirty="0">
                 <a:latin typeface="Consolas" panose="020B0609020204030204" pitchFamily="49" charset="0"/>
@@ -6040,7 +6088,7 @@
           <p:cNvPr id="7" name="TextBox 6">
             <a:extLst>
               <a:ext uri="{FF2B5EF4-FFF2-40B4-BE49-F238E27FC236}">
-                <a16:creationId xmlns:a16="http://schemas.microsoft.com/office/drawing/2014/main" id="{E19EA5BC-4109-460D-BE87-8CF5EF31A095}"/>
+                <a16:creationId xmlns:a16="http://schemas.microsoft.com/office/drawing/2014/main" xmlns="" id="{E19EA5BC-4109-460D-BE87-8CF5EF31A095}"/>
               </a:ext>
             </a:extLst>
           </p:cNvPr>
@@ -6079,7 +6127,7 @@
           <p:cNvPr id="8" name="TextBox 7">
             <a:extLst>
               <a:ext uri="{FF2B5EF4-FFF2-40B4-BE49-F238E27FC236}">
-                <a16:creationId xmlns:a16="http://schemas.microsoft.com/office/drawing/2014/main" id="{033250E0-4D1A-4567-A494-466112B78462}"/>
+                <a16:creationId xmlns:a16="http://schemas.microsoft.com/office/drawing/2014/main" xmlns="" id="{033250E0-4D1A-4567-A494-466112B78462}"/>
               </a:ext>
             </a:extLst>
           </p:cNvPr>
@@ -6153,7 +6201,7 @@
           <p:cNvPr id="9" name="TextBox 8">
             <a:extLst>
               <a:ext uri="{FF2B5EF4-FFF2-40B4-BE49-F238E27FC236}">
-                <a16:creationId xmlns:a16="http://schemas.microsoft.com/office/drawing/2014/main" id="{7A009C7F-7351-403B-8238-1BB62F91C550}"/>
+                <a16:creationId xmlns:a16="http://schemas.microsoft.com/office/drawing/2014/main" xmlns="" id="{7A009C7F-7351-403B-8238-1BB62F91C550}"/>
               </a:ext>
             </a:extLst>
           </p:cNvPr>
@@ -6204,7 +6252,7 @@
           <p:cNvPr id="10" name="Date Placeholder 9">
             <a:extLst>
               <a:ext uri="{FF2B5EF4-FFF2-40B4-BE49-F238E27FC236}">
-                <a16:creationId xmlns:a16="http://schemas.microsoft.com/office/drawing/2014/main" id="{8BFBFC12-EBD9-4B0E-92E7-B137E4505AF6}"/>
+                <a16:creationId xmlns:a16="http://schemas.microsoft.com/office/drawing/2014/main" xmlns="" id="{8BFBFC12-EBD9-4B0E-92E7-B137E4505AF6}"/>
               </a:ext>
             </a:extLst>
           </p:cNvPr>
@@ -6232,7 +6280,7 @@
           <p:cNvPr id="11" name="Footer Placeholder 10">
             <a:extLst>
               <a:ext uri="{FF2B5EF4-FFF2-40B4-BE49-F238E27FC236}">
-                <a16:creationId xmlns:a16="http://schemas.microsoft.com/office/drawing/2014/main" id="{AAD9490A-20E1-4032-AB7D-29206DB293E9}"/>
+                <a16:creationId xmlns:a16="http://schemas.microsoft.com/office/drawing/2014/main" xmlns="" id="{AAD9490A-20E1-4032-AB7D-29206DB293E9}"/>
               </a:ext>
             </a:extLst>
           </p:cNvPr>
@@ -6261,7 +6309,7 @@
           <p:cNvPr id="12" name="Slide Number Placeholder 11">
             <a:extLst>
               <a:ext uri="{FF2B5EF4-FFF2-40B4-BE49-F238E27FC236}">
-                <a16:creationId xmlns:a16="http://schemas.microsoft.com/office/drawing/2014/main" id="{45E9EE55-9C7D-4377-AD15-D30B64AF5D86}"/>
+                <a16:creationId xmlns:a16="http://schemas.microsoft.com/office/drawing/2014/main" xmlns="" id="{45E9EE55-9C7D-4377-AD15-D30B64AF5D86}"/>
               </a:ext>
             </a:extLst>
           </p:cNvPr>
@@ -6320,7 +6368,7 @@
           <p:cNvPr id="2" name="Title 1">
             <a:extLst>
               <a:ext uri="{FF2B5EF4-FFF2-40B4-BE49-F238E27FC236}">
-                <a16:creationId xmlns:a16="http://schemas.microsoft.com/office/drawing/2014/main" id="{939A19D5-D9AA-4189-BFD0-0CDA5FED018B}"/>
+                <a16:creationId xmlns:a16="http://schemas.microsoft.com/office/drawing/2014/main" xmlns="" id="{939A19D5-D9AA-4189-BFD0-0CDA5FED018B}"/>
               </a:ext>
             </a:extLst>
           </p:cNvPr>
@@ -6349,7 +6397,7 @@
           <p:cNvPr id="5" name="Content Placeholder 4">
             <a:extLst>
               <a:ext uri="{FF2B5EF4-FFF2-40B4-BE49-F238E27FC236}">
-                <a16:creationId xmlns:a16="http://schemas.microsoft.com/office/drawing/2014/main" id="{AFC77C67-58FD-476D-9467-A5491F92B889}"/>
+                <a16:creationId xmlns:a16="http://schemas.microsoft.com/office/drawing/2014/main" xmlns="" id="{AFC77C67-58FD-476D-9467-A5491F92B889}"/>
               </a:ext>
             </a:extLst>
           </p:cNvPr>
@@ -6494,7 +6542,15 @@
             </a:pPr>
             <a:r>
               <a:rPr lang="ru-RU" sz="2000" dirty="0"/>
-              <a:t>Устанавливать билиотеку вместе с программой.</a:t>
+              <a:t>Устанавливать </a:t>
+            </a:r>
+            <a:r>
+              <a:rPr lang="ru-RU" sz="2000" dirty="0" smtClean="0"/>
+              <a:t>библиотеку </a:t>
+            </a:r>
+            <a:r>
+              <a:rPr lang="ru-RU" sz="2000" dirty="0"/>
+              <a:t>вместе с программой.</a:t>
             </a:r>
             <a:endParaRPr lang="en-US" sz="2000" dirty="0"/>
           </a:p>
@@ -6524,7 +6580,7 @@
           <p:cNvPr id="3" name="Date Placeholder 2">
             <a:extLst>
               <a:ext uri="{FF2B5EF4-FFF2-40B4-BE49-F238E27FC236}">
-                <a16:creationId xmlns:a16="http://schemas.microsoft.com/office/drawing/2014/main" id="{069C9341-E3B8-422C-B3CB-10BD0CB7935B}"/>
+                <a16:creationId xmlns:a16="http://schemas.microsoft.com/office/drawing/2014/main" xmlns="" id="{069C9341-E3B8-422C-B3CB-10BD0CB7935B}"/>
               </a:ext>
             </a:extLst>
           </p:cNvPr>
@@ -6552,7 +6608,7 @@
           <p:cNvPr id="4" name="Footer Placeholder 3">
             <a:extLst>
               <a:ext uri="{FF2B5EF4-FFF2-40B4-BE49-F238E27FC236}">
-                <a16:creationId xmlns:a16="http://schemas.microsoft.com/office/drawing/2014/main" id="{48BC7E96-A04A-47D4-90F2-5A6AF7460300}"/>
+                <a16:creationId xmlns:a16="http://schemas.microsoft.com/office/drawing/2014/main" xmlns="" id="{48BC7E96-A04A-47D4-90F2-5A6AF7460300}"/>
               </a:ext>
             </a:extLst>
           </p:cNvPr>
@@ -6581,7 +6637,7 @@
           <p:cNvPr id="6" name="Slide Number Placeholder 5">
             <a:extLst>
               <a:ext uri="{FF2B5EF4-FFF2-40B4-BE49-F238E27FC236}">
-                <a16:creationId xmlns:a16="http://schemas.microsoft.com/office/drawing/2014/main" id="{B425F1B8-B1CC-4712-B493-D919FA373C2D}"/>
+                <a16:creationId xmlns:a16="http://schemas.microsoft.com/office/drawing/2014/main" xmlns="" id="{B425F1B8-B1CC-4712-B493-D919FA373C2D}"/>
               </a:ext>
             </a:extLst>
           </p:cNvPr>
@@ -6640,7 +6696,7 @@
           <p:cNvPr id="2" name="Title 1">
             <a:extLst>
               <a:ext uri="{FF2B5EF4-FFF2-40B4-BE49-F238E27FC236}">
-                <a16:creationId xmlns:a16="http://schemas.microsoft.com/office/drawing/2014/main" id="{66F324EC-ADC1-46E8-8DD4-ADE977D397A1}"/>
+                <a16:creationId xmlns:a16="http://schemas.microsoft.com/office/drawing/2014/main" xmlns="" id="{66F324EC-ADC1-46E8-8DD4-ADE977D397A1}"/>
               </a:ext>
             </a:extLst>
           </p:cNvPr>
@@ -6676,7 +6732,7 @@
           <p:cNvPr id="4" name="Date Placeholder 3">
             <a:extLst>
               <a:ext uri="{FF2B5EF4-FFF2-40B4-BE49-F238E27FC236}">
-                <a16:creationId xmlns:a16="http://schemas.microsoft.com/office/drawing/2014/main" id="{E70DA0C1-1AE4-4320-9098-7B0F65A7D177}"/>
+                <a16:creationId xmlns:a16="http://schemas.microsoft.com/office/drawing/2014/main" xmlns="" id="{E70DA0C1-1AE4-4320-9098-7B0F65A7D177}"/>
               </a:ext>
             </a:extLst>
           </p:cNvPr>
@@ -6704,7 +6760,7 @@
           <p:cNvPr id="5" name="Footer Placeholder 4">
             <a:extLst>
               <a:ext uri="{FF2B5EF4-FFF2-40B4-BE49-F238E27FC236}">
-                <a16:creationId xmlns:a16="http://schemas.microsoft.com/office/drawing/2014/main" id="{D0B3CA34-AFA1-4019-A1E8-2978BB151623}"/>
+                <a16:creationId xmlns:a16="http://schemas.microsoft.com/office/drawing/2014/main" xmlns="" id="{D0B3CA34-AFA1-4019-A1E8-2978BB151623}"/>
               </a:ext>
             </a:extLst>
           </p:cNvPr>
@@ -6733,7 +6789,7 @@
           <p:cNvPr id="6" name="Slide Number Placeholder 5">
             <a:extLst>
               <a:ext uri="{FF2B5EF4-FFF2-40B4-BE49-F238E27FC236}">
-                <a16:creationId xmlns:a16="http://schemas.microsoft.com/office/drawing/2014/main" id="{E7107764-6BF3-4A67-B8A2-B44B726EA9BB}"/>
+                <a16:creationId xmlns:a16="http://schemas.microsoft.com/office/drawing/2014/main" xmlns="" id="{E7107764-6BF3-4A67-B8A2-B44B726EA9BB}"/>
               </a:ext>
             </a:extLst>
           </p:cNvPr>
@@ -6762,7 +6818,7 @@
           <p:cNvPr id="7" name="Picture 6">
             <a:extLst>
               <a:ext uri="{FF2B5EF4-FFF2-40B4-BE49-F238E27FC236}">
-                <a16:creationId xmlns:a16="http://schemas.microsoft.com/office/drawing/2014/main" id="{EA152CFB-324E-467F-9AC4-6377BECC6680}"/>
+                <a16:creationId xmlns:a16="http://schemas.microsoft.com/office/drawing/2014/main" xmlns="" id="{EA152CFB-324E-467F-9AC4-6377BECC6680}"/>
               </a:ext>
             </a:extLst>
           </p:cNvPr>
@@ -6792,7 +6848,7 @@
           <p:cNvPr id="9" name="Picture 8">
             <a:extLst>
               <a:ext uri="{FF2B5EF4-FFF2-40B4-BE49-F238E27FC236}">
-                <a16:creationId xmlns:a16="http://schemas.microsoft.com/office/drawing/2014/main" id="{AC3EB060-2EE5-4008-B348-D54CB3A77FED}"/>
+                <a16:creationId xmlns:a16="http://schemas.microsoft.com/office/drawing/2014/main" xmlns="" id="{AC3EB060-2EE5-4008-B348-D54CB3A77FED}"/>
               </a:ext>
             </a:extLst>
           </p:cNvPr>
@@ -6821,7 +6877,7 @@
           <p:cNvPr id="11" name="Picture 10">
             <a:extLst>
               <a:ext uri="{FF2B5EF4-FFF2-40B4-BE49-F238E27FC236}">
-                <a16:creationId xmlns:a16="http://schemas.microsoft.com/office/drawing/2014/main" id="{06AE6C8C-B46F-4577-B6A4-9162843561DD}"/>
+                <a16:creationId xmlns:a16="http://schemas.microsoft.com/office/drawing/2014/main" xmlns="" id="{06AE6C8C-B46F-4577-B6A4-9162843561DD}"/>
               </a:ext>
             </a:extLst>
           </p:cNvPr>
@@ -6851,7 +6907,7 @@
           <p:cNvPr id="13" name="Straight Arrow Connector 12">
             <a:extLst>
               <a:ext uri="{FF2B5EF4-FFF2-40B4-BE49-F238E27FC236}">
-                <a16:creationId xmlns:a16="http://schemas.microsoft.com/office/drawing/2014/main" id="{00DA95AF-A57F-4C4A-8A3B-7683A0F56712}"/>
+                <a16:creationId xmlns:a16="http://schemas.microsoft.com/office/drawing/2014/main" xmlns="" id="{00DA95AF-A57F-4C4A-8A3B-7683A0F56712}"/>
               </a:ext>
             </a:extLst>
           </p:cNvPr>
@@ -6895,7 +6951,7 @@
           <p:cNvPr id="14" name="Straight Arrow Connector 13">
             <a:extLst>
               <a:ext uri="{FF2B5EF4-FFF2-40B4-BE49-F238E27FC236}">
-                <a16:creationId xmlns:a16="http://schemas.microsoft.com/office/drawing/2014/main" id="{A51EF175-EB43-4813-A861-E3F62649418C}"/>
+                <a16:creationId xmlns:a16="http://schemas.microsoft.com/office/drawing/2014/main" xmlns="" id="{A51EF175-EB43-4813-A861-E3F62649418C}"/>
               </a:ext>
             </a:extLst>
           </p:cNvPr>
@@ -6939,7 +6995,7 @@
           <p:cNvPr id="17" name="Rectangle 16">
             <a:extLst>
               <a:ext uri="{FF2B5EF4-FFF2-40B4-BE49-F238E27FC236}">
-                <a16:creationId xmlns:a16="http://schemas.microsoft.com/office/drawing/2014/main" id="{727D0B0F-D783-4FED-A78F-D9EBEC7F5DEE}"/>
+                <a16:creationId xmlns:a16="http://schemas.microsoft.com/office/drawing/2014/main" xmlns="" id="{727D0B0F-D783-4FED-A78F-D9EBEC7F5DEE}"/>
               </a:ext>
             </a:extLst>
           </p:cNvPr>
@@ -6989,7 +7045,7 @@
           <p:cNvPr id="18" name="Rectangle 17">
             <a:extLst>
               <a:ext uri="{FF2B5EF4-FFF2-40B4-BE49-F238E27FC236}">
-                <a16:creationId xmlns:a16="http://schemas.microsoft.com/office/drawing/2014/main" id="{0F721467-D155-4E5B-AB8C-A8A85FEB9590}"/>
+                <a16:creationId xmlns:a16="http://schemas.microsoft.com/office/drawing/2014/main" xmlns="" id="{0F721467-D155-4E5B-AB8C-A8A85FEB9590}"/>
               </a:ext>
             </a:extLst>
           </p:cNvPr>
@@ -7039,7 +7095,7 @@
           <p:cNvPr id="19" name="Rectangle 18">
             <a:extLst>
               <a:ext uri="{FF2B5EF4-FFF2-40B4-BE49-F238E27FC236}">
-                <a16:creationId xmlns:a16="http://schemas.microsoft.com/office/drawing/2014/main" id="{589B3F3A-FCAF-4746-987E-673CF1396F6E}"/>
+                <a16:creationId xmlns:a16="http://schemas.microsoft.com/office/drawing/2014/main" xmlns="" id="{589B3F3A-FCAF-4746-987E-673CF1396F6E}"/>
               </a:ext>
             </a:extLst>
           </p:cNvPr>
@@ -7089,7 +7145,7 @@
           <p:cNvPr id="25" name="TextBox 24">
             <a:extLst>
               <a:ext uri="{FF2B5EF4-FFF2-40B4-BE49-F238E27FC236}">
-                <a16:creationId xmlns:a16="http://schemas.microsoft.com/office/drawing/2014/main" id="{59E3CA97-B346-438C-BCAC-2396D40CFA15}"/>
+                <a16:creationId xmlns:a16="http://schemas.microsoft.com/office/drawing/2014/main" xmlns="" id="{59E3CA97-B346-438C-BCAC-2396D40CFA15}"/>
               </a:ext>
             </a:extLst>
           </p:cNvPr>
@@ -7127,7 +7183,7 @@
           <p:cNvPr id="29" name="TextBox 28">
             <a:extLst>
               <a:ext uri="{FF2B5EF4-FFF2-40B4-BE49-F238E27FC236}">
-                <a16:creationId xmlns:a16="http://schemas.microsoft.com/office/drawing/2014/main" id="{98B264B1-8A1C-459E-856D-A5D96D84206B}"/>
+                <a16:creationId xmlns:a16="http://schemas.microsoft.com/office/drawing/2014/main" xmlns="" id="{98B264B1-8A1C-459E-856D-A5D96D84206B}"/>
               </a:ext>
             </a:extLst>
           </p:cNvPr>
@@ -7211,7 +7267,7 @@
           <p:cNvPr id="2" name="Title 1">
             <a:extLst>
               <a:ext uri="{FF2B5EF4-FFF2-40B4-BE49-F238E27FC236}">
-                <a16:creationId xmlns:a16="http://schemas.microsoft.com/office/drawing/2014/main" id="{F60B0877-9527-453C-BAC0-C20211C95BAC}"/>
+                <a16:creationId xmlns:a16="http://schemas.microsoft.com/office/drawing/2014/main" xmlns="" id="{F60B0877-9527-453C-BAC0-C20211C95BAC}"/>
               </a:ext>
             </a:extLst>
           </p:cNvPr>
@@ -7239,7 +7295,7 @@
           <p:cNvPr id="3" name="Content Placeholder 2">
             <a:extLst>
               <a:ext uri="{FF2B5EF4-FFF2-40B4-BE49-F238E27FC236}">
-                <a16:creationId xmlns:a16="http://schemas.microsoft.com/office/drawing/2014/main" id="{E6F18B3E-B258-46A2-8F34-2C7E08A057C1}"/>
+                <a16:creationId xmlns:a16="http://schemas.microsoft.com/office/drawing/2014/main" xmlns="" id="{E6F18B3E-B258-46A2-8F34-2C7E08A057C1}"/>
               </a:ext>
             </a:extLst>
           </p:cNvPr>
@@ -7345,12 +7401,12 @@
               <a:t>Типы фиксированного размера: </a:t>
             </a:r>
             <a:r>
-              <a:rPr lang="en-US" sz="2000" dirty="0">
-                <a:solidFill>
-                  <a:srgbClr val="002060"/>
-                </a:solidFill>
-              </a:rPr>
-              <a:t>uuint32_t32_t</a:t>
+              <a:rPr lang="en-US" sz="2000" dirty="0" smtClean="0">
+                <a:solidFill>
+                  <a:srgbClr val="002060"/>
+                </a:solidFill>
+              </a:rPr>
+              <a:t>uint32_t</a:t>
             </a:r>
             <a:r>
               <a:rPr lang="ru-RU" sz="2000" dirty="0"/>
@@ -7471,7 +7527,7 @@
           <p:cNvPr id="4" name="Date Placeholder 3">
             <a:extLst>
               <a:ext uri="{FF2B5EF4-FFF2-40B4-BE49-F238E27FC236}">
-                <a16:creationId xmlns:a16="http://schemas.microsoft.com/office/drawing/2014/main" id="{8A88AC9F-BF1D-4CD9-BCBF-21429FDD2FFB}"/>
+                <a16:creationId xmlns:a16="http://schemas.microsoft.com/office/drawing/2014/main" xmlns="" id="{8A88AC9F-BF1D-4CD9-BCBF-21429FDD2FFB}"/>
               </a:ext>
             </a:extLst>
           </p:cNvPr>
@@ -7499,7 +7555,7 @@
           <p:cNvPr id="5" name="Footer Placeholder 4">
             <a:extLst>
               <a:ext uri="{FF2B5EF4-FFF2-40B4-BE49-F238E27FC236}">
-                <a16:creationId xmlns:a16="http://schemas.microsoft.com/office/drawing/2014/main" id="{7FE066F5-7F87-4538-9193-0BED30790383}"/>
+                <a16:creationId xmlns:a16="http://schemas.microsoft.com/office/drawing/2014/main" xmlns="" id="{7FE066F5-7F87-4538-9193-0BED30790383}"/>
               </a:ext>
             </a:extLst>
           </p:cNvPr>
@@ -7528,7 +7584,7 @@
           <p:cNvPr id="6" name="Slide Number Placeholder 5">
             <a:extLst>
               <a:ext uri="{FF2B5EF4-FFF2-40B4-BE49-F238E27FC236}">
-                <a16:creationId xmlns:a16="http://schemas.microsoft.com/office/drawing/2014/main" id="{AA5165EC-7D28-4131-B1AA-16F300FE5B17}"/>
+                <a16:creationId xmlns:a16="http://schemas.microsoft.com/office/drawing/2014/main" xmlns="" id="{AA5165EC-7D28-4131-B1AA-16F300FE5B17}"/>
               </a:ext>
             </a:extLst>
           </p:cNvPr>
@@ -7587,7 +7643,7 @@
           <p:cNvPr id="2" name="Title 1">
             <a:extLst>
               <a:ext uri="{FF2B5EF4-FFF2-40B4-BE49-F238E27FC236}">
-                <a16:creationId xmlns:a16="http://schemas.microsoft.com/office/drawing/2014/main" id="{997330CB-BAD4-40B6-961C-2012DDF0E82D}"/>
+                <a16:creationId xmlns:a16="http://schemas.microsoft.com/office/drawing/2014/main" xmlns="" id="{997330CB-BAD4-40B6-961C-2012DDF0E82D}"/>
               </a:ext>
             </a:extLst>
           </p:cNvPr>
@@ -7635,7 +7691,7 @@
           <p:cNvPr id="3" name="Content Placeholder 2">
             <a:extLst>
               <a:ext uri="{FF2B5EF4-FFF2-40B4-BE49-F238E27FC236}">
-                <a16:creationId xmlns:a16="http://schemas.microsoft.com/office/drawing/2014/main" id="{13DF9B5E-75F3-4A80-9B37-6CEF80EA9B55}"/>
+                <a16:creationId xmlns:a16="http://schemas.microsoft.com/office/drawing/2014/main" xmlns="" id="{13DF9B5E-75F3-4A80-9B37-6CEF80EA9B55}"/>
               </a:ext>
             </a:extLst>
           </p:cNvPr>
@@ -8023,7 +8079,7 @@
               <a:t> </a:t>
             </a:r>
             <a:r>
-              <a:rPr lang="en-US" sz="2000" dirty="0" err="1">
+              <a:rPr lang="en-US" sz="2000" dirty="0" err="1" smtClean="0">
                 <a:solidFill>
                   <a:srgbClr val="002060"/>
                 </a:solidFill>
@@ -8031,28 +8087,20 @@
               <a:t>matrix_set</a:t>
             </a:r>
             <a:r>
+              <a:rPr lang="en-US" sz="2000" dirty="0" smtClean="0">
+                <a:solidFill>
+                  <a:srgbClr val="002060"/>
+                </a:solidFill>
+              </a:rPr>
+              <a:t>(Matrix</a:t>
+            </a:r>
+            <a:r>
               <a:rPr lang="en-US" sz="2000" dirty="0">
                 <a:solidFill>
                   <a:srgbClr val="002060"/>
                 </a:solidFill>
               </a:rPr>
-              <a:t>(</a:t>
-            </a:r>
-            <a:r>
-              <a:rPr lang="en-US" sz="2000" b="1" dirty="0">
-                <a:solidFill>
-                  <a:srgbClr val="002060"/>
-                </a:solidFill>
-              </a:rPr>
-              <a:t>const</a:t>
-            </a:r>
-            <a:r>
-              <a:rPr lang="en-US" sz="2000" dirty="0">
-                <a:solidFill>
-                  <a:srgbClr val="002060"/>
-                </a:solidFill>
-              </a:rPr>
-              <a:t> Matrix* m, </a:t>
+              <a:t>* m, </a:t>
             </a:r>
             <a:r>
               <a:rPr lang="en-US" sz="2000" b="1" dirty="0">
@@ -8197,7 +8245,7 @@
           <p:cNvPr id="56" name="Date Placeholder 55">
             <a:extLst>
               <a:ext uri="{FF2B5EF4-FFF2-40B4-BE49-F238E27FC236}">
-                <a16:creationId xmlns:a16="http://schemas.microsoft.com/office/drawing/2014/main" id="{B4D610FF-D205-4C57-A634-6D8C71365D5F}"/>
+                <a16:creationId xmlns:a16="http://schemas.microsoft.com/office/drawing/2014/main" xmlns="" id="{B4D610FF-D205-4C57-A634-6D8C71365D5F}"/>
               </a:ext>
             </a:extLst>
           </p:cNvPr>
@@ -8225,7 +8273,7 @@
           <p:cNvPr id="57" name="Footer Placeholder 56">
             <a:extLst>
               <a:ext uri="{FF2B5EF4-FFF2-40B4-BE49-F238E27FC236}">
-                <a16:creationId xmlns:a16="http://schemas.microsoft.com/office/drawing/2014/main" id="{FEBB2BF4-9C38-4387-A4DB-F561AD4DC4F3}"/>
+                <a16:creationId xmlns:a16="http://schemas.microsoft.com/office/drawing/2014/main" xmlns="" id="{FEBB2BF4-9C38-4387-A4DB-F561AD4DC4F3}"/>
               </a:ext>
             </a:extLst>
           </p:cNvPr>
@@ -8254,7 +8302,7 @@
           <p:cNvPr id="58" name="Slide Number Placeholder 57">
             <a:extLst>
               <a:ext uri="{FF2B5EF4-FFF2-40B4-BE49-F238E27FC236}">
-                <a16:creationId xmlns:a16="http://schemas.microsoft.com/office/drawing/2014/main" id="{85345639-D562-4109-B9B5-5039BA2A1566}"/>
+                <a16:creationId xmlns:a16="http://schemas.microsoft.com/office/drawing/2014/main" xmlns="" id="{85345639-D562-4109-B9B5-5039BA2A1566}"/>
               </a:ext>
             </a:extLst>
           </p:cNvPr>
@@ -8313,7 +8361,7 @@
           <p:cNvPr id="2" name="Title 1">
             <a:extLst>
               <a:ext uri="{FF2B5EF4-FFF2-40B4-BE49-F238E27FC236}">
-                <a16:creationId xmlns:a16="http://schemas.microsoft.com/office/drawing/2014/main" id="{8D5E393F-8C5B-4146-A1E7-B97C8DC97B57}"/>
+                <a16:creationId xmlns:a16="http://schemas.microsoft.com/office/drawing/2014/main" xmlns="" id="{8D5E393F-8C5B-4146-A1E7-B97C8DC97B57}"/>
               </a:ext>
             </a:extLst>
           </p:cNvPr>
@@ -8369,7 +8417,7 @@
           <p:cNvPr id="3" name="Content Placeholder 2">
             <a:extLst>
               <a:ext uri="{FF2B5EF4-FFF2-40B4-BE49-F238E27FC236}">
-                <a16:creationId xmlns:a16="http://schemas.microsoft.com/office/drawing/2014/main" id="{6D4C81E5-D7EC-45F8-B2B8-290EB1FB3018}"/>
+                <a16:creationId xmlns:a16="http://schemas.microsoft.com/office/drawing/2014/main" xmlns="" id="{6D4C81E5-D7EC-45F8-B2B8-290EB1FB3018}"/>
               </a:ext>
             </a:extLst>
           </p:cNvPr>
@@ -8774,12 +8822,36 @@
               <a:t>		</a:t>
             </a:r>
             <a:r>
+              <a:rPr lang="en-US" sz="1800" dirty="0" err="1" smtClean="0">
+                <a:solidFill>
+                  <a:srgbClr val="00B050"/>
+                </a:solidFill>
+              </a:rPr>
+              <a:t>matrix_set</a:t>
+            </a:r>
+            <a:r>
+              <a:rPr lang="en-US" sz="1800" dirty="0" smtClean="0">
+                <a:solidFill>
+                  <a:srgbClr val="00B050"/>
+                </a:solidFill>
+              </a:rPr>
+              <a:t>(&amp;a</a:t>
+            </a:r>
+            <a:r>
+              <a:rPr lang="en-US" sz="1800" dirty="0">
+                <a:solidFill>
+                  <a:srgbClr val="00B050"/>
+                </a:solidFill>
+              </a:rPr>
+              <a:t>, </a:t>
+            </a:r>
+            <a:r>
               <a:rPr lang="en-US" sz="1800" dirty="0" err="1">
                 <a:solidFill>
                   <a:srgbClr val="00B050"/>
                 </a:solidFill>
               </a:rPr>
-              <a:t>matrix_set</a:t>
+              <a:t>i</a:t>
             </a:r>
             <a:r>
               <a:rPr lang="en-US" sz="1800" dirty="0">
@@ -8787,23 +8859,15 @@
                   <a:srgbClr val="00B050"/>
                 </a:solidFill>
               </a:rPr>
-              <a:t>(a, </a:t>
-            </a:r>
-            <a:r>
-              <a:rPr lang="en-US" sz="1800" dirty="0" err="1">
-                <a:solidFill>
-                  <a:srgbClr val="00B050"/>
-                </a:solidFill>
-              </a:rPr>
-              <a:t>i</a:t>
+              <a:t>, j, x);</a:t>
             </a:r>
             <a:r>
               <a:rPr lang="en-US" sz="1800" dirty="0">
                 <a:solidFill>
-                  <a:srgbClr val="00B050"/>
-                </a:solidFill>
-              </a:rPr>
-              <a:t>, j, x);</a:t>
+                  <a:srgbClr val="002060"/>
+                </a:solidFill>
+              </a:rPr>
+              <a:t/>
             </a:r>
             <a:br>
               <a:rPr lang="en-US" sz="1800" dirty="0">
@@ -8866,6 +8930,14 @@
               </a:rPr>
               <a:t>b.</a:t>
             </a:r>
+            <a:r>
+              <a:rPr lang="en-US" sz="1800" dirty="0">
+                <a:solidFill>
+                  <a:srgbClr val="002060"/>
+                </a:solidFill>
+              </a:rPr>
+              <a:t/>
+            </a:r>
             <a:br>
               <a:rPr lang="en-US" sz="1800" dirty="0">
                 <a:solidFill>
@@ -8905,7 +8977,7 @@
           <p:cNvPr id="4" name="Date Placeholder 3">
             <a:extLst>
               <a:ext uri="{FF2B5EF4-FFF2-40B4-BE49-F238E27FC236}">
-                <a16:creationId xmlns:a16="http://schemas.microsoft.com/office/drawing/2014/main" id="{B2AB1CF8-1363-4CD2-8F0F-9D020AA86E6F}"/>
+                <a16:creationId xmlns:a16="http://schemas.microsoft.com/office/drawing/2014/main" xmlns="" id="{B2AB1CF8-1363-4CD2-8F0F-9D020AA86E6F}"/>
               </a:ext>
             </a:extLst>
           </p:cNvPr>
@@ -8933,7 +9005,7 @@
           <p:cNvPr id="5" name="Footer Placeholder 4">
             <a:extLst>
               <a:ext uri="{FF2B5EF4-FFF2-40B4-BE49-F238E27FC236}">
-                <a16:creationId xmlns:a16="http://schemas.microsoft.com/office/drawing/2014/main" id="{10C118F4-C7E5-4E29-A1D5-8C21142E1B39}"/>
+                <a16:creationId xmlns:a16="http://schemas.microsoft.com/office/drawing/2014/main" xmlns="" id="{10C118F4-C7E5-4E29-A1D5-8C21142E1B39}"/>
               </a:ext>
             </a:extLst>
           </p:cNvPr>
@@ -8962,7 +9034,7 @@
           <p:cNvPr id="6" name="Slide Number Placeholder 5">
             <a:extLst>
               <a:ext uri="{FF2B5EF4-FFF2-40B4-BE49-F238E27FC236}">
-                <a16:creationId xmlns:a16="http://schemas.microsoft.com/office/drawing/2014/main" id="{97E01D90-2AA2-4F8D-88AB-86262296D4C1}"/>
+                <a16:creationId xmlns:a16="http://schemas.microsoft.com/office/drawing/2014/main" xmlns="" id="{97E01D90-2AA2-4F8D-88AB-86262296D4C1}"/>
               </a:ext>
             </a:extLst>
           </p:cNvPr>
@@ -9021,7 +9093,7 @@
           <p:cNvPr id="2" name="Title 1">
             <a:extLst>
               <a:ext uri="{FF2B5EF4-FFF2-40B4-BE49-F238E27FC236}">
-                <a16:creationId xmlns:a16="http://schemas.microsoft.com/office/drawing/2014/main" id="{4BF4ABCF-7937-4BAC-B898-3417FE9D5F02}"/>
+                <a16:creationId xmlns:a16="http://schemas.microsoft.com/office/drawing/2014/main" xmlns="" id="{4BF4ABCF-7937-4BAC-B898-3417FE9D5F02}"/>
               </a:ext>
             </a:extLst>
           </p:cNvPr>
@@ -9053,7 +9125,7 @@
           <p:cNvPr id="3" name="Content Placeholder 2">
             <a:extLst>
               <a:ext uri="{FF2B5EF4-FFF2-40B4-BE49-F238E27FC236}">
-                <a16:creationId xmlns:a16="http://schemas.microsoft.com/office/drawing/2014/main" id="{9C692F10-459E-4F10-A738-F36310FA8BE1}"/>
+                <a16:creationId xmlns:a16="http://schemas.microsoft.com/office/drawing/2014/main" xmlns="" id="{9C692F10-459E-4F10-A738-F36310FA8BE1}"/>
               </a:ext>
             </a:extLst>
           </p:cNvPr>
@@ -9169,7 +9241,7 @@
           <p:cNvPr id="4" name="Date Placeholder 3">
             <a:extLst>
               <a:ext uri="{FF2B5EF4-FFF2-40B4-BE49-F238E27FC236}">
-                <a16:creationId xmlns:a16="http://schemas.microsoft.com/office/drawing/2014/main" id="{F7CF75A3-B975-462B-B48F-BFDE057468FC}"/>
+                <a16:creationId xmlns:a16="http://schemas.microsoft.com/office/drawing/2014/main" xmlns="" id="{F7CF75A3-B975-462B-B48F-BFDE057468FC}"/>
               </a:ext>
             </a:extLst>
           </p:cNvPr>
@@ -9197,7 +9269,7 @@
           <p:cNvPr id="5" name="Footer Placeholder 4">
             <a:extLst>
               <a:ext uri="{FF2B5EF4-FFF2-40B4-BE49-F238E27FC236}">
-                <a16:creationId xmlns:a16="http://schemas.microsoft.com/office/drawing/2014/main" id="{EBDDCF7E-F600-4F4D-815D-1D99143F28F1}"/>
+                <a16:creationId xmlns:a16="http://schemas.microsoft.com/office/drawing/2014/main" xmlns="" id="{EBDDCF7E-F600-4F4D-815D-1D99143F28F1}"/>
               </a:ext>
             </a:extLst>
           </p:cNvPr>
@@ -9226,7 +9298,7 @@
           <p:cNvPr id="6" name="Slide Number Placeholder 5">
             <a:extLst>
               <a:ext uri="{FF2B5EF4-FFF2-40B4-BE49-F238E27FC236}">
-                <a16:creationId xmlns:a16="http://schemas.microsoft.com/office/drawing/2014/main" id="{65786FBE-7A15-42F3-8C67-827C7CA331A9}"/>
+                <a16:creationId xmlns:a16="http://schemas.microsoft.com/office/drawing/2014/main" xmlns="" id="{65786FBE-7A15-42F3-8C67-827C7CA331A9}"/>
               </a:ext>
             </a:extLst>
           </p:cNvPr>
@@ -9285,7 +9357,7 @@
           <p:cNvPr id="2" name="Title 1">
             <a:extLst>
               <a:ext uri="{FF2B5EF4-FFF2-40B4-BE49-F238E27FC236}">
-                <a16:creationId xmlns:a16="http://schemas.microsoft.com/office/drawing/2014/main" id="{29C581E8-AB8A-4375-8A98-016D7E38DF11}"/>
+                <a16:creationId xmlns:a16="http://schemas.microsoft.com/office/drawing/2014/main" xmlns="" id="{29C581E8-AB8A-4375-8A98-016D7E38DF11}"/>
               </a:ext>
             </a:extLst>
           </p:cNvPr>
@@ -9324,7 +9396,7 @@
           <p:cNvPr id="4" name="TextBox 3">
             <a:extLst>
               <a:ext uri="{FF2B5EF4-FFF2-40B4-BE49-F238E27FC236}">
-                <a16:creationId xmlns:a16="http://schemas.microsoft.com/office/drawing/2014/main" id="{653A61F0-314B-4591-B52F-4C706BECF20F}"/>
+                <a16:creationId xmlns:a16="http://schemas.microsoft.com/office/drawing/2014/main" xmlns="" id="{653A61F0-314B-4591-B52F-4C706BECF20F}"/>
               </a:ext>
             </a:extLst>
           </p:cNvPr>
@@ -9333,7 +9405,7 @@
         </p:nvSpPr>
         <p:spPr>
           <a:xfrm>
-            <a:off x="725087" y="1690689"/>
+            <a:off x="725087" y="1630284"/>
             <a:ext cx="7023037" cy="3139321"/>
           </a:xfrm>
           <a:prstGeom prst="rect">
@@ -9701,7 +9773,7 @@
           <p:cNvPr id="5" name="TextBox 4">
             <a:extLst>
               <a:ext uri="{FF2B5EF4-FFF2-40B4-BE49-F238E27FC236}">
-                <a16:creationId xmlns:a16="http://schemas.microsoft.com/office/drawing/2014/main" id="{9778FC53-974B-492D-BD25-F694BFB3B314}"/>
+                <a16:creationId xmlns:a16="http://schemas.microsoft.com/office/drawing/2014/main" xmlns="" id="{9778FC53-974B-492D-BD25-F694BFB3B314}"/>
               </a:ext>
             </a:extLst>
           </p:cNvPr>
@@ -9767,7 +9839,7 @@
           <p:cNvPr id="6" name="TextBox 5">
             <a:extLst>
               <a:ext uri="{FF2B5EF4-FFF2-40B4-BE49-F238E27FC236}">
-                <a16:creationId xmlns:a16="http://schemas.microsoft.com/office/drawing/2014/main" id="{5A771FAE-7932-471D-A8E2-E559C3592491}"/>
+                <a16:creationId xmlns:a16="http://schemas.microsoft.com/office/drawing/2014/main" xmlns="" id="{5A771FAE-7932-471D-A8E2-E559C3592491}"/>
               </a:ext>
             </a:extLst>
           </p:cNvPr>
@@ -9810,7 +9882,7 @@
           <p:cNvPr id="7" name="TextBox 6">
             <a:extLst>
               <a:ext uri="{FF2B5EF4-FFF2-40B4-BE49-F238E27FC236}">
-                <a16:creationId xmlns:a16="http://schemas.microsoft.com/office/drawing/2014/main" id="{DDE32983-0DED-4919-8FF4-C81D76C133B8}"/>
+                <a16:creationId xmlns:a16="http://schemas.microsoft.com/office/drawing/2014/main" xmlns="" id="{DDE32983-0DED-4919-8FF4-C81D76C133B8}"/>
               </a:ext>
             </a:extLst>
           </p:cNvPr>
@@ -9845,6 +9917,10 @@
               </a:rPr>
               <a:t>rows*cols</a:t>
             </a:r>
+            <a:r>
+              <a:rPr lang="en-US" dirty="0"/>
+              <a:t/>
+            </a:r>
             <a:br>
               <a:rPr lang="en-US" dirty="0"/>
             </a:br>
@@ -9892,7 +9968,7 @@
           <p:cNvPr id="8" name="TextBox 7">
             <a:extLst>
               <a:ext uri="{FF2B5EF4-FFF2-40B4-BE49-F238E27FC236}">
-                <a16:creationId xmlns:a16="http://schemas.microsoft.com/office/drawing/2014/main" id="{0E7472CA-BD8E-4CF0-A4A0-D74175ABA794}"/>
+                <a16:creationId xmlns:a16="http://schemas.microsoft.com/office/drawing/2014/main" xmlns="" id="{0E7472CA-BD8E-4CF0-A4A0-D74175ABA794}"/>
               </a:ext>
             </a:extLst>
           </p:cNvPr>
@@ -9942,7 +10018,7 @@
           <p:cNvPr id="10" name="Straight Arrow Connector 9">
             <a:extLst>
               <a:ext uri="{FF2B5EF4-FFF2-40B4-BE49-F238E27FC236}">
-                <a16:creationId xmlns:a16="http://schemas.microsoft.com/office/drawing/2014/main" id="{9F04E894-D312-4872-96E7-42B570CD33BC}"/>
+                <a16:creationId xmlns:a16="http://schemas.microsoft.com/office/drawing/2014/main" xmlns="" id="{9F04E894-D312-4872-96E7-42B570CD33BC}"/>
               </a:ext>
             </a:extLst>
           </p:cNvPr>
@@ -9988,7 +10064,7 @@
           <p:cNvPr id="13" name="Straight Arrow Connector 12">
             <a:extLst>
               <a:ext uri="{FF2B5EF4-FFF2-40B4-BE49-F238E27FC236}">
-                <a16:creationId xmlns:a16="http://schemas.microsoft.com/office/drawing/2014/main" id="{F9E90BF4-D365-4C8E-A895-04093D745AE6}"/>
+                <a16:creationId xmlns:a16="http://schemas.microsoft.com/office/drawing/2014/main" xmlns="" id="{F9E90BF4-D365-4C8E-A895-04093D745AE6}"/>
               </a:ext>
             </a:extLst>
           </p:cNvPr>
@@ -10034,7 +10110,7 @@
           <p:cNvPr id="15" name="Straight Arrow Connector 14">
             <a:extLst>
               <a:ext uri="{FF2B5EF4-FFF2-40B4-BE49-F238E27FC236}">
-                <a16:creationId xmlns:a16="http://schemas.microsoft.com/office/drawing/2014/main" id="{DE6E2139-B5C1-4360-8299-786B54781160}"/>
+                <a16:creationId xmlns:a16="http://schemas.microsoft.com/office/drawing/2014/main" xmlns="" id="{DE6E2139-B5C1-4360-8299-786B54781160}"/>
               </a:ext>
             </a:extLst>
           </p:cNvPr>
@@ -10080,7 +10156,7 @@
           <p:cNvPr id="18" name="Straight Arrow Connector 17">
             <a:extLst>
               <a:ext uri="{FF2B5EF4-FFF2-40B4-BE49-F238E27FC236}">
-                <a16:creationId xmlns:a16="http://schemas.microsoft.com/office/drawing/2014/main" id="{D61F34EC-EAA2-4EC1-861E-47E40DCE72E1}"/>
+                <a16:creationId xmlns:a16="http://schemas.microsoft.com/office/drawing/2014/main" xmlns="" id="{D61F34EC-EAA2-4EC1-861E-47E40DCE72E1}"/>
               </a:ext>
             </a:extLst>
           </p:cNvPr>
@@ -10127,7 +10203,7 @@
           <p:cNvPr id="20" name="Date Placeholder 19">
             <a:extLst>
               <a:ext uri="{FF2B5EF4-FFF2-40B4-BE49-F238E27FC236}">
-                <a16:creationId xmlns:a16="http://schemas.microsoft.com/office/drawing/2014/main" id="{4DFF00D7-BCBE-474F-B943-4F614757905D}"/>
+                <a16:creationId xmlns:a16="http://schemas.microsoft.com/office/drawing/2014/main" xmlns="" id="{4DFF00D7-BCBE-474F-B943-4F614757905D}"/>
               </a:ext>
             </a:extLst>
           </p:cNvPr>
@@ -10155,7 +10231,7 @@
           <p:cNvPr id="21" name="Footer Placeholder 20">
             <a:extLst>
               <a:ext uri="{FF2B5EF4-FFF2-40B4-BE49-F238E27FC236}">
-                <a16:creationId xmlns:a16="http://schemas.microsoft.com/office/drawing/2014/main" id="{972B5C6E-1675-4EFB-A202-401E9B3AE69A}"/>
+                <a16:creationId xmlns:a16="http://schemas.microsoft.com/office/drawing/2014/main" xmlns="" id="{972B5C6E-1675-4EFB-A202-401E9B3AE69A}"/>
               </a:ext>
             </a:extLst>
           </p:cNvPr>
@@ -10184,7 +10260,7 @@
           <p:cNvPr id="22" name="Slide Number Placeholder 21">
             <a:extLst>
               <a:ext uri="{FF2B5EF4-FFF2-40B4-BE49-F238E27FC236}">
-                <a16:creationId xmlns:a16="http://schemas.microsoft.com/office/drawing/2014/main" id="{0C19838D-19E9-4CF1-A3A3-E7AF332E05F1}"/>
+                <a16:creationId xmlns:a16="http://schemas.microsoft.com/office/drawing/2014/main" xmlns="" id="{0C19838D-19E9-4CF1-A3A3-E7AF332E05F1}"/>
               </a:ext>
             </a:extLst>
           </p:cNvPr>
@@ -10243,7 +10319,7 @@
           <p:cNvPr id="2" name="Title 1">
             <a:extLst>
               <a:ext uri="{FF2B5EF4-FFF2-40B4-BE49-F238E27FC236}">
-                <a16:creationId xmlns:a16="http://schemas.microsoft.com/office/drawing/2014/main" id="{D63B623E-F33A-445F-9AFE-8064FB2FE71F}"/>
+                <a16:creationId xmlns:a16="http://schemas.microsoft.com/office/drawing/2014/main" xmlns="" id="{D63B623E-F33A-445F-9AFE-8064FB2FE71F}"/>
               </a:ext>
             </a:extLst>
           </p:cNvPr>
@@ -10274,7 +10350,7 @@
           <p:cNvPr id="4" name="Rectangle: Folded Corner 3">
             <a:extLst>
               <a:ext uri="{FF2B5EF4-FFF2-40B4-BE49-F238E27FC236}">
-                <a16:creationId xmlns:a16="http://schemas.microsoft.com/office/drawing/2014/main" id="{B2CED600-D7B7-49ED-BB45-08B04738EF6A}"/>
+                <a16:creationId xmlns:a16="http://schemas.microsoft.com/office/drawing/2014/main" xmlns="" id="{B2CED600-D7B7-49ED-BB45-08B04738EF6A}"/>
               </a:ext>
             </a:extLst>
           </p:cNvPr>
@@ -10331,7 +10407,7 @@
           <p:cNvPr id="5" name="Rectangle: Folded Corner 4">
             <a:extLst>
               <a:ext uri="{FF2B5EF4-FFF2-40B4-BE49-F238E27FC236}">
-                <a16:creationId xmlns:a16="http://schemas.microsoft.com/office/drawing/2014/main" id="{6A98A999-20FA-4429-933B-1E928C16A347}"/>
+                <a16:creationId xmlns:a16="http://schemas.microsoft.com/office/drawing/2014/main" xmlns="" id="{6A98A999-20FA-4429-933B-1E928C16A347}"/>
               </a:ext>
             </a:extLst>
           </p:cNvPr>
@@ -10382,7 +10458,7 @@
           <p:cNvPr id="6" name="Rectangle: Folded Corner 5">
             <a:extLst>
               <a:ext uri="{FF2B5EF4-FFF2-40B4-BE49-F238E27FC236}">
-                <a16:creationId xmlns:a16="http://schemas.microsoft.com/office/drawing/2014/main" id="{A8449B8D-D1DB-445F-B869-721A1751E868}"/>
+                <a16:creationId xmlns:a16="http://schemas.microsoft.com/office/drawing/2014/main" xmlns="" id="{A8449B8D-D1DB-445F-B869-721A1751E868}"/>
               </a:ext>
             </a:extLst>
           </p:cNvPr>
@@ -10433,7 +10509,7 @@
           <p:cNvPr id="7" name="Rectangle: Folded Corner 6">
             <a:extLst>
               <a:ext uri="{FF2B5EF4-FFF2-40B4-BE49-F238E27FC236}">
-                <a16:creationId xmlns:a16="http://schemas.microsoft.com/office/drawing/2014/main" id="{767EDF23-0940-41A0-B8B8-86EA32660788}"/>
+                <a16:creationId xmlns:a16="http://schemas.microsoft.com/office/drawing/2014/main" xmlns="" id="{767EDF23-0940-41A0-B8B8-86EA32660788}"/>
               </a:ext>
             </a:extLst>
           </p:cNvPr>
@@ -10484,7 +10560,7 @@
           <p:cNvPr id="8" name="Rectangle 7">
             <a:extLst>
               <a:ext uri="{FF2B5EF4-FFF2-40B4-BE49-F238E27FC236}">
-                <a16:creationId xmlns:a16="http://schemas.microsoft.com/office/drawing/2014/main" id="{F04DA900-ECED-455C-B74F-E69C0944F764}"/>
+                <a16:creationId xmlns:a16="http://schemas.microsoft.com/office/drawing/2014/main" xmlns="" id="{F04DA900-ECED-455C-B74F-E69C0944F764}"/>
               </a:ext>
             </a:extLst>
           </p:cNvPr>
@@ -10542,7 +10618,7 @@
           <p:cNvPr id="9" name="Rectangle 8">
             <a:extLst>
               <a:ext uri="{FF2B5EF4-FFF2-40B4-BE49-F238E27FC236}">
-                <a16:creationId xmlns:a16="http://schemas.microsoft.com/office/drawing/2014/main" id="{108F5048-26BA-427A-BF48-4B701EDEF017}"/>
+                <a16:creationId xmlns:a16="http://schemas.microsoft.com/office/drawing/2014/main" xmlns="" id="{108F5048-26BA-427A-BF48-4B701EDEF017}"/>
               </a:ext>
             </a:extLst>
           </p:cNvPr>
@@ -10600,7 +10676,7 @@
           <p:cNvPr id="18" name="Rectangle: Folded Corner 17">
             <a:extLst>
               <a:ext uri="{FF2B5EF4-FFF2-40B4-BE49-F238E27FC236}">
-                <a16:creationId xmlns:a16="http://schemas.microsoft.com/office/drawing/2014/main" id="{8768CE40-78E1-4378-9F0F-167820FC9E28}"/>
+                <a16:creationId xmlns:a16="http://schemas.microsoft.com/office/drawing/2014/main" xmlns="" id="{8768CE40-78E1-4378-9F0F-167820FC9E28}"/>
               </a:ext>
             </a:extLst>
           </p:cNvPr>
@@ -10657,7 +10733,7 @@
           <p:cNvPr id="19" name="Rectangle: Folded Corner 18">
             <a:extLst>
               <a:ext uri="{FF2B5EF4-FFF2-40B4-BE49-F238E27FC236}">
-                <a16:creationId xmlns:a16="http://schemas.microsoft.com/office/drawing/2014/main" id="{C6473861-E956-414A-AC6F-7B35D6473EA7}"/>
+                <a16:creationId xmlns:a16="http://schemas.microsoft.com/office/drawing/2014/main" xmlns="" id="{C6473861-E956-414A-AC6F-7B35D6473EA7}"/>
               </a:ext>
             </a:extLst>
           </p:cNvPr>
@@ -10708,7 +10784,7 @@
           <p:cNvPr id="21" name="Connector: Curved 20">
             <a:extLst>
               <a:ext uri="{FF2B5EF4-FFF2-40B4-BE49-F238E27FC236}">
-                <a16:creationId xmlns:a16="http://schemas.microsoft.com/office/drawing/2014/main" id="{0EF1658E-27C4-448D-A646-31F9B23AEADD}"/>
+                <a16:creationId xmlns:a16="http://schemas.microsoft.com/office/drawing/2014/main" xmlns="" id="{0EF1658E-27C4-448D-A646-31F9B23AEADD}"/>
               </a:ext>
             </a:extLst>
           </p:cNvPr>
@@ -10755,7 +10831,7 @@
           <p:cNvPr id="23" name="Connector: Curved 22">
             <a:extLst>
               <a:ext uri="{FF2B5EF4-FFF2-40B4-BE49-F238E27FC236}">
-                <a16:creationId xmlns:a16="http://schemas.microsoft.com/office/drawing/2014/main" id="{455D663C-1206-43C7-AF49-5AE8204E8EC1}"/>
+                <a16:creationId xmlns:a16="http://schemas.microsoft.com/office/drawing/2014/main" xmlns="" id="{455D663C-1206-43C7-AF49-5AE8204E8EC1}"/>
               </a:ext>
             </a:extLst>
           </p:cNvPr>
@@ -10802,7 +10878,7 @@
           <p:cNvPr id="25" name="Connector: Curved 24">
             <a:extLst>
               <a:ext uri="{FF2B5EF4-FFF2-40B4-BE49-F238E27FC236}">
-                <a16:creationId xmlns:a16="http://schemas.microsoft.com/office/drawing/2014/main" id="{A35C04B0-D095-4057-BD5A-4C222AC17263}"/>
+                <a16:creationId xmlns:a16="http://schemas.microsoft.com/office/drawing/2014/main" xmlns="" id="{A35C04B0-D095-4057-BD5A-4C222AC17263}"/>
               </a:ext>
             </a:extLst>
           </p:cNvPr>
@@ -10849,7 +10925,7 @@
           <p:cNvPr id="27" name="Connector: Curved 26">
             <a:extLst>
               <a:ext uri="{FF2B5EF4-FFF2-40B4-BE49-F238E27FC236}">
-                <a16:creationId xmlns:a16="http://schemas.microsoft.com/office/drawing/2014/main" id="{5AA98C0B-3B44-415C-AF0A-870A4FC4E98D}"/>
+                <a16:creationId xmlns:a16="http://schemas.microsoft.com/office/drawing/2014/main" xmlns="" id="{5AA98C0B-3B44-415C-AF0A-870A4FC4E98D}"/>
               </a:ext>
             </a:extLst>
           </p:cNvPr>
@@ -10896,7 +10972,7 @@
           <p:cNvPr id="35" name="Straight Arrow Connector 34">
             <a:extLst>
               <a:ext uri="{FF2B5EF4-FFF2-40B4-BE49-F238E27FC236}">
-                <a16:creationId xmlns:a16="http://schemas.microsoft.com/office/drawing/2014/main" id="{B0F0CC67-F1AF-4AFD-B50A-8B118CA38BF5}"/>
+                <a16:creationId xmlns:a16="http://schemas.microsoft.com/office/drawing/2014/main" xmlns="" id="{B0F0CC67-F1AF-4AFD-B50A-8B118CA38BF5}"/>
               </a:ext>
             </a:extLst>
           </p:cNvPr>
@@ -10944,7 +11020,7 @@
           <p:cNvPr id="37" name="Straight Arrow Connector 36">
             <a:extLst>
               <a:ext uri="{FF2B5EF4-FFF2-40B4-BE49-F238E27FC236}">
-                <a16:creationId xmlns:a16="http://schemas.microsoft.com/office/drawing/2014/main" id="{981089C7-55AF-4F80-9E7C-1FCEA7AEEF70}"/>
+                <a16:creationId xmlns:a16="http://schemas.microsoft.com/office/drawing/2014/main" xmlns="" id="{981089C7-55AF-4F80-9E7C-1FCEA7AEEF70}"/>
               </a:ext>
             </a:extLst>
           </p:cNvPr>
@@ -10992,7 +11068,7 @@
           <p:cNvPr id="39" name="TextBox 38">
             <a:extLst>
               <a:ext uri="{FF2B5EF4-FFF2-40B4-BE49-F238E27FC236}">
-                <a16:creationId xmlns:a16="http://schemas.microsoft.com/office/drawing/2014/main" id="{DF6A75ED-AB18-45C0-A4C9-47A0FA0AEBDA}"/>
+                <a16:creationId xmlns:a16="http://schemas.microsoft.com/office/drawing/2014/main" xmlns="" id="{DF6A75ED-AB18-45C0-A4C9-47A0FA0AEBDA}"/>
               </a:ext>
             </a:extLst>
           </p:cNvPr>
@@ -11031,7 +11107,7 @@
           <p:cNvPr id="40" name="TextBox 39">
             <a:extLst>
               <a:ext uri="{FF2B5EF4-FFF2-40B4-BE49-F238E27FC236}">
-                <a16:creationId xmlns:a16="http://schemas.microsoft.com/office/drawing/2014/main" id="{E50AFD25-721E-4F5B-BEB1-56E9E2682761}"/>
+                <a16:creationId xmlns:a16="http://schemas.microsoft.com/office/drawing/2014/main" xmlns="" id="{E50AFD25-721E-4F5B-BEB1-56E9E2682761}"/>
               </a:ext>
             </a:extLst>
           </p:cNvPr>
@@ -11070,7 +11146,7 @@
           <p:cNvPr id="3" name="Date Placeholder 2">
             <a:extLst>
               <a:ext uri="{FF2B5EF4-FFF2-40B4-BE49-F238E27FC236}">
-                <a16:creationId xmlns:a16="http://schemas.microsoft.com/office/drawing/2014/main" id="{E97C6DC1-CE61-4E54-BF70-2B6D4E0DC800}"/>
+                <a16:creationId xmlns:a16="http://schemas.microsoft.com/office/drawing/2014/main" xmlns="" id="{E97C6DC1-CE61-4E54-BF70-2B6D4E0DC800}"/>
               </a:ext>
             </a:extLst>
           </p:cNvPr>
@@ -11098,7 +11174,7 @@
           <p:cNvPr id="10" name="Footer Placeholder 9">
             <a:extLst>
               <a:ext uri="{FF2B5EF4-FFF2-40B4-BE49-F238E27FC236}">
-                <a16:creationId xmlns:a16="http://schemas.microsoft.com/office/drawing/2014/main" id="{B813CC73-F86D-499E-B683-CAF1E663FC28}"/>
+                <a16:creationId xmlns:a16="http://schemas.microsoft.com/office/drawing/2014/main" xmlns="" id="{B813CC73-F86D-499E-B683-CAF1E663FC28}"/>
               </a:ext>
             </a:extLst>
           </p:cNvPr>
@@ -11127,7 +11203,7 @@
           <p:cNvPr id="11" name="Slide Number Placeholder 10">
             <a:extLst>
               <a:ext uri="{FF2B5EF4-FFF2-40B4-BE49-F238E27FC236}">
-                <a16:creationId xmlns:a16="http://schemas.microsoft.com/office/drawing/2014/main" id="{40E15A02-D105-4D88-826C-BCE39B5BF7A6}"/>
+                <a16:creationId xmlns:a16="http://schemas.microsoft.com/office/drawing/2014/main" xmlns="" id="{40E15A02-D105-4D88-826C-BCE39B5BF7A6}"/>
               </a:ext>
             </a:extLst>
           </p:cNvPr>
@@ -11186,7 +11262,7 @@
           <p:cNvPr id="2" name="Title 1">
             <a:extLst>
               <a:ext uri="{FF2B5EF4-FFF2-40B4-BE49-F238E27FC236}">
-                <a16:creationId xmlns:a16="http://schemas.microsoft.com/office/drawing/2014/main" id="{5B78C2E4-1764-455E-8059-3B53E0B16BA7}"/>
+                <a16:creationId xmlns:a16="http://schemas.microsoft.com/office/drawing/2014/main" xmlns="" id="{5B78C2E4-1764-455E-8059-3B53E0B16BA7}"/>
               </a:ext>
             </a:extLst>
           </p:cNvPr>
@@ -11222,7 +11298,7 @@
           <p:cNvPr id="3" name="Content Placeholder 2">
             <a:extLst>
               <a:ext uri="{FF2B5EF4-FFF2-40B4-BE49-F238E27FC236}">
-                <a16:creationId xmlns:a16="http://schemas.microsoft.com/office/drawing/2014/main" id="{67C9C6F3-A310-4623-A725-068AF385B484}"/>
+                <a16:creationId xmlns:a16="http://schemas.microsoft.com/office/drawing/2014/main" xmlns="" id="{67C9C6F3-A310-4623-A725-068AF385B484}"/>
               </a:ext>
             </a:extLst>
           </p:cNvPr>
@@ -11255,6 +11331,10 @@
               <a:rPr lang="ru-RU" sz="2000" dirty="0"/>
               <a:t>Программе не должно быть нужно </a:t>
             </a:r>
+            <a:r>
+              <a:rPr lang="en-US" sz="2000" dirty="0"/>
+              <a:t/>
+            </a:r>
             <a:br>
               <a:rPr lang="en-US" sz="2000" dirty="0"/>
             </a:br>
@@ -11270,6 +11350,10 @@
               <a:rPr lang="ru-RU" sz="2000" dirty="0"/>
               <a:t>с «внутренностями»</a:t>
             </a:r>
+            <a:r>
+              <a:rPr lang="en-US" sz="2000" dirty="0"/>
+              <a:t/>
+            </a:r>
             <a:br>
               <a:rPr lang="en-US" sz="2000" dirty="0"/>
             </a:br>
@@ -11286,7 +11370,7 @@
           <p:cNvPr id="4" name="Group 3">
             <a:extLst>
               <a:ext uri="{FF2B5EF4-FFF2-40B4-BE49-F238E27FC236}">
-                <a16:creationId xmlns:a16="http://schemas.microsoft.com/office/drawing/2014/main" id="{3DF86EF9-6754-4F7C-AE51-ABD9061F6B9A}"/>
+                <a16:creationId xmlns:a16="http://schemas.microsoft.com/office/drawing/2014/main" xmlns="" id="{3DF86EF9-6754-4F7C-AE51-ABD9061F6B9A}"/>
               </a:ext>
             </a:extLst>
           </p:cNvPr>
@@ -11306,7 +11390,7 @@
             <p:cNvPr id="5" name="Rectangle 4">
               <a:extLst>
                 <a:ext uri="{FF2B5EF4-FFF2-40B4-BE49-F238E27FC236}">
-                  <a16:creationId xmlns:a16="http://schemas.microsoft.com/office/drawing/2014/main" id="{4DB30527-1FFE-424E-A1D7-5F3D95D56C1B}"/>
+                  <a16:creationId xmlns:a16="http://schemas.microsoft.com/office/drawing/2014/main" xmlns="" id="{4DB30527-1FFE-424E-A1D7-5F3D95D56C1B}"/>
                 </a:ext>
               </a:extLst>
             </p:cNvPr>
@@ -11363,7 +11447,7 @@
             <p:cNvPr id="6" name="Rectangle 5">
               <a:extLst>
                 <a:ext uri="{FF2B5EF4-FFF2-40B4-BE49-F238E27FC236}">
-                  <a16:creationId xmlns:a16="http://schemas.microsoft.com/office/drawing/2014/main" id="{9B25A2E1-AF23-45F7-977F-A3C400FA1719}"/>
+                  <a16:creationId xmlns:a16="http://schemas.microsoft.com/office/drawing/2014/main" xmlns="" id="{9B25A2E1-AF23-45F7-977F-A3C400FA1719}"/>
                 </a:ext>
               </a:extLst>
             </p:cNvPr>
@@ -11420,7 +11504,7 @@
             <p:cNvPr id="7" name="Rectangle 6">
               <a:extLst>
                 <a:ext uri="{FF2B5EF4-FFF2-40B4-BE49-F238E27FC236}">
-                  <a16:creationId xmlns:a16="http://schemas.microsoft.com/office/drawing/2014/main" id="{796B9E20-285B-4A11-A1A6-2F7F5D16E20E}"/>
+                  <a16:creationId xmlns:a16="http://schemas.microsoft.com/office/drawing/2014/main" xmlns="" id="{796B9E20-285B-4A11-A1A6-2F7F5D16E20E}"/>
                 </a:ext>
               </a:extLst>
             </p:cNvPr>
@@ -11477,7 +11561,7 @@
             <p:cNvPr id="8" name="Rectangle 7">
               <a:extLst>
                 <a:ext uri="{FF2B5EF4-FFF2-40B4-BE49-F238E27FC236}">
-                  <a16:creationId xmlns:a16="http://schemas.microsoft.com/office/drawing/2014/main" id="{D36BBCA0-87B2-4580-9EF2-18F3BC3EA701}"/>
+                  <a16:creationId xmlns:a16="http://schemas.microsoft.com/office/drawing/2014/main" xmlns="" id="{D36BBCA0-87B2-4580-9EF2-18F3BC3EA701}"/>
                 </a:ext>
               </a:extLst>
             </p:cNvPr>
@@ -11535,7 +11619,7 @@
           <p:cNvPr id="9" name="Group 8">
             <a:extLst>
               <a:ext uri="{FF2B5EF4-FFF2-40B4-BE49-F238E27FC236}">
-                <a16:creationId xmlns:a16="http://schemas.microsoft.com/office/drawing/2014/main" id="{C4374DD5-7BDD-4320-A7BC-F67286A50F59}"/>
+                <a16:creationId xmlns:a16="http://schemas.microsoft.com/office/drawing/2014/main" xmlns="" id="{C4374DD5-7BDD-4320-A7BC-F67286A50F59}"/>
               </a:ext>
             </a:extLst>
           </p:cNvPr>
@@ -11555,7 +11639,7 @@
             <p:cNvPr id="10" name="Rectangle 9">
               <a:extLst>
                 <a:ext uri="{FF2B5EF4-FFF2-40B4-BE49-F238E27FC236}">
-                  <a16:creationId xmlns:a16="http://schemas.microsoft.com/office/drawing/2014/main" id="{AF71D2AE-7AA7-488D-9ADC-DC616EE7E2F1}"/>
+                  <a16:creationId xmlns:a16="http://schemas.microsoft.com/office/drawing/2014/main" xmlns="" id="{AF71D2AE-7AA7-488D-9ADC-DC616EE7E2F1}"/>
                 </a:ext>
               </a:extLst>
             </p:cNvPr>
@@ -11612,7 +11696,7 @@
             <p:cNvPr id="11" name="Rectangle 10">
               <a:extLst>
                 <a:ext uri="{FF2B5EF4-FFF2-40B4-BE49-F238E27FC236}">
-                  <a16:creationId xmlns:a16="http://schemas.microsoft.com/office/drawing/2014/main" id="{EA3028CD-B808-4363-87AC-E981CDDB051A}"/>
+                  <a16:creationId xmlns:a16="http://schemas.microsoft.com/office/drawing/2014/main" xmlns="" id="{EA3028CD-B808-4363-87AC-E981CDDB051A}"/>
                 </a:ext>
               </a:extLst>
             </p:cNvPr>
@@ -11669,7 +11753,7 @@
             <p:cNvPr id="12" name="Rectangle 11">
               <a:extLst>
                 <a:ext uri="{FF2B5EF4-FFF2-40B4-BE49-F238E27FC236}">
-                  <a16:creationId xmlns:a16="http://schemas.microsoft.com/office/drawing/2014/main" id="{D672326A-B0EE-4079-8B02-CF908EE576BF}"/>
+                  <a16:creationId xmlns:a16="http://schemas.microsoft.com/office/drawing/2014/main" xmlns="" id="{D672326A-B0EE-4079-8B02-CF908EE576BF}"/>
                 </a:ext>
               </a:extLst>
             </p:cNvPr>
@@ -11726,7 +11810,7 @@
             <p:cNvPr id="13" name="Rectangle 12">
               <a:extLst>
                 <a:ext uri="{FF2B5EF4-FFF2-40B4-BE49-F238E27FC236}">
-                  <a16:creationId xmlns:a16="http://schemas.microsoft.com/office/drawing/2014/main" id="{65769E87-C6D3-491E-A51E-94D6EBADEEC2}"/>
+                  <a16:creationId xmlns:a16="http://schemas.microsoft.com/office/drawing/2014/main" xmlns="" id="{65769E87-C6D3-491E-A51E-94D6EBADEEC2}"/>
                 </a:ext>
               </a:extLst>
             </p:cNvPr>
@@ -11784,7 +11868,7 @@
           <p:cNvPr id="14" name="Group 13">
             <a:extLst>
               <a:ext uri="{FF2B5EF4-FFF2-40B4-BE49-F238E27FC236}">
-                <a16:creationId xmlns:a16="http://schemas.microsoft.com/office/drawing/2014/main" id="{3A6FAD9E-AF04-457C-8ED8-A6DEBAFC6453}"/>
+                <a16:creationId xmlns:a16="http://schemas.microsoft.com/office/drawing/2014/main" xmlns="" id="{3A6FAD9E-AF04-457C-8ED8-A6DEBAFC6453}"/>
               </a:ext>
             </a:extLst>
           </p:cNvPr>
@@ -11804,7 +11888,7 @@
             <p:cNvPr id="15" name="Rectangle 14">
               <a:extLst>
                 <a:ext uri="{FF2B5EF4-FFF2-40B4-BE49-F238E27FC236}">
-                  <a16:creationId xmlns:a16="http://schemas.microsoft.com/office/drawing/2014/main" id="{D3FBB017-33C3-45A6-A977-0830D9F776A8}"/>
+                  <a16:creationId xmlns:a16="http://schemas.microsoft.com/office/drawing/2014/main" xmlns="" id="{D3FBB017-33C3-45A6-A977-0830D9F776A8}"/>
                 </a:ext>
               </a:extLst>
             </p:cNvPr>
@@ -11861,7 +11945,7 @@
             <p:cNvPr id="16" name="Rectangle 15">
               <a:extLst>
                 <a:ext uri="{FF2B5EF4-FFF2-40B4-BE49-F238E27FC236}">
-                  <a16:creationId xmlns:a16="http://schemas.microsoft.com/office/drawing/2014/main" id="{309E9F01-6B7F-47BD-8070-821477CD5827}"/>
+                  <a16:creationId xmlns:a16="http://schemas.microsoft.com/office/drawing/2014/main" xmlns="" id="{309E9F01-6B7F-47BD-8070-821477CD5827}"/>
                 </a:ext>
               </a:extLst>
             </p:cNvPr>
@@ -11918,7 +12002,7 @@
             <p:cNvPr id="17" name="Rectangle 16">
               <a:extLst>
                 <a:ext uri="{FF2B5EF4-FFF2-40B4-BE49-F238E27FC236}">
-                  <a16:creationId xmlns:a16="http://schemas.microsoft.com/office/drawing/2014/main" id="{191371D1-9DEF-453D-AA49-3DF7C4B3D54E}"/>
+                  <a16:creationId xmlns:a16="http://schemas.microsoft.com/office/drawing/2014/main" xmlns="" id="{191371D1-9DEF-453D-AA49-3DF7C4B3D54E}"/>
                 </a:ext>
               </a:extLst>
             </p:cNvPr>
@@ -11975,7 +12059,7 @@
             <p:cNvPr id="18" name="Rectangle 17">
               <a:extLst>
                 <a:ext uri="{FF2B5EF4-FFF2-40B4-BE49-F238E27FC236}">
-                  <a16:creationId xmlns:a16="http://schemas.microsoft.com/office/drawing/2014/main" id="{C1405A8A-3744-4E02-BDE3-2B5CF1694697}"/>
+                  <a16:creationId xmlns:a16="http://schemas.microsoft.com/office/drawing/2014/main" xmlns="" id="{C1405A8A-3744-4E02-BDE3-2B5CF1694697}"/>
                 </a:ext>
               </a:extLst>
             </p:cNvPr>
@@ -12033,7 +12117,7 @@
           <p:cNvPr id="19" name="Group 18">
             <a:extLst>
               <a:ext uri="{FF2B5EF4-FFF2-40B4-BE49-F238E27FC236}">
-                <a16:creationId xmlns:a16="http://schemas.microsoft.com/office/drawing/2014/main" id="{EAFBF1CB-78B0-4613-A2E3-8C807971E93E}"/>
+                <a16:creationId xmlns:a16="http://schemas.microsoft.com/office/drawing/2014/main" xmlns="" id="{EAFBF1CB-78B0-4613-A2E3-8C807971E93E}"/>
               </a:ext>
             </a:extLst>
           </p:cNvPr>
@@ -12053,7 +12137,7 @@
             <p:cNvPr id="20" name="Rectangle 19">
               <a:extLst>
                 <a:ext uri="{FF2B5EF4-FFF2-40B4-BE49-F238E27FC236}">
-                  <a16:creationId xmlns:a16="http://schemas.microsoft.com/office/drawing/2014/main" id="{4F65E1B9-9AAC-43CA-AD07-7D3A9C23B5CA}"/>
+                  <a16:creationId xmlns:a16="http://schemas.microsoft.com/office/drawing/2014/main" xmlns="" id="{4F65E1B9-9AAC-43CA-AD07-7D3A9C23B5CA}"/>
                 </a:ext>
               </a:extLst>
             </p:cNvPr>
@@ -12110,7 +12194,7 @@
             <p:cNvPr id="21" name="Rectangle 20">
               <a:extLst>
                 <a:ext uri="{FF2B5EF4-FFF2-40B4-BE49-F238E27FC236}">
-                  <a16:creationId xmlns:a16="http://schemas.microsoft.com/office/drawing/2014/main" id="{53C5533C-A4E4-4F5A-8D19-86010931FF2D}"/>
+                  <a16:creationId xmlns:a16="http://schemas.microsoft.com/office/drawing/2014/main" xmlns="" id="{53C5533C-A4E4-4F5A-8D19-86010931FF2D}"/>
                 </a:ext>
               </a:extLst>
             </p:cNvPr>
@@ -12167,7 +12251,7 @@
             <p:cNvPr id="22" name="Rectangle 21">
               <a:extLst>
                 <a:ext uri="{FF2B5EF4-FFF2-40B4-BE49-F238E27FC236}">
-                  <a16:creationId xmlns:a16="http://schemas.microsoft.com/office/drawing/2014/main" id="{0743F25C-07E4-463E-8805-72133362636B}"/>
+                  <a16:creationId xmlns:a16="http://schemas.microsoft.com/office/drawing/2014/main" xmlns="" id="{0743F25C-07E4-463E-8805-72133362636B}"/>
                 </a:ext>
               </a:extLst>
             </p:cNvPr>
@@ -12224,7 +12308,7 @@
             <p:cNvPr id="23" name="Rectangle 22">
               <a:extLst>
                 <a:ext uri="{FF2B5EF4-FFF2-40B4-BE49-F238E27FC236}">
-                  <a16:creationId xmlns:a16="http://schemas.microsoft.com/office/drawing/2014/main" id="{C91EDADA-FED8-495D-A974-935971181677}"/>
+                  <a16:creationId xmlns:a16="http://schemas.microsoft.com/office/drawing/2014/main" xmlns="" id="{C91EDADA-FED8-495D-A974-935971181677}"/>
                 </a:ext>
               </a:extLst>
             </p:cNvPr>
@@ -12282,7 +12366,7 @@
           <p:cNvPr id="24" name="Group 23">
             <a:extLst>
               <a:ext uri="{FF2B5EF4-FFF2-40B4-BE49-F238E27FC236}">
-                <a16:creationId xmlns:a16="http://schemas.microsoft.com/office/drawing/2014/main" id="{E54991A9-1AD8-41A3-AB50-0021A6BAC39A}"/>
+                <a16:creationId xmlns:a16="http://schemas.microsoft.com/office/drawing/2014/main" xmlns="" id="{E54991A9-1AD8-41A3-AB50-0021A6BAC39A}"/>
               </a:ext>
             </a:extLst>
           </p:cNvPr>
@@ -12302,7 +12386,7 @@
             <p:cNvPr id="25" name="Rectangle 24">
               <a:extLst>
                 <a:ext uri="{FF2B5EF4-FFF2-40B4-BE49-F238E27FC236}">
-                  <a16:creationId xmlns:a16="http://schemas.microsoft.com/office/drawing/2014/main" id="{90A8AAB8-1BD1-4F19-9C7E-E06D7009DF08}"/>
+                  <a16:creationId xmlns:a16="http://schemas.microsoft.com/office/drawing/2014/main" xmlns="" id="{90A8AAB8-1BD1-4F19-9C7E-E06D7009DF08}"/>
                 </a:ext>
               </a:extLst>
             </p:cNvPr>
@@ -12359,7 +12443,7 @@
             <p:cNvPr id="26" name="Rectangle 25">
               <a:extLst>
                 <a:ext uri="{FF2B5EF4-FFF2-40B4-BE49-F238E27FC236}">
-                  <a16:creationId xmlns:a16="http://schemas.microsoft.com/office/drawing/2014/main" id="{49A6ED0A-E7CC-4222-91CD-CC8252E3FF6B}"/>
+                  <a16:creationId xmlns:a16="http://schemas.microsoft.com/office/drawing/2014/main" xmlns="" id="{49A6ED0A-E7CC-4222-91CD-CC8252E3FF6B}"/>
                 </a:ext>
               </a:extLst>
             </p:cNvPr>
@@ -12416,7 +12500,7 @@
             <p:cNvPr id="27" name="Rectangle 26">
               <a:extLst>
                 <a:ext uri="{FF2B5EF4-FFF2-40B4-BE49-F238E27FC236}">
-                  <a16:creationId xmlns:a16="http://schemas.microsoft.com/office/drawing/2014/main" id="{C8D29088-CE9F-405E-9A84-DC840F03A894}"/>
+                  <a16:creationId xmlns:a16="http://schemas.microsoft.com/office/drawing/2014/main" xmlns="" id="{C8D29088-CE9F-405E-9A84-DC840F03A894}"/>
                 </a:ext>
               </a:extLst>
             </p:cNvPr>
@@ -12473,7 +12557,7 @@
             <p:cNvPr id="28" name="Rectangle 27">
               <a:extLst>
                 <a:ext uri="{FF2B5EF4-FFF2-40B4-BE49-F238E27FC236}">
-                  <a16:creationId xmlns:a16="http://schemas.microsoft.com/office/drawing/2014/main" id="{A89C1DE0-9A83-4F06-845D-D40563877AA7}"/>
+                  <a16:creationId xmlns:a16="http://schemas.microsoft.com/office/drawing/2014/main" xmlns="" id="{A89C1DE0-9A83-4F06-845D-D40563877AA7}"/>
                 </a:ext>
               </a:extLst>
             </p:cNvPr>
@@ -12531,7 +12615,7 @@
           <p:cNvPr id="29" name="Group 28">
             <a:extLst>
               <a:ext uri="{FF2B5EF4-FFF2-40B4-BE49-F238E27FC236}">
-                <a16:creationId xmlns:a16="http://schemas.microsoft.com/office/drawing/2014/main" id="{9D7A1E95-C3A6-4068-810D-01A6E96E9378}"/>
+                <a16:creationId xmlns:a16="http://schemas.microsoft.com/office/drawing/2014/main" xmlns="" id="{9D7A1E95-C3A6-4068-810D-01A6E96E9378}"/>
               </a:ext>
             </a:extLst>
           </p:cNvPr>
@@ -12551,7 +12635,7 @@
             <p:cNvPr id="30" name="Rectangle 29">
               <a:extLst>
                 <a:ext uri="{FF2B5EF4-FFF2-40B4-BE49-F238E27FC236}">
-                  <a16:creationId xmlns:a16="http://schemas.microsoft.com/office/drawing/2014/main" id="{E40F8DB8-82D7-4DF1-8278-122594DEFC1A}"/>
+                  <a16:creationId xmlns:a16="http://schemas.microsoft.com/office/drawing/2014/main" xmlns="" id="{E40F8DB8-82D7-4DF1-8278-122594DEFC1A}"/>
                 </a:ext>
               </a:extLst>
             </p:cNvPr>
@@ -12608,7 +12692,7 @@
             <p:cNvPr id="31" name="Rectangle 30">
               <a:extLst>
                 <a:ext uri="{FF2B5EF4-FFF2-40B4-BE49-F238E27FC236}">
-                  <a16:creationId xmlns:a16="http://schemas.microsoft.com/office/drawing/2014/main" id="{C877793A-5964-4AD7-B46A-DA2BAC4471B7}"/>
+                  <a16:creationId xmlns:a16="http://schemas.microsoft.com/office/drawing/2014/main" xmlns="" id="{C877793A-5964-4AD7-B46A-DA2BAC4471B7}"/>
                 </a:ext>
               </a:extLst>
             </p:cNvPr>
@@ -12665,7 +12749,7 @@
             <p:cNvPr id="32" name="Rectangle 31">
               <a:extLst>
                 <a:ext uri="{FF2B5EF4-FFF2-40B4-BE49-F238E27FC236}">
-                  <a16:creationId xmlns:a16="http://schemas.microsoft.com/office/drawing/2014/main" id="{CC667518-D345-480F-BD62-E9369E2B1F5D}"/>
+                  <a16:creationId xmlns:a16="http://schemas.microsoft.com/office/drawing/2014/main" xmlns="" id="{CC667518-D345-480F-BD62-E9369E2B1F5D}"/>
                 </a:ext>
               </a:extLst>
             </p:cNvPr>
@@ -12722,7 +12806,7 @@
             <p:cNvPr id="33" name="Rectangle 32">
               <a:extLst>
                 <a:ext uri="{FF2B5EF4-FFF2-40B4-BE49-F238E27FC236}">
-                  <a16:creationId xmlns:a16="http://schemas.microsoft.com/office/drawing/2014/main" id="{153534CC-1540-4EB4-A5E9-832D25F34ADD}"/>
+                  <a16:creationId xmlns:a16="http://schemas.microsoft.com/office/drawing/2014/main" xmlns="" id="{153534CC-1540-4EB4-A5E9-832D25F34ADD}"/>
                 </a:ext>
               </a:extLst>
             </p:cNvPr>
@@ -12780,7 +12864,7 @@
           <p:cNvPr id="34" name="Group 33">
             <a:extLst>
               <a:ext uri="{FF2B5EF4-FFF2-40B4-BE49-F238E27FC236}">
-                <a16:creationId xmlns:a16="http://schemas.microsoft.com/office/drawing/2014/main" id="{EBE8F599-4AA3-44C5-8F4D-9E2D110C403C}"/>
+                <a16:creationId xmlns:a16="http://schemas.microsoft.com/office/drawing/2014/main" xmlns="" id="{EBE8F599-4AA3-44C5-8F4D-9E2D110C403C}"/>
               </a:ext>
             </a:extLst>
           </p:cNvPr>
@@ -12800,7 +12884,7 @@
             <p:cNvPr id="35" name="Straight Connector 34">
               <a:extLst>
                 <a:ext uri="{FF2B5EF4-FFF2-40B4-BE49-F238E27FC236}">
-                  <a16:creationId xmlns:a16="http://schemas.microsoft.com/office/drawing/2014/main" id="{F06FB8FD-8BC0-4598-9A8C-7E743C9BD7F9}"/>
+                  <a16:creationId xmlns:a16="http://schemas.microsoft.com/office/drawing/2014/main" xmlns="" id="{F06FB8FD-8BC0-4598-9A8C-7E743C9BD7F9}"/>
                 </a:ext>
               </a:extLst>
             </p:cNvPr>
@@ -12845,7 +12929,7 @@
             <p:cNvPr id="36" name="Straight Connector 35">
               <a:extLst>
                 <a:ext uri="{FF2B5EF4-FFF2-40B4-BE49-F238E27FC236}">
-                  <a16:creationId xmlns:a16="http://schemas.microsoft.com/office/drawing/2014/main" id="{7D64DA32-EC96-41F6-959D-B49CA35460F0}"/>
+                  <a16:creationId xmlns:a16="http://schemas.microsoft.com/office/drawing/2014/main" xmlns="" id="{7D64DA32-EC96-41F6-959D-B49CA35460F0}"/>
                 </a:ext>
               </a:extLst>
             </p:cNvPr>
@@ -12890,7 +12974,7 @@
             <p:cNvPr id="37" name="Straight Arrow Connector 36">
               <a:extLst>
                 <a:ext uri="{FF2B5EF4-FFF2-40B4-BE49-F238E27FC236}">
-                  <a16:creationId xmlns:a16="http://schemas.microsoft.com/office/drawing/2014/main" id="{DE400747-62D8-4DC0-9F04-55A550E36021}"/>
+                  <a16:creationId xmlns:a16="http://schemas.microsoft.com/office/drawing/2014/main" xmlns="" id="{DE400747-62D8-4DC0-9F04-55A550E36021}"/>
                 </a:ext>
               </a:extLst>
             </p:cNvPr>
@@ -12936,7 +13020,7 @@
           <p:cNvPr id="38" name="Group 37">
             <a:extLst>
               <a:ext uri="{FF2B5EF4-FFF2-40B4-BE49-F238E27FC236}">
-                <a16:creationId xmlns:a16="http://schemas.microsoft.com/office/drawing/2014/main" id="{1A60C01A-A6E5-4A47-B87A-A834857E00E5}"/>
+                <a16:creationId xmlns:a16="http://schemas.microsoft.com/office/drawing/2014/main" xmlns="" id="{1A60C01A-A6E5-4A47-B87A-A834857E00E5}"/>
               </a:ext>
             </a:extLst>
           </p:cNvPr>
@@ -12956,7 +13040,7 @@
             <p:cNvPr id="39" name="Straight Connector 38">
               <a:extLst>
                 <a:ext uri="{FF2B5EF4-FFF2-40B4-BE49-F238E27FC236}">
-                  <a16:creationId xmlns:a16="http://schemas.microsoft.com/office/drawing/2014/main" id="{E1D6AE9D-73DC-49B3-A9AF-261C9FFE3088}"/>
+                  <a16:creationId xmlns:a16="http://schemas.microsoft.com/office/drawing/2014/main" xmlns="" id="{E1D6AE9D-73DC-49B3-A9AF-261C9FFE3088}"/>
                 </a:ext>
               </a:extLst>
             </p:cNvPr>
@@ -13001,7 +13085,7 @@
             <p:cNvPr id="40" name="Straight Connector 39">
               <a:extLst>
                 <a:ext uri="{FF2B5EF4-FFF2-40B4-BE49-F238E27FC236}">
-                  <a16:creationId xmlns:a16="http://schemas.microsoft.com/office/drawing/2014/main" id="{5FF08A63-786D-4043-B22C-E04D74C898A2}"/>
+                  <a16:creationId xmlns:a16="http://schemas.microsoft.com/office/drawing/2014/main" xmlns="" id="{5FF08A63-786D-4043-B22C-E04D74C898A2}"/>
                 </a:ext>
               </a:extLst>
             </p:cNvPr>
@@ -13046,7 +13130,7 @@
             <p:cNvPr id="41" name="Straight Arrow Connector 40">
               <a:extLst>
                 <a:ext uri="{FF2B5EF4-FFF2-40B4-BE49-F238E27FC236}">
-                  <a16:creationId xmlns:a16="http://schemas.microsoft.com/office/drawing/2014/main" id="{9E7580FD-15DA-4528-AD59-7327F03297C1}"/>
+                  <a16:creationId xmlns:a16="http://schemas.microsoft.com/office/drawing/2014/main" xmlns="" id="{9E7580FD-15DA-4528-AD59-7327F03297C1}"/>
                 </a:ext>
               </a:extLst>
             </p:cNvPr>
@@ -13092,7 +13176,7 @@
           <p:cNvPr id="42" name="TextBox 41">
             <a:extLst>
               <a:ext uri="{FF2B5EF4-FFF2-40B4-BE49-F238E27FC236}">
-                <a16:creationId xmlns:a16="http://schemas.microsoft.com/office/drawing/2014/main" id="{19490745-CD7D-48EC-98EB-B53262960DCF}"/>
+                <a16:creationId xmlns:a16="http://schemas.microsoft.com/office/drawing/2014/main" xmlns="" id="{19490745-CD7D-48EC-98EB-B53262960DCF}"/>
               </a:ext>
             </a:extLst>
           </p:cNvPr>
@@ -13133,7 +13217,7 @@
           <p:cNvPr id="43" name="TextBox 42">
             <a:extLst>
               <a:ext uri="{FF2B5EF4-FFF2-40B4-BE49-F238E27FC236}">
-                <a16:creationId xmlns:a16="http://schemas.microsoft.com/office/drawing/2014/main" id="{927E9218-9C5A-49E1-8D1D-E4CC090EC119}"/>
+                <a16:creationId xmlns:a16="http://schemas.microsoft.com/office/drawing/2014/main" xmlns="" id="{927E9218-9C5A-49E1-8D1D-E4CC090EC119}"/>
               </a:ext>
             </a:extLst>
           </p:cNvPr>
@@ -13174,7 +13258,7 @@
           <p:cNvPr id="44" name="Straight Arrow Connector 43">
             <a:extLst>
               <a:ext uri="{FF2B5EF4-FFF2-40B4-BE49-F238E27FC236}">
-                <a16:creationId xmlns:a16="http://schemas.microsoft.com/office/drawing/2014/main" id="{FAC7FE2F-9E85-4922-8F1D-1DA0B7475A40}"/>
+                <a16:creationId xmlns:a16="http://schemas.microsoft.com/office/drawing/2014/main" xmlns="" id="{FAC7FE2F-9E85-4922-8F1D-1DA0B7475A40}"/>
               </a:ext>
             </a:extLst>
           </p:cNvPr>
@@ -13220,7 +13304,7 @@
           <p:cNvPr id="46" name="TextBox 45">
             <a:extLst>
               <a:ext uri="{FF2B5EF4-FFF2-40B4-BE49-F238E27FC236}">
-                <a16:creationId xmlns:a16="http://schemas.microsoft.com/office/drawing/2014/main" id="{D5B73C21-336F-4331-B33C-52A964064D4B}"/>
+                <a16:creationId xmlns:a16="http://schemas.microsoft.com/office/drawing/2014/main" xmlns="" id="{D5B73C21-336F-4331-B33C-52A964064D4B}"/>
               </a:ext>
             </a:extLst>
           </p:cNvPr>
@@ -13391,7 +13475,7 @@
           <p:cNvPr id="47" name="TextBox 46">
             <a:extLst>
               <a:ext uri="{FF2B5EF4-FFF2-40B4-BE49-F238E27FC236}">
-                <a16:creationId xmlns:a16="http://schemas.microsoft.com/office/drawing/2014/main" id="{887CFEA2-3BFC-476C-9382-B3C61515BEFD}"/>
+                <a16:creationId xmlns:a16="http://schemas.microsoft.com/office/drawing/2014/main" xmlns="" id="{887CFEA2-3BFC-476C-9382-B3C61515BEFD}"/>
               </a:ext>
             </a:extLst>
           </p:cNvPr>
@@ -13576,6 +13660,14 @@
               </a:rPr>
               <a:t> 0;</a:t>
             </a:r>
+            <a:r>
+              <a:rPr lang="en-US" dirty="0">
+                <a:solidFill>
+                  <a:srgbClr val="002060"/>
+                </a:solidFill>
+              </a:rPr>
+              <a:t/>
+            </a:r>
             <a:br>
               <a:rPr lang="en-US" dirty="0">
                 <a:solidFill>
@@ -13630,7 +13722,7 @@
           <p:cNvPr id="50" name="TextBox 49">
             <a:extLst>
               <a:ext uri="{FF2B5EF4-FFF2-40B4-BE49-F238E27FC236}">
-                <a16:creationId xmlns:a16="http://schemas.microsoft.com/office/drawing/2014/main" id="{6390CDFC-AB12-44C1-933E-518F274265C7}"/>
+                <a16:creationId xmlns:a16="http://schemas.microsoft.com/office/drawing/2014/main" xmlns="" id="{6390CDFC-AB12-44C1-933E-518F274265C7}"/>
               </a:ext>
             </a:extLst>
           </p:cNvPr>
@@ -13669,6 +13761,16 @@
               </a:rPr>
               <a:t>API:</a:t>
             </a:r>
+            <a:r>
+              <a:rPr lang="en-US" dirty="0">
+                <a:solidFill>
+                  <a:schemeClr val="bg1">
+                    <a:lumMod val="65000"/>
+                  </a:schemeClr>
+                </a:solidFill>
+              </a:rPr>
+              <a:t/>
+            </a:r>
             <a:br>
               <a:rPr lang="en-US" dirty="0">
                 <a:solidFill>
@@ -13749,7 +13851,7 @@
           <p:cNvPr id="51" name="Date Placeholder 50">
             <a:extLst>
               <a:ext uri="{FF2B5EF4-FFF2-40B4-BE49-F238E27FC236}">
-                <a16:creationId xmlns:a16="http://schemas.microsoft.com/office/drawing/2014/main" id="{DEE2B969-4479-479B-96FB-19FC271616E5}"/>
+                <a16:creationId xmlns:a16="http://schemas.microsoft.com/office/drawing/2014/main" xmlns="" id="{DEE2B969-4479-479B-96FB-19FC271616E5}"/>
               </a:ext>
             </a:extLst>
           </p:cNvPr>
@@ -13777,7 +13879,7 @@
           <p:cNvPr id="52" name="Footer Placeholder 51">
             <a:extLst>
               <a:ext uri="{FF2B5EF4-FFF2-40B4-BE49-F238E27FC236}">
-                <a16:creationId xmlns:a16="http://schemas.microsoft.com/office/drawing/2014/main" id="{2689BBD6-7537-44AB-8084-B6AE715D65CE}"/>
+                <a16:creationId xmlns:a16="http://schemas.microsoft.com/office/drawing/2014/main" xmlns="" id="{2689BBD6-7537-44AB-8084-B6AE715D65CE}"/>
               </a:ext>
             </a:extLst>
           </p:cNvPr>
@@ -13806,7 +13908,7 @@
           <p:cNvPr id="53" name="Slide Number Placeholder 52">
             <a:extLst>
               <a:ext uri="{FF2B5EF4-FFF2-40B4-BE49-F238E27FC236}">
-                <a16:creationId xmlns:a16="http://schemas.microsoft.com/office/drawing/2014/main" id="{E0F6BDC9-21DB-4077-9F62-10D1BB241A1E}"/>
+                <a16:creationId xmlns:a16="http://schemas.microsoft.com/office/drawing/2014/main" xmlns="" id="{E0F6BDC9-21DB-4077-9F62-10D1BB241A1E}"/>
               </a:ext>
             </a:extLst>
           </p:cNvPr>
@@ -13865,7 +13967,7 @@
           <p:cNvPr id="2" name="Title 1">
             <a:extLst>
               <a:ext uri="{FF2B5EF4-FFF2-40B4-BE49-F238E27FC236}">
-                <a16:creationId xmlns:a16="http://schemas.microsoft.com/office/drawing/2014/main" id="{2C1AA31F-FA64-497E-AF8B-F64827FAA8EC}"/>
+                <a16:creationId xmlns:a16="http://schemas.microsoft.com/office/drawing/2014/main" xmlns="" id="{2C1AA31F-FA64-497E-AF8B-F64827FAA8EC}"/>
               </a:ext>
             </a:extLst>
           </p:cNvPr>
@@ -13893,12 +13995,12 @@
               <a:t>Opaque </a:t>
             </a:r>
             <a:r>
-              <a:rPr lang="en-US" sz="4000" b="1" dirty="0" err="1"/>
-              <a:t>pouinters</a:t>
+              <a:rPr lang="en-US" sz="4000" b="1" dirty="0" smtClean="0"/>
+              <a:t>pointers </a:t>
             </a:r>
             <a:r>
               <a:rPr lang="en-US" sz="4000" b="1" dirty="0"/>
-              <a:t> (handles)</a:t>
+              <a:t>(handles)</a:t>
             </a:r>
           </a:p>
         </p:txBody>
@@ -13908,7 +14010,7 @@
           <p:cNvPr id="3" name="Content Placeholder 2">
             <a:extLst>
               <a:ext uri="{FF2B5EF4-FFF2-40B4-BE49-F238E27FC236}">
-                <a16:creationId xmlns:a16="http://schemas.microsoft.com/office/drawing/2014/main" id="{6F3F7D1C-3333-49EC-A8CF-501A1E16E840}"/>
+                <a16:creationId xmlns:a16="http://schemas.microsoft.com/office/drawing/2014/main" xmlns="" id="{6F3F7D1C-3333-49EC-A8CF-501A1E16E840}"/>
               </a:ext>
             </a:extLst>
           </p:cNvPr>
@@ -13986,7 +14088,7 @@
           <p:cNvPr id="4" name="TextBox 3">
             <a:extLst>
               <a:ext uri="{FF2B5EF4-FFF2-40B4-BE49-F238E27FC236}">
-                <a16:creationId xmlns:a16="http://schemas.microsoft.com/office/drawing/2014/main" id="{6D374D68-68E4-49F4-A780-4CE25F090E6A}"/>
+                <a16:creationId xmlns:a16="http://schemas.microsoft.com/office/drawing/2014/main" xmlns="" id="{6D374D68-68E4-49F4-A780-4CE25F090E6A}"/>
               </a:ext>
             </a:extLst>
           </p:cNvPr>
@@ -14043,7 +14145,7 @@
           <p:cNvPr id="6" name="TextBox 5">
             <a:extLst>
               <a:ext uri="{FF2B5EF4-FFF2-40B4-BE49-F238E27FC236}">
-                <a16:creationId xmlns:a16="http://schemas.microsoft.com/office/drawing/2014/main" id="{E1C640D7-179A-434B-8726-DEEE7DE3DB98}"/>
+                <a16:creationId xmlns:a16="http://schemas.microsoft.com/office/drawing/2014/main" xmlns="" id="{E1C640D7-179A-434B-8726-DEEE7DE3DB98}"/>
               </a:ext>
             </a:extLst>
           </p:cNvPr>
@@ -14099,7 +14201,7 @@
           <p:cNvPr id="9" name="TextBox 8">
             <a:extLst>
               <a:ext uri="{FF2B5EF4-FFF2-40B4-BE49-F238E27FC236}">
-                <a16:creationId xmlns:a16="http://schemas.microsoft.com/office/drawing/2014/main" id="{2696463F-3188-416E-918D-04863A93ABF4}"/>
+                <a16:creationId xmlns:a16="http://schemas.microsoft.com/office/drawing/2014/main" xmlns="" id="{2696463F-3188-416E-918D-04863A93ABF4}"/>
               </a:ext>
             </a:extLst>
           </p:cNvPr>
@@ -14149,6 +14251,14 @@
                 </a:solidFill>
               </a:rPr>
             </a:br>
+            <a:r>
+              <a:rPr lang="en-US" dirty="0">
+                <a:solidFill>
+                  <a:srgbClr val="002060"/>
+                </a:solidFill>
+              </a:rPr>
+              <a:t/>
+            </a:r>
             <a:br>
               <a:rPr lang="en-US" dirty="0">
                 <a:solidFill>
@@ -14235,7 +14345,7 @@
           <p:cNvPr id="11" name="TextBox 10">
             <a:extLst>
               <a:ext uri="{FF2B5EF4-FFF2-40B4-BE49-F238E27FC236}">
-                <a16:creationId xmlns:a16="http://schemas.microsoft.com/office/drawing/2014/main" id="{CB10CC76-4A26-4352-844C-5CAB1C27DB86}"/>
+                <a16:creationId xmlns:a16="http://schemas.microsoft.com/office/drawing/2014/main" xmlns="" id="{CB10CC76-4A26-4352-844C-5CAB1C27DB86}"/>
               </a:ext>
             </a:extLst>
           </p:cNvPr>
@@ -14394,7 +14504,7 @@
           <p:cNvPr id="14" name="TextBox 13">
             <a:extLst>
               <a:ext uri="{FF2B5EF4-FFF2-40B4-BE49-F238E27FC236}">
-                <a16:creationId xmlns:a16="http://schemas.microsoft.com/office/drawing/2014/main" id="{0B038371-5283-4AFF-99FA-FB3D2D4ED55C}"/>
+                <a16:creationId xmlns:a16="http://schemas.microsoft.com/office/drawing/2014/main" xmlns="" id="{0B038371-5283-4AFF-99FA-FB3D2D4ED55C}"/>
               </a:ext>
             </a:extLst>
           </p:cNvPr>
@@ -14462,7 +14572,7 @@
           <p:cNvPr id="15" name="TextBox 14">
             <a:extLst>
               <a:ext uri="{FF2B5EF4-FFF2-40B4-BE49-F238E27FC236}">
-                <a16:creationId xmlns:a16="http://schemas.microsoft.com/office/drawing/2014/main" id="{8940EE4C-B6EC-4D9E-BF43-76CC7E636F42}"/>
+                <a16:creationId xmlns:a16="http://schemas.microsoft.com/office/drawing/2014/main" xmlns="" id="{8940EE4C-B6EC-4D9E-BF43-76CC7E636F42}"/>
               </a:ext>
             </a:extLst>
           </p:cNvPr>
@@ -14493,6 +14603,10 @@
               <a:rPr lang="ru-RU" b="1" dirty="0"/>
               <a:t>дескриптор) — </a:t>
             </a:r>
+            <a:r>
+              <a:rPr lang="ru-RU" dirty="0"/>
+              <a:t/>
+            </a:r>
             <a:br>
               <a:rPr lang="ru-RU" dirty="0"/>
             </a:br>
@@ -14516,7 +14630,7 @@
           <p:cNvPr id="18" name="Arc 17">
             <a:extLst>
               <a:ext uri="{FF2B5EF4-FFF2-40B4-BE49-F238E27FC236}">
-                <a16:creationId xmlns:a16="http://schemas.microsoft.com/office/drawing/2014/main" id="{93A7995F-1489-472F-8637-6DC3AC0065CC}"/>
+                <a16:creationId xmlns:a16="http://schemas.microsoft.com/office/drawing/2014/main" xmlns="" id="{93A7995F-1489-472F-8637-6DC3AC0065CC}"/>
               </a:ext>
             </a:extLst>
           </p:cNvPr>
@@ -14571,7 +14685,7 @@
           <p:cNvPr id="22" name="Connector: Curved 21">
             <a:extLst>
               <a:ext uri="{FF2B5EF4-FFF2-40B4-BE49-F238E27FC236}">
-                <a16:creationId xmlns:a16="http://schemas.microsoft.com/office/drawing/2014/main" id="{4EE3D5D8-691B-499A-91B3-C32FE48216C3}"/>
+                <a16:creationId xmlns:a16="http://schemas.microsoft.com/office/drawing/2014/main" xmlns="" id="{4EE3D5D8-691B-499A-91B3-C32FE48216C3}"/>
               </a:ext>
             </a:extLst>
           </p:cNvPr>
@@ -14619,7 +14733,7 @@
           <p:cNvPr id="28" name="Date Placeholder 27">
             <a:extLst>
               <a:ext uri="{FF2B5EF4-FFF2-40B4-BE49-F238E27FC236}">
-                <a16:creationId xmlns:a16="http://schemas.microsoft.com/office/drawing/2014/main" id="{6885662C-90E2-4424-9379-5FB742B4620E}"/>
+                <a16:creationId xmlns:a16="http://schemas.microsoft.com/office/drawing/2014/main" xmlns="" id="{6885662C-90E2-4424-9379-5FB742B4620E}"/>
               </a:ext>
             </a:extLst>
           </p:cNvPr>
@@ -14647,7 +14761,7 @@
           <p:cNvPr id="29" name="Footer Placeholder 28">
             <a:extLst>
               <a:ext uri="{FF2B5EF4-FFF2-40B4-BE49-F238E27FC236}">
-                <a16:creationId xmlns:a16="http://schemas.microsoft.com/office/drawing/2014/main" id="{8B051371-3AD3-4A27-A51B-671B3D364853}"/>
+                <a16:creationId xmlns:a16="http://schemas.microsoft.com/office/drawing/2014/main" xmlns="" id="{8B051371-3AD3-4A27-A51B-671B3D364853}"/>
               </a:ext>
             </a:extLst>
           </p:cNvPr>
@@ -14676,7 +14790,7 @@
           <p:cNvPr id="30" name="Slide Number Placeholder 29">
             <a:extLst>
               <a:ext uri="{FF2B5EF4-FFF2-40B4-BE49-F238E27FC236}">
-                <a16:creationId xmlns:a16="http://schemas.microsoft.com/office/drawing/2014/main" id="{FB349684-143D-47E5-BE57-84622D23FB2E}"/>
+                <a16:creationId xmlns:a16="http://schemas.microsoft.com/office/drawing/2014/main" xmlns="" id="{FB349684-143D-47E5-BE57-84622D23FB2E}"/>
               </a:ext>
             </a:extLst>
           </p:cNvPr>
@@ -14735,7 +14849,7 @@
           <p:cNvPr id="2" name="Title 1">
             <a:extLst>
               <a:ext uri="{FF2B5EF4-FFF2-40B4-BE49-F238E27FC236}">
-                <a16:creationId xmlns:a16="http://schemas.microsoft.com/office/drawing/2014/main" id="{FB766D32-F2DF-4221-8A9F-A9044DD5BFA7}"/>
+                <a16:creationId xmlns:a16="http://schemas.microsoft.com/office/drawing/2014/main" xmlns="" id="{FB766D32-F2DF-4221-8A9F-A9044DD5BFA7}"/>
               </a:ext>
             </a:extLst>
           </p:cNvPr>
@@ -14769,7 +14883,7 @@
           <p:cNvPr id="3" name="Content Placeholder 2">
             <a:extLst>
               <a:ext uri="{FF2B5EF4-FFF2-40B4-BE49-F238E27FC236}">
-                <a16:creationId xmlns:a16="http://schemas.microsoft.com/office/drawing/2014/main" id="{E98BA529-8D1E-4A0F-BEDD-DF00A650FEC9}"/>
+                <a16:creationId xmlns:a16="http://schemas.microsoft.com/office/drawing/2014/main" xmlns="" id="{E98BA529-8D1E-4A0F-BEDD-DF00A650FEC9}"/>
               </a:ext>
             </a:extLst>
           </p:cNvPr>
@@ -14842,7 +14956,7 @@
           <p:cNvPr id="5" name="TextBox 4">
             <a:extLst>
               <a:ext uri="{FF2B5EF4-FFF2-40B4-BE49-F238E27FC236}">
-                <a16:creationId xmlns:a16="http://schemas.microsoft.com/office/drawing/2014/main" id="{A435FA7A-3703-4D27-A378-8D2A0EC71990}"/>
+                <a16:creationId xmlns:a16="http://schemas.microsoft.com/office/drawing/2014/main" xmlns="" id="{A435FA7A-3703-4D27-A378-8D2A0EC71990}"/>
               </a:ext>
             </a:extLst>
           </p:cNvPr>
@@ -14925,7 +15039,7 @@
           <p:cNvPr id="6" name="TextBox 5">
             <a:extLst>
               <a:ext uri="{FF2B5EF4-FFF2-40B4-BE49-F238E27FC236}">
-                <a16:creationId xmlns:a16="http://schemas.microsoft.com/office/drawing/2014/main" id="{624106B0-875C-4B31-8CCC-1483FBED0815}"/>
+                <a16:creationId xmlns:a16="http://schemas.microsoft.com/office/drawing/2014/main" xmlns="" id="{624106B0-875C-4B31-8CCC-1483FBED0815}"/>
               </a:ext>
             </a:extLst>
           </p:cNvPr>
@@ -14972,7 +15086,7 @@
           <p:cNvPr id="8" name="Date Placeholder 7">
             <a:extLst>
               <a:ext uri="{FF2B5EF4-FFF2-40B4-BE49-F238E27FC236}">
-                <a16:creationId xmlns:a16="http://schemas.microsoft.com/office/drawing/2014/main" id="{B89AAF57-321A-4F6D-BF3D-CCF8B2B5CAA4}"/>
+                <a16:creationId xmlns:a16="http://schemas.microsoft.com/office/drawing/2014/main" xmlns="" id="{B89AAF57-321A-4F6D-BF3D-CCF8B2B5CAA4}"/>
               </a:ext>
             </a:extLst>
           </p:cNvPr>
@@ -15000,7 +15114,7 @@
           <p:cNvPr id="9" name="Footer Placeholder 8">
             <a:extLst>
               <a:ext uri="{FF2B5EF4-FFF2-40B4-BE49-F238E27FC236}">
-                <a16:creationId xmlns:a16="http://schemas.microsoft.com/office/drawing/2014/main" id="{A6076237-76D7-44D2-9508-9EC86E4FA43D}"/>
+                <a16:creationId xmlns:a16="http://schemas.microsoft.com/office/drawing/2014/main" xmlns="" id="{A6076237-76D7-44D2-9508-9EC86E4FA43D}"/>
               </a:ext>
             </a:extLst>
           </p:cNvPr>
@@ -15029,7 +15143,7 @@
           <p:cNvPr id="10" name="Slide Number Placeholder 9">
             <a:extLst>
               <a:ext uri="{FF2B5EF4-FFF2-40B4-BE49-F238E27FC236}">
-                <a16:creationId xmlns:a16="http://schemas.microsoft.com/office/drawing/2014/main" id="{B1582BAC-7EDE-4F2D-9008-1A1E0C0FBEAC}"/>
+                <a16:creationId xmlns:a16="http://schemas.microsoft.com/office/drawing/2014/main" xmlns="" id="{B1582BAC-7EDE-4F2D-9008-1A1E0C0FBEAC}"/>
               </a:ext>
             </a:extLst>
           </p:cNvPr>
@@ -15088,7 +15202,7 @@
           <p:cNvPr id="2" name="Title 1">
             <a:extLst>
               <a:ext uri="{FF2B5EF4-FFF2-40B4-BE49-F238E27FC236}">
-                <a16:creationId xmlns:a16="http://schemas.microsoft.com/office/drawing/2014/main" id="{599EEA7C-1813-4ED7-B612-996C9E41A787}"/>
+                <a16:creationId xmlns:a16="http://schemas.microsoft.com/office/drawing/2014/main" xmlns="" id="{599EEA7C-1813-4ED7-B612-996C9E41A787}"/>
               </a:ext>
             </a:extLst>
           </p:cNvPr>
@@ -15122,7 +15236,7 @@
           <p:cNvPr id="3" name="Content Placeholder 2">
             <a:extLst>
               <a:ext uri="{FF2B5EF4-FFF2-40B4-BE49-F238E27FC236}">
-                <a16:creationId xmlns:a16="http://schemas.microsoft.com/office/drawing/2014/main" id="{9E77F1FE-4802-46F2-B191-84C412B5B7B3}"/>
+                <a16:creationId xmlns:a16="http://schemas.microsoft.com/office/drawing/2014/main" xmlns="" id="{9E77F1FE-4802-46F2-B191-84C412B5B7B3}"/>
               </a:ext>
             </a:extLst>
           </p:cNvPr>
@@ -15373,6 +15487,14 @@
               </a:rPr>
               <a:t> y);</a:t>
             </a:r>
+            <a:r>
+              <a:rPr lang="en-US" sz="2400" b="1" dirty="0">
+                <a:solidFill>
+                  <a:srgbClr val="002060"/>
+                </a:solidFill>
+              </a:rPr>
+              <a:t/>
+            </a:r>
             <a:br>
               <a:rPr lang="en-US" sz="2400" b="1" dirty="0">
                 <a:solidFill>
@@ -15548,7 +15670,7 @@
           <p:cNvPr id="5" name="Straight Arrow Connector 4">
             <a:extLst>
               <a:ext uri="{FF2B5EF4-FFF2-40B4-BE49-F238E27FC236}">
-                <a16:creationId xmlns:a16="http://schemas.microsoft.com/office/drawing/2014/main" id="{0B0481FF-ECB1-421D-AB09-D516B70595D5}"/>
+                <a16:creationId xmlns:a16="http://schemas.microsoft.com/office/drawing/2014/main" xmlns="" id="{0B0481FF-ECB1-421D-AB09-D516B70595D5}"/>
               </a:ext>
             </a:extLst>
           </p:cNvPr>
@@ -15594,7 +15716,7 @@
           <p:cNvPr id="9" name="TextBox 8">
             <a:extLst>
               <a:ext uri="{FF2B5EF4-FFF2-40B4-BE49-F238E27FC236}">
-                <a16:creationId xmlns:a16="http://schemas.microsoft.com/office/drawing/2014/main" id="{79285A7A-D934-4075-A2BA-E1AB5EC4000A}"/>
+                <a16:creationId xmlns:a16="http://schemas.microsoft.com/office/drawing/2014/main" xmlns="" id="{79285A7A-D934-4075-A2BA-E1AB5EC4000A}"/>
               </a:ext>
             </a:extLst>
           </p:cNvPr>
@@ -15637,7 +15759,7 @@
           <p:cNvPr id="10" name="TextBox 9">
             <a:extLst>
               <a:ext uri="{FF2B5EF4-FFF2-40B4-BE49-F238E27FC236}">
-                <a16:creationId xmlns:a16="http://schemas.microsoft.com/office/drawing/2014/main" id="{563BFA16-99A9-4FF0-B27D-CD85B60A6FA2}"/>
+                <a16:creationId xmlns:a16="http://schemas.microsoft.com/office/drawing/2014/main" xmlns="" id="{563BFA16-99A9-4FF0-B27D-CD85B60A6FA2}"/>
               </a:ext>
             </a:extLst>
           </p:cNvPr>
@@ -15680,7 +15802,7 @@
           <p:cNvPr id="11" name="TextBox 10">
             <a:extLst>
               <a:ext uri="{FF2B5EF4-FFF2-40B4-BE49-F238E27FC236}">
-                <a16:creationId xmlns:a16="http://schemas.microsoft.com/office/drawing/2014/main" id="{C108FCAD-B02A-446B-9B28-C5CC6DB2A4C6}"/>
+                <a16:creationId xmlns:a16="http://schemas.microsoft.com/office/drawing/2014/main" xmlns="" id="{C108FCAD-B02A-446B-9B28-C5CC6DB2A4C6}"/>
               </a:ext>
             </a:extLst>
           </p:cNvPr>
@@ -15730,7 +15852,7 @@
           <p:cNvPr id="13" name="Straight Arrow Connector 12">
             <a:extLst>
               <a:ext uri="{FF2B5EF4-FFF2-40B4-BE49-F238E27FC236}">
-                <a16:creationId xmlns:a16="http://schemas.microsoft.com/office/drawing/2014/main" id="{14E711C7-A8E8-4D06-AB46-CC3C19A4F5AD}"/>
+                <a16:creationId xmlns:a16="http://schemas.microsoft.com/office/drawing/2014/main" xmlns="" id="{14E711C7-A8E8-4D06-AB46-CC3C19A4F5AD}"/>
               </a:ext>
             </a:extLst>
           </p:cNvPr>
@@ -15776,7 +15898,7 @@
           <p:cNvPr id="16" name="Straight Arrow Connector 15">
             <a:extLst>
               <a:ext uri="{FF2B5EF4-FFF2-40B4-BE49-F238E27FC236}">
-                <a16:creationId xmlns:a16="http://schemas.microsoft.com/office/drawing/2014/main" id="{B85BD0BE-7EC3-41BD-A5AB-EB81A57550E1}"/>
+                <a16:creationId xmlns:a16="http://schemas.microsoft.com/office/drawing/2014/main" xmlns="" id="{B85BD0BE-7EC3-41BD-A5AB-EB81A57550E1}"/>
               </a:ext>
             </a:extLst>
           </p:cNvPr>
@@ -15822,7 +15944,7 @@
           <p:cNvPr id="18" name="Straight Arrow Connector 17">
             <a:extLst>
               <a:ext uri="{FF2B5EF4-FFF2-40B4-BE49-F238E27FC236}">
-                <a16:creationId xmlns:a16="http://schemas.microsoft.com/office/drawing/2014/main" id="{93A66ED3-9A99-41FC-A2B9-A36A80FFC1AE}"/>
+                <a16:creationId xmlns:a16="http://schemas.microsoft.com/office/drawing/2014/main" xmlns="" id="{93A66ED3-9A99-41FC-A2B9-A36A80FFC1AE}"/>
               </a:ext>
             </a:extLst>
           </p:cNvPr>
@@ -15868,7 +15990,7 @@
           <p:cNvPr id="23" name="Date Placeholder 22">
             <a:extLst>
               <a:ext uri="{FF2B5EF4-FFF2-40B4-BE49-F238E27FC236}">
-                <a16:creationId xmlns:a16="http://schemas.microsoft.com/office/drawing/2014/main" id="{5C74A7FC-1D2E-452C-9201-D8B20AEE75D2}"/>
+                <a16:creationId xmlns:a16="http://schemas.microsoft.com/office/drawing/2014/main" xmlns="" id="{5C74A7FC-1D2E-452C-9201-D8B20AEE75D2}"/>
               </a:ext>
             </a:extLst>
           </p:cNvPr>
@@ -15896,7 +16018,7 @@
           <p:cNvPr id="24" name="Footer Placeholder 23">
             <a:extLst>
               <a:ext uri="{FF2B5EF4-FFF2-40B4-BE49-F238E27FC236}">
-                <a16:creationId xmlns:a16="http://schemas.microsoft.com/office/drawing/2014/main" id="{1BF99291-63DC-4210-B2E9-81C1DC809262}"/>
+                <a16:creationId xmlns:a16="http://schemas.microsoft.com/office/drawing/2014/main" xmlns="" id="{1BF99291-63DC-4210-B2E9-81C1DC809262}"/>
               </a:ext>
             </a:extLst>
           </p:cNvPr>
@@ -15925,7 +16047,7 @@
           <p:cNvPr id="25" name="Slide Number Placeholder 24">
             <a:extLst>
               <a:ext uri="{FF2B5EF4-FFF2-40B4-BE49-F238E27FC236}">
-                <a16:creationId xmlns:a16="http://schemas.microsoft.com/office/drawing/2014/main" id="{3030C189-494E-4D98-9C44-96F57B5288FA}"/>
+                <a16:creationId xmlns:a16="http://schemas.microsoft.com/office/drawing/2014/main" xmlns="" id="{3030C189-494E-4D98-9C44-96F57B5288FA}"/>
               </a:ext>
             </a:extLst>
           </p:cNvPr>
@@ -15984,7 +16106,7 @@
           <p:cNvPr id="2" name="Title 1">
             <a:extLst>
               <a:ext uri="{FF2B5EF4-FFF2-40B4-BE49-F238E27FC236}">
-                <a16:creationId xmlns:a16="http://schemas.microsoft.com/office/drawing/2014/main" id="{26C760C7-458A-483E-AA19-1BA00B50B393}"/>
+                <a16:creationId xmlns:a16="http://schemas.microsoft.com/office/drawing/2014/main" xmlns="" id="{26C760C7-458A-483E-AA19-1BA00B50B393}"/>
               </a:ext>
             </a:extLst>
           </p:cNvPr>
@@ -16022,7 +16144,7 @@
           <p:cNvPr id="3" name="Content Placeholder 2">
             <a:extLst>
               <a:ext uri="{FF2B5EF4-FFF2-40B4-BE49-F238E27FC236}">
-                <a16:creationId xmlns:a16="http://schemas.microsoft.com/office/drawing/2014/main" id="{58C4B4B7-1984-4CCC-8E96-D25735C6B3E2}"/>
+                <a16:creationId xmlns:a16="http://schemas.microsoft.com/office/drawing/2014/main" xmlns="" id="{58C4B4B7-1984-4CCC-8E96-D25735C6B3E2}"/>
               </a:ext>
             </a:extLst>
           </p:cNvPr>
@@ -16067,6 +16189,14 @@
               </a:rPr>
               <a:t>matrix.h</a:t>
             </a:r>
+            <a:r>
+              <a:rPr lang="en-US" sz="2000" dirty="0">
+                <a:solidFill>
+                  <a:srgbClr val="002060"/>
+                </a:solidFill>
+              </a:rPr>
+              <a:t/>
+            </a:r>
             <a:br>
               <a:rPr lang="en-US" sz="2000" dirty="0">
                 <a:solidFill>
@@ -16257,6 +16387,14 @@
               </a:rPr>
               <a:t>// matrix.cpp</a:t>
             </a:r>
+            <a:r>
+              <a:rPr lang="en-US" sz="2000" dirty="0">
+                <a:solidFill>
+                  <a:srgbClr val="002060"/>
+                </a:solidFill>
+              </a:rPr>
+              <a:t/>
+            </a:r>
             <a:br>
               <a:rPr lang="en-US" sz="2000" dirty="0">
                 <a:solidFill>
@@ -16690,6 +16828,14 @@
               </a:rPr>
               <a:t>// program.cpp</a:t>
             </a:r>
+            <a:r>
+              <a:rPr lang="en-US" sz="2000" dirty="0">
+                <a:solidFill>
+                  <a:srgbClr val="002060"/>
+                </a:solidFill>
+              </a:rPr>
+              <a:t/>
+            </a:r>
             <a:br>
               <a:rPr lang="en-US" sz="2000" dirty="0">
                 <a:solidFill>
@@ -16805,7 +16951,7 @@
           <p:cNvPr id="4" name="Date Placeholder 3">
             <a:extLst>
               <a:ext uri="{FF2B5EF4-FFF2-40B4-BE49-F238E27FC236}">
-                <a16:creationId xmlns:a16="http://schemas.microsoft.com/office/drawing/2014/main" id="{0652C945-9E38-49B2-BD44-AF89756B1879}"/>
+                <a16:creationId xmlns:a16="http://schemas.microsoft.com/office/drawing/2014/main" xmlns="" id="{0652C945-9E38-49B2-BD44-AF89756B1879}"/>
               </a:ext>
             </a:extLst>
           </p:cNvPr>
@@ -16833,7 +16979,7 @@
           <p:cNvPr id="5" name="Footer Placeholder 4">
             <a:extLst>
               <a:ext uri="{FF2B5EF4-FFF2-40B4-BE49-F238E27FC236}">
-                <a16:creationId xmlns:a16="http://schemas.microsoft.com/office/drawing/2014/main" id="{87B47258-5805-4F06-A887-61D6126187CF}"/>
+                <a16:creationId xmlns:a16="http://schemas.microsoft.com/office/drawing/2014/main" xmlns="" id="{87B47258-5805-4F06-A887-61D6126187CF}"/>
               </a:ext>
             </a:extLst>
           </p:cNvPr>
@@ -16862,7 +17008,7 @@
           <p:cNvPr id="6" name="Slide Number Placeholder 5">
             <a:extLst>
               <a:ext uri="{FF2B5EF4-FFF2-40B4-BE49-F238E27FC236}">
-                <a16:creationId xmlns:a16="http://schemas.microsoft.com/office/drawing/2014/main" id="{C5589D1C-6BF0-4157-A928-D7C0CA6D4413}"/>
+                <a16:creationId xmlns:a16="http://schemas.microsoft.com/office/drawing/2014/main" xmlns="" id="{C5589D1C-6BF0-4157-A928-D7C0CA6D4413}"/>
               </a:ext>
             </a:extLst>
           </p:cNvPr>
@@ -16921,7 +17067,7 @@
           <p:cNvPr id="61" name="Rectangle: Rounded Corners 60">
             <a:extLst>
               <a:ext uri="{FF2B5EF4-FFF2-40B4-BE49-F238E27FC236}">
-                <a16:creationId xmlns:a16="http://schemas.microsoft.com/office/drawing/2014/main" id="{BB6F62F8-4848-43C4-A200-8B8FF88914DE}"/>
+                <a16:creationId xmlns:a16="http://schemas.microsoft.com/office/drawing/2014/main" xmlns="" id="{BB6F62F8-4848-43C4-A200-8B8FF88914DE}"/>
               </a:ext>
             </a:extLst>
           </p:cNvPr>
@@ -16977,7 +17123,7 @@
           <p:cNvPr id="2" name="Title 1">
             <a:extLst>
               <a:ext uri="{FF2B5EF4-FFF2-40B4-BE49-F238E27FC236}">
-                <a16:creationId xmlns:a16="http://schemas.microsoft.com/office/drawing/2014/main" id="{AE3C1794-BB65-4965-8322-84C8653BFEB2}"/>
+                <a16:creationId xmlns:a16="http://schemas.microsoft.com/office/drawing/2014/main" xmlns="" id="{AE3C1794-BB65-4965-8322-84C8653BFEB2}"/>
               </a:ext>
             </a:extLst>
           </p:cNvPr>
@@ -17006,7 +17152,7 @@
           <p:cNvPr id="4" name="Rectangle: Folded Corner 3">
             <a:extLst>
               <a:ext uri="{FF2B5EF4-FFF2-40B4-BE49-F238E27FC236}">
-                <a16:creationId xmlns:a16="http://schemas.microsoft.com/office/drawing/2014/main" id="{41294EE8-98AA-4B52-80C7-1F6C3B8305A3}"/>
+                <a16:creationId xmlns:a16="http://schemas.microsoft.com/office/drawing/2014/main" xmlns="" id="{41294EE8-98AA-4B52-80C7-1F6C3B8305A3}"/>
               </a:ext>
             </a:extLst>
           </p:cNvPr>
@@ -17065,7 +17211,7 @@
           <p:cNvPr id="5" name="Rectangle: Folded Corner 4">
             <a:extLst>
               <a:ext uri="{FF2B5EF4-FFF2-40B4-BE49-F238E27FC236}">
-                <a16:creationId xmlns:a16="http://schemas.microsoft.com/office/drawing/2014/main" id="{466E4372-E6AE-4081-9169-4074829AC1DA}"/>
+                <a16:creationId xmlns:a16="http://schemas.microsoft.com/office/drawing/2014/main" xmlns="" id="{466E4372-E6AE-4081-9169-4074829AC1DA}"/>
               </a:ext>
             </a:extLst>
           </p:cNvPr>
@@ -17116,7 +17262,7 @@
           <p:cNvPr id="6" name="Rectangle: Folded Corner 5">
             <a:extLst>
               <a:ext uri="{FF2B5EF4-FFF2-40B4-BE49-F238E27FC236}">
-                <a16:creationId xmlns:a16="http://schemas.microsoft.com/office/drawing/2014/main" id="{C8C0459A-5722-43CF-823A-441D6BB91457}"/>
+                <a16:creationId xmlns:a16="http://schemas.microsoft.com/office/drawing/2014/main" xmlns="" id="{C8C0459A-5722-43CF-823A-441D6BB91457}"/>
               </a:ext>
             </a:extLst>
           </p:cNvPr>
@@ -17167,7 +17313,7 @@
           <p:cNvPr id="7" name="Rectangle: Folded Corner 6">
             <a:extLst>
               <a:ext uri="{FF2B5EF4-FFF2-40B4-BE49-F238E27FC236}">
-                <a16:creationId xmlns:a16="http://schemas.microsoft.com/office/drawing/2014/main" id="{7B6D5945-86C3-469D-9C02-541BC7F5EA3A}"/>
+                <a16:creationId xmlns:a16="http://schemas.microsoft.com/office/drawing/2014/main" xmlns="" id="{7B6D5945-86C3-469D-9C02-541BC7F5EA3A}"/>
               </a:ext>
             </a:extLst>
           </p:cNvPr>
@@ -17218,7 +17364,7 @@
           <p:cNvPr id="8" name="Rectangle 7">
             <a:extLst>
               <a:ext uri="{FF2B5EF4-FFF2-40B4-BE49-F238E27FC236}">
-                <a16:creationId xmlns:a16="http://schemas.microsoft.com/office/drawing/2014/main" id="{D7531B20-E2D0-4BA8-AFB2-B3DC040C3372}"/>
+                <a16:creationId xmlns:a16="http://schemas.microsoft.com/office/drawing/2014/main" xmlns="" id="{D7531B20-E2D0-4BA8-AFB2-B3DC040C3372}"/>
               </a:ext>
             </a:extLst>
           </p:cNvPr>
@@ -17276,7 +17422,7 @@
           <p:cNvPr id="9" name="Rectangle 8">
             <a:extLst>
               <a:ext uri="{FF2B5EF4-FFF2-40B4-BE49-F238E27FC236}">
-                <a16:creationId xmlns:a16="http://schemas.microsoft.com/office/drawing/2014/main" id="{62E73895-9A88-4ECF-BA35-17C005E685B5}"/>
+                <a16:creationId xmlns:a16="http://schemas.microsoft.com/office/drawing/2014/main" xmlns="" id="{62E73895-9A88-4ECF-BA35-17C005E685B5}"/>
               </a:ext>
             </a:extLst>
           </p:cNvPr>
@@ -17334,7 +17480,7 @@
           <p:cNvPr id="11" name="Connector: Curved 10">
             <a:extLst>
               <a:ext uri="{FF2B5EF4-FFF2-40B4-BE49-F238E27FC236}">
-                <a16:creationId xmlns:a16="http://schemas.microsoft.com/office/drawing/2014/main" id="{DE56B3CD-1453-4339-8F4A-BCA0D86AD80D}"/>
+                <a16:creationId xmlns:a16="http://schemas.microsoft.com/office/drawing/2014/main" xmlns="" id="{DE56B3CD-1453-4339-8F4A-BCA0D86AD80D}"/>
               </a:ext>
             </a:extLst>
           </p:cNvPr>
@@ -17384,7 +17530,7 @@
           <p:cNvPr id="15" name="Connector: Curved 14">
             <a:extLst>
               <a:ext uri="{FF2B5EF4-FFF2-40B4-BE49-F238E27FC236}">
-                <a16:creationId xmlns:a16="http://schemas.microsoft.com/office/drawing/2014/main" id="{CA65E6DF-6ED3-4592-B063-D62D7380F47C}"/>
+                <a16:creationId xmlns:a16="http://schemas.microsoft.com/office/drawing/2014/main" xmlns="" id="{CA65E6DF-6ED3-4592-B063-D62D7380F47C}"/>
               </a:ext>
             </a:extLst>
           </p:cNvPr>
@@ -17435,7 +17581,7 @@
           <p:cNvPr id="17" name="Connector: Curved 16">
             <a:extLst>
               <a:ext uri="{FF2B5EF4-FFF2-40B4-BE49-F238E27FC236}">
-                <a16:creationId xmlns:a16="http://schemas.microsoft.com/office/drawing/2014/main" id="{CDE2FFE6-C8D6-4067-B5D2-AEAE144EA07A}"/>
+                <a16:creationId xmlns:a16="http://schemas.microsoft.com/office/drawing/2014/main" xmlns="" id="{CDE2FFE6-C8D6-4067-B5D2-AEAE144EA07A}"/>
               </a:ext>
             </a:extLst>
           </p:cNvPr>
@@ -17486,7 +17632,7 @@
           <p:cNvPr id="3" name="Date Placeholder 2">
             <a:extLst>
               <a:ext uri="{FF2B5EF4-FFF2-40B4-BE49-F238E27FC236}">
-                <a16:creationId xmlns:a16="http://schemas.microsoft.com/office/drawing/2014/main" id="{93D64B91-2EF6-4EDC-A2A7-2F2FFE19FBC5}"/>
+                <a16:creationId xmlns:a16="http://schemas.microsoft.com/office/drawing/2014/main" xmlns="" id="{93D64B91-2EF6-4EDC-A2A7-2F2FFE19FBC5}"/>
               </a:ext>
             </a:extLst>
           </p:cNvPr>
@@ -17514,7 +17660,7 @@
           <p:cNvPr id="10" name="Footer Placeholder 9">
             <a:extLst>
               <a:ext uri="{FF2B5EF4-FFF2-40B4-BE49-F238E27FC236}">
-                <a16:creationId xmlns:a16="http://schemas.microsoft.com/office/drawing/2014/main" id="{470243C9-C23A-4D53-8DC9-97C0507BCACF}"/>
+                <a16:creationId xmlns:a16="http://schemas.microsoft.com/office/drawing/2014/main" xmlns="" id="{470243C9-C23A-4D53-8DC9-97C0507BCACF}"/>
               </a:ext>
             </a:extLst>
           </p:cNvPr>
@@ -17543,7 +17689,7 @@
           <p:cNvPr id="12" name="Slide Number Placeholder 11">
             <a:extLst>
               <a:ext uri="{FF2B5EF4-FFF2-40B4-BE49-F238E27FC236}">
-                <a16:creationId xmlns:a16="http://schemas.microsoft.com/office/drawing/2014/main" id="{E7FFAD7D-1B81-4F5B-BEA4-FF8F1E914D38}"/>
+                <a16:creationId xmlns:a16="http://schemas.microsoft.com/office/drawing/2014/main" xmlns="" id="{E7FFAD7D-1B81-4F5B-BEA4-FF8F1E914D38}"/>
               </a:ext>
             </a:extLst>
           </p:cNvPr>
@@ -17572,7 +17718,7 @@
           <p:cNvPr id="39" name="Straight Connector 38">
             <a:extLst>
               <a:ext uri="{FF2B5EF4-FFF2-40B4-BE49-F238E27FC236}">
-                <a16:creationId xmlns:a16="http://schemas.microsoft.com/office/drawing/2014/main" id="{0DC263D1-BA0A-40CE-83D4-5EBB66DAA418}"/>
+                <a16:creationId xmlns:a16="http://schemas.microsoft.com/office/drawing/2014/main" xmlns="" id="{0DC263D1-BA0A-40CE-83D4-5EBB66DAA418}"/>
               </a:ext>
             </a:extLst>
           </p:cNvPr>
@@ -17620,7 +17766,7 @@
           <p:cNvPr id="53" name="Connector: Curved 52">
             <a:extLst>
               <a:ext uri="{FF2B5EF4-FFF2-40B4-BE49-F238E27FC236}">
-                <a16:creationId xmlns:a16="http://schemas.microsoft.com/office/drawing/2014/main" id="{1158BBBE-FC77-4318-9BC5-ABA19704BCE6}"/>
+                <a16:creationId xmlns:a16="http://schemas.microsoft.com/office/drawing/2014/main" xmlns="" id="{1158BBBE-FC77-4318-9BC5-ABA19704BCE6}"/>
               </a:ext>
             </a:extLst>
           </p:cNvPr>
@@ -17669,7 +17815,7 @@
           <p:cNvPr id="55" name="Connector: Curved 54">
             <a:extLst>
               <a:ext uri="{FF2B5EF4-FFF2-40B4-BE49-F238E27FC236}">
-                <a16:creationId xmlns:a16="http://schemas.microsoft.com/office/drawing/2014/main" id="{0522C0FB-435B-4553-B40A-11A310B09DE6}"/>
+                <a16:creationId xmlns:a16="http://schemas.microsoft.com/office/drawing/2014/main" xmlns="" id="{0522C0FB-435B-4553-B40A-11A310B09DE6}"/>
               </a:ext>
             </a:extLst>
           </p:cNvPr>
@@ -17746,7 +17892,7 @@
           <p:cNvPr id="2" name="Title 1">
             <a:extLst>
               <a:ext uri="{FF2B5EF4-FFF2-40B4-BE49-F238E27FC236}">
-                <a16:creationId xmlns:a16="http://schemas.microsoft.com/office/drawing/2014/main" id="{57956104-6A8B-4D1E-BC61-FA6382D559DE}"/>
+                <a16:creationId xmlns:a16="http://schemas.microsoft.com/office/drawing/2014/main" xmlns="" id="{57956104-6A8B-4D1E-BC61-FA6382D559DE}"/>
               </a:ext>
             </a:extLst>
           </p:cNvPr>
@@ -17794,7 +17940,7 @@
           <p:cNvPr id="3" name="Content Placeholder 2">
             <a:extLst>
               <a:ext uri="{FF2B5EF4-FFF2-40B4-BE49-F238E27FC236}">
-                <a16:creationId xmlns:a16="http://schemas.microsoft.com/office/drawing/2014/main" id="{1EE837EE-87B3-4131-A55C-39909C168290}"/>
+                <a16:creationId xmlns:a16="http://schemas.microsoft.com/office/drawing/2014/main" xmlns="" id="{1EE837EE-87B3-4131-A55C-39909C168290}"/>
               </a:ext>
             </a:extLst>
           </p:cNvPr>
@@ -17911,8 +18057,12 @@
               <a:t>Коммерческие: </a:t>
             </a:r>
             <a:r>
+              <a:rPr lang="en-US" sz="2000" dirty="0" smtClean="0"/>
+              <a:t>Intel </a:t>
+            </a:r>
+            <a:r>
               <a:rPr lang="en-US" sz="2000" dirty="0"/>
-              <a:t>uint32_tel MKL (</a:t>
+              <a:t>MKL (</a:t>
             </a:r>
             <a:r>
               <a:rPr lang="ru-RU" sz="2000" dirty="0"/>
@@ -17942,7 +18092,7 @@
           <p:cNvPr id="4" name="Date Placeholder 3">
             <a:extLst>
               <a:ext uri="{FF2B5EF4-FFF2-40B4-BE49-F238E27FC236}">
-                <a16:creationId xmlns:a16="http://schemas.microsoft.com/office/drawing/2014/main" id="{F9A75454-9A94-4611-8185-DFC138142D24}"/>
+                <a16:creationId xmlns:a16="http://schemas.microsoft.com/office/drawing/2014/main" xmlns="" id="{F9A75454-9A94-4611-8185-DFC138142D24}"/>
               </a:ext>
             </a:extLst>
           </p:cNvPr>
@@ -17970,7 +18120,7 @@
           <p:cNvPr id="5" name="Footer Placeholder 4">
             <a:extLst>
               <a:ext uri="{FF2B5EF4-FFF2-40B4-BE49-F238E27FC236}">
-                <a16:creationId xmlns:a16="http://schemas.microsoft.com/office/drawing/2014/main" id="{C63023CF-45E4-4B9A-8926-0AD06FFBF781}"/>
+                <a16:creationId xmlns:a16="http://schemas.microsoft.com/office/drawing/2014/main" xmlns="" id="{C63023CF-45E4-4B9A-8926-0AD06FFBF781}"/>
               </a:ext>
             </a:extLst>
           </p:cNvPr>
@@ -17999,7 +18149,7 @@
           <p:cNvPr id="6" name="Slide Number Placeholder 5">
             <a:extLst>
               <a:ext uri="{FF2B5EF4-FFF2-40B4-BE49-F238E27FC236}">
-                <a16:creationId xmlns:a16="http://schemas.microsoft.com/office/drawing/2014/main" id="{CE0DD165-ACD1-4DB9-B393-FABDCEE43A0C}"/>
+                <a16:creationId xmlns:a16="http://schemas.microsoft.com/office/drawing/2014/main" xmlns="" id="{CE0DD165-ACD1-4DB9-B393-FABDCEE43A0C}"/>
               </a:ext>
             </a:extLst>
           </p:cNvPr>
@@ -18058,7 +18208,7 @@
           <p:cNvPr id="2" name="Title 1">
             <a:extLst>
               <a:ext uri="{FF2B5EF4-FFF2-40B4-BE49-F238E27FC236}">
-                <a16:creationId xmlns:a16="http://schemas.microsoft.com/office/drawing/2014/main" id="{E92F2F5B-6BE2-471A-A8C5-B55506C4D847}"/>
+                <a16:creationId xmlns:a16="http://schemas.microsoft.com/office/drawing/2014/main" xmlns="" id="{E92F2F5B-6BE2-471A-A8C5-B55506C4D847}"/>
               </a:ext>
             </a:extLst>
           </p:cNvPr>
@@ -18092,7 +18242,7 @@
           <p:cNvPr id="3" name="Content Placeholder 2">
             <a:extLst>
               <a:ext uri="{FF2B5EF4-FFF2-40B4-BE49-F238E27FC236}">
-                <a16:creationId xmlns:a16="http://schemas.microsoft.com/office/drawing/2014/main" id="{BB36AFA4-8B6D-4497-8AAB-0BC6AEB37F55}"/>
+                <a16:creationId xmlns:a16="http://schemas.microsoft.com/office/drawing/2014/main" xmlns="" id="{BB36AFA4-8B6D-4497-8AAB-0BC6AEB37F55}"/>
               </a:ext>
             </a:extLst>
           </p:cNvPr>
@@ -18182,7 +18332,15 @@
             </a:r>
             <a:r>
               <a:rPr lang="en-US" sz="2000" dirty="0"/>
-              <a:t> = application programming uint32_terface.</a:t>
+              <a:t> = application programming </a:t>
+            </a:r>
+            <a:r>
+              <a:rPr lang="en-US" sz="2000" dirty="0" smtClean="0"/>
+              <a:t>interface</a:t>
+            </a:r>
+            <a:r>
+              <a:rPr lang="en-US" sz="2000" dirty="0"/>
+              <a:t>.</a:t>
             </a:r>
           </a:p>
           <a:p>
@@ -18228,7 +18386,7 @@
           <p:cNvPr id="4" name="Rectangle 3">
             <a:extLst>
               <a:ext uri="{FF2B5EF4-FFF2-40B4-BE49-F238E27FC236}">
-                <a16:creationId xmlns:a16="http://schemas.microsoft.com/office/drawing/2014/main" id="{157EC5B1-59CF-421A-8E0A-5C682626F972}"/>
+                <a16:creationId xmlns:a16="http://schemas.microsoft.com/office/drawing/2014/main" xmlns="" id="{157EC5B1-59CF-421A-8E0A-5C682626F972}"/>
               </a:ext>
             </a:extLst>
           </p:cNvPr>
@@ -18282,7 +18440,7 @@
           <p:cNvPr id="5" name="Rectangle 4">
             <a:extLst>
               <a:ext uri="{FF2B5EF4-FFF2-40B4-BE49-F238E27FC236}">
-                <a16:creationId xmlns:a16="http://schemas.microsoft.com/office/drawing/2014/main" id="{634E75C5-1391-49FE-816F-63996EC867C4}"/>
+                <a16:creationId xmlns:a16="http://schemas.microsoft.com/office/drawing/2014/main" xmlns="" id="{634E75C5-1391-49FE-816F-63996EC867C4}"/>
               </a:ext>
             </a:extLst>
           </p:cNvPr>
@@ -18336,7 +18494,7 @@
           <p:cNvPr id="6" name="Rectangle: Rounded Corners 5">
             <a:extLst>
               <a:ext uri="{FF2B5EF4-FFF2-40B4-BE49-F238E27FC236}">
-                <a16:creationId xmlns:a16="http://schemas.microsoft.com/office/drawing/2014/main" id="{C55E33F4-4B7B-4831-BF50-92A0F937E350}"/>
+                <a16:creationId xmlns:a16="http://schemas.microsoft.com/office/drawing/2014/main" xmlns="" id="{C55E33F4-4B7B-4831-BF50-92A0F937E350}"/>
               </a:ext>
             </a:extLst>
           </p:cNvPr>
@@ -18400,7 +18558,7 @@
           <p:cNvPr id="7" name="Rectangle: Rounded Corners 6">
             <a:extLst>
               <a:ext uri="{FF2B5EF4-FFF2-40B4-BE49-F238E27FC236}">
-                <a16:creationId xmlns:a16="http://schemas.microsoft.com/office/drawing/2014/main" id="{477AFDCB-2C34-4764-B918-AFDC43C3B366}"/>
+                <a16:creationId xmlns:a16="http://schemas.microsoft.com/office/drawing/2014/main" xmlns="" id="{477AFDCB-2C34-4764-B918-AFDC43C3B366}"/>
               </a:ext>
             </a:extLst>
           </p:cNvPr>
@@ -18461,7 +18619,7 @@
           <p:cNvPr id="11" name="Date Placeholder 10">
             <a:extLst>
               <a:ext uri="{FF2B5EF4-FFF2-40B4-BE49-F238E27FC236}">
-                <a16:creationId xmlns:a16="http://schemas.microsoft.com/office/drawing/2014/main" id="{1BD50180-2EB2-4B55-A502-82BC7A9A4486}"/>
+                <a16:creationId xmlns:a16="http://schemas.microsoft.com/office/drawing/2014/main" xmlns="" id="{1BD50180-2EB2-4B55-A502-82BC7A9A4486}"/>
               </a:ext>
             </a:extLst>
           </p:cNvPr>
@@ -18489,7 +18647,7 @@
           <p:cNvPr id="12" name="Footer Placeholder 11">
             <a:extLst>
               <a:ext uri="{FF2B5EF4-FFF2-40B4-BE49-F238E27FC236}">
-                <a16:creationId xmlns:a16="http://schemas.microsoft.com/office/drawing/2014/main" id="{388E64DE-69F8-4E2A-87A2-81ABF44F5576}"/>
+                <a16:creationId xmlns:a16="http://schemas.microsoft.com/office/drawing/2014/main" xmlns="" id="{388E64DE-69F8-4E2A-87A2-81ABF44F5576}"/>
               </a:ext>
             </a:extLst>
           </p:cNvPr>
@@ -18518,7 +18676,7 @@
           <p:cNvPr id="13" name="Slide Number Placeholder 12">
             <a:extLst>
               <a:ext uri="{FF2B5EF4-FFF2-40B4-BE49-F238E27FC236}">
-                <a16:creationId xmlns:a16="http://schemas.microsoft.com/office/drawing/2014/main" id="{9847ECCB-9A1C-4755-81E2-48E0B260BF77}"/>
+                <a16:creationId xmlns:a16="http://schemas.microsoft.com/office/drawing/2014/main" xmlns="" id="{9847ECCB-9A1C-4755-81E2-48E0B260BF77}"/>
               </a:ext>
             </a:extLst>
           </p:cNvPr>
@@ -18577,7 +18735,7 @@
           <p:cNvPr id="2" name="Title 1">
             <a:extLst>
               <a:ext uri="{FF2B5EF4-FFF2-40B4-BE49-F238E27FC236}">
-                <a16:creationId xmlns:a16="http://schemas.microsoft.com/office/drawing/2014/main" id="{F2884752-74D1-481B-AF29-E03A85FE4C80}"/>
+                <a16:creationId xmlns:a16="http://schemas.microsoft.com/office/drawing/2014/main" xmlns="" id="{F2884752-74D1-481B-AF29-E03A85FE4C80}"/>
               </a:ext>
             </a:extLst>
           </p:cNvPr>
@@ -18594,7 +18752,7 @@
           <a:lstStyle/>
           <a:p>
             <a:r>
-              <a:rPr lang="ru-RU" b="1"/>
+              <a:rPr lang="ru-RU" b="1" dirty="0"/>
               <a:t>Выбор библиотеки</a:t>
             </a:r>
             <a:endParaRPr lang="en-US" b="1" dirty="0"/>
@@ -18606,7 +18764,7 @@
           <p:cNvPr id="3" name="Content Placeholder 2">
             <a:extLst>
               <a:ext uri="{FF2B5EF4-FFF2-40B4-BE49-F238E27FC236}">
-                <a16:creationId xmlns:a16="http://schemas.microsoft.com/office/drawing/2014/main" id="{9565EB2F-D586-4CAA-B8EB-CC77F71CD7E0}"/>
+                <a16:creationId xmlns:a16="http://schemas.microsoft.com/office/drawing/2014/main" xmlns="" id="{9565EB2F-D586-4CAA-B8EB-CC77F71CD7E0}"/>
               </a:ext>
             </a:extLst>
           </p:cNvPr>
@@ -18748,7 +18906,7 @@
           <p:cNvPr id="4" name="Date Placeholder 3">
             <a:extLst>
               <a:ext uri="{FF2B5EF4-FFF2-40B4-BE49-F238E27FC236}">
-                <a16:creationId xmlns:a16="http://schemas.microsoft.com/office/drawing/2014/main" id="{40CAA65F-F102-4006-9A9C-44E4BEA65DAF}"/>
+                <a16:creationId xmlns:a16="http://schemas.microsoft.com/office/drawing/2014/main" xmlns="" id="{40CAA65F-F102-4006-9A9C-44E4BEA65DAF}"/>
               </a:ext>
             </a:extLst>
           </p:cNvPr>
@@ -18776,7 +18934,7 @@
           <p:cNvPr id="5" name="Footer Placeholder 4">
             <a:extLst>
               <a:ext uri="{FF2B5EF4-FFF2-40B4-BE49-F238E27FC236}">
-                <a16:creationId xmlns:a16="http://schemas.microsoft.com/office/drawing/2014/main" id="{4BC367D8-221E-4298-B8CC-C0845A6A12A2}"/>
+                <a16:creationId xmlns:a16="http://schemas.microsoft.com/office/drawing/2014/main" xmlns="" id="{4BC367D8-221E-4298-B8CC-C0845A6A12A2}"/>
               </a:ext>
             </a:extLst>
           </p:cNvPr>
@@ -18805,7 +18963,7 @@
           <p:cNvPr id="6" name="Slide Number Placeholder 5">
             <a:extLst>
               <a:ext uri="{FF2B5EF4-FFF2-40B4-BE49-F238E27FC236}">
-                <a16:creationId xmlns:a16="http://schemas.microsoft.com/office/drawing/2014/main" id="{C9002B5A-6F51-4101-B994-D10BE6D2CCD0}"/>
+                <a16:creationId xmlns:a16="http://schemas.microsoft.com/office/drawing/2014/main" xmlns="" id="{C9002B5A-6F51-4101-B994-D10BE6D2CCD0}"/>
               </a:ext>
             </a:extLst>
           </p:cNvPr>
@@ -18864,7 +19022,7 @@
           <p:cNvPr id="2" name="Title 1">
             <a:extLst>
               <a:ext uri="{FF2B5EF4-FFF2-40B4-BE49-F238E27FC236}">
-                <a16:creationId xmlns:a16="http://schemas.microsoft.com/office/drawing/2014/main" id="{8CB97883-BB12-48A4-AD85-864410ED991D}"/>
+                <a16:creationId xmlns:a16="http://schemas.microsoft.com/office/drawing/2014/main" xmlns="" id="{8CB97883-BB12-48A4-AD85-864410ED991D}"/>
               </a:ext>
             </a:extLst>
           </p:cNvPr>
@@ -18898,7 +19056,7 @@
           <p:cNvPr id="3" name="Content Placeholder 2">
             <a:extLst>
               <a:ext uri="{FF2B5EF4-FFF2-40B4-BE49-F238E27FC236}">
-                <a16:creationId xmlns:a16="http://schemas.microsoft.com/office/drawing/2014/main" id="{277AFB2B-B20E-491F-AA14-9D166E71B6EE}"/>
+                <a16:creationId xmlns:a16="http://schemas.microsoft.com/office/drawing/2014/main" xmlns="" id="{277AFB2B-B20E-491F-AA14-9D166E71B6EE}"/>
               </a:ext>
             </a:extLst>
           </p:cNvPr>
@@ -19057,7 +19215,7 @@
           <p:cNvPr id="6" name="TextBox 5">
             <a:extLst>
               <a:ext uri="{FF2B5EF4-FFF2-40B4-BE49-F238E27FC236}">
-                <a16:creationId xmlns:a16="http://schemas.microsoft.com/office/drawing/2014/main" id="{CE0417F5-5B06-4686-A3D9-4DFAE2BC0ED0}"/>
+                <a16:creationId xmlns:a16="http://schemas.microsoft.com/office/drawing/2014/main" xmlns="" id="{CE0417F5-5B06-4686-A3D9-4DFAE2BC0ED0}"/>
               </a:ext>
             </a:extLst>
           </p:cNvPr>
@@ -19101,7 +19259,7 @@
           <p:cNvPr id="4" name="Date Placeholder 3">
             <a:extLst>
               <a:ext uri="{FF2B5EF4-FFF2-40B4-BE49-F238E27FC236}">
-                <a16:creationId xmlns:a16="http://schemas.microsoft.com/office/drawing/2014/main" id="{9989A927-D5DB-48D6-8639-22091504CBCB}"/>
+                <a16:creationId xmlns:a16="http://schemas.microsoft.com/office/drawing/2014/main" xmlns="" id="{9989A927-D5DB-48D6-8639-22091504CBCB}"/>
               </a:ext>
             </a:extLst>
           </p:cNvPr>
@@ -19129,7 +19287,7 @@
           <p:cNvPr id="5" name="Footer Placeholder 4">
             <a:extLst>
               <a:ext uri="{FF2B5EF4-FFF2-40B4-BE49-F238E27FC236}">
-                <a16:creationId xmlns:a16="http://schemas.microsoft.com/office/drawing/2014/main" id="{EDF23D45-7734-4103-80F1-712D5B4B8622}"/>
+                <a16:creationId xmlns:a16="http://schemas.microsoft.com/office/drawing/2014/main" xmlns="" id="{EDF23D45-7734-4103-80F1-712D5B4B8622}"/>
               </a:ext>
             </a:extLst>
           </p:cNvPr>
@@ -19158,7 +19316,7 @@
           <p:cNvPr id="7" name="Slide Number Placeholder 6">
             <a:extLst>
               <a:ext uri="{FF2B5EF4-FFF2-40B4-BE49-F238E27FC236}">
-                <a16:creationId xmlns:a16="http://schemas.microsoft.com/office/drawing/2014/main" id="{3586DD33-2F2F-45B5-8216-130103826B72}"/>
+                <a16:creationId xmlns:a16="http://schemas.microsoft.com/office/drawing/2014/main" xmlns="" id="{3586DD33-2F2F-45B5-8216-130103826B72}"/>
               </a:ext>
             </a:extLst>
           </p:cNvPr>
@@ -19217,7 +19375,7 @@
           <p:cNvPr id="2" name="Title 1">
             <a:extLst>
               <a:ext uri="{FF2B5EF4-FFF2-40B4-BE49-F238E27FC236}">
-                <a16:creationId xmlns:a16="http://schemas.microsoft.com/office/drawing/2014/main" id="{D9FE0E66-83A4-4C69-8E44-1AA046E66840}"/>
+                <a16:creationId xmlns:a16="http://schemas.microsoft.com/office/drawing/2014/main" xmlns="" id="{D9FE0E66-83A4-4C69-8E44-1AA046E66840}"/>
               </a:ext>
             </a:extLst>
           </p:cNvPr>
@@ -19250,7 +19408,7 @@
           <p:cNvPr id="3" name="Content Placeholder 2">
             <a:extLst>
               <a:ext uri="{FF2B5EF4-FFF2-40B4-BE49-F238E27FC236}">
-                <a16:creationId xmlns:a16="http://schemas.microsoft.com/office/drawing/2014/main" id="{6F3B08AB-D72E-4376-BFD6-28A98FB8D49A}"/>
+                <a16:creationId xmlns:a16="http://schemas.microsoft.com/office/drawing/2014/main" xmlns="" id="{6F3B08AB-D72E-4376-BFD6-28A98FB8D49A}"/>
               </a:ext>
             </a:extLst>
           </p:cNvPr>
@@ -19342,7 +19500,7 @@
           <p:cNvPr id="4" name="Content Placeholder 2">
             <a:extLst>
               <a:ext uri="{FF2B5EF4-FFF2-40B4-BE49-F238E27FC236}">
-                <a16:creationId xmlns:a16="http://schemas.microsoft.com/office/drawing/2014/main" id="{95B4F1EE-8024-440F-B4D1-69461DF3AF54}"/>
+                <a16:creationId xmlns:a16="http://schemas.microsoft.com/office/drawing/2014/main" xmlns="" id="{95B4F1EE-8024-440F-B4D1-69461DF3AF54}"/>
               </a:ext>
             </a:extLst>
           </p:cNvPr>
@@ -19353,7 +19511,7 @@
         </p:nvSpPr>
         <p:spPr>
           <a:xfrm>
-            <a:off x="628650" y="3552472"/>
+            <a:off x="628650" y="3544308"/>
             <a:ext cx="7886700" cy="1603375"/>
           </a:xfrm>
           <a:prstGeom prst="rect">
@@ -19594,7 +19752,7 @@
           <p:cNvPr id="5" name="Date Placeholder 4">
             <a:extLst>
               <a:ext uri="{FF2B5EF4-FFF2-40B4-BE49-F238E27FC236}">
-                <a16:creationId xmlns:a16="http://schemas.microsoft.com/office/drawing/2014/main" id="{5C70EB28-6652-41A6-9767-3132B7F4087E}"/>
+                <a16:creationId xmlns:a16="http://schemas.microsoft.com/office/drawing/2014/main" xmlns="" id="{5C70EB28-6652-41A6-9767-3132B7F4087E}"/>
               </a:ext>
             </a:extLst>
           </p:cNvPr>
@@ -19622,7 +19780,7 @@
           <p:cNvPr id="6" name="Footer Placeholder 5">
             <a:extLst>
               <a:ext uri="{FF2B5EF4-FFF2-40B4-BE49-F238E27FC236}">
-                <a16:creationId xmlns:a16="http://schemas.microsoft.com/office/drawing/2014/main" id="{EF2B77B1-B665-4275-B971-044700ABA9D4}"/>
+                <a16:creationId xmlns:a16="http://schemas.microsoft.com/office/drawing/2014/main" xmlns="" id="{EF2B77B1-B665-4275-B971-044700ABA9D4}"/>
               </a:ext>
             </a:extLst>
           </p:cNvPr>
@@ -19651,7 +19809,7 @@
           <p:cNvPr id="7" name="Slide Number Placeholder 6">
             <a:extLst>
               <a:ext uri="{FF2B5EF4-FFF2-40B4-BE49-F238E27FC236}">
-                <a16:creationId xmlns:a16="http://schemas.microsoft.com/office/drawing/2014/main" id="{213AC5E6-FE22-4855-B5F9-A2F537AAAA20}"/>
+                <a16:creationId xmlns:a16="http://schemas.microsoft.com/office/drawing/2014/main" xmlns="" id="{213AC5E6-FE22-4855-B5F9-A2F537AAAA20}"/>
               </a:ext>
             </a:extLst>
           </p:cNvPr>
@@ -19710,7 +19868,7 @@
           <p:cNvPr id="34" name="Straight Connector 33">
             <a:extLst>
               <a:ext uri="{FF2B5EF4-FFF2-40B4-BE49-F238E27FC236}">
-                <a16:creationId xmlns:a16="http://schemas.microsoft.com/office/drawing/2014/main" id="{1AA0C357-96B6-4A57-9B63-89EF18C2AA07}"/>
+                <a16:creationId xmlns:a16="http://schemas.microsoft.com/office/drawing/2014/main" xmlns="" id="{1AA0C357-96B6-4A57-9B63-89EF18C2AA07}"/>
               </a:ext>
             </a:extLst>
           </p:cNvPr>
@@ -19756,7 +19914,7 @@
           <p:cNvPr id="2" name="Title 1">
             <a:extLst>
               <a:ext uri="{FF2B5EF4-FFF2-40B4-BE49-F238E27FC236}">
-                <a16:creationId xmlns:a16="http://schemas.microsoft.com/office/drawing/2014/main" id="{6DDF967D-3DF7-4ABF-BC9A-DB27BB85286D}"/>
+                <a16:creationId xmlns:a16="http://schemas.microsoft.com/office/drawing/2014/main" xmlns="" id="{6DDF967D-3DF7-4ABF-BC9A-DB27BB85286D}"/>
               </a:ext>
             </a:extLst>
           </p:cNvPr>
@@ -19787,7 +19945,7 @@
           <p:cNvPr id="5" name="TextBox 4">
             <a:extLst>
               <a:ext uri="{FF2B5EF4-FFF2-40B4-BE49-F238E27FC236}">
-                <a16:creationId xmlns:a16="http://schemas.microsoft.com/office/drawing/2014/main" id="{7D413706-769E-4DB9-9D17-02A78F2736FD}"/>
+                <a16:creationId xmlns:a16="http://schemas.microsoft.com/office/drawing/2014/main" xmlns="" id="{7D413706-769E-4DB9-9D17-02A78F2736FD}"/>
               </a:ext>
             </a:extLst>
           </p:cNvPr>
@@ -19823,7 +19981,7 @@
           <p:cNvPr id="6" name="Flowchart: Alternate Process 5">
             <a:extLst>
               <a:ext uri="{FF2B5EF4-FFF2-40B4-BE49-F238E27FC236}">
-                <a16:creationId xmlns:a16="http://schemas.microsoft.com/office/drawing/2014/main" id="{E95C4835-903D-4DDA-BE3A-FA84E2482351}"/>
+                <a16:creationId xmlns:a16="http://schemas.microsoft.com/office/drawing/2014/main" xmlns="" id="{E95C4835-903D-4DDA-BE3A-FA84E2482351}"/>
               </a:ext>
             </a:extLst>
           </p:cNvPr>
@@ -19891,7 +20049,7 @@
           <p:cNvPr id="7" name="Rectangle 6">
             <a:extLst>
               <a:ext uri="{FF2B5EF4-FFF2-40B4-BE49-F238E27FC236}">
-                <a16:creationId xmlns:a16="http://schemas.microsoft.com/office/drawing/2014/main" id="{86B95E5A-DD93-4F8E-90AC-FB2A46C305AB}"/>
+                <a16:creationId xmlns:a16="http://schemas.microsoft.com/office/drawing/2014/main" xmlns="" id="{86B95E5A-DD93-4F8E-90AC-FB2A46C305AB}"/>
               </a:ext>
             </a:extLst>
           </p:cNvPr>
@@ -19945,7 +20103,7 @@
           <p:cNvPr id="8" name="Rectangle: Folded Corner 7">
             <a:extLst>
               <a:ext uri="{FF2B5EF4-FFF2-40B4-BE49-F238E27FC236}">
-                <a16:creationId xmlns:a16="http://schemas.microsoft.com/office/drawing/2014/main" id="{84C5B701-BCF7-4359-A0F2-55C283DA10B5}"/>
+                <a16:creationId xmlns:a16="http://schemas.microsoft.com/office/drawing/2014/main" xmlns="" id="{84C5B701-BCF7-4359-A0F2-55C283DA10B5}"/>
               </a:ext>
             </a:extLst>
           </p:cNvPr>
@@ -19998,7 +20156,7 @@
           <p:cNvPr id="10" name="Straight Arrow Connector 9">
             <a:extLst>
               <a:ext uri="{FF2B5EF4-FFF2-40B4-BE49-F238E27FC236}">
-                <a16:creationId xmlns:a16="http://schemas.microsoft.com/office/drawing/2014/main" id="{64590503-807D-41E7-AD45-0440F1D63E94}"/>
+                <a16:creationId xmlns:a16="http://schemas.microsoft.com/office/drawing/2014/main" xmlns="" id="{64590503-807D-41E7-AD45-0440F1D63E94}"/>
               </a:ext>
             </a:extLst>
           </p:cNvPr>
@@ -20045,7 +20203,7 @@
           <p:cNvPr id="11" name="Rectangle: Folded Corner 10">
             <a:extLst>
               <a:ext uri="{FF2B5EF4-FFF2-40B4-BE49-F238E27FC236}">
-                <a16:creationId xmlns:a16="http://schemas.microsoft.com/office/drawing/2014/main" id="{B6525369-034C-419C-8936-B978EB8F43A2}"/>
+                <a16:creationId xmlns:a16="http://schemas.microsoft.com/office/drawing/2014/main" xmlns="" id="{B6525369-034C-419C-8936-B978EB8F43A2}"/>
               </a:ext>
             </a:extLst>
           </p:cNvPr>
@@ -20099,7 +20257,7 @@
           <p:cNvPr id="12" name="Rectangle: Folded Corner 11">
             <a:extLst>
               <a:ext uri="{FF2B5EF4-FFF2-40B4-BE49-F238E27FC236}">
-                <a16:creationId xmlns:a16="http://schemas.microsoft.com/office/drawing/2014/main" id="{9752F72B-A539-40BE-A35D-CBBE0C3B4811}"/>
+                <a16:creationId xmlns:a16="http://schemas.microsoft.com/office/drawing/2014/main" xmlns="" id="{9752F72B-A539-40BE-A35D-CBBE0C3B4811}"/>
               </a:ext>
             </a:extLst>
           </p:cNvPr>
@@ -20152,7 +20310,7 @@
           <p:cNvPr id="19" name="Straight Arrow Connector 18">
             <a:extLst>
               <a:ext uri="{FF2B5EF4-FFF2-40B4-BE49-F238E27FC236}">
-                <a16:creationId xmlns:a16="http://schemas.microsoft.com/office/drawing/2014/main" id="{1651A282-8671-4AAD-8FFA-59D1DE67C351}"/>
+                <a16:creationId xmlns:a16="http://schemas.microsoft.com/office/drawing/2014/main" xmlns="" id="{1651A282-8671-4AAD-8FFA-59D1DE67C351}"/>
               </a:ext>
             </a:extLst>
           </p:cNvPr>
@@ -20201,7 +20359,7 @@
           <p:cNvPr id="20" name="Rectangle 19">
             <a:extLst>
               <a:ext uri="{FF2B5EF4-FFF2-40B4-BE49-F238E27FC236}">
-                <a16:creationId xmlns:a16="http://schemas.microsoft.com/office/drawing/2014/main" id="{93FBFE58-746C-4495-BCA8-65FC03D6C486}"/>
+                <a16:creationId xmlns:a16="http://schemas.microsoft.com/office/drawing/2014/main" xmlns="" id="{93FBFE58-746C-4495-BCA8-65FC03D6C486}"/>
               </a:ext>
             </a:extLst>
           </p:cNvPr>
@@ -20255,7 +20413,7 @@
           <p:cNvPr id="21" name="Rectangle 20">
             <a:extLst>
               <a:ext uri="{FF2B5EF4-FFF2-40B4-BE49-F238E27FC236}">
-                <a16:creationId xmlns:a16="http://schemas.microsoft.com/office/drawing/2014/main" id="{6E5B0FC8-AF08-4429-BF56-104393378583}"/>
+                <a16:creationId xmlns:a16="http://schemas.microsoft.com/office/drawing/2014/main" xmlns="" id="{6E5B0FC8-AF08-4429-BF56-104393378583}"/>
               </a:ext>
             </a:extLst>
           </p:cNvPr>
@@ -20308,7 +20466,7 @@
           <p:cNvPr id="23" name="Straight Arrow Connector 22">
             <a:extLst>
               <a:ext uri="{FF2B5EF4-FFF2-40B4-BE49-F238E27FC236}">
-                <a16:creationId xmlns:a16="http://schemas.microsoft.com/office/drawing/2014/main" id="{1145F427-32A2-41AC-9369-DF9A10DC3BD7}"/>
+                <a16:creationId xmlns:a16="http://schemas.microsoft.com/office/drawing/2014/main" xmlns="" id="{1145F427-32A2-41AC-9369-DF9A10DC3BD7}"/>
               </a:ext>
             </a:extLst>
           </p:cNvPr>
@@ -20356,7 +20514,7 @@
           <p:cNvPr id="28" name="Connector: Curved 27">
             <a:extLst>
               <a:ext uri="{FF2B5EF4-FFF2-40B4-BE49-F238E27FC236}">
-                <a16:creationId xmlns:a16="http://schemas.microsoft.com/office/drawing/2014/main" id="{D2F4548A-1967-4FAD-9A2F-4D5EF04906F4}"/>
+                <a16:creationId xmlns:a16="http://schemas.microsoft.com/office/drawing/2014/main" xmlns="" id="{D2F4548A-1967-4FAD-9A2F-4D5EF04906F4}"/>
               </a:ext>
             </a:extLst>
           </p:cNvPr>
@@ -20403,7 +20561,7 @@
           <p:cNvPr id="30" name="Straight Arrow Connector 29">
             <a:extLst>
               <a:ext uri="{FF2B5EF4-FFF2-40B4-BE49-F238E27FC236}">
-                <a16:creationId xmlns:a16="http://schemas.microsoft.com/office/drawing/2014/main" id="{D819BCB9-1531-4320-BB06-8E5FF1771AA8}"/>
+                <a16:creationId xmlns:a16="http://schemas.microsoft.com/office/drawing/2014/main" xmlns="" id="{D819BCB9-1531-4320-BB06-8E5FF1771AA8}"/>
               </a:ext>
             </a:extLst>
           </p:cNvPr>
@@ -20451,7 +20609,7 @@
           <p:cNvPr id="36" name="TextBox 35">
             <a:extLst>
               <a:ext uri="{FF2B5EF4-FFF2-40B4-BE49-F238E27FC236}">
-                <a16:creationId xmlns:a16="http://schemas.microsoft.com/office/drawing/2014/main" id="{13074851-951B-4129-86B7-342832AE2EF9}"/>
+                <a16:creationId xmlns:a16="http://schemas.microsoft.com/office/drawing/2014/main" xmlns="" id="{13074851-951B-4129-86B7-342832AE2EF9}"/>
               </a:ext>
             </a:extLst>
           </p:cNvPr>
@@ -20500,7 +20658,7 @@
           <p:cNvPr id="37" name="TextBox 36">
             <a:extLst>
               <a:ext uri="{FF2B5EF4-FFF2-40B4-BE49-F238E27FC236}">
-                <a16:creationId xmlns:a16="http://schemas.microsoft.com/office/drawing/2014/main" id="{E3512C98-6342-4CA6-8089-E2102E065F76}"/>
+                <a16:creationId xmlns:a16="http://schemas.microsoft.com/office/drawing/2014/main" xmlns="" id="{E3512C98-6342-4CA6-8089-E2102E065F76}"/>
               </a:ext>
             </a:extLst>
           </p:cNvPr>
@@ -20548,7 +20706,7 @@
           <p:cNvPr id="3" name="Date Placeholder 2">
             <a:extLst>
               <a:ext uri="{FF2B5EF4-FFF2-40B4-BE49-F238E27FC236}">
-                <a16:creationId xmlns:a16="http://schemas.microsoft.com/office/drawing/2014/main" id="{57345891-8931-4549-9A3A-D46E435FF1C9}"/>
+                <a16:creationId xmlns:a16="http://schemas.microsoft.com/office/drawing/2014/main" xmlns="" id="{57345891-8931-4549-9A3A-D46E435FF1C9}"/>
               </a:ext>
             </a:extLst>
           </p:cNvPr>
@@ -20576,7 +20734,7 @@
           <p:cNvPr id="4" name="Footer Placeholder 3">
             <a:extLst>
               <a:ext uri="{FF2B5EF4-FFF2-40B4-BE49-F238E27FC236}">
-                <a16:creationId xmlns:a16="http://schemas.microsoft.com/office/drawing/2014/main" id="{5AE3141E-D136-4AA9-BCC0-225F2FEF3E74}"/>
+                <a16:creationId xmlns:a16="http://schemas.microsoft.com/office/drawing/2014/main" xmlns="" id="{5AE3141E-D136-4AA9-BCC0-225F2FEF3E74}"/>
               </a:ext>
             </a:extLst>
           </p:cNvPr>
@@ -20605,7 +20763,7 @@
           <p:cNvPr id="9" name="Slide Number Placeholder 8">
             <a:extLst>
               <a:ext uri="{FF2B5EF4-FFF2-40B4-BE49-F238E27FC236}">
-                <a16:creationId xmlns:a16="http://schemas.microsoft.com/office/drawing/2014/main" id="{837B3D04-606B-4473-81DF-4178244E4867}"/>
+                <a16:creationId xmlns:a16="http://schemas.microsoft.com/office/drawing/2014/main" xmlns="" id="{837B3D04-606B-4473-81DF-4178244E4867}"/>
               </a:ext>
             </a:extLst>
           </p:cNvPr>

--- a/lecture07_library.pptx
+++ b/lecture07_library.pptx
@@ -5,10 +5,10 @@
     <p:sldMasterId id="2147483660" r:id="rId1"/>
   </p:sldMasterIdLst>
   <p:notesMasterIdLst>
-    <p:notesMasterId r:id="rId26"/>
+    <p:notesMasterId r:id="rId28"/>
   </p:notesMasterIdLst>
   <p:handoutMasterIdLst>
-    <p:handoutMasterId r:id="rId27"/>
+    <p:handoutMasterId r:id="rId29"/>
   </p:handoutMasterIdLst>
   <p:sldIdLst>
     <p:sldId id="256" r:id="rId2"/>
@@ -32,9 +32,11 @@
     <p:sldId id="270" r:id="rId20"/>
     <p:sldId id="271" r:id="rId21"/>
     <p:sldId id="276" r:id="rId22"/>
-    <p:sldId id="277" r:id="rId23"/>
-    <p:sldId id="278" r:id="rId24"/>
-    <p:sldId id="279" r:id="rId25"/>
+    <p:sldId id="284" r:id="rId23"/>
+    <p:sldId id="283" r:id="rId24"/>
+    <p:sldId id="277" r:id="rId25"/>
+    <p:sldId id="278" r:id="rId26"/>
+    <p:sldId id="279" r:id="rId27"/>
   </p:sldIdLst>
   <p:sldSz cx="9144000" cy="6858000" type="screen4x3"/>
   <p:notesSz cx="6858000" cy="9144000"/>
@@ -171,7 +173,7 @@
           <p:cNvPr id="2" name="Header Placeholder 1">
             <a:extLst>
               <a:ext uri="{FF2B5EF4-FFF2-40B4-BE49-F238E27FC236}">
-                <a16:creationId xmlns:a16="http://schemas.microsoft.com/office/drawing/2014/main" xmlns="" id="{AD1774C6-C20B-430F-8D96-A46B3460A412}"/>
+                <a16:creationId xmlns:a16="http://schemas.microsoft.com/office/drawing/2014/main" id="{AD1774C6-C20B-430F-8D96-A46B3460A412}"/>
               </a:ext>
             </a:extLst>
           </p:cNvPr>
@@ -208,7 +210,7 @@
           <p:cNvPr id="3" name="Date Placeholder 2">
             <a:extLst>
               <a:ext uri="{FF2B5EF4-FFF2-40B4-BE49-F238E27FC236}">
-                <a16:creationId xmlns:a16="http://schemas.microsoft.com/office/drawing/2014/main" xmlns="" id="{EAC0D0C3-47AD-4E93-87E7-567B2DA7F24E}"/>
+                <a16:creationId xmlns:a16="http://schemas.microsoft.com/office/drawing/2014/main" id="{EAC0D0C3-47AD-4E93-87E7-567B2DA7F24E}"/>
               </a:ext>
             </a:extLst>
           </p:cNvPr>
@@ -249,7 +251,7 @@
           <p:cNvPr id="4" name="Footer Placeholder 3">
             <a:extLst>
               <a:ext uri="{FF2B5EF4-FFF2-40B4-BE49-F238E27FC236}">
-                <a16:creationId xmlns:a16="http://schemas.microsoft.com/office/drawing/2014/main" xmlns="" id="{9D5081F8-5BE7-4238-9E6C-BA8E26802D4C}"/>
+                <a16:creationId xmlns:a16="http://schemas.microsoft.com/office/drawing/2014/main" id="{9D5081F8-5BE7-4238-9E6C-BA8E26802D4C}"/>
               </a:ext>
             </a:extLst>
           </p:cNvPr>
@@ -286,7 +288,7 @@
           <p:cNvPr id="5" name="Slide Number Placeholder 4">
             <a:extLst>
               <a:ext uri="{FF2B5EF4-FFF2-40B4-BE49-F238E27FC236}">
-                <a16:creationId xmlns:a16="http://schemas.microsoft.com/office/drawing/2014/main" xmlns="" id="{DB993ECE-5611-45C2-8C00-9E2A2EE38227}"/>
+                <a16:creationId xmlns:a16="http://schemas.microsoft.com/office/drawing/2014/main" id="{DB993ECE-5611-45C2-8C00-9E2A2EE38227}"/>
               </a:ext>
             </a:extLst>
           </p:cNvPr>
@@ -3583,7 +3585,7 @@
           <p:cNvPr id="2" name="Title 1">
             <a:extLst>
               <a:ext uri="{FF2B5EF4-FFF2-40B4-BE49-F238E27FC236}">
-                <a16:creationId xmlns:a16="http://schemas.microsoft.com/office/drawing/2014/main" xmlns="" id="{1D29A29D-DB3C-4F0F-9E08-EF424E96FEE0}"/>
+                <a16:creationId xmlns:a16="http://schemas.microsoft.com/office/drawing/2014/main" id="{1D29A29D-DB3C-4F0F-9E08-EF424E96FEE0}"/>
               </a:ext>
             </a:extLst>
           </p:cNvPr>
@@ -3617,7 +3619,7 @@
           <p:cNvPr id="3" name="Subtitle 2">
             <a:extLst>
               <a:ext uri="{FF2B5EF4-FFF2-40B4-BE49-F238E27FC236}">
-                <a16:creationId xmlns:a16="http://schemas.microsoft.com/office/drawing/2014/main" xmlns="" id="{B53108F5-F484-43D1-A1B7-702B73884C82}"/>
+                <a16:creationId xmlns:a16="http://schemas.microsoft.com/office/drawing/2014/main" id="{B53108F5-F484-43D1-A1B7-702B73884C82}"/>
               </a:ext>
             </a:extLst>
           </p:cNvPr>
@@ -3673,16 +3675,6 @@
                 </a:solidFill>
               </a:rPr>
               <a:t>Кафедра Управления и интеллектуальных технологий</a:t>
-            </a:r>
-            <a:r>
-              <a:rPr lang="en-US" sz="2000" dirty="0">
-                <a:solidFill>
-                  <a:schemeClr val="bg1">
-                    <a:lumMod val="50000"/>
-                  </a:schemeClr>
-                </a:solidFill>
-              </a:rPr>
-              <a:t/>
             </a:r>
             <a:br>
               <a:rPr lang="en-US" sz="2000" dirty="0">
@@ -3748,7 +3740,7 @@
           <p:cNvPr id="2" name="Title 1">
             <a:extLst>
               <a:ext uri="{FF2B5EF4-FFF2-40B4-BE49-F238E27FC236}">
-                <a16:creationId xmlns:a16="http://schemas.microsoft.com/office/drawing/2014/main" xmlns="" id="{5F161B13-FC3E-4572-BD88-D13C49734F47}"/>
+                <a16:creationId xmlns:a16="http://schemas.microsoft.com/office/drawing/2014/main" id="{5F161B13-FC3E-4572-BD88-D13C49734F47}"/>
               </a:ext>
             </a:extLst>
           </p:cNvPr>
@@ -3782,7 +3774,7 @@
           <p:cNvPr id="4" name="TextBox 3">
             <a:extLst>
               <a:ext uri="{FF2B5EF4-FFF2-40B4-BE49-F238E27FC236}">
-                <a16:creationId xmlns:a16="http://schemas.microsoft.com/office/drawing/2014/main" xmlns="" id="{3458FCB8-6F8D-47A5-8D68-F5F0F44E3E66}"/>
+                <a16:creationId xmlns:a16="http://schemas.microsoft.com/office/drawing/2014/main" id="{3458FCB8-6F8D-47A5-8D68-F5F0F44E3E66}"/>
               </a:ext>
             </a:extLst>
           </p:cNvPr>
@@ -3821,7 +3813,7 @@
           <p:cNvPr id="5" name="Straight Connector 4">
             <a:extLst>
               <a:ext uri="{FF2B5EF4-FFF2-40B4-BE49-F238E27FC236}">
-                <a16:creationId xmlns:a16="http://schemas.microsoft.com/office/drawing/2014/main" xmlns="" id="{BD18D9A1-425F-4B73-816E-673E2CEEED05}"/>
+                <a16:creationId xmlns:a16="http://schemas.microsoft.com/office/drawing/2014/main" id="{BD18D9A1-425F-4B73-816E-673E2CEEED05}"/>
               </a:ext>
             </a:extLst>
           </p:cNvPr>
@@ -3867,7 +3859,7 @@
           <p:cNvPr id="6" name="TextBox 5">
             <a:extLst>
               <a:ext uri="{FF2B5EF4-FFF2-40B4-BE49-F238E27FC236}">
-                <a16:creationId xmlns:a16="http://schemas.microsoft.com/office/drawing/2014/main" xmlns="" id="{D1326568-801D-4796-ADD6-838984957492}"/>
+                <a16:creationId xmlns:a16="http://schemas.microsoft.com/office/drawing/2014/main" id="{D1326568-801D-4796-ADD6-838984957492}"/>
               </a:ext>
             </a:extLst>
           </p:cNvPr>
@@ -3916,7 +3908,7 @@
           <p:cNvPr id="7" name="TextBox 6">
             <a:extLst>
               <a:ext uri="{FF2B5EF4-FFF2-40B4-BE49-F238E27FC236}">
-                <a16:creationId xmlns:a16="http://schemas.microsoft.com/office/drawing/2014/main" xmlns="" id="{12600895-516D-42EC-AD9A-9860D9F4603F}"/>
+                <a16:creationId xmlns:a16="http://schemas.microsoft.com/office/drawing/2014/main" id="{12600895-516D-42EC-AD9A-9860D9F4603F}"/>
               </a:ext>
             </a:extLst>
           </p:cNvPr>
@@ -3965,7 +3957,7 @@
           <p:cNvPr id="8" name="TextBox 7">
             <a:extLst>
               <a:ext uri="{FF2B5EF4-FFF2-40B4-BE49-F238E27FC236}">
-                <a16:creationId xmlns:a16="http://schemas.microsoft.com/office/drawing/2014/main" xmlns="" id="{DFA683CE-A9D1-43C6-A4BC-FEDF3600053C}"/>
+                <a16:creationId xmlns:a16="http://schemas.microsoft.com/office/drawing/2014/main" id="{DFA683CE-A9D1-43C6-A4BC-FEDF3600053C}"/>
               </a:ext>
             </a:extLst>
           </p:cNvPr>
@@ -4013,7 +4005,7 @@
           <p:cNvPr id="9" name="Straight Connector 8">
             <a:extLst>
               <a:ext uri="{FF2B5EF4-FFF2-40B4-BE49-F238E27FC236}">
-                <a16:creationId xmlns:a16="http://schemas.microsoft.com/office/drawing/2014/main" xmlns="" id="{CEF25851-77FD-4713-89DD-EEB5F67BEF35}"/>
+                <a16:creationId xmlns:a16="http://schemas.microsoft.com/office/drawing/2014/main" id="{CEF25851-77FD-4713-89DD-EEB5F67BEF35}"/>
               </a:ext>
             </a:extLst>
           </p:cNvPr>
@@ -4059,7 +4051,7 @@
           <p:cNvPr id="10" name="Rectangle: Folded Corner 9">
             <a:extLst>
               <a:ext uri="{FF2B5EF4-FFF2-40B4-BE49-F238E27FC236}">
-                <a16:creationId xmlns:a16="http://schemas.microsoft.com/office/drawing/2014/main" xmlns="" id="{B06DE679-1FD9-48A6-AC9D-28D93647EBAC}"/>
+                <a16:creationId xmlns:a16="http://schemas.microsoft.com/office/drawing/2014/main" id="{B06DE679-1FD9-48A6-AC9D-28D93647EBAC}"/>
               </a:ext>
             </a:extLst>
           </p:cNvPr>
@@ -4112,7 +4104,7 @@
           <p:cNvPr id="11" name="Flowchart: Alternate Process 10">
             <a:extLst>
               <a:ext uri="{FF2B5EF4-FFF2-40B4-BE49-F238E27FC236}">
-                <a16:creationId xmlns:a16="http://schemas.microsoft.com/office/drawing/2014/main" xmlns="" id="{D7BFBBB9-F644-4BD6-BB2A-D50F5545AFDB}"/>
+                <a16:creationId xmlns:a16="http://schemas.microsoft.com/office/drawing/2014/main" id="{D7BFBBB9-F644-4BD6-BB2A-D50F5545AFDB}"/>
               </a:ext>
             </a:extLst>
           </p:cNvPr>
@@ -4165,7 +4157,7 @@
           <p:cNvPr id="12" name="Flowchart: Alternate Process 11">
             <a:extLst>
               <a:ext uri="{FF2B5EF4-FFF2-40B4-BE49-F238E27FC236}">
-                <a16:creationId xmlns:a16="http://schemas.microsoft.com/office/drawing/2014/main" xmlns="" id="{627A0081-4CEB-4AD7-93C6-DA5225D6EB92}"/>
+                <a16:creationId xmlns:a16="http://schemas.microsoft.com/office/drawing/2014/main" id="{627A0081-4CEB-4AD7-93C6-DA5225D6EB92}"/>
               </a:ext>
             </a:extLst>
           </p:cNvPr>
@@ -4241,7 +4233,7 @@
           <p:cNvPr id="13" name="Rectangle: Folded Corner 12">
             <a:extLst>
               <a:ext uri="{FF2B5EF4-FFF2-40B4-BE49-F238E27FC236}">
-                <a16:creationId xmlns:a16="http://schemas.microsoft.com/office/drawing/2014/main" xmlns="" id="{141157AE-A6D2-4DA4-8A8C-537F7B51F9ED}"/>
+                <a16:creationId xmlns:a16="http://schemas.microsoft.com/office/drawing/2014/main" id="{141157AE-A6D2-4DA4-8A8C-537F7B51F9ED}"/>
               </a:ext>
             </a:extLst>
           </p:cNvPr>
@@ -4295,7 +4287,7 @@
           <p:cNvPr id="15" name="Connector: Curved 14">
             <a:extLst>
               <a:ext uri="{FF2B5EF4-FFF2-40B4-BE49-F238E27FC236}">
-                <a16:creationId xmlns:a16="http://schemas.microsoft.com/office/drawing/2014/main" xmlns="" id="{ED3EB16A-4E77-454A-B395-42E06742ED65}"/>
+                <a16:creationId xmlns:a16="http://schemas.microsoft.com/office/drawing/2014/main" id="{ED3EB16A-4E77-454A-B395-42E06742ED65}"/>
               </a:ext>
             </a:extLst>
           </p:cNvPr>
@@ -4343,7 +4335,7 @@
           <p:cNvPr id="17" name="Connector: Curved 16">
             <a:extLst>
               <a:ext uri="{FF2B5EF4-FFF2-40B4-BE49-F238E27FC236}">
-                <a16:creationId xmlns:a16="http://schemas.microsoft.com/office/drawing/2014/main" xmlns="" id="{EC672942-BB7E-469D-A1FA-97F2DBFE7681}"/>
+                <a16:creationId xmlns:a16="http://schemas.microsoft.com/office/drawing/2014/main" id="{EC672942-BB7E-469D-A1FA-97F2DBFE7681}"/>
               </a:ext>
             </a:extLst>
           </p:cNvPr>
@@ -4392,7 +4384,7 @@
           <p:cNvPr id="24" name="Rectangle: Folded Corner 23">
             <a:extLst>
               <a:ext uri="{FF2B5EF4-FFF2-40B4-BE49-F238E27FC236}">
-                <a16:creationId xmlns:a16="http://schemas.microsoft.com/office/drawing/2014/main" xmlns="" id="{B7E90F0B-0F3E-46B1-9B22-313756E72E94}"/>
+                <a16:creationId xmlns:a16="http://schemas.microsoft.com/office/drawing/2014/main" id="{B7E90F0B-0F3E-46B1-9B22-313756E72E94}"/>
               </a:ext>
             </a:extLst>
           </p:cNvPr>
@@ -4445,7 +4437,7 @@
           <p:cNvPr id="25" name="Rectangle 24">
             <a:extLst>
               <a:ext uri="{FF2B5EF4-FFF2-40B4-BE49-F238E27FC236}">
-                <a16:creationId xmlns:a16="http://schemas.microsoft.com/office/drawing/2014/main" xmlns="" id="{6EC9E3DF-B421-4BC5-A4AE-2279B5EF7509}"/>
+                <a16:creationId xmlns:a16="http://schemas.microsoft.com/office/drawing/2014/main" id="{6EC9E3DF-B421-4BC5-A4AE-2279B5EF7509}"/>
               </a:ext>
             </a:extLst>
           </p:cNvPr>
@@ -4499,7 +4491,7 @@
           <p:cNvPr id="26" name="Rectangle 25">
             <a:extLst>
               <a:ext uri="{FF2B5EF4-FFF2-40B4-BE49-F238E27FC236}">
-                <a16:creationId xmlns:a16="http://schemas.microsoft.com/office/drawing/2014/main" xmlns="" id="{07CE043A-FFA4-4E26-836F-B018CED09082}"/>
+                <a16:creationId xmlns:a16="http://schemas.microsoft.com/office/drawing/2014/main" id="{07CE043A-FFA4-4E26-836F-B018CED09082}"/>
               </a:ext>
             </a:extLst>
           </p:cNvPr>
@@ -4552,7 +4544,7 @@
           <p:cNvPr id="28" name="Connector: Curved 27">
             <a:extLst>
               <a:ext uri="{FF2B5EF4-FFF2-40B4-BE49-F238E27FC236}">
-                <a16:creationId xmlns:a16="http://schemas.microsoft.com/office/drawing/2014/main" xmlns="" id="{12A1B84D-5670-4598-970F-917306B29CDD}"/>
+                <a16:creationId xmlns:a16="http://schemas.microsoft.com/office/drawing/2014/main" id="{12A1B84D-5670-4598-970F-917306B29CDD}"/>
               </a:ext>
             </a:extLst>
           </p:cNvPr>
@@ -4602,7 +4594,7 @@
           <p:cNvPr id="33" name="Connector: Curved 32">
             <a:extLst>
               <a:ext uri="{FF2B5EF4-FFF2-40B4-BE49-F238E27FC236}">
-                <a16:creationId xmlns:a16="http://schemas.microsoft.com/office/drawing/2014/main" xmlns="" id="{81C10C76-42F6-45DB-8FD4-4542C8D03AC0}"/>
+                <a16:creationId xmlns:a16="http://schemas.microsoft.com/office/drawing/2014/main" id="{81C10C76-42F6-45DB-8FD4-4542C8D03AC0}"/>
               </a:ext>
             </a:extLst>
           </p:cNvPr>
@@ -4650,7 +4642,7 @@
           <p:cNvPr id="38" name="Straight Arrow Connector 37">
             <a:extLst>
               <a:ext uri="{FF2B5EF4-FFF2-40B4-BE49-F238E27FC236}">
-                <a16:creationId xmlns:a16="http://schemas.microsoft.com/office/drawing/2014/main" xmlns="" id="{C990DC79-FA60-4767-AEBB-238FEDA6DB48}"/>
+                <a16:creationId xmlns:a16="http://schemas.microsoft.com/office/drawing/2014/main" id="{C990DC79-FA60-4767-AEBB-238FEDA6DB48}"/>
               </a:ext>
             </a:extLst>
           </p:cNvPr>
@@ -4699,7 +4691,7 @@
           <p:cNvPr id="43" name="Connector: Curved 42">
             <a:extLst>
               <a:ext uri="{FF2B5EF4-FFF2-40B4-BE49-F238E27FC236}">
-                <a16:creationId xmlns:a16="http://schemas.microsoft.com/office/drawing/2014/main" xmlns="" id="{43023065-C08E-4FBA-AA5E-46D4713D314A}"/>
+                <a16:creationId xmlns:a16="http://schemas.microsoft.com/office/drawing/2014/main" id="{43023065-C08E-4FBA-AA5E-46D4713D314A}"/>
               </a:ext>
             </a:extLst>
           </p:cNvPr>
@@ -4746,7 +4738,7 @@
           <p:cNvPr id="44" name="Rectangle 43">
             <a:extLst>
               <a:ext uri="{FF2B5EF4-FFF2-40B4-BE49-F238E27FC236}">
-                <a16:creationId xmlns:a16="http://schemas.microsoft.com/office/drawing/2014/main" xmlns="" id="{31F1094F-765F-4B72-B4BB-AE821BB1E670}"/>
+                <a16:creationId xmlns:a16="http://schemas.microsoft.com/office/drawing/2014/main" id="{31F1094F-765F-4B72-B4BB-AE821BB1E670}"/>
               </a:ext>
             </a:extLst>
           </p:cNvPr>
@@ -4800,7 +4792,7 @@
           <p:cNvPr id="50" name="Straight Arrow Connector 49">
             <a:extLst>
               <a:ext uri="{FF2B5EF4-FFF2-40B4-BE49-F238E27FC236}">
-                <a16:creationId xmlns:a16="http://schemas.microsoft.com/office/drawing/2014/main" xmlns="" id="{53E378A0-586B-4A75-A040-3C9A2800F11A}"/>
+                <a16:creationId xmlns:a16="http://schemas.microsoft.com/office/drawing/2014/main" id="{53E378A0-586B-4A75-A040-3C9A2800F11A}"/>
               </a:ext>
             </a:extLst>
           </p:cNvPr>
@@ -4847,7 +4839,7 @@
           <p:cNvPr id="52" name="Connector: Curved 51">
             <a:extLst>
               <a:ext uri="{FF2B5EF4-FFF2-40B4-BE49-F238E27FC236}">
-                <a16:creationId xmlns:a16="http://schemas.microsoft.com/office/drawing/2014/main" xmlns="" id="{AFC872D3-FC68-451A-B7E2-9F356EDF9027}"/>
+                <a16:creationId xmlns:a16="http://schemas.microsoft.com/office/drawing/2014/main" id="{AFC872D3-FC68-451A-B7E2-9F356EDF9027}"/>
               </a:ext>
             </a:extLst>
           </p:cNvPr>
@@ -4895,7 +4887,7 @@
           <p:cNvPr id="54" name="Straight Arrow Connector 53">
             <a:extLst>
               <a:ext uri="{FF2B5EF4-FFF2-40B4-BE49-F238E27FC236}">
-                <a16:creationId xmlns:a16="http://schemas.microsoft.com/office/drawing/2014/main" xmlns="" id="{A4E4B6AE-1173-4271-BA49-EAC6AD924961}"/>
+                <a16:creationId xmlns:a16="http://schemas.microsoft.com/office/drawing/2014/main" id="{A4E4B6AE-1173-4271-BA49-EAC6AD924961}"/>
               </a:ext>
             </a:extLst>
           </p:cNvPr>
@@ -4942,7 +4934,7 @@
           <p:cNvPr id="57" name="TextBox 56">
             <a:extLst>
               <a:ext uri="{FF2B5EF4-FFF2-40B4-BE49-F238E27FC236}">
-                <a16:creationId xmlns:a16="http://schemas.microsoft.com/office/drawing/2014/main" xmlns="" id="{B892DD18-6AA2-4BA2-BB66-267E44C1F9EB}"/>
+                <a16:creationId xmlns:a16="http://schemas.microsoft.com/office/drawing/2014/main" id="{B892DD18-6AA2-4BA2-BB66-267E44C1F9EB}"/>
               </a:ext>
             </a:extLst>
           </p:cNvPr>
@@ -4980,10 +4972,6 @@
               <a:rPr lang="en-US" dirty="0"/>
               <a:t> DLL</a:t>
             </a:r>
-            <a:r>
-              <a:rPr lang="ru-RU" dirty="0"/>
-              <a:t/>
-            </a:r>
             <a:br>
               <a:rPr lang="ru-RU" dirty="0"/>
             </a:br>
@@ -5000,7 +4988,7 @@
           <p:cNvPr id="58" name="TextBox 57">
             <a:extLst>
               <a:ext uri="{FF2B5EF4-FFF2-40B4-BE49-F238E27FC236}">
-                <a16:creationId xmlns:a16="http://schemas.microsoft.com/office/drawing/2014/main" xmlns="" id="{1BAF9419-046C-4A55-A6F8-2BE7917641AD}"/>
+                <a16:creationId xmlns:a16="http://schemas.microsoft.com/office/drawing/2014/main" id="{1BAF9419-046C-4A55-A6F8-2BE7917641AD}"/>
               </a:ext>
             </a:extLst>
           </p:cNvPr>
@@ -5043,7 +5031,7 @@
           <p:cNvPr id="3" name="Date Placeholder 2">
             <a:extLst>
               <a:ext uri="{FF2B5EF4-FFF2-40B4-BE49-F238E27FC236}">
-                <a16:creationId xmlns:a16="http://schemas.microsoft.com/office/drawing/2014/main" xmlns="" id="{B585E723-357C-4D0A-BA9D-1A3BEA64FE09}"/>
+                <a16:creationId xmlns:a16="http://schemas.microsoft.com/office/drawing/2014/main" id="{B585E723-357C-4D0A-BA9D-1A3BEA64FE09}"/>
               </a:ext>
             </a:extLst>
           </p:cNvPr>
@@ -5071,7 +5059,7 @@
           <p:cNvPr id="14" name="Footer Placeholder 13">
             <a:extLst>
               <a:ext uri="{FF2B5EF4-FFF2-40B4-BE49-F238E27FC236}">
-                <a16:creationId xmlns:a16="http://schemas.microsoft.com/office/drawing/2014/main" xmlns="" id="{DAB47491-B763-4002-A662-74309143416F}"/>
+                <a16:creationId xmlns:a16="http://schemas.microsoft.com/office/drawing/2014/main" id="{DAB47491-B763-4002-A662-74309143416F}"/>
               </a:ext>
             </a:extLst>
           </p:cNvPr>
@@ -5100,7 +5088,7 @@
           <p:cNvPr id="16" name="Slide Number Placeholder 15">
             <a:extLst>
               <a:ext uri="{FF2B5EF4-FFF2-40B4-BE49-F238E27FC236}">
-                <a16:creationId xmlns:a16="http://schemas.microsoft.com/office/drawing/2014/main" xmlns="" id="{C6E0A341-724D-4E40-8EF3-3B3BD5C225C6}"/>
+                <a16:creationId xmlns:a16="http://schemas.microsoft.com/office/drawing/2014/main" id="{C6E0A341-724D-4E40-8EF3-3B3BD5C225C6}"/>
               </a:ext>
             </a:extLst>
           </p:cNvPr>
@@ -5159,7 +5147,7 @@
           <p:cNvPr id="4" name="Text Placeholder 3">
             <a:extLst>
               <a:ext uri="{FF2B5EF4-FFF2-40B4-BE49-F238E27FC236}">
-                <a16:creationId xmlns:a16="http://schemas.microsoft.com/office/drawing/2014/main" xmlns="" id="{BA43D6DD-EAD6-4589-A844-1B607AF3FD34}"/>
+                <a16:creationId xmlns:a16="http://schemas.microsoft.com/office/drawing/2014/main" id="{BA43D6DD-EAD6-4589-A844-1B607AF3FD34}"/>
               </a:ext>
             </a:extLst>
           </p:cNvPr>
@@ -5202,7 +5190,7 @@
           <p:cNvPr id="5" name="Content Placeholder 4">
             <a:extLst>
               <a:ext uri="{FF2B5EF4-FFF2-40B4-BE49-F238E27FC236}">
-                <a16:creationId xmlns:a16="http://schemas.microsoft.com/office/drawing/2014/main" xmlns="" id="{0A6D1649-28A2-4444-9A05-C58E38A15734}"/>
+                <a16:creationId xmlns:a16="http://schemas.microsoft.com/office/drawing/2014/main" id="{0A6D1649-28A2-4444-9A05-C58E38A15734}"/>
               </a:ext>
             </a:extLst>
           </p:cNvPr>
@@ -5295,14 +5283,6 @@
               </a:rPr>
               <a:t>Работа программы </a:t>
             </a:r>
-            <a:r>
-              <a:rPr lang="en-US" sz="2000" dirty="0">
-                <a:solidFill>
-                  <a:srgbClr val="00B050"/>
-                </a:solidFill>
-              </a:rPr>
-              <a:t/>
-            </a:r>
             <a:br>
               <a:rPr lang="en-US" sz="2000" dirty="0">
                 <a:solidFill>
@@ -5333,23 +5313,7 @@
                   <a:srgbClr val="FF0000"/>
                 </a:solidFill>
               </a:rPr>
-              <a:t>Чтобы обновить </a:t>
-            </a:r>
-            <a:r>
-              <a:rPr lang="ru-RU" sz="2000" dirty="0" smtClean="0">
-                <a:solidFill>
-                  <a:srgbClr val="FF0000"/>
-                </a:solidFill>
-              </a:rPr>
-              <a:t>библиотеку</a:t>
-            </a:r>
-            <a:r>
-              <a:rPr lang="ru-RU" sz="2000" dirty="0">
-                <a:solidFill>
-                  <a:srgbClr val="FF0000"/>
-                </a:solidFill>
-              </a:rPr>
-              <a:t>, нужно пересобирать программу.</a:t>
+              <a:t>Чтобы обновить библиотеку, нужно пересобирать программу.</a:t>
             </a:r>
             <a:endParaRPr lang="en-US" sz="2000" dirty="0">
               <a:solidFill>
@@ -5389,7 +5353,7 @@
           <p:cNvPr id="6" name="Text Placeholder 5">
             <a:extLst>
               <a:ext uri="{FF2B5EF4-FFF2-40B4-BE49-F238E27FC236}">
-                <a16:creationId xmlns:a16="http://schemas.microsoft.com/office/drawing/2014/main" xmlns="" id="{2486ADCE-9867-497D-8924-099CF24B0EF8}"/>
+                <a16:creationId xmlns:a16="http://schemas.microsoft.com/office/drawing/2014/main" id="{2486ADCE-9867-497D-8924-099CF24B0EF8}"/>
               </a:ext>
             </a:extLst>
           </p:cNvPr>
@@ -5425,7 +5389,7 @@
           <p:cNvPr id="7" name="Content Placeholder 6">
             <a:extLst>
               <a:ext uri="{FF2B5EF4-FFF2-40B4-BE49-F238E27FC236}">
-                <a16:creationId xmlns:a16="http://schemas.microsoft.com/office/drawing/2014/main" xmlns="" id="{6A3C51E6-14CD-4D36-8B8F-64E2808ED822}"/>
+                <a16:creationId xmlns:a16="http://schemas.microsoft.com/office/drawing/2014/main" id="{6A3C51E6-14CD-4D36-8B8F-64E2808ED822}"/>
               </a:ext>
             </a:extLst>
           </p:cNvPr>
@@ -5590,7 +5554,7 @@
           <p:cNvPr id="10" name="TextBox 9">
             <a:extLst>
               <a:ext uri="{FF2B5EF4-FFF2-40B4-BE49-F238E27FC236}">
-                <a16:creationId xmlns:a16="http://schemas.microsoft.com/office/drawing/2014/main" xmlns="" id="{D0B2BD82-122C-460A-8184-95A09B0B6D0D}"/>
+                <a16:creationId xmlns:a16="http://schemas.microsoft.com/office/drawing/2014/main" id="{D0B2BD82-122C-460A-8184-95A09B0B6D0D}"/>
               </a:ext>
             </a:extLst>
           </p:cNvPr>
@@ -5629,10 +5593,6 @@
               <a:rPr lang="en-US" dirty="0"/>
               <a:t>DLL,</a:t>
             </a:r>
-            <a:r>
-              <a:rPr lang="ru-RU" dirty="0"/>
-              <a:t/>
-            </a:r>
             <a:br>
               <a:rPr lang="ru-RU" dirty="0"/>
             </a:br>
@@ -5649,7 +5609,7 @@
           <p:cNvPr id="11" name="TextBox 10">
             <a:extLst>
               <a:ext uri="{FF2B5EF4-FFF2-40B4-BE49-F238E27FC236}">
-                <a16:creationId xmlns:a16="http://schemas.microsoft.com/office/drawing/2014/main" xmlns="" id="{93436781-9A57-4E5D-B770-009D39704239}"/>
+                <a16:creationId xmlns:a16="http://schemas.microsoft.com/office/drawing/2014/main" id="{93436781-9A57-4E5D-B770-009D39704239}"/>
               </a:ext>
             </a:extLst>
           </p:cNvPr>
@@ -5693,7 +5653,7 @@
           <p:cNvPr id="12" name="TextBox 11">
             <a:extLst>
               <a:ext uri="{FF2B5EF4-FFF2-40B4-BE49-F238E27FC236}">
-                <a16:creationId xmlns:a16="http://schemas.microsoft.com/office/drawing/2014/main" xmlns="" id="{59947B5C-0CE3-4829-8DB6-17621EE1821E}"/>
+                <a16:creationId xmlns:a16="http://schemas.microsoft.com/office/drawing/2014/main" id="{59947B5C-0CE3-4829-8DB6-17621EE1821E}"/>
               </a:ext>
             </a:extLst>
           </p:cNvPr>
@@ -5737,7 +5697,7 @@
           <p:cNvPr id="13" name="TextBox 12">
             <a:extLst>
               <a:ext uri="{FF2B5EF4-FFF2-40B4-BE49-F238E27FC236}">
-                <a16:creationId xmlns:a16="http://schemas.microsoft.com/office/drawing/2014/main" xmlns="" id="{D524CCE4-0A99-4103-96D7-8204678666CB}"/>
+                <a16:creationId xmlns:a16="http://schemas.microsoft.com/office/drawing/2014/main" id="{D524CCE4-0A99-4103-96D7-8204678666CB}"/>
               </a:ext>
             </a:extLst>
           </p:cNvPr>
@@ -5781,7 +5741,7 @@
           <p:cNvPr id="14" name="Date Placeholder 13">
             <a:extLst>
               <a:ext uri="{FF2B5EF4-FFF2-40B4-BE49-F238E27FC236}">
-                <a16:creationId xmlns:a16="http://schemas.microsoft.com/office/drawing/2014/main" xmlns="" id="{19BEA9D2-0C24-4BD4-9F3B-769468B3422E}"/>
+                <a16:creationId xmlns:a16="http://schemas.microsoft.com/office/drawing/2014/main" id="{19BEA9D2-0C24-4BD4-9F3B-769468B3422E}"/>
               </a:ext>
             </a:extLst>
           </p:cNvPr>
@@ -5809,7 +5769,7 @@
           <p:cNvPr id="15" name="Footer Placeholder 14">
             <a:extLst>
               <a:ext uri="{FF2B5EF4-FFF2-40B4-BE49-F238E27FC236}">
-                <a16:creationId xmlns:a16="http://schemas.microsoft.com/office/drawing/2014/main" xmlns="" id="{C75BA00D-8C8B-4AB6-AC2F-115508ECC726}"/>
+                <a16:creationId xmlns:a16="http://schemas.microsoft.com/office/drawing/2014/main" id="{C75BA00D-8C8B-4AB6-AC2F-115508ECC726}"/>
               </a:ext>
             </a:extLst>
           </p:cNvPr>
@@ -5838,7 +5798,7 @@
           <p:cNvPr id="16" name="Slide Number Placeholder 15">
             <a:extLst>
               <a:ext uri="{FF2B5EF4-FFF2-40B4-BE49-F238E27FC236}">
-                <a16:creationId xmlns:a16="http://schemas.microsoft.com/office/drawing/2014/main" xmlns="" id="{7B964009-9B0E-4D24-8F2B-7321E312EC1E}"/>
+                <a16:creationId xmlns:a16="http://schemas.microsoft.com/office/drawing/2014/main" id="{7B964009-9B0E-4D24-8F2B-7321E312EC1E}"/>
               </a:ext>
             </a:extLst>
           </p:cNvPr>
@@ -5897,7 +5857,7 @@
           <p:cNvPr id="6" name="Content Placeholder 5">
             <a:extLst>
               <a:ext uri="{FF2B5EF4-FFF2-40B4-BE49-F238E27FC236}">
-                <a16:creationId xmlns:a16="http://schemas.microsoft.com/office/drawing/2014/main" xmlns="" id="{4A9EEA92-E5A0-439C-ABE4-B9AADFF89F31}"/>
+                <a16:creationId xmlns:a16="http://schemas.microsoft.com/office/drawing/2014/main" id="{4A9EEA92-E5A0-439C-ABE4-B9AADFF89F31}"/>
               </a:ext>
             </a:extLst>
           </p:cNvPr>
@@ -6019,12 +5979,6 @@
               </a:rPr>
               <a:t>dll</a:t>
             </a:r>
-            <a:r>
-              <a:rPr lang="en-US" sz="2000" dirty="0">
-                <a:latin typeface="Consolas" panose="020B0609020204030204" pitchFamily="49" charset="0"/>
-              </a:rPr>
-              <a:t/>
-            </a:r>
             <a:br>
               <a:rPr lang="en-US" sz="2000" dirty="0">
                 <a:latin typeface="Consolas" panose="020B0609020204030204" pitchFamily="49" charset="0"/>
@@ -6088,7 +6042,7 @@
           <p:cNvPr id="7" name="TextBox 6">
             <a:extLst>
               <a:ext uri="{FF2B5EF4-FFF2-40B4-BE49-F238E27FC236}">
-                <a16:creationId xmlns:a16="http://schemas.microsoft.com/office/drawing/2014/main" xmlns="" id="{E19EA5BC-4109-460D-BE87-8CF5EF31A095}"/>
+                <a16:creationId xmlns:a16="http://schemas.microsoft.com/office/drawing/2014/main" id="{E19EA5BC-4109-460D-BE87-8CF5EF31A095}"/>
               </a:ext>
             </a:extLst>
           </p:cNvPr>
@@ -6127,7 +6081,7 @@
           <p:cNvPr id="8" name="TextBox 7">
             <a:extLst>
               <a:ext uri="{FF2B5EF4-FFF2-40B4-BE49-F238E27FC236}">
-                <a16:creationId xmlns:a16="http://schemas.microsoft.com/office/drawing/2014/main" xmlns="" id="{033250E0-4D1A-4567-A494-466112B78462}"/>
+                <a16:creationId xmlns:a16="http://schemas.microsoft.com/office/drawing/2014/main" id="{033250E0-4D1A-4567-A494-466112B78462}"/>
               </a:ext>
             </a:extLst>
           </p:cNvPr>
@@ -6201,7 +6155,7 @@
           <p:cNvPr id="9" name="TextBox 8">
             <a:extLst>
               <a:ext uri="{FF2B5EF4-FFF2-40B4-BE49-F238E27FC236}">
-                <a16:creationId xmlns:a16="http://schemas.microsoft.com/office/drawing/2014/main" xmlns="" id="{7A009C7F-7351-403B-8238-1BB62F91C550}"/>
+                <a16:creationId xmlns:a16="http://schemas.microsoft.com/office/drawing/2014/main" id="{7A009C7F-7351-403B-8238-1BB62F91C550}"/>
               </a:ext>
             </a:extLst>
           </p:cNvPr>
@@ -6252,7 +6206,7 @@
           <p:cNvPr id="10" name="Date Placeholder 9">
             <a:extLst>
               <a:ext uri="{FF2B5EF4-FFF2-40B4-BE49-F238E27FC236}">
-                <a16:creationId xmlns:a16="http://schemas.microsoft.com/office/drawing/2014/main" xmlns="" id="{8BFBFC12-EBD9-4B0E-92E7-B137E4505AF6}"/>
+                <a16:creationId xmlns:a16="http://schemas.microsoft.com/office/drawing/2014/main" id="{8BFBFC12-EBD9-4B0E-92E7-B137E4505AF6}"/>
               </a:ext>
             </a:extLst>
           </p:cNvPr>
@@ -6280,7 +6234,7 @@
           <p:cNvPr id="11" name="Footer Placeholder 10">
             <a:extLst>
               <a:ext uri="{FF2B5EF4-FFF2-40B4-BE49-F238E27FC236}">
-                <a16:creationId xmlns:a16="http://schemas.microsoft.com/office/drawing/2014/main" xmlns="" id="{AAD9490A-20E1-4032-AB7D-29206DB293E9}"/>
+                <a16:creationId xmlns:a16="http://schemas.microsoft.com/office/drawing/2014/main" id="{AAD9490A-20E1-4032-AB7D-29206DB293E9}"/>
               </a:ext>
             </a:extLst>
           </p:cNvPr>
@@ -6309,7 +6263,7 @@
           <p:cNvPr id="12" name="Slide Number Placeholder 11">
             <a:extLst>
               <a:ext uri="{FF2B5EF4-FFF2-40B4-BE49-F238E27FC236}">
-                <a16:creationId xmlns:a16="http://schemas.microsoft.com/office/drawing/2014/main" xmlns="" id="{45E9EE55-9C7D-4377-AD15-D30B64AF5D86}"/>
+                <a16:creationId xmlns:a16="http://schemas.microsoft.com/office/drawing/2014/main" id="{45E9EE55-9C7D-4377-AD15-D30B64AF5D86}"/>
               </a:ext>
             </a:extLst>
           </p:cNvPr>
@@ -6368,7 +6322,7 @@
           <p:cNvPr id="2" name="Title 1">
             <a:extLst>
               <a:ext uri="{FF2B5EF4-FFF2-40B4-BE49-F238E27FC236}">
-                <a16:creationId xmlns:a16="http://schemas.microsoft.com/office/drawing/2014/main" xmlns="" id="{939A19D5-D9AA-4189-BFD0-0CDA5FED018B}"/>
+                <a16:creationId xmlns:a16="http://schemas.microsoft.com/office/drawing/2014/main" id="{939A19D5-D9AA-4189-BFD0-0CDA5FED018B}"/>
               </a:ext>
             </a:extLst>
           </p:cNvPr>
@@ -6397,7 +6351,7 @@
           <p:cNvPr id="5" name="Content Placeholder 4">
             <a:extLst>
               <a:ext uri="{FF2B5EF4-FFF2-40B4-BE49-F238E27FC236}">
-                <a16:creationId xmlns:a16="http://schemas.microsoft.com/office/drawing/2014/main" xmlns="" id="{AFC77C67-58FD-476D-9467-A5491F92B889}"/>
+                <a16:creationId xmlns:a16="http://schemas.microsoft.com/office/drawing/2014/main" id="{AFC77C67-58FD-476D-9467-A5491F92B889}"/>
               </a:ext>
             </a:extLst>
           </p:cNvPr>
@@ -6542,15 +6496,7 @@
             </a:pPr>
             <a:r>
               <a:rPr lang="ru-RU" sz="2000" dirty="0"/>
-              <a:t>Устанавливать </a:t>
-            </a:r>
-            <a:r>
-              <a:rPr lang="ru-RU" sz="2000" dirty="0" smtClean="0"/>
-              <a:t>библиотеку </a:t>
-            </a:r>
-            <a:r>
-              <a:rPr lang="ru-RU" sz="2000" dirty="0"/>
-              <a:t>вместе с программой.</a:t>
+              <a:t>Устанавливать библиотеку вместе с программой.</a:t>
             </a:r>
             <a:endParaRPr lang="en-US" sz="2000" dirty="0"/>
           </a:p>
@@ -6580,7 +6526,7 @@
           <p:cNvPr id="3" name="Date Placeholder 2">
             <a:extLst>
               <a:ext uri="{FF2B5EF4-FFF2-40B4-BE49-F238E27FC236}">
-                <a16:creationId xmlns:a16="http://schemas.microsoft.com/office/drawing/2014/main" xmlns="" id="{069C9341-E3B8-422C-B3CB-10BD0CB7935B}"/>
+                <a16:creationId xmlns:a16="http://schemas.microsoft.com/office/drawing/2014/main" id="{069C9341-E3B8-422C-B3CB-10BD0CB7935B}"/>
               </a:ext>
             </a:extLst>
           </p:cNvPr>
@@ -6608,7 +6554,7 @@
           <p:cNvPr id="4" name="Footer Placeholder 3">
             <a:extLst>
               <a:ext uri="{FF2B5EF4-FFF2-40B4-BE49-F238E27FC236}">
-                <a16:creationId xmlns:a16="http://schemas.microsoft.com/office/drawing/2014/main" xmlns="" id="{48BC7E96-A04A-47D4-90F2-5A6AF7460300}"/>
+                <a16:creationId xmlns:a16="http://schemas.microsoft.com/office/drawing/2014/main" id="{48BC7E96-A04A-47D4-90F2-5A6AF7460300}"/>
               </a:ext>
             </a:extLst>
           </p:cNvPr>
@@ -6637,7 +6583,7 @@
           <p:cNvPr id="6" name="Slide Number Placeholder 5">
             <a:extLst>
               <a:ext uri="{FF2B5EF4-FFF2-40B4-BE49-F238E27FC236}">
-                <a16:creationId xmlns:a16="http://schemas.microsoft.com/office/drawing/2014/main" xmlns="" id="{B425F1B8-B1CC-4712-B493-D919FA373C2D}"/>
+                <a16:creationId xmlns:a16="http://schemas.microsoft.com/office/drawing/2014/main" id="{B425F1B8-B1CC-4712-B493-D919FA373C2D}"/>
               </a:ext>
             </a:extLst>
           </p:cNvPr>
@@ -6696,7 +6642,7 @@
           <p:cNvPr id="2" name="Title 1">
             <a:extLst>
               <a:ext uri="{FF2B5EF4-FFF2-40B4-BE49-F238E27FC236}">
-                <a16:creationId xmlns:a16="http://schemas.microsoft.com/office/drawing/2014/main" xmlns="" id="{66F324EC-ADC1-46E8-8DD4-ADE977D397A1}"/>
+                <a16:creationId xmlns:a16="http://schemas.microsoft.com/office/drawing/2014/main" id="{66F324EC-ADC1-46E8-8DD4-ADE977D397A1}"/>
               </a:ext>
             </a:extLst>
           </p:cNvPr>
@@ -6732,7 +6678,7 @@
           <p:cNvPr id="4" name="Date Placeholder 3">
             <a:extLst>
               <a:ext uri="{FF2B5EF4-FFF2-40B4-BE49-F238E27FC236}">
-                <a16:creationId xmlns:a16="http://schemas.microsoft.com/office/drawing/2014/main" xmlns="" id="{E70DA0C1-1AE4-4320-9098-7B0F65A7D177}"/>
+                <a16:creationId xmlns:a16="http://schemas.microsoft.com/office/drawing/2014/main" id="{E70DA0C1-1AE4-4320-9098-7B0F65A7D177}"/>
               </a:ext>
             </a:extLst>
           </p:cNvPr>
@@ -6760,7 +6706,7 @@
           <p:cNvPr id="5" name="Footer Placeholder 4">
             <a:extLst>
               <a:ext uri="{FF2B5EF4-FFF2-40B4-BE49-F238E27FC236}">
-                <a16:creationId xmlns:a16="http://schemas.microsoft.com/office/drawing/2014/main" xmlns="" id="{D0B3CA34-AFA1-4019-A1E8-2978BB151623}"/>
+                <a16:creationId xmlns:a16="http://schemas.microsoft.com/office/drawing/2014/main" id="{D0B3CA34-AFA1-4019-A1E8-2978BB151623}"/>
               </a:ext>
             </a:extLst>
           </p:cNvPr>
@@ -6789,7 +6735,7 @@
           <p:cNvPr id="6" name="Slide Number Placeholder 5">
             <a:extLst>
               <a:ext uri="{FF2B5EF4-FFF2-40B4-BE49-F238E27FC236}">
-                <a16:creationId xmlns:a16="http://schemas.microsoft.com/office/drawing/2014/main" xmlns="" id="{E7107764-6BF3-4A67-B8A2-B44B726EA9BB}"/>
+                <a16:creationId xmlns:a16="http://schemas.microsoft.com/office/drawing/2014/main" id="{E7107764-6BF3-4A67-B8A2-B44B726EA9BB}"/>
               </a:ext>
             </a:extLst>
           </p:cNvPr>
@@ -6818,7 +6764,7 @@
           <p:cNvPr id="7" name="Picture 6">
             <a:extLst>
               <a:ext uri="{FF2B5EF4-FFF2-40B4-BE49-F238E27FC236}">
-                <a16:creationId xmlns:a16="http://schemas.microsoft.com/office/drawing/2014/main" xmlns="" id="{EA152CFB-324E-467F-9AC4-6377BECC6680}"/>
+                <a16:creationId xmlns:a16="http://schemas.microsoft.com/office/drawing/2014/main" id="{EA152CFB-324E-467F-9AC4-6377BECC6680}"/>
               </a:ext>
             </a:extLst>
           </p:cNvPr>
@@ -6848,7 +6794,7 @@
           <p:cNvPr id="9" name="Picture 8">
             <a:extLst>
               <a:ext uri="{FF2B5EF4-FFF2-40B4-BE49-F238E27FC236}">
-                <a16:creationId xmlns:a16="http://schemas.microsoft.com/office/drawing/2014/main" xmlns="" id="{AC3EB060-2EE5-4008-B348-D54CB3A77FED}"/>
+                <a16:creationId xmlns:a16="http://schemas.microsoft.com/office/drawing/2014/main" id="{AC3EB060-2EE5-4008-B348-D54CB3A77FED}"/>
               </a:ext>
             </a:extLst>
           </p:cNvPr>
@@ -6877,7 +6823,7 @@
           <p:cNvPr id="11" name="Picture 10">
             <a:extLst>
               <a:ext uri="{FF2B5EF4-FFF2-40B4-BE49-F238E27FC236}">
-                <a16:creationId xmlns:a16="http://schemas.microsoft.com/office/drawing/2014/main" xmlns="" id="{06AE6C8C-B46F-4577-B6A4-9162843561DD}"/>
+                <a16:creationId xmlns:a16="http://schemas.microsoft.com/office/drawing/2014/main" id="{06AE6C8C-B46F-4577-B6A4-9162843561DD}"/>
               </a:ext>
             </a:extLst>
           </p:cNvPr>
@@ -6907,7 +6853,7 @@
           <p:cNvPr id="13" name="Straight Arrow Connector 12">
             <a:extLst>
               <a:ext uri="{FF2B5EF4-FFF2-40B4-BE49-F238E27FC236}">
-                <a16:creationId xmlns:a16="http://schemas.microsoft.com/office/drawing/2014/main" xmlns="" id="{00DA95AF-A57F-4C4A-8A3B-7683A0F56712}"/>
+                <a16:creationId xmlns:a16="http://schemas.microsoft.com/office/drawing/2014/main" id="{00DA95AF-A57F-4C4A-8A3B-7683A0F56712}"/>
               </a:ext>
             </a:extLst>
           </p:cNvPr>
@@ -6951,7 +6897,7 @@
           <p:cNvPr id="14" name="Straight Arrow Connector 13">
             <a:extLst>
               <a:ext uri="{FF2B5EF4-FFF2-40B4-BE49-F238E27FC236}">
-                <a16:creationId xmlns:a16="http://schemas.microsoft.com/office/drawing/2014/main" xmlns="" id="{A51EF175-EB43-4813-A861-E3F62649418C}"/>
+                <a16:creationId xmlns:a16="http://schemas.microsoft.com/office/drawing/2014/main" id="{A51EF175-EB43-4813-A861-E3F62649418C}"/>
               </a:ext>
             </a:extLst>
           </p:cNvPr>
@@ -6995,7 +6941,7 @@
           <p:cNvPr id="17" name="Rectangle 16">
             <a:extLst>
               <a:ext uri="{FF2B5EF4-FFF2-40B4-BE49-F238E27FC236}">
-                <a16:creationId xmlns:a16="http://schemas.microsoft.com/office/drawing/2014/main" xmlns="" id="{727D0B0F-D783-4FED-A78F-D9EBEC7F5DEE}"/>
+                <a16:creationId xmlns:a16="http://schemas.microsoft.com/office/drawing/2014/main" id="{727D0B0F-D783-4FED-A78F-D9EBEC7F5DEE}"/>
               </a:ext>
             </a:extLst>
           </p:cNvPr>
@@ -7045,7 +6991,7 @@
           <p:cNvPr id="18" name="Rectangle 17">
             <a:extLst>
               <a:ext uri="{FF2B5EF4-FFF2-40B4-BE49-F238E27FC236}">
-                <a16:creationId xmlns:a16="http://schemas.microsoft.com/office/drawing/2014/main" xmlns="" id="{0F721467-D155-4E5B-AB8C-A8A85FEB9590}"/>
+                <a16:creationId xmlns:a16="http://schemas.microsoft.com/office/drawing/2014/main" id="{0F721467-D155-4E5B-AB8C-A8A85FEB9590}"/>
               </a:ext>
             </a:extLst>
           </p:cNvPr>
@@ -7095,7 +7041,7 @@
           <p:cNvPr id="19" name="Rectangle 18">
             <a:extLst>
               <a:ext uri="{FF2B5EF4-FFF2-40B4-BE49-F238E27FC236}">
-                <a16:creationId xmlns:a16="http://schemas.microsoft.com/office/drawing/2014/main" xmlns="" id="{589B3F3A-FCAF-4746-987E-673CF1396F6E}"/>
+                <a16:creationId xmlns:a16="http://schemas.microsoft.com/office/drawing/2014/main" id="{589B3F3A-FCAF-4746-987E-673CF1396F6E}"/>
               </a:ext>
             </a:extLst>
           </p:cNvPr>
@@ -7145,7 +7091,7 @@
           <p:cNvPr id="25" name="TextBox 24">
             <a:extLst>
               <a:ext uri="{FF2B5EF4-FFF2-40B4-BE49-F238E27FC236}">
-                <a16:creationId xmlns:a16="http://schemas.microsoft.com/office/drawing/2014/main" xmlns="" id="{59E3CA97-B346-438C-BCAC-2396D40CFA15}"/>
+                <a16:creationId xmlns:a16="http://schemas.microsoft.com/office/drawing/2014/main" id="{59E3CA97-B346-438C-BCAC-2396D40CFA15}"/>
               </a:ext>
             </a:extLst>
           </p:cNvPr>
@@ -7183,7 +7129,7 @@
           <p:cNvPr id="29" name="TextBox 28">
             <a:extLst>
               <a:ext uri="{FF2B5EF4-FFF2-40B4-BE49-F238E27FC236}">
-                <a16:creationId xmlns:a16="http://schemas.microsoft.com/office/drawing/2014/main" xmlns="" id="{98B264B1-8A1C-459E-856D-A5D96D84206B}"/>
+                <a16:creationId xmlns:a16="http://schemas.microsoft.com/office/drawing/2014/main" id="{98B264B1-8A1C-459E-856D-A5D96D84206B}"/>
               </a:ext>
             </a:extLst>
           </p:cNvPr>
@@ -7267,7 +7213,7 @@
           <p:cNvPr id="2" name="Title 1">
             <a:extLst>
               <a:ext uri="{FF2B5EF4-FFF2-40B4-BE49-F238E27FC236}">
-                <a16:creationId xmlns:a16="http://schemas.microsoft.com/office/drawing/2014/main" xmlns="" id="{F60B0877-9527-453C-BAC0-C20211C95BAC}"/>
+                <a16:creationId xmlns:a16="http://schemas.microsoft.com/office/drawing/2014/main" id="{F60B0877-9527-453C-BAC0-C20211C95BAC}"/>
               </a:ext>
             </a:extLst>
           </p:cNvPr>
@@ -7295,7 +7241,7 @@
           <p:cNvPr id="3" name="Content Placeholder 2">
             <a:extLst>
               <a:ext uri="{FF2B5EF4-FFF2-40B4-BE49-F238E27FC236}">
-                <a16:creationId xmlns:a16="http://schemas.microsoft.com/office/drawing/2014/main" xmlns="" id="{E6F18B3E-B258-46A2-8F34-2C7E08A057C1}"/>
+                <a16:creationId xmlns:a16="http://schemas.microsoft.com/office/drawing/2014/main" id="{E6F18B3E-B258-46A2-8F34-2C7E08A057C1}"/>
               </a:ext>
             </a:extLst>
           </p:cNvPr>
@@ -7401,7 +7347,7 @@
               <a:t>Типы фиксированного размера: </a:t>
             </a:r>
             <a:r>
-              <a:rPr lang="en-US" sz="2000" dirty="0" smtClean="0">
+              <a:rPr lang="en-US" sz="2000" dirty="0">
                 <a:solidFill>
                   <a:srgbClr val="002060"/>
                 </a:solidFill>
@@ -7527,7 +7473,7 @@
           <p:cNvPr id="4" name="Date Placeholder 3">
             <a:extLst>
               <a:ext uri="{FF2B5EF4-FFF2-40B4-BE49-F238E27FC236}">
-                <a16:creationId xmlns:a16="http://schemas.microsoft.com/office/drawing/2014/main" xmlns="" id="{8A88AC9F-BF1D-4CD9-BCBF-21429FDD2FFB}"/>
+                <a16:creationId xmlns:a16="http://schemas.microsoft.com/office/drawing/2014/main" id="{8A88AC9F-BF1D-4CD9-BCBF-21429FDD2FFB}"/>
               </a:ext>
             </a:extLst>
           </p:cNvPr>
@@ -7555,7 +7501,7 @@
           <p:cNvPr id="5" name="Footer Placeholder 4">
             <a:extLst>
               <a:ext uri="{FF2B5EF4-FFF2-40B4-BE49-F238E27FC236}">
-                <a16:creationId xmlns:a16="http://schemas.microsoft.com/office/drawing/2014/main" xmlns="" id="{7FE066F5-7F87-4538-9193-0BED30790383}"/>
+                <a16:creationId xmlns:a16="http://schemas.microsoft.com/office/drawing/2014/main" id="{7FE066F5-7F87-4538-9193-0BED30790383}"/>
               </a:ext>
             </a:extLst>
           </p:cNvPr>
@@ -7584,7 +7530,7 @@
           <p:cNvPr id="6" name="Slide Number Placeholder 5">
             <a:extLst>
               <a:ext uri="{FF2B5EF4-FFF2-40B4-BE49-F238E27FC236}">
-                <a16:creationId xmlns:a16="http://schemas.microsoft.com/office/drawing/2014/main" xmlns="" id="{AA5165EC-7D28-4131-B1AA-16F300FE5B17}"/>
+                <a16:creationId xmlns:a16="http://schemas.microsoft.com/office/drawing/2014/main" id="{AA5165EC-7D28-4131-B1AA-16F300FE5B17}"/>
               </a:ext>
             </a:extLst>
           </p:cNvPr>
@@ -7643,7 +7589,7 @@
           <p:cNvPr id="2" name="Title 1">
             <a:extLst>
               <a:ext uri="{FF2B5EF4-FFF2-40B4-BE49-F238E27FC236}">
-                <a16:creationId xmlns:a16="http://schemas.microsoft.com/office/drawing/2014/main" xmlns="" id="{997330CB-BAD4-40B6-961C-2012DDF0E82D}"/>
+                <a16:creationId xmlns:a16="http://schemas.microsoft.com/office/drawing/2014/main" id="{997330CB-BAD4-40B6-961C-2012DDF0E82D}"/>
               </a:ext>
             </a:extLst>
           </p:cNvPr>
@@ -7691,7 +7637,7 @@
           <p:cNvPr id="3" name="Content Placeholder 2">
             <a:extLst>
               <a:ext uri="{FF2B5EF4-FFF2-40B4-BE49-F238E27FC236}">
-                <a16:creationId xmlns:a16="http://schemas.microsoft.com/office/drawing/2014/main" xmlns="" id="{13DF9B5E-75F3-4A80-9B37-6CEF80EA9B55}"/>
+                <a16:creationId xmlns:a16="http://schemas.microsoft.com/office/drawing/2014/main" id="{13DF9B5E-75F3-4A80-9B37-6CEF80EA9B55}"/>
               </a:ext>
             </a:extLst>
           </p:cNvPr>
@@ -8079,7 +8025,7 @@
               <a:t> </a:t>
             </a:r>
             <a:r>
-              <a:rPr lang="en-US" sz="2000" dirty="0" err="1" smtClean="0">
+              <a:rPr lang="en-US" sz="2000" dirty="0" err="1">
                 <a:solidFill>
                   <a:srgbClr val="002060"/>
                 </a:solidFill>
@@ -8087,20 +8033,12 @@
               <a:t>matrix_set</a:t>
             </a:r>
             <a:r>
-              <a:rPr lang="en-US" sz="2000" dirty="0" smtClean="0">
-                <a:solidFill>
-                  <a:srgbClr val="002060"/>
-                </a:solidFill>
-              </a:rPr>
-              <a:t>(Matrix</a:t>
-            </a:r>
-            <a:r>
               <a:rPr lang="en-US" sz="2000" dirty="0">
                 <a:solidFill>
                   <a:srgbClr val="002060"/>
                 </a:solidFill>
               </a:rPr>
-              <a:t>* m, </a:t>
+              <a:t>(Matrix* m, </a:t>
             </a:r>
             <a:r>
               <a:rPr lang="en-US" sz="2000" b="1" dirty="0">
@@ -8245,7 +8183,7 @@
           <p:cNvPr id="56" name="Date Placeholder 55">
             <a:extLst>
               <a:ext uri="{FF2B5EF4-FFF2-40B4-BE49-F238E27FC236}">
-                <a16:creationId xmlns:a16="http://schemas.microsoft.com/office/drawing/2014/main" xmlns="" id="{B4D610FF-D205-4C57-A634-6D8C71365D5F}"/>
+                <a16:creationId xmlns:a16="http://schemas.microsoft.com/office/drawing/2014/main" id="{B4D610FF-D205-4C57-A634-6D8C71365D5F}"/>
               </a:ext>
             </a:extLst>
           </p:cNvPr>
@@ -8273,7 +8211,7 @@
           <p:cNvPr id="57" name="Footer Placeholder 56">
             <a:extLst>
               <a:ext uri="{FF2B5EF4-FFF2-40B4-BE49-F238E27FC236}">
-                <a16:creationId xmlns:a16="http://schemas.microsoft.com/office/drawing/2014/main" xmlns="" id="{FEBB2BF4-9C38-4387-A4DB-F561AD4DC4F3}"/>
+                <a16:creationId xmlns:a16="http://schemas.microsoft.com/office/drawing/2014/main" id="{FEBB2BF4-9C38-4387-A4DB-F561AD4DC4F3}"/>
               </a:ext>
             </a:extLst>
           </p:cNvPr>
@@ -8302,7 +8240,7 @@
           <p:cNvPr id="58" name="Slide Number Placeholder 57">
             <a:extLst>
               <a:ext uri="{FF2B5EF4-FFF2-40B4-BE49-F238E27FC236}">
-                <a16:creationId xmlns:a16="http://schemas.microsoft.com/office/drawing/2014/main" xmlns="" id="{85345639-D562-4109-B9B5-5039BA2A1566}"/>
+                <a16:creationId xmlns:a16="http://schemas.microsoft.com/office/drawing/2014/main" id="{85345639-D562-4109-B9B5-5039BA2A1566}"/>
               </a:ext>
             </a:extLst>
           </p:cNvPr>
@@ -8361,7 +8299,7 @@
           <p:cNvPr id="2" name="Title 1">
             <a:extLst>
               <a:ext uri="{FF2B5EF4-FFF2-40B4-BE49-F238E27FC236}">
-                <a16:creationId xmlns:a16="http://schemas.microsoft.com/office/drawing/2014/main" xmlns="" id="{8D5E393F-8C5B-4146-A1E7-B97C8DC97B57}"/>
+                <a16:creationId xmlns:a16="http://schemas.microsoft.com/office/drawing/2014/main" id="{8D5E393F-8C5B-4146-A1E7-B97C8DC97B57}"/>
               </a:ext>
             </a:extLst>
           </p:cNvPr>
@@ -8417,7 +8355,7 @@
           <p:cNvPr id="3" name="Content Placeholder 2">
             <a:extLst>
               <a:ext uri="{FF2B5EF4-FFF2-40B4-BE49-F238E27FC236}">
-                <a16:creationId xmlns:a16="http://schemas.microsoft.com/office/drawing/2014/main" xmlns="" id="{6D4C81E5-D7EC-45F8-B2B8-290EB1FB3018}"/>
+                <a16:creationId xmlns:a16="http://schemas.microsoft.com/office/drawing/2014/main" id="{6D4C81E5-D7EC-45F8-B2B8-290EB1FB3018}"/>
               </a:ext>
             </a:extLst>
           </p:cNvPr>
@@ -8822,7 +8760,7 @@
               <a:t>		</a:t>
             </a:r>
             <a:r>
-              <a:rPr lang="en-US" sz="1800" dirty="0" err="1" smtClean="0">
+              <a:rPr lang="en-US" sz="1800" dirty="0" err="1">
                 <a:solidFill>
                   <a:srgbClr val="00B050"/>
                 </a:solidFill>
@@ -8830,12 +8768,20 @@
               <a:t>matrix_set</a:t>
             </a:r>
             <a:r>
-              <a:rPr lang="en-US" sz="1800" dirty="0" smtClean="0">
+              <a:rPr lang="en-US" sz="1800" dirty="0">
                 <a:solidFill>
                   <a:srgbClr val="00B050"/>
                 </a:solidFill>
               </a:rPr>
-              <a:t>(&amp;a</a:t>
+              <a:t>(&amp;a, </a:t>
+            </a:r>
+            <a:r>
+              <a:rPr lang="en-US" sz="1800" dirty="0" err="1">
+                <a:solidFill>
+                  <a:srgbClr val="00B050"/>
+                </a:solidFill>
+              </a:rPr>
+              <a:t>i</a:t>
             </a:r>
             <a:r>
               <a:rPr lang="en-US" sz="1800" dirty="0">
@@ -8843,31 +8789,7 @@
                   <a:srgbClr val="00B050"/>
                 </a:solidFill>
               </a:rPr>
-              <a:t>, </a:t>
-            </a:r>
-            <a:r>
-              <a:rPr lang="en-US" sz="1800" dirty="0" err="1">
-                <a:solidFill>
-                  <a:srgbClr val="00B050"/>
-                </a:solidFill>
-              </a:rPr>
-              <a:t>i</a:t>
-            </a:r>
-            <a:r>
-              <a:rPr lang="en-US" sz="1800" dirty="0">
-                <a:solidFill>
-                  <a:srgbClr val="00B050"/>
-                </a:solidFill>
-              </a:rPr>
               <a:t>, j, x);</a:t>
-            </a:r>
-            <a:r>
-              <a:rPr lang="en-US" sz="1800" dirty="0">
-                <a:solidFill>
-                  <a:srgbClr val="002060"/>
-                </a:solidFill>
-              </a:rPr>
-              <a:t/>
             </a:r>
             <a:br>
               <a:rPr lang="en-US" sz="1800" dirty="0">
@@ -8930,14 +8852,6 @@
               </a:rPr>
               <a:t>b.</a:t>
             </a:r>
-            <a:r>
-              <a:rPr lang="en-US" sz="1800" dirty="0">
-                <a:solidFill>
-                  <a:srgbClr val="002060"/>
-                </a:solidFill>
-              </a:rPr>
-              <a:t/>
-            </a:r>
             <a:br>
               <a:rPr lang="en-US" sz="1800" dirty="0">
                 <a:solidFill>
@@ -8977,7 +8891,7 @@
           <p:cNvPr id="4" name="Date Placeholder 3">
             <a:extLst>
               <a:ext uri="{FF2B5EF4-FFF2-40B4-BE49-F238E27FC236}">
-                <a16:creationId xmlns:a16="http://schemas.microsoft.com/office/drawing/2014/main" xmlns="" id="{B2AB1CF8-1363-4CD2-8F0F-9D020AA86E6F}"/>
+                <a16:creationId xmlns:a16="http://schemas.microsoft.com/office/drawing/2014/main" id="{B2AB1CF8-1363-4CD2-8F0F-9D020AA86E6F}"/>
               </a:ext>
             </a:extLst>
           </p:cNvPr>
@@ -9005,7 +8919,7 @@
           <p:cNvPr id="5" name="Footer Placeholder 4">
             <a:extLst>
               <a:ext uri="{FF2B5EF4-FFF2-40B4-BE49-F238E27FC236}">
-                <a16:creationId xmlns:a16="http://schemas.microsoft.com/office/drawing/2014/main" xmlns="" id="{10C118F4-C7E5-4E29-A1D5-8C21142E1B39}"/>
+                <a16:creationId xmlns:a16="http://schemas.microsoft.com/office/drawing/2014/main" id="{10C118F4-C7E5-4E29-A1D5-8C21142E1B39}"/>
               </a:ext>
             </a:extLst>
           </p:cNvPr>
@@ -9034,7 +8948,7 @@
           <p:cNvPr id="6" name="Slide Number Placeholder 5">
             <a:extLst>
               <a:ext uri="{FF2B5EF4-FFF2-40B4-BE49-F238E27FC236}">
-                <a16:creationId xmlns:a16="http://schemas.microsoft.com/office/drawing/2014/main" xmlns="" id="{97E01D90-2AA2-4F8D-88AB-86262296D4C1}"/>
+                <a16:creationId xmlns:a16="http://schemas.microsoft.com/office/drawing/2014/main" id="{97E01D90-2AA2-4F8D-88AB-86262296D4C1}"/>
               </a:ext>
             </a:extLst>
           </p:cNvPr>
@@ -9093,7 +9007,7 @@
           <p:cNvPr id="2" name="Title 1">
             <a:extLst>
               <a:ext uri="{FF2B5EF4-FFF2-40B4-BE49-F238E27FC236}">
-                <a16:creationId xmlns:a16="http://schemas.microsoft.com/office/drawing/2014/main" xmlns="" id="{4BF4ABCF-7937-4BAC-B898-3417FE9D5F02}"/>
+                <a16:creationId xmlns:a16="http://schemas.microsoft.com/office/drawing/2014/main" id="{4BF4ABCF-7937-4BAC-B898-3417FE9D5F02}"/>
               </a:ext>
             </a:extLst>
           </p:cNvPr>
@@ -9125,7 +9039,7 @@
           <p:cNvPr id="3" name="Content Placeholder 2">
             <a:extLst>
               <a:ext uri="{FF2B5EF4-FFF2-40B4-BE49-F238E27FC236}">
-                <a16:creationId xmlns:a16="http://schemas.microsoft.com/office/drawing/2014/main" xmlns="" id="{9C692F10-459E-4F10-A738-F36310FA8BE1}"/>
+                <a16:creationId xmlns:a16="http://schemas.microsoft.com/office/drawing/2014/main" id="{9C692F10-459E-4F10-A738-F36310FA8BE1}"/>
               </a:ext>
             </a:extLst>
           </p:cNvPr>
@@ -9241,7 +9155,7 @@
           <p:cNvPr id="4" name="Date Placeholder 3">
             <a:extLst>
               <a:ext uri="{FF2B5EF4-FFF2-40B4-BE49-F238E27FC236}">
-                <a16:creationId xmlns:a16="http://schemas.microsoft.com/office/drawing/2014/main" xmlns="" id="{F7CF75A3-B975-462B-B48F-BFDE057468FC}"/>
+                <a16:creationId xmlns:a16="http://schemas.microsoft.com/office/drawing/2014/main" id="{F7CF75A3-B975-462B-B48F-BFDE057468FC}"/>
               </a:ext>
             </a:extLst>
           </p:cNvPr>
@@ -9269,7 +9183,7 @@
           <p:cNvPr id="5" name="Footer Placeholder 4">
             <a:extLst>
               <a:ext uri="{FF2B5EF4-FFF2-40B4-BE49-F238E27FC236}">
-                <a16:creationId xmlns:a16="http://schemas.microsoft.com/office/drawing/2014/main" xmlns="" id="{EBDDCF7E-F600-4F4D-815D-1D99143F28F1}"/>
+                <a16:creationId xmlns:a16="http://schemas.microsoft.com/office/drawing/2014/main" id="{EBDDCF7E-F600-4F4D-815D-1D99143F28F1}"/>
               </a:ext>
             </a:extLst>
           </p:cNvPr>
@@ -9298,7 +9212,7 @@
           <p:cNvPr id="6" name="Slide Number Placeholder 5">
             <a:extLst>
               <a:ext uri="{FF2B5EF4-FFF2-40B4-BE49-F238E27FC236}">
-                <a16:creationId xmlns:a16="http://schemas.microsoft.com/office/drawing/2014/main" xmlns="" id="{65786FBE-7A15-42F3-8C67-827C7CA331A9}"/>
+                <a16:creationId xmlns:a16="http://schemas.microsoft.com/office/drawing/2014/main" id="{65786FBE-7A15-42F3-8C67-827C7CA331A9}"/>
               </a:ext>
             </a:extLst>
           </p:cNvPr>
@@ -9357,7 +9271,7 @@
           <p:cNvPr id="2" name="Title 1">
             <a:extLst>
               <a:ext uri="{FF2B5EF4-FFF2-40B4-BE49-F238E27FC236}">
-                <a16:creationId xmlns:a16="http://schemas.microsoft.com/office/drawing/2014/main" xmlns="" id="{29C581E8-AB8A-4375-8A98-016D7E38DF11}"/>
+                <a16:creationId xmlns:a16="http://schemas.microsoft.com/office/drawing/2014/main" id="{29C581E8-AB8A-4375-8A98-016D7E38DF11}"/>
               </a:ext>
             </a:extLst>
           </p:cNvPr>
@@ -9396,7 +9310,7 @@
           <p:cNvPr id="4" name="TextBox 3">
             <a:extLst>
               <a:ext uri="{FF2B5EF4-FFF2-40B4-BE49-F238E27FC236}">
-                <a16:creationId xmlns:a16="http://schemas.microsoft.com/office/drawing/2014/main" xmlns="" id="{653A61F0-314B-4591-B52F-4C706BECF20F}"/>
+                <a16:creationId xmlns:a16="http://schemas.microsoft.com/office/drawing/2014/main" id="{653A61F0-314B-4591-B52F-4C706BECF20F}"/>
               </a:ext>
             </a:extLst>
           </p:cNvPr>
@@ -9773,7 +9687,7 @@
           <p:cNvPr id="5" name="TextBox 4">
             <a:extLst>
               <a:ext uri="{FF2B5EF4-FFF2-40B4-BE49-F238E27FC236}">
-                <a16:creationId xmlns:a16="http://schemas.microsoft.com/office/drawing/2014/main" xmlns="" id="{9778FC53-974B-492D-BD25-F694BFB3B314}"/>
+                <a16:creationId xmlns:a16="http://schemas.microsoft.com/office/drawing/2014/main" id="{9778FC53-974B-492D-BD25-F694BFB3B314}"/>
               </a:ext>
             </a:extLst>
           </p:cNvPr>
@@ -9839,7 +9753,7 @@
           <p:cNvPr id="6" name="TextBox 5">
             <a:extLst>
               <a:ext uri="{FF2B5EF4-FFF2-40B4-BE49-F238E27FC236}">
-                <a16:creationId xmlns:a16="http://schemas.microsoft.com/office/drawing/2014/main" xmlns="" id="{5A771FAE-7932-471D-A8E2-E559C3592491}"/>
+                <a16:creationId xmlns:a16="http://schemas.microsoft.com/office/drawing/2014/main" id="{5A771FAE-7932-471D-A8E2-E559C3592491}"/>
               </a:ext>
             </a:extLst>
           </p:cNvPr>
@@ -9882,7 +9796,7 @@
           <p:cNvPr id="7" name="TextBox 6">
             <a:extLst>
               <a:ext uri="{FF2B5EF4-FFF2-40B4-BE49-F238E27FC236}">
-                <a16:creationId xmlns:a16="http://schemas.microsoft.com/office/drawing/2014/main" xmlns="" id="{DDE32983-0DED-4919-8FF4-C81D76C133B8}"/>
+                <a16:creationId xmlns:a16="http://schemas.microsoft.com/office/drawing/2014/main" id="{DDE32983-0DED-4919-8FF4-C81D76C133B8}"/>
               </a:ext>
             </a:extLst>
           </p:cNvPr>
@@ -9917,10 +9831,6 @@
               </a:rPr>
               <a:t>rows*cols</a:t>
             </a:r>
-            <a:r>
-              <a:rPr lang="en-US" dirty="0"/>
-              <a:t/>
-            </a:r>
             <a:br>
               <a:rPr lang="en-US" dirty="0"/>
             </a:br>
@@ -9968,7 +9878,7 @@
           <p:cNvPr id="8" name="TextBox 7">
             <a:extLst>
               <a:ext uri="{FF2B5EF4-FFF2-40B4-BE49-F238E27FC236}">
-                <a16:creationId xmlns:a16="http://schemas.microsoft.com/office/drawing/2014/main" xmlns="" id="{0E7472CA-BD8E-4CF0-A4A0-D74175ABA794}"/>
+                <a16:creationId xmlns:a16="http://schemas.microsoft.com/office/drawing/2014/main" id="{0E7472CA-BD8E-4CF0-A4A0-D74175ABA794}"/>
               </a:ext>
             </a:extLst>
           </p:cNvPr>
@@ -10018,7 +9928,7 @@
           <p:cNvPr id="10" name="Straight Arrow Connector 9">
             <a:extLst>
               <a:ext uri="{FF2B5EF4-FFF2-40B4-BE49-F238E27FC236}">
-                <a16:creationId xmlns:a16="http://schemas.microsoft.com/office/drawing/2014/main" xmlns="" id="{9F04E894-D312-4872-96E7-42B570CD33BC}"/>
+                <a16:creationId xmlns:a16="http://schemas.microsoft.com/office/drawing/2014/main" id="{9F04E894-D312-4872-96E7-42B570CD33BC}"/>
               </a:ext>
             </a:extLst>
           </p:cNvPr>
@@ -10064,7 +9974,7 @@
           <p:cNvPr id="13" name="Straight Arrow Connector 12">
             <a:extLst>
               <a:ext uri="{FF2B5EF4-FFF2-40B4-BE49-F238E27FC236}">
-                <a16:creationId xmlns:a16="http://schemas.microsoft.com/office/drawing/2014/main" xmlns="" id="{F9E90BF4-D365-4C8E-A895-04093D745AE6}"/>
+                <a16:creationId xmlns:a16="http://schemas.microsoft.com/office/drawing/2014/main" id="{F9E90BF4-D365-4C8E-A895-04093D745AE6}"/>
               </a:ext>
             </a:extLst>
           </p:cNvPr>
@@ -10110,7 +10020,7 @@
           <p:cNvPr id="15" name="Straight Arrow Connector 14">
             <a:extLst>
               <a:ext uri="{FF2B5EF4-FFF2-40B4-BE49-F238E27FC236}">
-                <a16:creationId xmlns:a16="http://schemas.microsoft.com/office/drawing/2014/main" xmlns="" id="{DE6E2139-B5C1-4360-8299-786B54781160}"/>
+                <a16:creationId xmlns:a16="http://schemas.microsoft.com/office/drawing/2014/main" id="{DE6E2139-B5C1-4360-8299-786B54781160}"/>
               </a:ext>
             </a:extLst>
           </p:cNvPr>
@@ -10156,7 +10066,7 @@
           <p:cNvPr id="18" name="Straight Arrow Connector 17">
             <a:extLst>
               <a:ext uri="{FF2B5EF4-FFF2-40B4-BE49-F238E27FC236}">
-                <a16:creationId xmlns:a16="http://schemas.microsoft.com/office/drawing/2014/main" xmlns="" id="{D61F34EC-EAA2-4EC1-861E-47E40DCE72E1}"/>
+                <a16:creationId xmlns:a16="http://schemas.microsoft.com/office/drawing/2014/main" id="{D61F34EC-EAA2-4EC1-861E-47E40DCE72E1}"/>
               </a:ext>
             </a:extLst>
           </p:cNvPr>
@@ -10203,7 +10113,7 @@
           <p:cNvPr id="20" name="Date Placeholder 19">
             <a:extLst>
               <a:ext uri="{FF2B5EF4-FFF2-40B4-BE49-F238E27FC236}">
-                <a16:creationId xmlns:a16="http://schemas.microsoft.com/office/drawing/2014/main" xmlns="" id="{4DFF00D7-BCBE-474F-B943-4F614757905D}"/>
+                <a16:creationId xmlns:a16="http://schemas.microsoft.com/office/drawing/2014/main" id="{4DFF00D7-BCBE-474F-B943-4F614757905D}"/>
               </a:ext>
             </a:extLst>
           </p:cNvPr>
@@ -10231,7 +10141,7 @@
           <p:cNvPr id="21" name="Footer Placeholder 20">
             <a:extLst>
               <a:ext uri="{FF2B5EF4-FFF2-40B4-BE49-F238E27FC236}">
-                <a16:creationId xmlns:a16="http://schemas.microsoft.com/office/drawing/2014/main" xmlns="" id="{972B5C6E-1675-4EFB-A202-401E9B3AE69A}"/>
+                <a16:creationId xmlns:a16="http://schemas.microsoft.com/office/drawing/2014/main" id="{972B5C6E-1675-4EFB-A202-401E9B3AE69A}"/>
               </a:ext>
             </a:extLst>
           </p:cNvPr>
@@ -10260,7 +10170,7 @@
           <p:cNvPr id="22" name="Slide Number Placeholder 21">
             <a:extLst>
               <a:ext uri="{FF2B5EF4-FFF2-40B4-BE49-F238E27FC236}">
-                <a16:creationId xmlns:a16="http://schemas.microsoft.com/office/drawing/2014/main" xmlns="" id="{0C19838D-19E9-4CF1-A3A3-E7AF332E05F1}"/>
+                <a16:creationId xmlns:a16="http://schemas.microsoft.com/office/drawing/2014/main" id="{0C19838D-19E9-4CF1-A3A3-E7AF332E05F1}"/>
               </a:ext>
             </a:extLst>
           </p:cNvPr>
@@ -10319,7 +10229,7 @@
           <p:cNvPr id="2" name="Title 1">
             <a:extLst>
               <a:ext uri="{FF2B5EF4-FFF2-40B4-BE49-F238E27FC236}">
-                <a16:creationId xmlns:a16="http://schemas.microsoft.com/office/drawing/2014/main" xmlns="" id="{D63B623E-F33A-445F-9AFE-8064FB2FE71F}"/>
+                <a16:creationId xmlns:a16="http://schemas.microsoft.com/office/drawing/2014/main" id="{D63B623E-F33A-445F-9AFE-8064FB2FE71F}"/>
               </a:ext>
             </a:extLst>
           </p:cNvPr>
@@ -10350,7 +10260,7 @@
           <p:cNvPr id="4" name="Rectangle: Folded Corner 3">
             <a:extLst>
               <a:ext uri="{FF2B5EF4-FFF2-40B4-BE49-F238E27FC236}">
-                <a16:creationId xmlns:a16="http://schemas.microsoft.com/office/drawing/2014/main" xmlns="" id="{B2CED600-D7B7-49ED-BB45-08B04738EF6A}"/>
+                <a16:creationId xmlns:a16="http://schemas.microsoft.com/office/drawing/2014/main" id="{B2CED600-D7B7-49ED-BB45-08B04738EF6A}"/>
               </a:ext>
             </a:extLst>
           </p:cNvPr>
@@ -10407,7 +10317,7 @@
           <p:cNvPr id="5" name="Rectangle: Folded Corner 4">
             <a:extLst>
               <a:ext uri="{FF2B5EF4-FFF2-40B4-BE49-F238E27FC236}">
-                <a16:creationId xmlns:a16="http://schemas.microsoft.com/office/drawing/2014/main" xmlns="" id="{6A98A999-20FA-4429-933B-1E928C16A347}"/>
+                <a16:creationId xmlns:a16="http://schemas.microsoft.com/office/drawing/2014/main" id="{6A98A999-20FA-4429-933B-1E928C16A347}"/>
               </a:ext>
             </a:extLst>
           </p:cNvPr>
@@ -10458,7 +10368,7 @@
           <p:cNvPr id="6" name="Rectangle: Folded Corner 5">
             <a:extLst>
               <a:ext uri="{FF2B5EF4-FFF2-40B4-BE49-F238E27FC236}">
-                <a16:creationId xmlns:a16="http://schemas.microsoft.com/office/drawing/2014/main" xmlns="" id="{A8449B8D-D1DB-445F-B869-721A1751E868}"/>
+                <a16:creationId xmlns:a16="http://schemas.microsoft.com/office/drawing/2014/main" id="{A8449B8D-D1DB-445F-B869-721A1751E868}"/>
               </a:ext>
             </a:extLst>
           </p:cNvPr>
@@ -10509,7 +10419,7 @@
           <p:cNvPr id="7" name="Rectangle: Folded Corner 6">
             <a:extLst>
               <a:ext uri="{FF2B5EF4-FFF2-40B4-BE49-F238E27FC236}">
-                <a16:creationId xmlns:a16="http://schemas.microsoft.com/office/drawing/2014/main" xmlns="" id="{767EDF23-0940-41A0-B8B8-86EA32660788}"/>
+                <a16:creationId xmlns:a16="http://schemas.microsoft.com/office/drawing/2014/main" id="{767EDF23-0940-41A0-B8B8-86EA32660788}"/>
               </a:ext>
             </a:extLst>
           </p:cNvPr>
@@ -10560,7 +10470,7 @@
           <p:cNvPr id="8" name="Rectangle 7">
             <a:extLst>
               <a:ext uri="{FF2B5EF4-FFF2-40B4-BE49-F238E27FC236}">
-                <a16:creationId xmlns:a16="http://schemas.microsoft.com/office/drawing/2014/main" xmlns="" id="{F04DA900-ECED-455C-B74F-E69C0944F764}"/>
+                <a16:creationId xmlns:a16="http://schemas.microsoft.com/office/drawing/2014/main" id="{F04DA900-ECED-455C-B74F-E69C0944F764}"/>
               </a:ext>
             </a:extLst>
           </p:cNvPr>
@@ -10618,7 +10528,7 @@
           <p:cNvPr id="9" name="Rectangle 8">
             <a:extLst>
               <a:ext uri="{FF2B5EF4-FFF2-40B4-BE49-F238E27FC236}">
-                <a16:creationId xmlns:a16="http://schemas.microsoft.com/office/drawing/2014/main" xmlns="" id="{108F5048-26BA-427A-BF48-4B701EDEF017}"/>
+                <a16:creationId xmlns:a16="http://schemas.microsoft.com/office/drawing/2014/main" id="{108F5048-26BA-427A-BF48-4B701EDEF017}"/>
               </a:ext>
             </a:extLst>
           </p:cNvPr>
@@ -10676,7 +10586,7 @@
           <p:cNvPr id="18" name="Rectangle: Folded Corner 17">
             <a:extLst>
               <a:ext uri="{FF2B5EF4-FFF2-40B4-BE49-F238E27FC236}">
-                <a16:creationId xmlns:a16="http://schemas.microsoft.com/office/drawing/2014/main" xmlns="" id="{8768CE40-78E1-4378-9F0F-167820FC9E28}"/>
+                <a16:creationId xmlns:a16="http://schemas.microsoft.com/office/drawing/2014/main" id="{8768CE40-78E1-4378-9F0F-167820FC9E28}"/>
               </a:ext>
             </a:extLst>
           </p:cNvPr>
@@ -10733,7 +10643,7 @@
           <p:cNvPr id="19" name="Rectangle: Folded Corner 18">
             <a:extLst>
               <a:ext uri="{FF2B5EF4-FFF2-40B4-BE49-F238E27FC236}">
-                <a16:creationId xmlns:a16="http://schemas.microsoft.com/office/drawing/2014/main" xmlns="" id="{C6473861-E956-414A-AC6F-7B35D6473EA7}"/>
+                <a16:creationId xmlns:a16="http://schemas.microsoft.com/office/drawing/2014/main" id="{C6473861-E956-414A-AC6F-7B35D6473EA7}"/>
               </a:ext>
             </a:extLst>
           </p:cNvPr>
@@ -10784,7 +10694,7 @@
           <p:cNvPr id="21" name="Connector: Curved 20">
             <a:extLst>
               <a:ext uri="{FF2B5EF4-FFF2-40B4-BE49-F238E27FC236}">
-                <a16:creationId xmlns:a16="http://schemas.microsoft.com/office/drawing/2014/main" xmlns="" id="{0EF1658E-27C4-448D-A646-31F9B23AEADD}"/>
+                <a16:creationId xmlns:a16="http://schemas.microsoft.com/office/drawing/2014/main" id="{0EF1658E-27C4-448D-A646-31F9B23AEADD}"/>
               </a:ext>
             </a:extLst>
           </p:cNvPr>
@@ -10831,7 +10741,7 @@
           <p:cNvPr id="23" name="Connector: Curved 22">
             <a:extLst>
               <a:ext uri="{FF2B5EF4-FFF2-40B4-BE49-F238E27FC236}">
-                <a16:creationId xmlns:a16="http://schemas.microsoft.com/office/drawing/2014/main" xmlns="" id="{455D663C-1206-43C7-AF49-5AE8204E8EC1}"/>
+                <a16:creationId xmlns:a16="http://schemas.microsoft.com/office/drawing/2014/main" id="{455D663C-1206-43C7-AF49-5AE8204E8EC1}"/>
               </a:ext>
             </a:extLst>
           </p:cNvPr>
@@ -10878,7 +10788,7 @@
           <p:cNvPr id="25" name="Connector: Curved 24">
             <a:extLst>
               <a:ext uri="{FF2B5EF4-FFF2-40B4-BE49-F238E27FC236}">
-                <a16:creationId xmlns:a16="http://schemas.microsoft.com/office/drawing/2014/main" xmlns="" id="{A35C04B0-D095-4057-BD5A-4C222AC17263}"/>
+                <a16:creationId xmlns:a16="http://schemas.microsoft.com/office/drawing/2014/main" id="{A35C04B0-D095-4057-BD5A-4C222AC17263}"/>
               </a:ext>
             </a:extLst>
           </p:cNvPr>
@@ -10925,7 +10835,7 @@
           <p:cNvPr id="27" name="Connector: Curved 26">
             <a:extLst>
               <a:ext uri="{FF2B5EF4-FFF2-40B4-BE49-F238E27FC236}">
-                <a16:creationId xmlns:a16="http://schemas.microsoft.com/office/drawing/2014/main" xmlns="" id="{5AA98C0B-3B44-415C-AF0A-870A4FC4E98D}"/>
+                <a16:creationId xmlns:a16="http://schemas.microsoft.com/office/drawing/2014/main" id="{5AA98C0B-3B44-415C-AF0A-870A4FC4E98D}"/>
               </a:ext>
             </a:extLst>
           </p:cNvPr>
@@ -10972,7 +10882,7 @@
           <p:cNvPr id="35" name="Straight Arrow Connector 34">
             <a:extLst>
               <a:ext uri="{FF2B5EF4-FFF2-40B4-BE49-F238E27FC236}">
-                <a16:creationId xmlns:a16="http://schemas.microsoft.com/office/drawing/2014/main" xmlns="" id="{B0F0CC67-F1AF-4AFD-B50A-8B118CA38BF5}"/>
+                <a16:creationId xmlns:a16="http://schemas.microsoft.com/office/drawing/2014/main" id="{B0F0CC67-F1AF-4AFD-B50A-8B118CA38BF5}"/>
               </a:ext>
             </a:extLst>
           </p:cNvPr>
@@ -11020,7 +10930,7 @@
           <p:cNvPr id="37" name="Straight Arrow Connector 36">
             <a:extLst>
               <a:ext uri="{FF2B5EF4-FFF2-40B4-BE49-F238E27FC236}">
-                <a16:creationId xmlns:a16="http://schemas.microsoft.com/office/drawing/2014/main" xmlns="" id="{981089C7-55AF-4F80-9E7C-1FCEA7AEEF70}"/>
+                <a16:creationId xmlns:a16="http://schemas.microsoft.com/office/drawing/2014/main" id="{981089C7-55AF-4F80-9E7C-1FCEA7AEEF70}"/>
               </a:ext>
             </a:extLst>
           </p:cNvPr>
@@ -11068,7 +10978,7 @@
           <p:cNvPr id="39" name="TextBox 38">
             <a:extLst>
               <a:ext uri="{FF2B5EF4-FFF2-40B4-BE49-F238E27FC236}">
-                <a16:creationId xmlns:a16="http://schemas.microsoft.com/office/drawing/2014/main" xmlns="" id="{DF6A75ED-AB18-45C0-A4C9-47A0FA0AEBDA}"/>
+                <a16:creationId xmlns:a16="http://schemas.microsoft.com/office/drawing/2014/main" id="{DF6A75ED-AB18-45C0-A4C9-47A0FA0AEBDA}"/>
               </a:ext>
             </a:extLst>
           </p:cNvPr>
@@ -11107,7 +11017,7 @@
           <p:cNvPr id="40" name="TextBox 39">
             <a:extLst>
               <a:ext uri="{FF2B5EF4-FFF2-40B4-BE49-F238E27FC236}">
-                <a16:creationId xmlns:a16="http://schemas.microsoft.com/office/drawing/2014/main" xmlns="" id="{E50AFD25-721E-4F5B-BEB1-56E9E2682761}"/>
+                <a16:creationId xmlns:a16="http://schemas.microsoft.com/office/drawing/2014/main" id="{E50AFD25-721E-4F5B-BEB1-56E9E2682761}"/>
               </a:ext>
             </a:extLst>
           </p:cNvPr>
@@ -11146,7 +11056,7 @@
           <p:cNvPr id="3" name="Date Placeholder 2">
             <a:extLst>
               <a:ext uri="{FF2B5EF4-FFF2-40B4-BE49-F238E27FC236}">
-                <a16:creationId xmlns:a16="http://schemas.microsoft.com/office/drawing/2014/main" xmlns="" id="{E97C6DC1-CE61-4E54-BF70-2B6D4E0DC800}"/>
+                <a16:creationId xmlns:a16="http://schemas.microsoft.com/office/drawing/2014/main" id="{E97C6DC1-CE61-4E54-BF70-2B6D4E0DC800}"/>
               </a:ext>
             </a:extLst>
           </p:cNvPr>
@@ -11174,7 +11084,7 @@
           <p:cNvPr id="10" name="Footer Placeholder 9">
             <a:extLst>
               <a:ext uri="{FF2B5EF4-FFF2-40B4-BE49-F238E27FC236}">
-                <a16:creationId xmlns:a16="http://schemas.microsoft.com/office/drawing/2014/main" xmlns="" id="{B813CC73-F86D-499E-B683-CAF1E663FC28}"/>
+                <a16:creationId xmlns:a16="http://schemas.microsoft.com/office/drawing/2014/main" id="{B813CC73-F86D-499E-B683-CAF1E663FC28}"/>
               </a:ext>
             </a:extLst>
           </p:cNvPr>
@@ -11203,7 +11113,7 @@
           <p:cNvPr id="11" name="Slide Number Placeholder 10">
             <a:extLst>
               <a:ext uri="{FF2B5EF4-FFF2-40B4-BE49-F238E27FC236}">
-                <a16:creationId xmlns:a16="http://schemas.microsoft.com/office/drawing/2014/main" xmlns="" id="{40E15A02-D105-4D88-826C-BCE39B5BF7A6}"/>
+                <a16:creationId xmlns:a16="http://schemas.microsoft.com/office/drawing/2014/main" id="{40E15A02-D105-4D88-826C-BCE39B5BF7A6}"/>
               </a:ext>
             </a:extLst>
           </p:cNvPr>
@@ -11262,7 +11172,7 @@
           <p:cNvPr id="2" name="Title 1">
             <a:extLst>
               <a:ext uri="{FF2B5EF4-FFF2-40B4-BE49-F238E27FC236}">
-                <a16:creationId xmlns:a16="http://schemas.microsoft.com/office/drawing/2014/main" xmlns="" id="{5B78C2E4-1764-455E-8059-3B53E0B16BA7}"/>
+                <a16:creationId xmlns:a16="http://schemas.microsoft.com/office/drawing/2014/main" id="{5B78C2E4-1764-455E-8059-3B53E0B16BA7}"/>
               </a:ext>
             </a:extLst>
           </p:cNvPr>
@@ -11298,7 +11208,7 @@
           <p:cNvPr id="3" name="Content Placeholder 2">
             <a:extLst>
               <a:ext uri="{FF2B5EF4-FFF2-40B4-BE49-F238E27FC236}">
-                <a16:creationId xmlns:a16="http://schemas.microsoft.com/office/drawing/2014/main" xmlns="" id="{67C9C6F3-A310-4623-A725-068AF385B484}"/>
+                <a16:creationId xmlns:a16="http://schemas.microsoft.com/office/drawing/2014/main" id="{67C9C6F3-A310-4623-A725-068AF385B484}"/>
               </a:ext>
             </a:extLst>
           </p:cNvPr>
@@ -11331,10 +11241,6 @@
               <a:rPr lang="ru-RU" sz="2000" dirty="0"/>
               <a:t>Программе не должно быть нужно </a:t>
             </a:r>
-            <a:r>
-              <a:rPr lang="en-US" sz="2000" dirty="0"/>
-              <a:t/>
-            </a:r>
             <a:br>
               <a:rPr lang="en-US" sz="2000" dirty="0"/>
             </a:br>
@@ -11350,10 +11256,6 @@
               <a:rPr lang="ru-RU" sz="2000" dirty="0"/>
               <a:t>с «внутренностями»</a:t>
             </a:r>
-            <a:r>
-              <a:rPr lang="en-US" sz="2000" dirty="0"/>
-              <a:t/>
-            </a:r>
             <a:br>
               <a:rPr lang="en-US" sz="2000" dirty="0"/>
             </a:br>
@@ -11370,7 +11272,7 @@
           <p:cNvPr id="4" name="Group 3">
             <a:extLst>
               <a:ext uri="{FF2B5EF4-FFF2-40B4-BE49-F238E27FC236}">
-                <a16:creationId xmlns:a16="http://schemas.microsoft.com/office/drawing/2014/main" xmlns="" id="{3DF86EF9-6754-4F7C-AE51-ABD9061F6B9A}"/>
+                <a16:creationId xmlns:a16="http://schemas.microsoft.com/office/drawing/2014/main" id="{3DF86EF9-6754-4F7C-AE51-ABD9061F6B9A}"/>
               </a:ext>
             </a:extLst>
           </p:cNvPr>
@@ -11390,7 +11292,7 @@
             <p:cNvPr id="5" name="Rectangle 4">
               <a:extLst>
                 <a:ext uri="{FF2B5EF4-FFF2-40B4-BE49-F238E27FC236}">
-                  <a16:creationId xmlns:a16="http://schemas.microsoft.com/office/drawing/2014/main" xmlns="" id="{4DB30527-1FFE-424E-A1D7-5F3D95D56C1B}"/>
+                  <a16:creationId xmlns:a16="http://schemas.microsoft.com/office/drawing/2014/main" id="{4DB30527-1FFE-424E-A1D7-5F3D95D56C1B}"/>
                 </a:ext>
               </a:extLst>
             </p:cNvPr>
@@ -11447,7 +11349,7 @@
             <p:cNvPr id="6" name="Rectangle 5">
               <a:extLst>
                 <a:ext uri="{FF2B5EF4-FFF2-40B4-BE49-F238E27FC236}">
-                  <a16:creationId xmlns:a16="http://schemas.microsoft.com/office/drawing/2014/main" xmlns="" id="{9B25A2E1-AF23-45F7-977F-A3C400FA1719}"/>
+                  <a16:creationId xmlns:a16="http://schemas.microsoft.com/office/drawing/2014/main" id="{9B25A2E1-AF23-45F7-977F-A3C400FA1719}"/>
                 </a:ext>
               </a:extLst>
             </p:cNvPr>
@@ -11504,7 +11406,7 @@
             <p:cNvPr id="7" name="Rectangle 6">
               <a:extLst>
                 <a:ext uri="{FF2B5EF4-FFF2-40B4-BE49-F238E27FC236}">
-                  <a16:creationId xmlns:a16="http://schemas.microsoft.com/office/drawing/2014/main" xmlns="" id="{796B9E20-285B-4A11-A1A6-2F7F5D16E20E}"/>
+                  <a16:creationId xmlns:a16="http://schemas.microsoft.com/office/drawing/2014/main" id="{796B9E20-285B-4A11-A1A6-2F7F5D16E20E}"/>
                 </a:ext>
               </a:extLst>
             </p:cNvPr>
@@ -11561,7 +11463,7 @@
             <p:cNvPr id="8" name="Rectangle 7">
               <a:extLst>
                 <a:ext uri="{FF2B5EF4-FFF2-40B4-BE49-F238E27FC236}">
-                  <a16:creationId xmlns:a16="http://schemas.microsoft.com/office/drawing/2014/main" xmlns="" id="{D36BBCA0-87B2-4580-9EF2-18F3BC3EA701}"/>
+                  <a16:creationId xmlns:a16="http://schemas.microsoft.com/office/drawing/2014/main" id="{D36BBCA0-87B2-4580-9EF2-18F3BC3EA701}"/>
                 </a:ext>
               </a:extLst>
             </p:cNvPr>
@@ -11619,7 +11521,7 @@
           <p:cNvPr id="9" name="Group 8">
             <a:extLst>
               <a:ext uri="{FF2B5EF4-FFF2-40B4-BE49-F238E27FC236}">
-                <a16:creationId xmlns:a16="http://schemas.microsoft.com/office/drawing/2014/main" xmlns="" id="{C4374DD5-7BDD-4320-A7BC-F67286A50F59}"/>
+                <a16:creationId xmlns:a16="http://schemas.microsoft.com/office/drawing/2014/main" id="{C4374DD5-7BDD-4320-A7BC-F67286A50F59}"/>
               </a:ext>
             </a:extLst>
           </p:cNvPr>
@@ -11639,7 +11541,7 @@
             <p:cNvPr id="10" name="Rectangle 9">
               <a:extLst>
                 <a:ext uri="{FF2B5EF4-FFF2-40B4-BE49-F238E27FC236}">
-                  <a16:creationId xmlns:a16="http://schemas.microsoft.com/office/drawing/2014/main" xmlns="" id="{AF71D2AE-7AA7-488D-9ADC-DC616EE7E2F1}"/>
+                  <a16:creationId xmlns:a16="http://schemas.microsoft.com/office/drawing/2014/main" id="{AF71D2AE-7AA7-488D-9ADC-DC616EE7E2F1}"/>
                 </a:ext>
               </a:extLst>
             </p:cNvPr>
@@ -11696,7 +11598,7 @@
             <p:cNvPr id="11" name="Rectangle 10">
               <a:extLst>
                 <a:ext uri="{FF2B5EF4-FFF2-40B4-BE49-F238E27FC236}">
-                  <a16:creationId xmlns:a16="http://schemas.microsoft.com/office/drawing/2014/main" xmlns="" id="{EA3028CD-B808-4363-87AC-E981CDDB051A}"/>
+                  <a16:creationId xmlns:a16="http://schemas.microsoft.com/office/drawing/2014/main" id="{EA3028CD-B808-4363-87AC-E981CDDB051A}"/>
                 </a:ext>
               </a:extLst>
             </p:cNvPr>
@@ -11753,7 +11655,7 @@
             <p:cNvPr id="12" name="Rectangle 11">
               <a:extLst>
                 <a:ext uri="{FF2B5EF4-FFF2-40B4-BE49-F238E27FC236}">
-                  <a16:creationId xmlns:a16="http://schemas.microsoft.com/office/drawing/2014/main" xmlns="" id="{D672326A-B0EE-4079-8B02-CF908EE576BF}"/>
+                  <a16:creationId xmlns:a16="http://schemas.microsoft.com/office/drawing/2014/main" id="{D672326A-B0EE-4079-8B02-CF908EE576BF}"/>
                 </a:ext>
               </a:extLst>
             </p:cNvPr>
@@ -11810,7 +11712,7 @@
             <p:cNvPr id="13" name="Rectangle 12">
               <a:extLst>
                 <a:ext uri="{FF2B5EF4-FFF2-40B4-BE49-F238E27FC236}">
-                  <a16:creationId xmlns:a16="http://schemas.microsoft.com/office/drawing/2014/main" xmlns="" id="{65769E87-C6D3-491E-A51E-94D6EBADEEC2}"/>
+                  <a16:creationId xmlns:a16="http://schemas.microsoft.com/office/drawing/2014/main" id="{65769E87-C6D3-491E-A51E-94D6EBADEEC2}"/>
                 </a:ext>
               </a:extLst>
             </p:cNvPr>
@@ -11868,7 +11770,7 @@
           <p:cNvPr id="14" name="Group 13">
             <a:extLst>
               <a:ext uri="{FF2B5EF4-FFF2-40B4-BE49-F238E27FC236}">
-                <a16:creationId xmlns:a16="http://schemas.microsoft.com/office/drawing/2014/main" xmlns="" id="{3A6FAD9E-AF04-457C-8ED8-A6DEBAFC6453}"/>
+                <a16:creationId xmlns:a16="http://schemas.microsoft.com/office/drawing/2014/main" id="{3A6FAD9E-AF04-457C-8ED8-A6DEBAFC6453}"/>
               </a:ext>
             </a:extLst>
           </p:cNvPr>
@@ -11888,7 +11790,7 @@
             <p:cNvPr id="15" name="Rectangle 14">
               <a:extLst>
                 <a:ext uri="{FF2B5EF4-FFF2-40B4-BE49-F238E27FC236}">
-                  <a16:creationId xmlns:a16="http://schemas.microsoft.com/office/drawing/2014/main" xmlns="" id="{D3FBB017-33C3-45A6-A977-0830D9F776A8}"/>
+                  <a16:creationId xmlns:a16="http://schemas.microsoft.com/office/drawing/2014/main" id="{D3FBB017-33C3-45A6-A977-0830D9F776A8}"/>
                 </a:ext>
               </a:extLst>
             </p:cNvPr>
@@ -11945,7 +11847,7 @@
             <p:cNvPr id="16" name="Rectangle 15">
               <a:extLst>
                 <a:ext uri="{FF2B5EF4-FFF2-40B4-BE49-F238E27FC236}">
-                  <a16:creationId xmlns:a16="http://schemas.microsoft.com/office/drawing/2014/main" xmlns="" id="{309E9F01-6B7F-47BD-8070-821477CD5827}"/>
+                  <a16:creationId xmlns:a16="http://schemas.microsoft.com/office/drawing/2014/main" id="{309E9F01-6B7F-47BD-8070-821477CD5827}"/>
                 </a:ext>
               </a:extLst>
             </p:cNvPr>
@@ -12002,7 +11904,7 @@
             <p:cNvPr id="17" name="Rectangle 16">
               <a:extLst>
                 <a:ext uri="{FF2B5EF4-FFF2-40B4-BE49-F238E27FC236}">
-                  <a16:creationId xmlns:a16="http://schemas.microsoft.com/office/drawing/2014/main" xmlns="" id="{191371D1-9DEF-453D-AA49-3DF7C4B3D54E}"/>
+                  <a16:creationId xmlns:a16="http://schemas.microsoft.com/office/drawing/2014/main" id="{191371D1-9DEF-453D-AA49-3DF7C4B3D54E}"/>
                 </a:ext>
               </a:extLst>
             </p:cNvPr>
@@ -12059,7 +11961,7 @@
             <p:cNvPr id="18" name="Rectangle 17">
               <a:extLst>
                 <a:ext uri="{FF2B5EF4-FFF2-40B4-BE49-F238E27FC236}">
-                  <a16:creationId xmlns:a16="http://schemas.microsoft.com/office/drawing/2014/main" xmlns="" id="{C1405A8A-3744-4E02-BDE3-2B5CF1694697}"/>
+                  <a16:creationId xmlns:a16="http://schemas.microsoft.com/office/drawing/2014/main" id="{C1405A8A-3744-4E02-BDE3-2B5CF1694697}"/>
                 </a:ext>
               </a:extLst>
             </p:cNvPr>
@@ -12117,7 +12019,7 @@
           <p:cNvPr id="19" name="Group 18">
             <a:extLst>
               <a:ext uri="{FF2B5EF4-FFF2-40B4-BE49-F238E27FC236}">
-                <a16:creationId xmlns:a16="http://schemas.microsoft.com/office/drawing/2014/main" xmlns="" id="{EAFBF1CB-78B0-4613-A2E3-8C807971E93E}"/>
+                <a16:creationId xmlns:a16="http://schemas.microsoft.com/office/drawing/2014/main" id="{EAFBF1CB-78B0-4613-A2E3-8C807971E93E}"/>
               </a:ext>
             </a:extLst>
           </p:cNvPr>
@@ -12137,7 +12039,7 @@
             <p:cNvPr id="20" name="Rectangle 19">
               <a:extLst>
                 <a:ext uri="{FF2B5EF4-FFF2-40B4-BE49-F238E27FC236}">
-                  <a16:creationId xmlns:a16="http://schemas.microsoft.com/office/drawing/2014/main" xmlns="" id="{4F65E1B9-9AAC-43CA-AD07-7D3A9C23B5CA}"/>
+                  <a16:creationId xmlns:a16="http://schemas.microsoft.com/office/drawing/2014/main" id="{4F65E1B9-9AAC-43CA-AD07-7D3A9C23B5CA}"/>
                 </a:ext>
               </a:extLst>
             </p:cNvPr>
@@ -12194,7 +12096,7 @@
             <p:cNvPr id="21" name="Rectangle 20">
               <a:extLst>
                 <a:ext uri="{FF2B5EF4-FFF2-40B4-BE49-F238E27FC236}">
-                  <a16:creationId xmlns:a16="http://schemas.microsoft.com/office/drawing/2014/main" xmlns="" id="{53C5533C-A4E4-4F5A-8D19-86010931FF2D}"/>
+                  <a16:creationId xmlns:a16="http://schemas.microsoft.com/office/drawing/2014/main" id="{53C5533C-A4E4-4F5A-8D19-86010931FF2D}"/>
                 </a:ext>
               </a:extLst>
             </p:cNvPr>
@@ -12251,7 +12153,7 @@
             <p:cNvPr id="22" name="Rectangle 21">
               <a:extLst>
                 <a:ext uri="{FF2B5EF4-FFF2-40B4-BE49-F238E27FC236}">
-                  <a16:creationId xmlns:a16="http://schemas.microsoft.com/office/drawing/2014/main" xmlns="" id="{0743F25C-07E4-463E-8805-72133362636B}"/>
+                  <a16:creationId xmlns:a16="http://schemas.microsoft.com/office/drawing/2014/main" id="{0743F25C-07E4-463E-8805-72133362636B}"/>
                 </a:ext>
               </a:extLst>
             </p:cNvPr>
@@ -12308,7 +12210,7 @@
             <p:cNvPr id="23" name="Rectangle 22">
               <a:extLst>
                 <a:ext uri="{FF2B5EF4-FFF2-40B4-BE49-F238E27FC236}">
-                  <a16:creationId xmlns:a16="http://schemas.microsoft.com/office/drawing/2014/main" xmlns="" id="{C91EDADA-FED8-495D-A974-935971181677}"/>
+                  <a16:creationId xmlns:a16="http://schemas.microsoft.com/office/drawing/2014/main" id="{C91EDADA-FED8-495D-A974-935971181677}"/>
                 </a:ext>
               </a:extLst>
             </p:cNvPr>
@@ -12366,7 +12268,7 @@
           <p:cNvPr id="24" name="Group 23">
             <a:extLst>
               <a:ext uri="{FF2B5EF4-FFF2-40B4-BE49-F238E27FC236}">
-                <a16:creationId xmlns:a16="http://schemas.microsoft.com/office/drawing/2014/main" xmlns="" id="{E54991A9-1AD8-41A3-AB50-0021A6BAC39A}"/>
+                <a16:creationId xmlns:a16="http://schemas.microsoft.com/office/drawing/2014/main" id="{E54991A9-1AD8-41A3-AB50-0021A6BAC39A}"/>
               </a:ext>
             </a:extLst>
           </p:cNvPr>
@@ -12386,7 +12288,7 @@
             <p:cNvPr id="25" name="Rectangle 24">
               <a:extLst>
                 <a:ext uri="{FF2B5EF4-FFF2-40B4-BE49-F238E27FC236}">
-                  <a16:creationId xmlns:a16="http://schemas.microsoft.com/office/drawing/2014/main" xmlns="" id="{90A8AAB8-1BD1-4F19-9C7E-E06D7009DF08}"/>
+                  <a16:creationId xmlns:a16="http://schemas.microsoft.com/office/drawing/2014/main" id="{90A8AAB8-1BD1-4F19-9C7E-E06D7009DF08}"/>
                 </a:ext>
               </a:extLst>
             </p:cNvPr>
@@ -12443,7 +12345,7 @@
             <p:cNvPr id="26" name="Rectangle 25">
               <a:extLst>
                 <a:ext uri="{FF2B5EF4-FFF2-40B4-BE49-F238E27FC236}">
-                  <a16:creationId xmlns:a16="http://schemas.microsoft.com/office/drawing/2014/main" xmlns="" id="{49A6ED0A-E7CC-4222-91CD-CC8252E3FF6B}"/>
+                  <a16:creationId xmlns:a16="http://schemas.microsoft.com/office/drawing/2014/main" id="{49A6ED0A-E7CC-4222-91CD-CC8252E3FF6B}"/>
                 </a:ext>
               </a:extLst>
             </p:cNvPr>
@@ -12500,7 +12402,7 @@
             <p:cNvPr id="27" name="Rectangle 26">
               <a:extLst>
                 <a:ext uri="{FF2B5EF4-FFF2-40B4-BE49-F238E27FC236}">
-                  <a16:creationId xmlns:a16="http://schemas.microsoft.com/office/drawing/2014/main" xmlns="" id="{C8D29088-CE9F-405E-9A84-DC840F03A894}"/>
+                  <a16:creationId xmlns:a16="http://schemas.microsoft.com/office/drawing/2014/main" id="{C8D29088-CE9F-405E-9A84-DC840F03A894}"/>
                 </a:ext>
               </a:extLst>
             </p:cNvPr>
@@ -12557,7 +12459,7 @@
             <p:cNvPr id="28" name="Rectangle 27">
               <a:extLst>
                 <a:ext uri="{FF2B5EF4-FFF2-40B4-BE49-F238E27FC236}">
-                  <a16:creationId xmlns:a16="http://schemas.microsoft.com/office/drawing/2014/main" xmlns="" id="{A89C1DE0-9A83-4F06-845D-D40563877AA7}"/>
+                  <a16:creationId xmlns:a16="http://schemas.microsoft.com/office/drawing/2014/main" id="{A89C1DE0-9A83-4F06-845D-D40563877AA7}"/>
                 </a:ext>
               </a:extLst>
             </p:cNvPr>
@@ -12615,7 +12517,7 @@
           <p:cNvPr id="29" name="Group 28">
             <a:extLst>
               <a:ext uri="{FF2B5EF4-FFF2-40B4-BE49-F238E27FC236}">
-                <a16:creationId xmlns:a16="http://schemas.microsoft.com/office/drawing/2014/main" xmlns="" id="{9D7A1E95-C3A6-4068-810D-01A6E96E9378}"/>
+                <a16:creationId xmlns:a16="http://schemas.microsoft.com/office/drawing/2014/main" id="{9D7A1E95-C3A6-4068-810D-01A6E96E9378}"/>
               </a:ext>
             </a:extLst>
           </p:cNvPr>
@@ -12635,7 +12537,7 @@
             <p:cNvPr id="30" name="Rectangle 29">
               <a:extLst>
                 <a:ext uri="{FF2B5EF4-FFF2-40B4-BE49-F238E27FC236}">
-                  <a16:creationId xmlns:a16="http://schemas.microsoft.com/office/drawing/2014/main" xmlns="" id="{E40F8DB8-82D7-4DF1-8278-122594DEFC1A}"/>
+                  <a16:creationId xmlns:a16="http://schemas.microsoft.com/office/drawing/2014/main" id="{E40F8DB8-82D7-4DF1-8278-122594DEFC1A}"/>
                 </a:ext>
               </a:extLst>
             </p:cNvPr>
@@ -12692,7 +12594,7 @@
             <p:cNvPr id="31" name="Rectangle 30">
               <a:extLst>
                 <a:ext uri="{FF2B5EF4-FFF2-40B4-BE49-F238E27FC236}">
-                  <a16:creationId xmlns:a16="http://schemas.microsoft.com/office/drawing/2014/main" xmlns="" id="{C877793A-5964-4AD7-B46A-DA2BAC4471B7}"/>
+                  <a16:creationId xmlns:a16="http://schemas.microsoft.com/office/drawing/2014/main" id="{C877793A-5964-4AD7-B46A-DA2BAC4471B7}"/>
                 </a:ext>
               </a:extLst>
             </p:cNvPr>
@@ -12749,7 +12651,7 @@
             <p:cNvPr id="32" name="Rectangle 31">
               <a:extLst>
                 <a:ext uri="{FF2B5EF4-FFF2-40B4-BE49-F238E27FC236}">
-                  <a16:creationId xmlns:a16="http://schemas.microsoft.com/office/drawing/2014/main" xmlns="" id="{CC667518-D345-480F-BD62-E9369E2B1F5D}"/>
+                  <a16:creationId xmlns:a16="http://schemas.microsoft.com/office/drawing/2014/main" id="{CC667518-D345-480F-BD62-E9369E2B1F5D}"/>
                 </a:ext>
               </a:extLst>
             </p:cNvPr>
@@ -12806,7 +12708,7 @@
             <p:cNvPr id="33" name="Rectangle 32">
               <a:extLst>
                 <a:ext uri="{FF2B5EF4-FFF2-40B4-BE49-F238E27FC236}">
-                  <a16:creationId xmlns:a16="http://schemas.microsoft.com/office/drawing/2014/main" xmlns="" id="{153534CC-1540-4EB4-A5E9-832D25F34ADD}"/>
+                  <a16:creationId xmlns:a16="http://schemas.microsoft.com/office/drawing/2014/main" id="{153534CC-1540-4EB4-A5E9-832D25F34ADD}"/>
                 </a:ext>
               </a:extLst>
             </p:cNvPr>
@@ -12864,7 +12766,7 @@
           <p:cNvPr id="34" name="Group 33">
             <a:extLst>
               <a:ext uri="{FF2B5EF4-FFF2-40B4-BE49-F238E27FC236}">
-                <a16:creationId xmlns:a16="http://schemas.microsoft.com/office/drawing/2014/main" xmlns="" id="{EBE8F599-4AA3-44C5-8F4D-9E2D110C403C}"/>
+                <a16:creationId xmlns:a16="http://schemas.microsoft.com/office/drawing/2014/main" id="{EBE8F599-4AA3-44C5-8F4D-9E2D110C403C}"/>
               </a:ext>
             </a:extLst>
           </p:cNvPr>
@@ -12884,7 +12786,7 @@
             <p:cNvPr id="35" name="Straight Connector 34">
               <a:extLst>
                 <a:ext uri="{FF2B5EF4-FFF2-40B4-BE49-F238E27FC236}">
-                  <a16:creationId xmlns:a16="http://schemas.microsoft.com/office/drawing/2014/main" xmlns="" id="{F06FB8FD-8BC0-4598-9A8C-7E743C9BD7F9}"/>
+                  <a16:creationId xmlns:a16="http://schemas.microsoft.com/office/drawing/2014/main" id="{F06FB8FD-8BC0-4598-9A8C-7E743C9BD7F9}"/>
                 </a:ext>
               </a:extLst>
             </p:cNvPr>
@@ -12929,7 +12831,7 @@
             <p:cNvPr id="36" name="Straight Connector 35">
               <a:extLst>
                 <a:ext uri="{FF2B5EF4-FFF2-40B4-BE49-F238E27FC236}">
-                  <a16:creationId xmlns:a16="http://schemas.microsoft.com/office/drawing/2014/main" xmlns="" id="{7D64DA32-EC96-41F6-959D-B49CA35460F0}"/>
+                  <a16:creationId xmlns:a16="http://schemas.microsoft.com/office/drawing/2014/main" id="{7D64DA32-EC96-41F6-959D-B49CA35460F0}"/>
                 </a:ext>
               </a:extLst>
             </p:cNvPr>
@@ -12974,7 +12876,7 @@
             <p:cNvPr id="37" name="Straight Arrow Connector 36">
               <a:extLst>
                 <a:ext uri="{FF2B5EF4-FFF2-40B4-BE49-F238E27FC236}">
-                  <a16:creationId xmlns:a16="http://schemas.microsoft.com/office/drawing/2014/main" xmlns="" id="{DE400747-62D8-4DC0-9F04-55A550E36021}"/>
+                  <a16:creationId xmlns:a16="http://schemas.microsoft.com/office/drawing/2014/main" id="{DE400747-62D8-4DC0-9F04-55A550E36021}"/>
                 </a:ext>
               </a:extLst>
             </p:cNvPr>
@@ -13020,7 +12922,7 @@
           <p:cNvPr id="38" name="Group 37">
             <a:extLst>
               <a:ext uri="{FF2B5EF4-FFF2-40B4-BE49-F238E27FC236}">
-                <a16:creationId xmlns:a16="http://schemas.microsoft.com/office/drawing/2014/main" xmlns="" id="{1A60C01A-A6E5-4A47-B87A-A834857E00E5}"/>
+                <a16:creationId xmlns:a16="http://schemas.microsoft.com/office/drawing/2014/main" id="{1A60C01A-A6E5-4A47-B87A-A834857E00E5}"/>
               </a:ext>
             </a:extLst>
           </p:cNvPr>
@@ -13040,7 +12942,7 @@
             <p:cNvPr id="39" name="Straight Connector 38">
               <a:extLst>
                 <a:ext uri="{FF2B5EF4-FFF2-40B4-BE49-F238E27FC236}">
-                  <a16:creationId xmlns:a16="http://schemas.microsoft.com/office/drawing/2014/main" xmlns="" id="{E1D6AE9D-73DC-49B3-A9AF-261C9FFE3088}"/>
+                  <a16:creationId xmlns:a16="http://schemas.microsoft.com/office/drawing/2014/main" id="{E1D6AE9D-73DC-49B3-A9AF-261C9FFE3088}"/>
                 </a:ext>
               </a:extLst>
             </p:cNvPr>
@@ -13085,7 +12987,7 @@
             <p:cNvPr id="40" name="Straight Connector 39">
               <a:extLst>
                 <a:ext uri="{FF2B5EF4-FFF2-40B4-BE49-F238E27FC236}">
-                  <a16:creationId xmlns:a16="http://schemas.microsoft.com/office/drawing/2014/main" xmlns="" id="{5FF08A63-786D-4043-B22C-E04D74C898A2}"/>
+                  <a16:creationId xmlns:a16="http://schemas.microsoft.com/office/drawing/2014/main" id="{5FF08A63-786D-4043-B22C-E04D74C898A2}"/>
                 </a:ext>
               </a:extLst>
             </p:cNvPr>
@@ -13130,7 +13032,7 @@
             <p:cNvPr id="41" name="Straight Arrow Connector 40">
               <a:extLst>
                 <a:ext uri="{FF2B5EF4-FFF2-40B4-BE49-F238E27FC236}">
-                  <a16:creationId xmlns:a16="http://schemas.microsoft.com/office/drawing/2014/main" xmlns="" id="{9E7580FD-15DA-4528-AD59-7327F03297C1}"/>
+                  <a16:creationId xmlns:a16="http://schemas.microsoft.com/office/drawing/2014/main" id="{9E7580FD-15DA-4528-AD59-7327F03297C1}"/>
                 </a:ext>
               </a:extLst>
             </p:cNvPr>
@@ -13176,7 +13078,7 @@
           <p:cNvPr id="42" name="TextBox 41">
             <a:extLst>
               <a:ext uri="{FF2B5EF4-FFF2-40B4-BE49-F238E27FC236}">
-                <a16:creationId xmlns:a16="http://schemas.microsoft.com/office/drawing/2014/main" xmlns="" id="{19490745-CD7D-48EC-98EB-B53262960DCF}"/>
+                <a16:creationId xmlns:a16="http://schemas.microsoft.com/office/drawing/2014/main" id="{19490745-CD7D-48EC-98EB-B53262960DCF}"/>
               </a:ext>
             </a:extLst>
           </p:cNvPr>
@@ -13217,7 +13119,7 @@
           <p:cNvPr id="43" name="TextBox 42">
             <a:extLst>
               <a:ext uri="{FF2B5EF4-FFF2-40B4-BE49-F238E27FC236}">
-                <a16:creationId xmlns:a16="http://schemas.microsoft.com/office/drawing/2014/main" xmlns="" id="{927E9218-9C5A-49E1-8D1D-E4CC090EC119}"/>
+                <a16:creationId xmlns:a16="http://schemas.microsoft.com/office/drawing/2014/main" id="{927E9218-9C5A-49E1-8D1D-E4CC090EC119}"/>
               </a:ext>
             </a:extLst>
           </p:cNvPr>
@@ -13258,7 +13160,7 @@
           <p:cNvPr id="44" name="Straight Arrow Connector 43">
             <a:extLst>
               <a:ext uri="{FF2B5EF4-FFF2-40B4-BE49-F238E27FC236}">
-                <a16:creationId xmlns:a16="http://schemas.microsoft.com/office/drawing/2014/main" xmlns="" id="{FAC7FE2F-9E85-4922-8F1D-1DA0B7475A40}"/>
+                <a16:creationId xmlns:a16="http://schemas.microsoft.com/office/drawing/2014/main" id="{FAC7FE2F-9E85-4922-8F1D-1DA0B7475A40}"/>
               </a:ext>
             </a:extLst>
           </p:cNvPr>
@@ -13281,7 +13183,7 @@
                 <a:lumMod val="50000"/>
               </a:schemeClr>
             </a:solidFill>
-            <a:tailEnd type="triangle"/>
+            <a:tailEnd type="stealth"/>
           </a:ln>
         </p:spPr>
         <p:style>
@@ -13304,7 +13206,7 @@
           <p:cNvPr id="46" name="TextBox 45">
             <a:extLst>
               <a:ext uri="{FF2B5EF4-FFF2-40B4-BE49-F238E27FC236}">
-                <a16:creationId xmlns:a16="http://schemas.microsoft.com/office/drawing/2014/main" xmlns="" id="{D5B73C21-336F-4331-B33C-52A964064D4B}"/>
+                <a16:creationId xmlns:a16="http://schemas.microsoft.com/office/drawing/2014/main" id="{D5B73C21-336F-4331-B33C-52A964064D4B}"/>
               </a:ext>
             </a:extLst>
           </p:cNvPr>
@@ -13475,7 +13377,7 @@
           <p:cNvPr id="47" name="TextBox 46">
             <a:extLst>
               <a:ext uri="{FF2B5EF4-FFF2-40B4-BE49-F238E27FC236}">
-                <a16:creationId xmlns:a16="http://schemas.microsoft.com/office/drawing/2014/main" xmlns="" id="{887CFEA2-3BFC-476C-9382-B3C61515BEFD}"/>
+                <a16:creationId xmlns:a16="http://schemas.microsoft.com/office/drawing/2014/main" id="{887CFEA2-3BFC-476C-9382-B3C61515BEFD}"/>
               </a:ext>
             </a:extLst>
           </p:cNvPr>
@@ -13660,14 +13562,6 @@
               </a:rPr>
               <a:t> 0;</a:t>
             </a:r>
-            <a:r>
-              <a:rPr lang="en-US" dirty="0">
-                <a:solidFill>
-                  <a:srgbClr val="002060"/>
-                </a:solidFill>
-              </a:rPr>
-              <a:t/>
-            </a:r>
             <a:br>
               <a:rPr lang="en-US" dirty="0">
                 <a:solidFill>
@@ -13722,7 +13616,7 @@
           <p:cNvPr id="50" name="TextBox 49">
             <a:extLst>
               <a:ext uri="{FF2B5EF4-FFF2-40B4-BE49-F238E27FC236}">
-                <a16:creationId xmlns:a16="http://schemas.microsoft.com/office/drawing/2014/main" xmlns="" id="{6390CDFC-AB12-44C1-933E-518F274265C7}"/>
+                <a16:creationId xmlns:a16="http://schemas.microsoft.com/office/drawing/2014/main" id="{6390CDFC-AB12-44C1-933E-518F274265C7}"/>
               </a:ext>
             </a:extLst>
           </p:cNvPr>
@@ -13761,16 +13655,6 @@
               </a:rPr>
               <a:t>API:</a:t>
             </a:r>
-            <a:r>
-              <a:rPr lang="en-US" dirty="0">
-                <a:solidFill>
-                  <a:schemeClr val="bg1">
-                    <a:lumMod val="65000"/>
-                  </a:schemeClr>
-                </a:solidFill>
-              </a:rPr>
-              <a:t/>
-            </a:r>
             <a:br>
               <a:rPr lang="en-US" dirty="0">
                 <a:solidFill>
@@ -13851,7 +13735,7 @@
           <p:cNvPr id="51" name="Date Placeholder 50">
             <a:extLst>
               <a:ext uri="{FF2B5EF4-FFF2-40B4-BE49-F238E27FC236}">
-                <a16:creationId xmlns:a16="http://schemas.microsoft.com/office/drawing/2014/main" xmlns="" id="{DEE2B969-4479-479B-96FB-19FC271616E5}"/>
+                <a16:creationId xmlns:a16="http://schemas.microsoft.com/office/drawing/2014/main" id="{DEE2B969-4479-479B-96FB-19FC271616E5}"/>
               </a:ext>
             </a:extLst>
           </p:cNvPr>
@@ -13879,7 +13763,7 @@
           <p:cNvPr id="52" name="Footer Placeholder 51">
             <a:extLst>
               <a:ext uri="{FF2B5EF4-FFF2-40B4-BE49-F238E27FC236}">
-                <a16:creationId xmlns:a16="http://schemas.microsoft.com/office/drawing/2014/main" xmlns="" id="{2689BBD6-7537-44AB-8084-B6AE715D65CE}"/>
+                <a16:creationId xmlns:a16="http://schemas.microsoft.com/office/drawing/2014/main" id="{2689BBD6-7537-44AB-8084-B6AE715D65CE}"/>
               </a:ext>
             </a:extLst>
           </p:cNvPr>
@@ -13908,7 +13792,7 @@
           <p:cNvPr id="53" name="Slide Number Placeholder 52">
             <a:extLst>
               <a:ext uri="{FF2B5EF4-FFF2-40B4-BE49-F238E27FC236}">
-                <a16:creationId xmlns:a16="http://schemas.microsoft.com/office/drawing/2014/main" xmlns="" id="{E0F6BDC9-21DB-4077-9F62-10D1BB241A1E}"/>
+                <a16:creationId xmlns:a16="http://schemas.microsoft.com/office/drawing/2014/main" id="{E0F6BDC9-21DB-4077-9F62-10D1BB241A1E}"/>
               </a:ext>
             </a:extLst>
           </p:cNvPr>
@@ -13967,7 +13851,7 @@
           <p:cNvPr id="2" name="Title 1">
             <a:extLst>
               <a:ext uri="{FF2B5EF4-FFF2-40B4-BE49-F238E27FC236}">
-                <a16:creationId xmlns:a16="http://schemas.microsoft.com/office/drawing/2014/main" xmlns="" id="{2C1AA31F-FA64-497E-AF8B-F64827FAA8EC}"/>
+                <a16:creationId xmlns:a16="http://schemas.microsoft.com/office/drawing/2014/main" id="{2C1AA31F-FA64-497E-AF8B-F64827FAA8EC}"/>
               </a:ext>
             </a:extLst>
           </p:cNvPr>
@@ -13992,15 +13876,7 @@
           <a:p>
             <a:r>
               <a:rPr lang="en-US" sz="4000" b="1" dirty="0"/>
-              <a:t>Opaque </a:t>
-            </a:r>
-            <a:r>
-              <a:rPr lang="en-US" sz="4000" b="1" dirty="0" smtClean="0"/>
-              <a:t>pointers </a:t>
-            </a:r>
-            <a:r>
-              <a:rPr lang="en-US" sz="4000" b="1" dirty="0"/>
-              <a:t>(handles)</a:t>
+              <a:t>Opaque pointers (handles)</a:t>
             </a:r>
           </a:p>
         </p:txBody>
@@ -14010,7 +13886,7 @@
           <p:cNvPr id="3" name="Content Placeholder 2">
             <a:extLst>
               <a:ext uri="{FF2B5EF4-FFF2-40B4-BE49-F238E27FC236}">
-                <a16:creationId xmlns:a16="http://schemas.microsoft.com/office/drawing/2014/main" xmlns="" id="{6F3F7D1C-3333-49EC-A8CF-501A1E16E840}"/>
+                <a16:creationId xmlns:a16="http://schemas.microsoft.com/office/drawing/2014/main" id="{6F3F7D1C-3333-49EC-A8CF-501A1E16E840}"/>
               </a:ext>
             </a:extLst>
           </p:cNvPr>
@@ -14088,7 +13964,7 @@
           <p:cNvPr id="4" name="TextBox 3">
             <a:extLst>
               <a:ext uri="{FF2B5EF4-FFF2-40B4-BE49-F238E27FC236}">
-                <a16:creationId xmlns:a16="http://schemas.microsoft.com/office/drawing/2014/main" xmlns="" id="{6D374D68-68E4-49F4-A780-4CE25F090E6A}"/>
+                <a16:creationId xmlns:a16="http://schemas.microsoft.com/office/drawing/2014/main" id="{6D374D68-68E4-49F4-A780-4CE25F090E6A}"/>
               </a:ext>
             </a:extLst>
           </p:cNvPr>
@@ -14145,7 +14021,7 @@
           <p:cNvPr id="6" name="TextBox 5">
             <a:extLst>
               <a:ext uri="{FF2B5EF4-FFF2-40B4-BE49-F238E27FC236}">
-                <a16:creationId xmlns:a16="http://schemas.microsoft.com/office/drawing/2014/main" xmlns="" id="{E1C640D7-179A-434B-8726-DEEE7DE3DB98}"/>
+                <a16:creationId xmlns:a16="http://schemas.microsoft.com/office/drawing/2014/main" id="{E1C640D7-179A-434B-8726-DEEE7DE3DB98}"/>
               </a:ext>
             </a:extLst>
           </p:cNvPr>
@@ -14201,7 +14077,7 @@
           <p:cNvPr id="9" name="TextBox 8">
             <a:extLst>
               <a:ext uri="{FF2B5EF4-FFF2-40B4-BE49-F238E27FC236}">
-                <a16:creationId xmlns:a16="http://schemas.microsoft.com/office/drawing/2014/main" xmlns="" id="{2696463F-3188-416E-918D-04863A93ABF4}"/>
+                <a16:creationId xmlns:a16="http://schemas.microsoft.com/office/drawing/2014/main" id="{2696463F-3188-416E-918D-04863A93ABF4}"/>
               </a:ext>
             </a:extLst>
           </p:cNvPr>
@@ -14251,14 +14127,6 @@
                 </a:solidFill>
               </a:rPr>
             </a:br>
-            <a:r>
-              <a:rPr lang="en-US" dirty="0">
-                <a:solidFill>
-                  <a:srgbClr val="002060"/>
-                </a:solidFill>
-              </a:rPr>
-              <a:t/>
-            </a:r>
             <a:br>
               <a:rPr lang="en-US" dirty="0">
                 <a:solidFill>
@@ -14345,7 +14213,7 @@
           <p:cNvPr id="11" name="TextBox 10">
             <a:extLst>
               <a:ext uri="{FF2B5EF4-FFF2-40B4-BE49-F238E27FC236}">
-                <a16:creationId xmlns:a16="http://schemas.microsoft.com/office/drawing/2014/main" xmlns="" id="{CB10CC76-4A26-4352-844C-5CAB1C27DB86}"/>
+                <a16:creationId xmlns:a16="http://schemas.microsoft.com/office/drawing/2014/main" id="{CB10CC76-4A26-4352-844C-5CAB1C27DB86}"/>
               </a:ext>
             </a:extLst>
           </p:cNvPr>
@@ -14504,7 +14372,7 @@
           <p:cNvPr id="14" name="TextBox 13">
             <a:extLst>
               <a:ext uri="{FF2B5EF4-FFF2-40B4-BE49-F238E27FC236}">
-                <a16:creationId xmlns:a16="http://schemas.microsoft.com/office/drawing/2014/main" xmlns="" id="{0B038371-5283-4AFF-99FA-FB3D2D4ED55C}"/>
+                <a16:creationId xmlns:a16="http://schemas.microsoft.com/office/drawing/2014/main" id="{0B038371-5283-4AFF-99FA-FB3D2D4ED55C}"/>
               </a:ext>
             </a:extLst>
           </p:cNvPr>
@@ -14572,7 +14440,7 @@
           <p:cNvPr id="15" name="TextBox 14">
             <a:extLst>
               <a:ext uri="{FF2B5EF4-FFF2-40B4-BE49-F238E27FC236}">
-                <a16:creationId xmlns:a16="http://schemas.microsoft.com/office/drawing/2014/main" xmlns="" id="{8940EE4C-B6EC-4D9E-BF43-76CC7E636F42}"/>
+                <a16:creationId xmlns:a16="http://schemas.microsoft.com/office/drawing/2014/main" id="{8940EE4C-B6EC-4D9E-BF43-76CC7E636F42}"/>
               </a:ext>
             </a:extLst>
           </p:cNvPr>
@@ -14603,10 +14471,6 @@
               <a:rPr lang="ru-RU" b="1" dirty="0"/>
               <a:t>дескриптор) — </a:t>
             </a:r>
-            <a:r>
-              <a:rPr lang="ru-RU" dirty="0"/>
-              <a:t/>
-            </a:r>
             <a:br>
               <a:rPr lang="ru-RU" dirty="0"/>
             </a:br>
@@ -14630,7 +14494,7 @@
           <p:cNvPr id="18" name="Arc 17">
             <a:extLst>
               <a:ext uri="{FF2B5EF4-FFF2-40B4-BE49-F238E27FC236}">
-                <a16:creationId xmlns:a16="http://schemas.microsoft.com/office/drawing/2014/main" xmlns="" id="{93A7995F-1489-472F-8637-6DC3AC0065CC}"/>
+                <a16:creationId xmlns:a16="http://schemas.microsoft.com/office/drawing/2014/main" id="{93A7995F-1489-472F-8637-6DC3AC0065CC}"/>
               </a:ext>
             </a:extLst>
           </p:cNvPr>
@@ -14685,7 +14549,7 @@
           <p:cNvPr id="22" name="Connector: Curved 21">
             <a:extLst>
               <a:ext uri="{FF2B5EF4-FFF2-40B4-BE49-F238E27FC236}">
-                <a16:creationId xmlns:a16="http://schemas.microsoft.com/office/drawing/2014/main" xmlns="" id="{4EE3D5D8-691B-499A-91B3-C32FE48216C3}"/>
+                <a16:creationId xmlns:a16="http://schemas.microsoft.com/office/drawing/2014/main" id="{4EE3D5D8-691B-499A-91B3-C32FE48216C3}"/>
               </a:ext>
             </a:extLst>
           </p:cNvPr>
@@ -14733,7 +14597,7 @@
           <p:cNvPr id="28" name="Date Placeholder 27">
             <a:extLst>
               <a:ext uri="{FF2B5EF4-FFF2-40B4-BE49-F238E27FC236}">
-                <a16:creationId xmlns:a16="http://schemas.microsoft.com/office/drawing/2014/main" xmlns="" id="{6885662C-90E2-4424-9379-5FB742B4620E}"/>
+                <a16:creationId xmlns:a16="http://schemas.microsoft.com/office/drawing/2014/main" id="{6885662C-90E2-4424-9379-5FB742B4620E}"/>
               </a:ext>
             </a:extLst>
           </p:cNvPr>
@@ -14761,7 +14625,7 @@
           <p:cNvPr id="29" name="Footer Placeholder 28">
             <a:extLst>
               <a:ext uri="{FF2B5EF4-FFF2-40B4-BE49-F238E27FC236}">
-                <a16:creationId xmlns:a16="http://schemas.microsoft.com/office/drawing/2014/main" xmlns="" id="{8B051371-3AD3-4A27-A51B-671B3D364853}"/>
+                <a16:creationId xmlns:a16="http://schemas.microsoft.com/office/drawing/2014/main" id="{8B051371-3AD3-4A27-A51B-671B3D364853}"/>
               </a:ext>
             </a:extLst>
           </p:cNvPr>
@@ -14790,7 +14654,7 @@
           <p:cNvPr id="30" name="Slide Number Placeholder 29">
             <a:extLst>
               <a:ext uri="{FF2B5EF4-FFF2-40B4-BE49-F238E27FC236}">
-                <a16:creationId xmlns:a16="http://schemas.microsoft.com/office/drawing/2014/main" xmlns="" id="{FB349684-143D-47E5-BE57-84622D23FB2E}"/>
+                <a16:creationId xmlns:a16="http://schemas.microsoft.com/office/drawing/2014/main" id="{FB349684-143D-47E5-BE57-84622D23FB2E}"/>
               </a:ext>
             </a:extLst>
           </p:cNvPr>
@@ -14849,7 +14713,7 @@
           <p:cNvPr id="2" name="Title 1">
             <a:extLst>
               <a:ext uri="{FF2B5EF4-FFF2-40B4-BE49-F238E27FC236}">
-                <a16:creationId xmlns:a16="http://schemas.microsoft.com/office/drawing/2014/main" xmlns="" id="{FB766D32-F2DF-4221-8A9F-A9044DD5BFA7}"/>
+                <a16:creationId xmlns:a16="http://schemas.microsoft.com/office/drawing/2014/main" id="{F23E5078-65FB-4919-9694-F630B85BB4B8}"/>
               </a:ext>
             </a:extLst>
           </p:cNvPr>
@@ -14862,19 +14726,50 @@
         </p:nvSpPr>
         <p:spPr>
           <a:xfrm>
-            <a:off x="628650" y="365126"/>
-            <a:ext cx="7886700" cy="1200683"/>
+            <a:off x="628650" y="365127"/>
+            <a:ext cx="7886700" cy="1107624"/>
           </a:xfrm>
         </p:spPr>
         <p:txBody>
-          <a:bodyPr/>
-          <a:lstStyle/>
-          <a:p>
-            <a:r>
-              <a:rPr lang="ru-RU" b="1" dirty="0"/>
-              <a:t>Указатели на функции (1)</a:t>
-            </a:r>
-            <a:endParaRPr lang="en-US" b="1" dirty="0"/>
+          <a:bodyPr>
+            <a:normAutofit/>
+          </a:bodyPr>
+          <a:lstStyle/>
+          <a:p>
+            <a:r>
+              <a:rPr lang="en-US" sz="4000" b="1" dirty="0"/>
+              <a:t>Opaque pointers </a:t>
+            </a:r>
+            <a:r>
+              <a:rPr lang="en-US" sz="4000" dirty="0">
+                <a:solidFill>
+                  <a:schemeClr val="bg1">
+                    <a:lumMod val="50000"/>
+                  </a:schemeClr>
+                </a:solidFill>
+              </a:rPr>
+              <a:t>[</a:t>
+            </a:r>
+            <a:r>
+              <a:rPr lang="ru-RU" sz="4000" dirty="0">
+                <a:solidFill>
+                  <a:schemeClr val="bg1">
+                    <a:lumMod val="50000"/>
+                  </a:schemeClr>
+                </a:solidFill>
+              </a:rPr>
+              <a:t>продолж.</a:t>
+            </a:r>
+            <a:r>
+              <a:rPr lang="en-US" sz="4000" dirty="0">
+                <a:solidFill>
+                  <a:schemeClr val="bg1">
+                    <a:lumMod val="50000"/>
+                  </a:schemeClr>
+                </a:solidFill>
+              </a:rPr>
+              <a:t>]</a:t>
+            </a:r>
           </a:p>
         </p:txBody>
       </p:sp>
@@ -14883,7 +14778,7 @@
           <p:cNvPr id="3" name="Content Placeholder 2">
             <a:extLst>
               <a:ext uri="{FF2B5EF4-FFF2-40B4-BE49-F238E27FC236}">
-                <a16:creationId xmlns:a16="http://schemas.microsoft.com/office/drawing/2014/main" xmlns="" id="{E98BA529-8D1E-4A0F-BEDD-DF00A650FEC9}"/>
+                <a16:creationId xmlns:a16="http://schemas.microsoft.com/office/drawing/2014/main" id="{8A2ED432-150A-40B9-B0CC-A58A3FE3B11C}"/>
               </a:ext>
             </a:extLst>
           </p:cNvPr>
@@ -14896,8 +14791,8 @@
         </p:nvSpPr>
         <p:spPr>
           <a:xfrm>
-            <a:off x="628650" y="1565809"/>
-            <a:ext cx="7048154" cy="1817208"/>
+            <a:off x="628650" y="1525349"/>
+            <a:ext cx="7886700" cy="4705576"/>
           </a:xfrm>
         </p:spPr>
         <p:txBody>
@@ -14906,57 +14801,589 @@
           </a:bodyPr>
           <a:lstStyle/>
           <a:p>
-            <a:pPr marL="457200" indent="-457200">
-              <a:buFont typeface="+mj-lt"/>
-              <a:buAutoNum type="arabicPeriod"/>
-            </a:pPr>
-            <a:r>
-              <a:rPr lang="ru-RU" sz="2000" dirty="0"/>
-              <a:t>Функция является блоком кода.</a:t>
-            </a:r>
-          </a:p>
-          <a:p>
-            <a:pPr marL="457200" indent="-457200">
-              <a:buFont typeface="+mj-lt"/>
-              <a:buAutoNum type="arabicPeriod"/>
-            </a:pPr>
-            <a:r>
-              <a:rPr lang="ru-RU" sz="2000" dirty="0"/>
-              <a:t>Код находится в памяти, т. е. имеет адрес.</a:t>
-            </a:r>
-          </a:p>
-          <a:p>
-            <a:pPr marL="457200" indent="-457200">
-              <a:buFont typeface="+mj-lt"/>
-              <a:buAutoNum type="arabicPeriod"/>
-            </a:pPr>
-            <a:r>
-              <a:rPr lang="ru-RU" sz="2000" dirty="0"/>
-              <a:t>Указатель хранит адрес.</a:t>
-            </a:r>
-          </a:p>
-          <a:p>
             <a:pPr marL="0" indent="0">
+              <a:lnSpc>
+                <a:spcPct val="100000"/>
+              </a:lnSpc>
               <a:buNone/>
             </a:pPr>
             <a:r>
-              <a:rPr lang="ru-RU" sz="2000" b="1" dirty="0"/>
-              <a:t>Следствие: </a:t>
-            </a:r>
-            <a:r>
-              <a:rPr lang="ru-RU" sz="2000" dirty="0"/>
-              <a:t>возможен указатель на функцию.</a:t>
-            </a:r>
-            <a:endParaRPr lang="en-US" sz="2000" dirty="0"/>
-          </a:p>
-        </p:txBody>
-      </p:sp>
-      <p:sp>
-        <p:nvSpPr>
-          <p:cNvPr id="5" name="TextBox 4">
-            <a:extLst>
-              <a:ext uri="{FF2B5EF4-FFF2-40B4-BE49-F238E27FC236}">
-                <a16:creationId xmlns:a16="http://schemas.microsoft.com/office/drawing/2014/main" xmlns="" id="{A435FA7A-3703-4D27-A378-8D2A0EC71990}"/>
+              <a:rPr lang="en-US" sz="2000" dirty="0">
+                <a:solidFill>
+                  <a:srgbClr val="002060"/>
+                </a:solidFill>
+              </a:rPr>
+              <a:t>Matrix* </a:t>
+            </a:r>
+            <a:r>
+              <a:rPr lang="en-US" sz="2000" dirty="0" err="1">
+                <a:solidFill>
+                  <a:srgbClr val="002060"/>
+                </a:solidFill>
+              </a:rPr>
+              <a:t>matrix_create</a:t>
+            </a:r>
+            <a:r>
+              <a:rPr lang="en-US" sz="2000" dirty="0">
+                <a:solidFill>
+                  <a:srgbClr val="002060"/>
+                </a:solidFill>
+              </a:rPr>
+              <a:t>(</a:t>
+            </a:r>
+            <a:r>
+              <a:rPr lang="en-US" sz="2000" b="1" dirty="0">
+                <a:solidFill>
+                  <a:srgbClr val="002060"/>
+                </a:solidFill>
+              </a:rPr>
+              <a:t>uint32_t </a:t>
+            </a:r>
+            <a:r>
+              <a:rPr lang="en-US" sz="2000" dirty="0">
+                <a:solidFill>
+                  <a:srgbClr val="002060"/>
+                </a:solidFill>
+              </a:rPr>
+              <a:t>rows, </a:t>
+            </a:r>
+            <a:r>
+              <a:rPr lang="en-US" sz="2000" b="1" dirty="0">
+                <a:solidFill>
+                  <a:srgbClr val="002060"/>
+                </a:solidFill>
+              </a:rPr>
+              <a:t>uint32_t</a:t>
+            </a:r>
+            <a:r>
+              <a:rPr lang="en-US" sz="2000" dirty="0">
+                <a:solidFill>
+                  <a:srgbClr val="002060"/>
+                </a:solidFill>
+              </a:rPr>
+              <a:t> cols)</a:t>
+            </a:r>
+            <a:br>
+              <a:rPr lang="en-US" sz="2000" dirty="0">
+                <a:solidFill>
+                  <a:srgbClr val="002060"/>
+                </a:solidFill>
+              </a:rPr>
+            </a:br>
+            <a:r>
+              <a:rPr lang="en-US" sz="2000" dirty="0">
+                <a:solidFill>
+                  <a:srgbClr val="002060"/>
+                </a:solidFill>
+              </a:rPr>
+              <a:t>{</a:t>
+            </a:r>
+            <a:br>
+              <a:rPr lang="en-US" sz="2000" dirty="0">
+                <a:solidFill>
+                  <a:srgbClr val="002060"/>
+                </a:solidFill>
+              </a:rPr>
+            </a:br>
+            <a:r>
+              <a:rPr lang="en-US" sz="2000" dirty="0">
+                <a:solidFill>
+                  <a:srgbClr val="002060"/>
+                </a:solidFill>
+              </a:rPr>
+              <a:t>	Matrix* m = (Matrix*)malloc(</a:t>
+            </a:r>
+            <a:r>
+              <a:rPr lang="en-US" sz="2000" b="1" dirty="0" err="1">
+                <a:solidFill>
+                  <a:srgbClr val="002060"/>
+                </a:solidFill>
+              </a:rPr>
+              <a:t>sizeof</a:t>
+            </a:r>
+            <a:r>
+              <a:rPr lang="en-US" sz="2000" dirty="0">
+                <a:solidFill>
+                  <a:srgbClr val="002060"/>
+                </a:solidFill>
+              </a:rPr>
+              <a:t>(*m));</a:t>
+            </a:r>
+            <a:br>
+              <a:rPr lang="en-US" sz="2000" dirty="0">
+                <a:solidFill>
+                  <a:srgbClr val="002060"/>
+                </a:solidFill>
+              </a:rPr>
+            </a:br>
+            <a:r>
+              <a:rPr lang="en-US" sz="2000" dirty="0">
+                <a:solidFill>
+                  <a:srgbClr val="002060"/>
+                </a:solidFill>
+              </a:rPr>
+              <a:t>	</a:t>
+            </a:r>
+            <a:r>
+              <a:rPr lang="en-US" sz="2000" b="1" dirty="0">
+                <a:solidFill>
+                  <a:srgbClr val="002060"/>
+                </a:solidFill>
+              </a:rPr>
+              <a:t>if</a:t>
+            </a:r>
+            <a:r>
+              <a:rPr lang="en-US" sz="2000" dirty="0">
+                <a:solidFill>
+                  <a:srgbClr val="002060"/>
+                </a:solidFill>
+              </a:rPr>
+              <a:t> (m == </a:t>
+            </a:r>
+            <a:r>
+              <a:rPr lang="en-US" sz="2000" b="1" dirty="0" err="1">
+                <a:solidFill>
+                  <a:srgbClr val="002060"/>
+                </a:solidFill>
+              </a:rPr>
+              <a:t>nullptr</a:t>
+            </a:r>
+            <a:r>
+              <a:rPr lang="en-US" sz="2000" dirty="0">
+                <a:solidFill>
+                  <a:srgbClr val="002060"/>
+                </a:solidFill>
+              </a:rPr>
+              <a:t>) {</a:t>
+            </a:r>
+            <a:br>
+              <a:rPr lang="en-US" sz="2000" dirty="0">
+                <a:solidFill>
+                  <a:srgbClr val="002060"/>
+                </a:solidFill>
+              </a:rPr>
+            </a:br>
+            <a:r>
+              <a:rPr lang="en-US" sz="2000" dirty="0">
+                <a:solidFill>
+                  <a:srgbClr val="002060"/>
+                </a:solidFill>
+              </a:rPr>
+              <a:t>		</a:t>
+            </a:r>
+            <a:r>
+              <a:rPr lang="en-US" sz="2000" b="1" dirty="0">
+                <a:solidFill>
+                  <a:srgbClr val="002060"/>
+                </a:solidFill>
+              </a:rPr>
+              <a:t>return</a:t>
+            </a:r>
+            <a:r>
+              <a:rPr lang="en-US" sz="2000" dirty="0">
+                <a:solidFill>
+                  <a:srgbClr val="002060"/>
+                </a:solidFill>
+              </a:rPr>
+              <a:t> </a:t>
+            </a:r>
+            <a:r>
+              <a:rPr lang="en-US" sz="2000" b="1" dirty="0" err="1">
+                <a:solidFill>
+                  <a:srgbClr val="002060"/>
+                </a:solidFill>
+              </a:rPr>
+              <a:t>nullptr</a:t>
+            </a:r>
+            <a:r>
+              <a:rPr lang="en-US" sz="2000" dirty="0">
+                <a:solidFill>
+                  <a:srgbClr val="002060"/>
+                </a:solidFill>
+              </a:rPr>
+              <a:t>;</a:t>
+            </a:r>
+            <a:br>
+              <a:rPr lang="en-US" sz="2000" dirty="0">
+                <a:solidFill>
+                  <a:srgbClr val="002060"/>
+                </a:solidFill>
+              </a:rPr>
+            </a:br>
+            <a:r>
+              <a:rPr lang="en-US" sz="2000" dirty="0">
+                <a:solidFill>
+                  <a:srgbClr val="002060"/>
+                </a:solidFill>
+              </a:rPr>
+              <a:t>	}</a:t>
+            </a:r>
+            <a:br>
+              <a:rPr lang="en-US" sz="2000" dirty="0">
+                <a:solidFill>
+                  <a:srgbClr val="002060"/>
+                </a:solidFill>
+              </a:rPr>
+            </a:br>
+            <a:r>
+              <a:rPr lang="en-US" sz="2000" dirty="0">
+                <a:solidFill>
+                  <a:srgbClr val="002060"/>
+                </a:solidFill>
+              </a:rPr>
+              <a:t>	m-&gt;data = (</a:t>
+            </a:r>
+            <a:r>
+              <a:rPr lang="en-US" sz="2000" b="1" dirty="0">
+                <a:solidFill>
+                  <a:srgbClr val="002060"/>
+                </a:solidFill>
+              </a:rPr>
+              <a:t>double</a:t>
+            </a:r>
+            <a:r>
+              <a:rPr lang="en-US" sz="2000" dirty="0">
+                <a:solidFill>
+                  <a:srgbClr val="002060"/>
+                </a:solidFill>
+              </a:rPr>
+              <a:t>*)</a:t>
+            </a:r>
+            <a:r>
+              <a:rPr lang="en-US" sz="2000" dirty="0" err="1">
+                <a:solidFill>
+                  <a:srgbClr val="002060"/>
+                </a:solidFill>
+              </a:rPr>
+              <a:t>calloc</a:t>
+            </a:r>
+            <a:r>
+              <a:rPr lang="en-US" sz="2000" dirty="0">
+                <a:solidFill>
+                  <a:srgbClr val="002060"/>
+                </a:solidFill>
+              </a:rPr>
+              <a:t>(rows * cols, </a:t>
+            </a:r>
+            <a:r>
+              <a:rPr lang="en-US" sz="2000" b="1" dirty="0" err="1">
+                <a:solidFill>
+                  <a:srgbClr val="002060"/>
+                </a:solidFill>
+              </a:rPr>
+              <a:t>sizeof</a:t>
+            </a:r>
+            <a:r>
+              <a:rPr lang="en-US" sz="2000" dirty="0">
+                <a:solidFill>
+                  <a:srgbClr val="002060"/>
+                </a:solidFill>
+              </a:rPr>
+              <a:t>(</a:t>
+            </a:r>
+            <a:r>
+              <a:rPr lang="en-US" sz="2000" b="1" dirty="0">
+                <a:solidFill>
+                  <a:srgbClr val="002060"/>
+                </a:solidFill>
+              </a:rPr>
+              <a:t>double</a:t>
+            </a:r>
+            <a:r>
+              <a:rPr lang="en-US" sz="2000" dirty="0">
+                <a:solidFill>
+                  <a:srgbClr val="002060"/>
+                </a:solidFill>
+              </a:rPr>
+              <a:t>));</a:t>
+            </a:r>
+            <a:br>
+              <a:rPr lang="en-US" sz="2000" dirty="0">
+                <a:solidFill>
+                  <a:srgbClr val="002060"/>
+                </a:solidFill>
+              </a:rPr>
+            </a:br>
+            <a:r>
+              <a:rPr lang="en-US" sz="2000" dirty="0">
+                <a:solidFill>
+                  <a:srgbClr val="002060"/>
+                </a:solidFill>
+              </a:rPr>
+              <a:t>	if (m-&gt;data == </a:t>
+            </a:r>
+            <a:r>
+              <a:rPr lang="en-US" sz="2000" b="1" dirty="0" err="1">
+                <a:solidFill>
+                  <a:srgbClr val="002060"/>
+                </a:solidFill>
+              </a:rPr>
+              <a:t>nullptr</a:t>
+            </a:r>
+            <a:r>
+              <a:rPr lang="en-US" sz="2000" dirty="0">
+                <a:solidFill>
+                  <a:srgbClr val="002060"/>
+                </a:solidFill>
+              </a:rPr>
+              <a:t>) {</a:t>
+            </a:r>
+            <a:br>
+              <a:rPr lang="en-US" sz="2000" dirty="0">
+                <a:solidFill>
+                  <a:srgbClr val="002060"/>
+                </a:solidFill>
+              </a:rPr>
+            </a:br>
+            <a:r>
+              <a:rPr lang="en-US" sz="2000" dirty="0">
+                <a:solidFill>
+                  <a:srgbClr val="002060"/>
+                </a:solidFill>
+              </a:rPr>
+              <a:t>		</a:t>
+            </a:r>
+            <a:r>
+              <a:rPr lang="en-US" sz="2000" dirty="0">
+                <a:solidFill>
+                  <a:srgbClr val="00B050"/>
+                </a:solidFill>
+              </a:rPr>
+              <a:t>free(m);</a:t>
+            </a:r>
+            <a:br>
+              <a:rPr lang="en-US" sz="2000" dirty="0">
+                <a:solidFill>
+                  <a:srgbClr val="002060"/>
+                </a:solidFill>
+              </a:rPr>
+            </a:br>
+            <a:r>
+              <a:rPr lang="en-US" sz="2000" dirty="0">
+                <a:solidFill>
+                  <a:srgbClr val="002060"/>
+                </a:solidFill>
+              </a:rPr>
+              <a:t>		</a:t>
+            </a:r>
+            <a:r>
+              <a:rPr lang="en-US" sz="2000" b="1" dirty="0">
+                <a:solidFill>
+                  <a:srgbClr val="002060"/>
+                </a:solidFill>
+              </a:rPr>
+              <a:t>return</a:t>
+            </a:r>
+            <a:r>
+              <a:rPr lang="en-US" sz="2000" dirty="0">
+                <a:solidFill>
+                  <a:srgbClr val="002060"/>
+                </a:solidFill>
+              </a:rPr>
+              <a:t> </a:t>
+            </a:r>
+            <a:r>
+              <a:rPr lang="en-US" sz="2000" b="1" dirty="0" err="1">
+                <a:solidFill>
+                  <a:srgbClr val="002060"/>
+                </a:solidFill>
+              </a:rPr>
+              <a:t>nullptr</a:t>
+            </a:r>
+            <a:r>
+              <a:rPr lang="en-US" sz="2000" dirty="0">
+                <a:solidFill>
+                  <a:srgbClr val="002060"/>
+                </a:solidFill>
+              </a:rPr>
+              <a:t>;</a:t>
+            </a:r>
+            <a:br>
+              <a:rPr lang="en-US" sz="2000" dirty="0">
+                <a:solidFill>
+                  <a:srgbClr val="002060"/>
+                </a:solidFill>
+              </a:rPr>
+            </a:br>
+            <a:r>
+              <a:rPr lang="en-US" sz="2000" dirty="0">
+                <a:solidFill>
+                  <a:srgbClr val="002060"/>
+                </a:solidFill>
+              </a:rPr>
+              <a:t>	}</a:t>
+            </a:r>
+            <a:br>
+              <a:rPr lang="en-US" sz="2000" dirty="0">
+                <a:solidFill>
+                  <a:srgbClr val="002060"/>
+                </a:solidFill>
+              </a:rPr>
+            </a:br>
+            <a:r>
+              <a:rPr lang="en-US" sz="2000" dirty="0">
+                <a:solidFill>
+                  <a:srgbClr val="002060"/>
+                </a:solidFill>
+              </a:rPr>
+              <a:t>	m-&gt;rows = rows;</a:t>
+            </a:r>
+            <a:br>
+              <a:rPr lang="en-US" sz="2000" dirty="0">
+                <a:solidFill>
+                  <a:srgbClr val="002060"/>
+                </a:solidFill>
+              </a:rPr>
+            </a:br>
+            <a:r>
+              <a:rPr lang="en-US" sz="2000" dirty="0">
+                <a:solidFill>
+                  <a:srgbClr val="002060"/>
+                </a:solidFill>
+              </a:rPr>
+              <a:t>	m-&gt;cols = cols;</a:t>
+            </a:r>
+            <a:br>
+              <a:rPr lang="en-US" sz="2000" dirty="0">
+                <a:solidFill>
+                  <a:srgbClr val="002060"/>
+                </a:solidFill>
+              </a:rPr>
+            </a:br>
+            <a:r>
+              <a:rPr lang="en-US" sz="2000" dirty="0">
+                <a:solidFill>
+                  <a:srgbClr val="002060"/>
+                </a:solidFill>
+              </a:rPr>
+              <a:t>	</a:t>
+            </a:r>
+            <a:r>
+              <a:rPr lang="en-US" sz="2000" b="1" dirty="0">
+                <a:solidFill>
+                  <a:srgbClr val="002060"/>
+                </a:solidFill>
+              </a:rPr>
+              <a:t>return</a:t>
+            </a:r>
+            <a:r>
+              <a:rPr lang="en-US" sz="2000" dirty="0">
+                <a:solidFill>
+                  <a:srgbClr val="002060"/>
+                </a:solidFill>
+              </a:rPr>
+              <a:t> m;</a:t>
+            </a:r>
+            <a:br>
+              <a:rPr lang="en-US" sz="2000" dirty="0">
+                <a:solidFill>
+                  <a:srgbClr val="002060"/>
+                </a:solidFill>
+              </a:rPr>
+            </a:br>
+            <a:r>
+              <a:rPr lang="en-US" sz="2000" dirty="0">
+                <a:solidFill>
+                  <a:srgbClr val="002060"/>
+                </a:solidFill>
+              </a:rPr>
+              <a:t>}</a:t>
+            </a:r>
+          </a:p>
+        </p:txBody>
+      </p:sp>
+      <p:sp>
+        <p:nvSpPr>
+          <p:cNvPr id="4" name="Date Placeholder 3">
+            <a:extLst>
+              <a:ext uri="{FF2B5EF4-FFF2-40B4-BE49-F238E27FC236}">
+                <a16:creationId xmlns:a16="http://schemas.microsoft.com/office/drawing/2014/main" id="{7698FC33-8CCC-4A1D-AA82-63D770A46ED4}"/>
+              </a:ext>
+            </a:extLst>
+          </p:cNvPr>
+          <p:cNvSpPr>
+            <a:spLocks noGrp="1"/>
+          </p:cNvSpPr>
+          <p:nvPr>
+            <p:ph type="dt" sz="half" idx="10"/>
+          </p:nvPr>
+        </p:nvSpPr>
+        <p:spPr/>
+        <p:txBody>
+          <a:bodyPr/>
+          <a:lstStyle/>
+          <a:p>
+            <a:r>
+              <a:rPr lang="en-US"/>
+              <a:t>Весна 2021</a:t>
+            </a:r>
+          </a:p>
+        </p:txBody>
+      </p:sp>
+      <p:sp>
+        <p:nvSpPr>
+          <p:cNvPr id="5" name="Footer Placeholder 4">
+            <a:extLst>
+              <a:ext uri="{FF2B5EF4-FFF2-40B4-BE49-F238E27FC236}">
+                <a16:creationId xmlns:a16="http://schemas.microsoft.com/office/drawing/2014/main" id="{62F6423A-7AC5-45F5-910B-868A64C79164}"/>
+              </a:ext>
+            </a:extLst>
+          </p:cNvPr>
+          <p:cNvSpPr>
+            <a:spLocks noGrp="1"/>
+          </p:cNvSpPr>
+          <p:nvPr>
+            <p:ph type="ftr" sz="quarter" idx="11"/>
+          </p:nvPr>
+        </p:nvSpPr>
+        <p:spPr/>
+        <p:txBody>
+          <a:bodyPr/>
+          <a:lstStyle/>
+          <a:p>
+            <a:r>
+              <a:rPr lang="ru-RU"/>
+              <a:t>© кафедра УИТ НИУ «МЭИ»</a:t>
+            </a:r>
+            <a:endParaRPr lang="en-US"/>
+          </a:p>
+        </p:txBody>
+      </p:sp>
+      <p:sp>
+        <p:nvSpPr>
+          <p:cNvPr id="6" name="Slide Number Placeholder 5">
+            <a:extLst>
+              <a:ext uri="{FF2B5EF4-FFF2-40B4-BE49-F238E27FC236}">
+                <a16:creationId xmlns:a16="http://schemas.microsoft.com/office/drawing/2014/main" id="{F5FE14CE-6995-46B5-9E82-F64E0CFFE358}"/>
+              </a:ext>
+            </a:extLst>
+          </p:cNvPr>
+          <p:cNvSpPr>
+            <a:spLocks noGrp="1"/>
+          </p:cNvSpPr>
+          <p:nvPr>
+            <p:ph type="sldNum" sz="quarter" idx="12"/>
+          </p:nvPr>
+        </p:nvSpPr>
+        <p:spPr/>
+        <p:txBody>
+          <a:bodyPr/>
+          <a:lstStyle/>
+          <a:p>
+            <a:fld id="{6C0AB90F-BB76-49C5-86B7-99ECDA2A7A60}" type="slidenum">
+              <a:rPr lang="en-US" smtClean="0"/>
+              <a:t>22</a:t>
+            </a:fld>
+            <a:endParaRPr lang="en-US"/>
+          </a:p>
+        </p:txBody>
+      </p:sp>
+      <p:sp>
+        <p:nvSpPr>
+          <p:cNvPr id="7" name="TextBox 6">
+            <a:extLst>
+              <a:ext uri="{FF2B5EF4-FFF2-40B4-BE49-F238E27FC236}">
+                <a16:creationId xmlns:a16="http://schemas.microsoft.com/office/drawing/2014/main" id="{74572215-BDFA-415A-94F5-B80C3CA335BB}"/>
               </a:ext>
             </a:extLst>
           </p:cNvPr>
@@ -14965,8 +15392,8 @@
         </p:nvSpPr>
         <p:spPr>
           <a:xfrm>
-            <a:off x="628650" y="3378847"/>
-            <a:ext cx="7420493" cy="1913344"/>
+            <a:off x="4394670" y="5307595"/>
+            <a:ext cx="4120680" cy="923330"/>
           </a:xfrm>
           <a:prstGeom prst="rect">
             <a:avLst/>
@@ -14979,67 +15406,54 @@
           </a:bodyPr>
           <a:lstStyle/>
           <a:p>
-            <a:pPr marL="342900" indent="-342900">
-              <a:spcBef>
-                <a:spcPts val="1000"/>
-              </a:spcBef>
-              <a:buAutoNum type="arabicPeriod"/>
-            </a:pPr>
-            <a:r>
-              <a:rPr lang="ru-RU" sz="2000" dirty="0"/>
-              <a:t>Вызов функции — подготовка аргументов</a:t>
+            <a:r>
+              <a:rPr lang="ru-RU" dirty="0"/>
+              <a:t>Библиотеке доступно определение</a:t>
             </a:r>
             <a:br>
-              <a:rPr lang="ru-RU" sz="2000" dirty="0"/>
+              <a:rPr lang="ru-RU" dirty="0"/>
             </a:br>
             <a:r>
-              <a:rPr lang="ru-RU" sz="2000" dirty="0"/>
-              <a:t>	и передача управления по ее адресу.</a:t>
-            </a:r>
-          </a:p>
-          <a:p>
-            <a:pPr marL="342900" indent="-342900">
-              <a:spcBef>
-                <a:spcPts val="1000"/>
-              </a:spcBef>
-              <a:buAutoNum type="arabicPeriod"/>
-            </a:pPr>
-            <a:r>
-              <a:rPr lang="ru-RU" sz="2000" dirty="0"/>
-              <a:t>Указатель на функцию хранит ее адрес.</a:t>
-            </a:r>
-          </a:p>
-          <a:p>
-            <a:pPr>
-              <a:spcBef>
-                <a:spcPts val="1200"/>
-              </a:spcBef>
-            </a:pPr>
-            <a:r>
-              <a:rPr lang="ru-RU" sz="2000" b="1" dirty="0"/>
-              <a:t>Следствие: </a:t>
-            </a:r>
-            <a:r>
-              <a:rPr lang="ru-RU" sz="2000" dirty="0"/>
-              <a:t>имея указатель на функцию, ее можно вызвать,</a:t>
+              <a:rPr lang="en-US" b="1" dirty="0">
+                <a:solidFill>
+                  <a:srgbClr val="002060"/>
+                </a:solidFill>
+              </a:rPr>
+              <a:t>struct</a:t>
+            </a:r>
+            <a:r>
+              <a:rPr lang="en-US" dirty="0">
+                <a:solidFill>
+                  <a:srgbClr val="002060"/>
+                </a:solidFill>
+              </a:rPr>
+              <a:t> Matrix { … }</a:t>
+            </a:r>
+            <a:r>
+              <a:rPr lang="en-US" dirty="0"/>
+              <a:t>,</a:t>
+            </a:r>
+            <a:r>
+              <a:rPr lang="ru-RU" dirty="0"/>
+              <a:t> её функции могут</a:t>
             </a:r>
             <a:br>
-              <a:rPr lang="ru-RU" sz="2000" dirty="0"/>
+              <a:rPr lang="ru-RU" dirty="0"/>
             </a:br>
             <a:r>
-              <a:rPr lang="ru-RU" sz="2000" dirty="0"/>
-              <a:t>	даже не зная имени (но зная сигнатуру).</a:t>
-            </a:r>
-            <a:endParaRPr lang="en-US" sz="2000" dirty="0"/>
-          </a:p>
-        </p:txBody>
-      </p:sp>
-      <p:sp>
-        <p:nvSpPr>
-          <p:cNvPr id="6" name="TextBox 5">
-            <a:extLst>
-              <a:ext uri="{FF2B5EF4-FFF2-40B4-BE49-F238E27FC236}">
-                <a16:creationId xmlns:a16="http://schemas.microsoft.com/office/drawing/2014/main" xmlns="" id="{624106B0-875C-4B31-8CCC-1483FBED0815}"/>
+              <a:rPr lang="ru-RU" dirty="0"/>
+              <a:t>обращаться к полям структуры.</a:t>
+            </a:r>
+            <a:endParaRPr lang="en-US" dirty="0"/>
+          </a:p>
+        </p:txBody>
+      </p:sp>
+      <p:sp>
+        <p:nvSpPr>
+          <p:cNvPr id="8" name="TextBox 7">
+            <a:extLst>
+              <a:ext uri="{FF2B5EF4-FFF2-40B4-BE49-F238E27FC236}">
+                <a16:creationId xmlns:a16="http://schemas.microsoft.com/office/drawing/2014/main" id="{BEA2E4DA-91DD-4584-8D62-1337D5BD2D0C}"/>
               </a:ext>
             </a:extLst>
           </p:cNvPr>
@@ -15048,8 +15462,8 @@
         </p:nvSpPr>
         <p:spPr>
           <a:xfrm>
-            <a:off x="628650" y="5486400"/>
-            <a:ext cx="7349833" cy="707886"/>
+            <a:off x="5421811" y="4050064"/>
+            <a:ext cx="3093539" cy="923330"/>
           </a:xfrm>
           <a:prstGeom prst="rect">
             <a:avLst/>
@@ -15063,114 +15477,374 @@
           <a:lstStyle/>
           <a:p>
             <a:r>
-              <a:rPr lang="ru-RU" sz="2000" b="1" dirty="0"/>
-              <a:t>Вывод: </a:t>
-            </a:r>
-            <a:r>
-              <a:rPr lang="ru-RU" sz="2000" dirty="0"/>
-              <a:t>библиотека может вызвать функцию программы,</a:t>
+              <a:rPr lang="ru-RU" dirty="0"/>
+              <a:t>Если этого не сделать,</a:t>
             </a:r>
             <a:br>
-              <a:rPr lang="ru-RU" sz="2000" dirty="0"/>
+              <a:rPr lang="ru-RU" dirty="0"/>
             </a:br>
             <a:r>
-              <a:rPr lang="ru-RU" sz="2000" dirty="0"/>
-              <a:t>	если программа передаст библиотеке указатель на нее.</a:t>
-            </a:r>
-            <a:endParaRPr lang="en-US" sz="2000" dirty="0"/>
-          </a:p>
-        </p:txBody>
-      </p:sp>
-      <p:sp>
-        <p:nvSpPr>
-          <p:cNvPr id="8" name="Date Placeholder 7">
-            <a:extLst>
-              <a:ext uri="{FF2B5EF4-FFF2-40B4-BE49-F238E27FC236}">
-                <a16:creationId xmlns:a16="http://schemas.microsoft.com/office/drawing/2014/main" xmlns="" id="{B89AAF57-321A-4F6D-BF3D-CCF8B2B5CAA4}"/>
-              </a:ext>
-            </a:extLst>
-          </p:cNvPr>
-          <p:cNvSpPr>
-            <a:spLocks noGrp="1"/>
-          </p:cNvSpPr>
-          <p:nvPr>
-            <p:ph type="dt" sz="half" idx="10"/>
-          </p:nvPr>
-        </p:nvSpPr>
-        <p:spPr/>
-        <p:txBody>
-          <a:bodyPr/>
-          <a:lstStyle/>
-          <a:p>
-            <a:r>
-              <a:rPr lang="en-US"/>
-              <a:t>Весна 2021</a:t>
-            </a:r>
-          </a:p>
-        </p:txBody>
-      </p:sp>
-      <p:sp>
-        <p:nvSpPr>
-          <p:cNvPr id="9" name="Footer Placeholder 8">
-            <a:extLst>
-              <a:ext uri="{FF2B5EF4-FFF2-40B4-BE49-F238E27FC236}">
-                <a16:creationId xmlns:a16="http://schemas.microsoft.com/office/drawing/2014/main" xmlns="" id="{A6076237-76D7-44D2-9508-9EC86E4FA43D}"/>
-              </a:ext>
-            </a:extLst>
-          </p:cNvPr>
-          <p:cNvSpPr>
-            <a:spLocks noGrp="1"/>
-          </p:cNvSpPr>
-          <p:nvPr>
-            <p:ph type="ftr" sz="quarter" idx="11"/>
-          </p:nvPr>
-        </p:nvSpPr>
-        <p:spPr/>
-        <p:txBody>
-          <a:bodyPr/>
-          <a:lstStyle/>
-          <a:p>
-            <a:r>
-              <a:rPr lang="ru-RU"/>
-              <a:t>© кафедра УИТ НИУ «МЭИ»</a:t>
-            </a:r>
-            <a:endParaRPr lang="en-US"/>
-          </a:p>
-        </p:txBody>
-      </p:sp>
-      <p:sp>
-        <p:nvSpPr>
-          <p:cNvPr id="10" name="Slide Number Placeholder 9">
-            <a:extLst>
-              <a:ext uri="{FF2B5EF4-FFF2-40B4-BE49-F238E27FC236}">
-                <a16:creationId xmlns:a16="http://schemas.microsoft.com/office/drawing/2014/main" xmlns="" id="{B1582BAC-7EDE-4F2D-9008-1A1E0C0FBEAC}"/>
-              </a:ext>
-            </a:extLst>
-          </p:cNvPr>
-          <p:cNvSpPr>
-            <a:spLocks noGrp="1"/>
-          </p:cNvSpPr>
-          <p:nvPr>
-            <p:ph type="sldNum" sz="quarter" idx="12"/>
-          </p:nvPr>
-        </p:nvSpPr>
-        <p:spPr/>
-        <p:txBody>
-          <a:bodyPr/>
-          <a:lstStyle/>
-          <a:p>
-            <a:fld id="{6C0AB90F-BB76-49C5-86B7-99ECDA2A7A60}" type="slidenum">
-              <a:rPr lang="en-US" smtClean="0"/>
-              <a:t>22</a:t>
-            </a:fld>
-            <a:endParaRPr lang="en-US"/>
-          </a:p>
-        </p:txBody>
-      </p:sp>
+              <a:rPr lang="ru-RU" dirty="0"/>
+              <a:t>память под </a:t>
+            </a:r>
+            <a:r>
+              <a:rPr lang="en-US" dirty="0"/>
+              <a:t>Matrix</a:t>
+            </a:r>
+            <a:r>
+              <a:rPr lang="ru-RU" dirty="0"/>
+              <a:t> «утечет»</a:t>
+            </a:r>
+            <a:br>
+              <a:rPr lang="ru-RU" dirty="0"/>
+            </a:br>
+            <a:r>
+              <a:rPr lang="ru-RU" dirty="0"/>
+              <a:t>(</a:t>
+            </a:r>
+            <a:r>
+              <a:rPr lang="en-US" dirty="0"/>
+              <a:t>memory leak).</a:t>
+            </a:r>
+          </a:p>
+        </p:txBody>
+      </p:sp>
+      <p:sp>
+        <p:nvSpPr>
+          <p:cNvPr id="9" name="TextBox 8">
+            <a:extLst>
+              <a:ext uri="{FF2B5EF4-FFF2-40B4-BE49-F238E27FC236}">
+                <a16:creationId xmlns:a16="http://schemas.microsoft.com/office/drawing/2014/main" id="{F948578E-A1EA-4B6B-9DA2-900154DF8A33}"/>
+              </a:ext>
+            </a:extLst>
+          </p:cNvPr>
+          <p:cNvSpPr txBox="1"/>
+          <p:nvPr/>
+        </p:nvSpPr>
+        <p:spPr>
+          <a:xfrm>
+            <a:off x="5464653" y="2082470"/>
+            <a:ext cx="3050697" cy="1200329"/>
+          </a:xfrm>
+          <a:prstGeom prst="rect">
+            <a:avLst/>
+          </a:prstGeom>
+          <a:noFill/>
+        </p:spPr>
+        <p:txBody>
+          <a:bodyPr wrap="square" rtlCol="0">
+            <a:spAutoFit/>
+          </a:bodyPr>
+          <a:lstStyle/>
+          <a:p>
+            <a:pPr algn="r"/>
+            <a:r>
+              <a:rPr lang="ru-RU" dirty="0"/>
+              <a:t>Бибиотека </a:t>
+            </a:r>
+            <a:br>
+              <a:rPr lang="ru-RU" dirty="0"/>
+            </a:br>
+            <a:r>
+              <a:rPr lang="ru-RU" dirty="0"/>
+              <a:t>выделяет память</a:t>
+            </a:r>
+            <a:br>
+              <a:rPr lang="ru-RU" dirty="0"/>
+            </a:br>
+            <a:r>
+              <a:rPr lang="ru-RU" dirty="0"/>
+              <a:t>и под структуру,</a:t>
+            </a:r>
+            <a:br>
+              <a:rPr lang="ru-RU" dirty="0"/>
+            </a:br>
+            <a:r>
+              <a:rPr lang="ru-RU" dirty="0"/>
+              <a:t>и под элементы матрицы.</a:t>
+            </a:r>
+            <a:endParaRPr lang="en-US" dirty="0"/>
+          </a:p>
+        </p:txBody>
+      </p:sp>
+      <p:cxnSp>
+        <p:nvCxnSpPr>
+          <p:cNvPr id="11" name="Straight Arrow Connector 10">
+            <a:extLst>
+              <a:ext uri="{FF2B5EF4-FFF2-40B4-BE49-F238E27FC236}">
+                <a16:creationId xmlns:a16="http://schemas.microsoft.com/office/drawing/2014/main" id="{6DE92C91-36AB-4C12-9BBF-D95ECCBE740F}"/>
+              </a:ext>
+            </a:extLst>
+          </p:cNvPr>
+          <p:cNvCxnSpPr/>
+          <p:nvPr/>
+        </p:nvCxnSpPr>
+        <p:spPr>
+          <a:xfrm flipH="1" flipV="1">
+            <a:off x="4867359" y="2516623"/>
+            <a:ext cx="1735742" cy="335819"/>
+          </a:xfrm>
+          <a:prstGeom prst="straightConnector1">
+            <a:avLst/>
+          </a:prstGeom>
+          <a:ln w="19050">
+            <a:solidFill>
+              <a:schemeClr val="bg1">
+                <a:lumMod val="50000"/>
+              </a:schemeClr>
+            </a:solidFill>
+            <a:tailEnd type="stealth" w="lg" len="lg"/>
+          </a:ln>
+        </p:spPr>
+        <p:style>
+          <a:lnRef idx="1">
+            <a:schemeClr val="accent1"/>
+          </a:lnRef>
+          <a:fillRef idx="0">
+            <a:schemeClr val="accent1"/>
+          </a:fillRef>
+          <a:effectRef idx="0">
+            <a:schemeClr val="accent1"/>
+          </a:effectRef>
+          <a:fontRef idx="minor">
+            <a:schemeClr val="tx1"/>
+          </a:fontRef>
+        </p:style>
+      </p:cxnSp>
+      <p:cxnSp>
+        <p:nvCxnSpPr>
+          <p:cNvPr id="12" name="Straight Arrow Connector 11">
+            <a:extLst>
+              <a:ext uri="{FF2B5EF4-FFF2-40B4-BE49-F238E27FC236}">
+                <a16:creationId xmlns:a16="http://schemas.microsoft.com/office/drawing/2014/main" id="{C5E3B9EC-DE0B-4876-8466-CD04A892B14A}"/>
+              </a:ext>
+            </a:extLst>
+          </p:cNvPr>
+          <p:cNvCxnSpPr>
+            <a:cxnSpLocks/>
+          </p:cNvCxnSpPr>
+          <p:nvPr/>
+        </p:nvCxnSpPr>
+        <p:spPr>
+          <a:xfrm flipH="1">
+            <a:off x="4426343" y="3135664"/>
+            <a:ext cx="1140977" cy="272561"/>
+          </a:xfrm>
+          <a:prstGeom prst="straightConnector1">
+            <a:avLst/>
+          </a:prstGeom>
+          <a:ln w="19050">
+            <a:solidFill>
+              <a:schemeClr val="bg1">
+                <a:lumMod val="50000"/>
+              </a:schemeClr>
+            </a:solidFill>
+            <a:tailEnd type="stealth" w="lg" len="lg"/>
+          </a:ln>
+        </p:spPr>
+        <p:style>
+          <a:lnRef idx="1">
+            <a:schemeClr val="accent1"/>
+          </a:lnRef>
+          <a:fillRef idx="0">
+            <a:schemeClr val="accent1"/>
+          </a:fillRef>
+          <a:effectRef idx="0">
+            <a:schemeClr val="accent1"/>
+          </a:effectRef>
+          <a:fontRef idx="minor">
+            <a:schemeClr val="tx1"/>
+          </a:fontRef>
+        </p:style>
+      </p:cxnSp>
+      <p:cxnSp>
+        <p:nvCxnSpPr>
+          <p:cNvPr id="16" name="Straight Arrow Connector 15">
+            <a:extLst>
+              <a:ext uri="{FF2B5EF4-FFF2-40B4-BE49-F238E27FC236}">
+                <a16:creationId xmlns:a16="http://schemas.microsoft.com/office/drawing/2014/main" id="{F4AFE38A-C070-49F6-A262-87EDC98068A8}"/>
+              </a:ext>
+            </a:extLst>
+          </p:cNvPr>
+          <p:cNvCxnSpPr>
+            <a:cxnSpLocks/>
+          </p:cNvCxnSpPr>
+          <p:nvPr/>
+        </p:nvCxnSpPr>
+        <p:spPr>
+          <a:xfrm flipH="1" flipV="1">
+            <a:off x="3544312" y="4175490"/>
+            <a:ext cx="1877500" cy="46139"/>
+          </a:xfrm>
+          <a:prstGeom prst="straightConnector1">
+            <a:avLst/>
+          </a:prstGeom>
+          <a:ln w="19050">
+            <a:solidFill>
+              <a:schemeClr val="bg1">
+                <a:lumMod val="50000"/>
+              </a:schemeClr>
+            </a:solidFill>
+            <a:tailEnd type="stealth" w="lg" len="lg"/>
+          </a:ln>
+        </p:spPr>
+        <p:style>
+          <a:lnRef idx="1">
+            <a:schemeClr val="accent1"/>
+          </a:lnRef>
+          <a:fillRef idx="0">
+            <a:schemeClr val="accent1"/>
+          </a:fillRef>
+          <a:effectRef idx="0">
+            <a:schemeClr val="accent1"/>
+          </a:effectRef>
+          <a:fontRef idx="minor">
+            <a:schemeClr val="tx1"/>
+          </a:fontRef>
+        </p:style>
+      </p:cxnSp>
+      <p:cxnSp>
+        <p:nvCxnSpPr>
+          <p:cNvPr id="19" name="Straight Arrow Connector 18">
+            <a:extLst>
+              <a:ext uri="{FF2B5EF4-FFF2-40B4-BE49-F238E27FC236}">
+                <a16:creationId xmlns:a16="http://schemas.microsoft.com/office/drawing/2014/main" id="{3C81FFE9-4C20-4393-9AA2-22E7AB9F8CD1}"/>
+              </a:ext>
+            </a:extLst>
+          </p:cNvPr>
+          <p:cNvCxnSpPr>
+            <a:cxnSpLocks/>
+          </p:cNvCxnSpPr>
+          <p:nvPr/>
+        </p:nvCxnSpPr>
+        <p:spPr>
+          <a:xfrm flipH="1" flipV="1">
+            <a:off x="3409445" y="5412224"/>
+            <a:ext cx="1016898" cy="90359"/>
+          </a:xfrm>
+          <a:prstGeom prst="straightConnector1">
+            <a:avLst/>
+          </a:prstGeom>
+          <a:ln w="19050">
+            <a:solidFill>
+              <a:schemeClr val="bg1">
+                <a:lumMod val="50000"/>
+              </a:schemeClr>
+            </a:solidFill>
+            <a:tailEnd type="stealth" w="lg" len="lg"/>
+          </a:ln>
+        </p:spPr>
+        <p:style>
+          <a:lnRef idx="1">
+            <a:schemeClr val="accent1"/>
+          </a:lnRef>
+          <a:fillRef idx="0">
+            <a:schemeClr val="accent1"/>
+          </a:fillRef>
+          <a:effectRef idx="0">
+            <a:schemeClr val="accent1"/>
+          </a:effectRef>
+          <a:fontRef idx="minor">
+            <a:schemeClr val="tx1"/>
+          </a:fontRef>
+        </p:style>
+      </p:cxnSp>
+      <p:cxnSp>
+        <p:nvCxnSpPr>
+          <p:cNvPr id="21" name="Straight Arrow Connector 20">
+            <a:extLst>
+              <a:ext uri="{FF2B5EF4-FFF2-40B4-BE49-F238E27FC236}">
+                <a16:creationId xmlns:a16="http://schemas.microsoft.com/office/drawing/2014/main" id="{B1DFDDE1-F6FC-46E8-AA13-964968EC48F4}"/>
+              </a:ext>
+            </a:extLst>
+          </p:cNvPr>
+          <p:cNvCxnSpPr>
+            <a:cxnSpLocks/>
+          </p:cNvCxnSpPr>
+          <p:nvPr/>
+        </p:nvCxnSpPr>
+        <p:spPr>
+          <a:xfrm flipH="1" flipV="1">
+            <a:off x="3555102" y="5145759"/>
+            <a:ext cx="839568" cy="266465"/>
+          </a:xfrm>
+          <a:prstGeom prst="straightConnector1">
+            <a:avLst/>
+          </a:prstGeom>
+          <a:ln w="19050">
+            <a:solidFill>
+              <a:schemeClr val="bg1">
+                <a:lumMod val="50000"/>
+              </a:schemeClr>
+            </a:solidFill>
+            <a:tailEnd type="stealth" w="lg" len="lg"/>
+          </a:ln>
+        </p:spPr>
+        <p:style>
+          <a:lnRef idx="1">
+            <a:schemeClr val="accent1"/>
+          </a:lnRef>
+          <a:fillRef idx="0">
+            <a:schemeClr val="accent1"/>
+          </a:fillRef>
+          <a:effectRef idx="0">
+            <a:schemeClr val="accent1"/>
+          </a:effectRef>
+          <a:fontRef idx="minor">
+            <a:schemeClr val="tx1"/>
+          </a:fontRef>
+        </p:style>
+      </p:cxnSp>
+      <p:cxnSp>
+        <p:nvCxnSpPr>
+          <p:cNvPr id="23" name="Straight Arrow Connector 22">
+            <a:extLst>
+              <a:ext uri="{FF2B5EF4-FFF2-40B4-BE49-F238E27FC236}">
+                <a16:creationId xmlns:a16="http://schemas.microsoft.com/office/drawing/2014/main" id="{3CC4971A-9E7E-456A-B997-1FB2749CC7C5}"/>
+              </a:ext>
+            </a:extLst>
+          </p:cNvPr>
+          <p:cNvCxnSpPr>
+            <a:cxnSpLocks/>
+          </p:cNvCxnSpPr>
+          <p:nvPr/>
+        </p:nvCxnSpPr>
+        <p:spPr>
+          <a:xfrm flipH="1" flipV="1">
+            <a:off x="2145739" y="4050065"/>
+            <a:ext cx="2280604" cy="1282586"/>
+          </a:xfrm>
+          <a:prstGeom prst="straightConnector1">
+            <a:avLst/>
+          </a:prstGeom>
+          <a:ln w="19050">
+            <a:solidFill>
+              <a:schemeClr val="bg1">
+                <a:lumMod val="50000"/>
+              </a:schemeClr>
+            </a:solidFill>
+            <a:tailEnd type="stealth" w="lg" len="lg"/>
+          </a:ln>
+        </p:spPr>
+        <p:style>
+          <a:lnRef idx="1">
+            <a:schemeClr val="accent1"/>
+          </a:lnRef>
+          <a:fillRef idx="0">
+            <a:schemeClr val="accent1"/>
+          </a:fillRef>
+          <a:effectRef idx="0">
+            <a:schemeClr val="accent1"/>
+          </a:effectRef>
+          <a:fontRef idx="minor">
+            <a:schemeClr val="tx1"/>
+          </a:fontRef>
+        </p:style>
+      </p:cxnSp>
     </p:spTree>
     <p:extLst>
       <p:ext uri="{BB962C8B-B14F-4D97-AF65-F5344CB8AC3E}">
-        <p14:creationId xmlns:p14="http://schemas.microsoft.com/office/powerpoint/2010/main" val="4273265566"/>
+        <p14:creationId xmlns:p14="http://schemas.microsoft.com/office/powerpoint/2010/main" val="2686645838"/>
       </p:ext>
     </p:extLst>
   </p:cSld>
@@ -15202,7 +15876,7 @@
           <p:cNvPr id="2" name="Title 1">
             <a:extLst>
               <a:ext uri="{FF2B5EF4-FFF2-40B4-BE49-F238E27FC236}">
-                <a16:creationId xmlns:a16="http://schemas.microsoft.com/office/drawing/2014/main" xmlns="" id="{599EEA7C-1813-4ED7-B612-996C9E41A787}"/>
+                <a16:creationId xmlns:a16="http://schemas.microsoft.com/office/drawing/2014/main" id="{0ABFD76B-BF5F-4140-AC4F-83D715BA0BEF}"/>
               </a:ext>
             </a:extLst>
           </p:cNvPr>
@@ -15216,6 +15890,1415 @@
         <p:spPr>
           <a:xfrm>
             <a:off x="628650" y="365127"/>
+            <a:ext cx="7886700" cy="1127968"/>
+          </a:xfrm>
+        </p:spPr>
+        <p:txBody>
+          <a:bodyPr>
+            <a:normAutofit/>
+          </a:bodyPr>
+          <a:lstStyle/>
+          <a:p>
+            <a:r>
+              <a:rPr lang="ru-RU" sz="4000" b="1" dirty="0"/>
+              <a:t>Как такое реализовать?</a:t>
+            </a:r>
+            <a:endParaRPr lang="en-US" sz="4000" b="1" dirty="0"/>
+          </a:p>
+        </p:txBody>
+      </p:sp>
+      <p:sp>
+        <p:nvSpPr>
+          <p:cNvPr id="3" name="Content Placeholder 2">
+            <a:extLst>
+              <a:ext uri="{FF2B5EF4-FFF2-40B4-BE49-F238E27FC236}">
+                <a16:creationId xmlns:a16="http://schemas.microsoft.com/office/drawing/2014/main" id="{D75D5500-892E-4A00-B1AD-4BB39AA03005}"/>
+              </a:ext>
+            </a:extLst>
+          </p:cNvPr>
+          <p:cNvSpPr>
+            <a:spLocks noGrp="1"/>
+          </p:cNvSpPr>
+          <p:nvPr>
+            <p:ph idx="1"/>
+          </p:nvPr>
+        </p:nvSpPr>
+        <p:spPr>
+          <a:xfrm>
+            <a:off x="628650" y="1459913"/>
+            <a:ext cx="7886700" cy="1127968"/>
+          </a:xfrm>
+        </p:spPr>
+        <p:txBody>
+          <a:bodyPr>
+            <a:normAutofit/>
+          </a:bodyPr>
+          <a:lstStyle/>
+          <a:p>
+            <a:pPr marL="0" indent="0">
+              <a:lnSpc>
+                <a:spcPct val="100000"/>
+              </a:lnSpc>
+              <a:buNone/>
+            </a:pPr>
+            <a:r>
+              <a:rPr lang="ru-RU" sz="2400" dirty="0">
+                <a:solidFill>
+                  <a:srgbClr val="00B0F0"/>
+                </a:solidFill>
+              </a:rPr>
+              <a:t>// Выполнить </a:t>
+            </a:r>
+            <a:r>
+              <a:rPr lang="ru-RU" sz="2400" i="1" dirty="0">
+                <a:solidFill>
+                  <a:srgbClr val="7030A0"/>
+                </a:solidFill>
+              </a:rPr>
+              <a:t>операцию</a:t>
+            </a:r>
+            <a:r>
+              <a:rPr lang="ru-RU" sz="2400" dirty="0">
+                <a:solidFill>
+                  <a:srgbClr val="00B0F0"/>
+                </a:solidFill>
+              </a:rPr>
+              <a:t> над каждым элементом</a:t>
+            </a:r>
+            <a:r>
+              <a:rPr lang="en-US" sz="2400" dirty="0">
+                <a:solidFill>
+                  <a:srgbClr val="00B0F0"/>
+                </a:solidFill>
+              </a:rPr>
+              <a:t>.</a:t>
+            </a:r>
+            <a:endParaRPr lang="ru-RU" sz="2400" dirty="0">
+              <a:solidFill>
+                <a:srgbClr val="00B0F0"/>
+              </a:solidFill>
+            </a:endParaRPr>
+          </a:p>
+          <a:p>
+            <a:pPr marL="0" indent="0">
+              <a:lnSpc>
+                <a:spcPct val="100000"/>
+              </a:lnSpc>
+              <a:buNone/>
+            </a:pPr>
+            <a:r>
+              <a:rPr lang="en-US" sz="2400" b="1" dirty="0">
+                <a:solidFill>
+                  <a:srgbClr val="002060"/>
+                </a:solidFill>
+              </a:rPr>
+              <a:t>void</a:t>
+            </a:r>
+            <a:r>
+              <a:rPr lang="en-US" sz="2400" dirty="0">
+                <a:solidFill>
+                  <a:srgbClr val="002060"/>
+                </a:solidFill>
+              </a:rPr>
+              <a:t> </a:t>
+            </a:r>
+            <a:r>
+              <a:rPr lang="en-US" sz="2400" dirty="0" err="1">
+                <a:solidFill>
+                  <a:srgbClr val="002060"/>
+                </a:solidFill>
+              </a:rPr>
+              <a:t>matrix_op</a:t>
+            </a:r>
+            <a:r>
+              <a:rPr lang="en-US" sz="2400" dirty="0">
+                <a:solidFill>
+                  <a:srgbClr val="002060"/>
+                </a:solidFill>
+              </a:rPr>
+              <a:t>(</a:t>
+            </a:r>
+            <a:r>
+              <a:rPr lang="en-US" sz="2400" b="1" dirty="0">
+                <a:solidFill>
+                  <a:srgbClr val="002060"/>
+                </a:solidFill>
+              </a:rPr>
+              <a:t>const</a:t>
+            </a:r>
+            <a:r>
+              <a:rPr lang="en-US" sz="2400" dirty="0">
+                <a:solidFill>
+                  <a:srgbClr val="002060"/>
+                </a:solidFill>
+              </a:rPr>
+              <a:t> Matrix* m</a:t>
+            </a:r>
+            <a:r>
+              <a:rPr lang="en-US" sz="2400" b="1" dirty="0">
+                <a:solidFill>
+                  <a:srgbClr val="002060"/>
+                </a:solidFill>
+              </a:rPr>
+              <a:t>,</a:t>
+            </a:r>
+            <a:r>
+              <a:rPr lang="ru-RU" sz="2400" dirty="0">
+                <a:solidFill>
+                  <a:srgbClr val="002060"/>
+                </a:solidFill>
+              </a:rPr>
+              <a:t> </a:t>
+            </a:r>
+            <a:r>
+              <a:rPr lang="ru-RU" sz="2400" b="1" i="1" dirty="0">
+                <a:solidFill>
+                  <a:srgbClr val="7030A0"/>
+                </a:solidFill>
+              </a:rPr>
+              <a:t>операция</a:t>
+            </a:r>
+            <a:r>
+              <a:rPr lang="en-US" sz="2400" dirty="0">
+                <a:solidFill>
+                  <a:srgbClr val="002060"/>
+                </a:solidFill>
+              </a:rPr>
+              <a:t>)</a:t>
+            </a:r>
+            <a:r>
+              <a:rPr lang="en-US" sz="2400" b="1" dirty="0">
+                <a:solidFill>
+                  <a:srgbClr val="002060"/>
+                </a:solidFill>
+              </a:rPr>
+              <a:t>;</a:t>
+            </a:r>
+          </a:p>
+        </p:txBody>
+      </p:sp>
+      <p:sp>
+        <p:nvSpPr>
+          <p:cNvPr id="4" name="Date Placeholder 3">
+            <a:extLst>
+              <a:ext uri="{FF2B5EF4-FFF2-40B4-BE49-F238E27FC236}">
+                <a16:creationId xmlns:a16="http://schemas.microsoft.com/office/drawing/2014/main" id="{C488B8F6-B6E6-4276-B84B-0A8177023EC5}"/>
+              </a:ext>
+            </a:extLst>
+          </p:cNvPr>
+          <p:cNvSpPr>
+            <a:spLocks noGrp="1"/>
+          </p:cNvSpPr>
+          <p:nvPr>
+            <p:ph type="dt" sz="half" idx="10"/>
+          </p:nvPr>
+        </p:nvSpPr>
+        <p:spPr/>
+        <p:txBody>
+          <a:bodyPr/>
+          <a:lstStyle/>
+          <a:p>
+            <a:r>
+              <a:rPr lang="en-US"/>
+              <a:t>Весна 2021</a:t>
+            </a:r>
+          </a:p>
+        </p:txBody>
+      </p:sp>
+      <p:sp>
+        <p:nvSpPr>
+          <p:cNvPr id="5" name="Footer Placeholder 4">
+            <a:extLst>
+              <a:ext uri="{FF2B5EF4-FFF2-40B4-BE49-F238E27FC236}">
+                <a16:creationId xmlns:a16="http://schemas.microsoft.com/office/drawing/2014/main" id="{6868D3BD-E771-4714-AEA4-3FE7E755A5B1}"/>
+              </a:ext>
+            </a:extLst>
+          </p:cNvPr>
+          <p:cNvSpPr>
+            <a:spLocks noGrp="1"/>
+          </p:cNvSpPr>
+          <p:nvPr>
+            <p:ph type="ftr" sz="quarter" idx="11"/>
+          </p:nvPr>
+        </p:nvSpPr>
+        <p:spPr/>
+        <p:txBody>
+          <a:bodyPr/>
+          <a:lstStyle/>
+          <a:p>
+            <a:r>
+              <a:rPr lang="ru-RU"/>
+              <a:t>© кафедра УИТ НИУ «МЭИ»</a:t>
+            </a:r>
+            <a:endParaRPr lang="en-US"/>
+          </a:p>
+        </p:txBody>
+      </p:sp>
+      <p:sp>
+        <p:nvSpPr>
+          <p:cNvPr id="6" name="Slide Number Placeholder 5">
+            <a:extLst>
+              <a:ext uri="{FF2B5EF4-FFF2-40B4-BE49-F238E27FC236}">
+                <a16:creationId xmlns:a16="http://schemas.microsoft.com/office/drawing/2014/main" id="{62DFFC13-17C3-43CB-BE00-B00295A85370}"/>
+              </a:ext>
+            </a:extLst>
+          </p:cNvPr>
+          <p:cNvSpPr>
+            <a:spLocks noGrp="1"/>
+          </p:cNvSpPr>
+          <p:nvPr>
+            <p:ph type="sldNum" sz="quarter" idx="12"/>
+          </p:nvPr>
+        </p:nvSpPr>
+        <p:spPr/>
+        <p:txBody>
+          <a:bodyPr/>
+          <a:lstStyle/>
+          <a:p>
+            <a:fld id="{6C0AB90F-BB76-49C5-86B7-99ECDA2A7A60}" type="slidenum">
+              <a:rPr lang="en-US" smtClean="0"/>
+              <a:t>23</a:t>
+            </a:fld>
+            <a:endParaRPr lang="en-US"/>
+          </a:p>
+        </p:txBody>
+      </p:sp>
+      <p:sp>
+        <p:nvSpPr>
+          <p:cNvPr id="8" name="TextBox 7">
+            <a:extLst>
+              <a:ext uri="{FF2B5EF4-FFF2-40B4-BE49-F238E27FC236}">
+                <a16:creationId xmlns:a16="http://schemas.microsoft.com/office/drawing/2014/main" id="{939C0E53-6B9C-44EB-AED0-2FDAC823DFF5}"/>
+              </a:ext>
+            </a:extLst>
+          </p:cNvPr>
+          <p:cNvSpPr txBox="1"/>
+          <p:nvPr/>
+        </p:nvSpPr>
+        <p:spPr>
+          <a:xfrm>
+            <a:off x="628649" y="2743200"/>
+            <a:ext cx="7932723" cy="2585323"/>
+          </a:xfrm>
+          <a:prstGeom prst="rect">
+            <a:avLst/>
+          </a:prstGeom>
+          <a:noFill/>
+        </p:spPr>
+        <p:txBody>
+          <a:bodyPr wrap="square" rtlCol="0">
+            <a:spAutoFit/>
+          </a:bodyPr>
+          <a:lstStyle/>
+          <a:p>
+            <a:r>
+              <a:rPr lang="en-US" b="1" dirty="0">
+                <a:solidFill>
+                  <a:srgbClr val="7030A0"/>
+                </a:solidFill>
+              </a:rPr>
+              <a:t>void</a:t>
+            </a:r>
+            <a:r>
+              <a:rPr lang="en-US" dirty="0">
+                <a:solidFill>
+                  <a:srgbClr val="7030A0"/>
+                </a:solidFill>
+              </a:rPr>
+              <a:t> print(Matrix* </a:t>
+            </a:r>
+            <a:r>
+              <a:rPr lang="en-US" dirty="0">
+                <a:solidFill>
+                  <a:srgbClr val="00B050"/>
+                </a:solidFill>
+              </a:rPr>
+              <a:t>m</a:t>
+            </a:r>
+            <a:r>
+              <a:rPr lang="en-US" dirty="0">
+                <a:solidFill>
+                  <a:srgbClr val="7030A0"/>
+                </a:solidFill>
+              </a:rPr>
+              <a:t>, </a:t>
+            </a:r>
+            <a:r>
+              <a:rPr lang="en-US" b="1" dirty="0">
+                <a:solidFill>
+                  <a:srgbClr val="7030A0"/>
+                </a:solidFill>
+              </a:rPr>
+              <a:t>uint32</a:t>
+            </a:r>
+            <a:r>
+              <a:rPr lang="en-US" dirty="0">
+                <a:solidFill>
+                  <a:srgbClr val="7030A0"/>
+                </a:solidFill>
+              </a:rPr>
+              <a:t>_t </a:t>
+            </a:r>
+            <a:r>
+              <a:rPr lang="en-US" dirty="0" err="1">
+                <a:solidFill>
+                  <a:srgbClr val="7030A0"/>
+                </a:solidFill>
+              </a:rPr>
+              <a:t>i</a:t>
+            </a:r>
+            <a:r>
+              <a:rPr lang="en-US" b="1" dirty="0">
+                <a:solidFill>
+                  <a:srgbClr val="7030A0"/>
+                </a:solidFill>
+              </a:rPr>
+              <a:t>,</a:t>
+            </a:r>
+            <a:r>
+              <a:rPr lang="en-US" dirty="0">
+                <a:solidFill>
+                  <a:srgbClr val="7030A0"/>
+                </a:solidFill>
+              </a:rPr>
+              <a:t> </a:t>
+            </a:r>
+            <a:r>
+              <a:rPr lang="en-US" b="1" dirty="0">
+                <a:solidFill>
+                  <a:srgbClr val="7030A0"/>
+                </a:solidFill>
+              </a:rPr>
+              <a:t>uint32</a:t>
+            </a:r>
+            <a:r>
+              <a:rPr lang="en-US" dirty="0">
+                <a:solidFill>
+                  <a:srgbClr val="7030A0"/>
+                </a:solidFill>
+              </a:rPr>
+              <a:t>_t j) {</a:t>
+            </a:r>
+            <a:br>
+              <a:rPr lang="en-US" dirty="0">
+                <a:solidFill>
+                  <a:srgbClr val="7030A0"/>
+                </a:solidFill>
+              </a:rPr>
+            </a:br>
+            <a:r>
+              <a:rPr lang="en-US" dirty="0">
+                <a:solidFill>
+                  <a:srgbClr val="7030A0"/>
+                </a:solidFill>
+              </a:rPr>
+              <a:t>	</a:t>
+            </a:r>
+            <a:r>
+              <a:rPr lang="en-US" dirty="0" err="1">
+                <a:solidFill>
+                  <a:srgbClr val="7030A0"/>
+                </a:solidFill>
+              </a:rPr>
+              <a:t>cout</a:t>
+            </a:r>
+            <a:r>
+              <a:rPr lang="en-US" dirty="0">
+                <a:solidFill>
+                  <a:srgbClr val="7030A0"/>
+                </a:solidFill>
+              </a:rPr>
+              <a:t> &lt;&lt; "m[" &lt;&lt; </a:t>
+            </a:r>
+            <a:r>
+              <a:rPr lang="en-US" dirty="0" err="1">
+                <a:solidFill>
+                  <a:srgbClr val="7030A0"/>
+                </a:solidFill>
+              </a:rPr>
+              <a:t>i</a:t>
+            </a:r>
+            <a:r>
+              <a:rPr lang="en-US" dirty="0">
+                <a:solidFill>
+                  <a:srgbClr val="7030A0"/>
+                </a:solidFill>
+              </a:rPr>
+              <a:t> &lt;&lt; ", " &lt;&lt; j &lt;&lt; "] = " &lt;&lt; </a:t>
+            </a:r>
+            <a:r>
+              <a:rPr lang="en-US" dirty="0" err="1">
+                <a:solidFill>
+                  <a:srgbClr val="7030A0"/>
+                </a:solidFill>
+              </a:rPr>
+              <a:t>matrix_get</a:t>
+            </a:r>
+            <a:r>
+              <a:rPr lang="en-US" dirty="0">
+                <a:solidFill>
+                  <a:srgbClr val="7030A0"/>
+                </a:solidFill>
+              </a:rPr>
+              <a:t>(m, </a:t>
+            </a:r>
+            <a:r>
+              <a:rPr lang="en-US" dirty="0" err="1">
+                <a:solidFill>
+                  <a:srgbClr val="7030A0"/>
+                </a:solidFill>
+              </a:rPr>
+              <a:t>i</a:t>
+            </a:r>
+            <a:r>
+              <a:rPr lang="en-US" dirty="0">
+                <a:solidFill>
+                  <a:srgbClr val="7030A0"/>
+                </a:solidFill>
+              </a:rPr>
+              <a:t>, j) &lt;&lt; "\n";</a:t>
+            </a:r>
+            <a:br>
+              <a:rPr lang="en-US" dirty="0">
+                <a:solidFill>
+                  <a:srgbClr val="7030A0"/>
+                </a:solidFill>
+              </a:rPr>
+            </a:br>
+            <a:r>
+              <a:rPr lang="en-US" dirty="0">
+                <a:solidFill>
+                  <a:srgbClr val="7030A0"/>
+                </a:solidFill>
+              </a:rPr>
+              <a:t>}</a:t>
+            </a:r>
+            <a:br>
+              <a:rPr lang="en-US" dirty="0">
+                <a:solidFill>
+                  <a:srgbClr val="002060"/>
+                </a:solidFill>
+              </a:rPr>
+            </a:br>
+            <a:br>
+              <a:rPr lang="en-US" dirty="0">
+                <a:solidFill>
+                  <a:srgbClr val="002060"/>
+                </a:solidFill>
+              </a:rPr>
+            </a:br>
+            <a:r>
+              <a:rPr lang="en-US" b="1" dirty="0">
+                <a:solidFill>
+                  <a:srgbClr val="002060"/>
+                </a:solidFill>
+              </a:rPr>
+              <a:t>int</a:t>
+            </a:r>
+            <a:r>
+              <a:rPr lang="en-US" dirty="0">
+                <a:solidFill>
+                  <a:srgbClr val="002060"/>
+                </a:solidFill>
+              </a:rPr>
+              <a:t> main() {</a:t>
+            </a:r>
+            <a:br>
+              <a:rPr lang="en-US" dirty="0">
+                <a:solidFill>
+                  <a:srgbClr val="002060"/>
+                </a:solidFill>
+              </a:rPr>
+            </a:br>
+            <a:r>
+              <a:rPr lang="en-US" dirty="0">
+                <a:solidFill>
+                  <a:srgbClr val="002060"/>
+                </a:solidFill>
+              </a:rPr>
+              <a:t>	</a:t>
+            </a:r>
+            <a:r>
+              <a:rPr lang="en-US" b="1" dirty="0">
+                <a:solidFill>
+                  <a:srgbClr val="002060"/>
+                </a:solidFill>
+              </a:rPr>
+              <a:t>auto</a:t>
+            </a:r>
+            <a:r>
+              <a:rPr lang="en-US" dirty="0">
+                <a:solidFill>
+                  <a:srgbClr val="002060"/>
+                </a:solidFill>
+              </a:rPr>
+              <a:t> a = </a:t>
+            </a:r>
+            <a:r>
+              <a:rPr lang="en-US" dirty="0" err="1">
+                <a:solidFill>
+                  <a:srgbClr val="002060"/>
+                </a:solidFill>
+              </a:rPr>
+              <a:t>matrix_create</a:t>
+            </a:r>
+            <a:r>
+              <a:rPr lang="en-US" dirty="0">
+                <a:solidFill>
+                  <a:srgbClr val="002060"/>
+                </a:solidFill>
+              </a:rPr>
+              <a:t>(2, 3);</a:t>
+            </a:r>
+            <a:br>
+              <a:rPr lang="en-US" dirty="0">
+                <a:solidFill>
+                  <a:srgbClr val="00B0F0"/>
+                </a:solidFill>
+              </a:rPr>
+            </a:br>
+            <a:r>
+              <a:rPr lang="en-US" dirty="0">
+                <a:solidFill>
+                  <a:srgbClr val="00B0F0"/>
+                </a:solidFill>
+              </a:rPr>
+              <a:t>	// </a:t>
+            </a:r>
+            <a:r>
+              <a:rPr lang="ru-RU" dirty="0">
+                <a:solidFill>
+                  <a:srgbClr val="00B0F0"/>
+                </a:solidFill>
+              </a:rPr>
+              <a:t>Заполнение матрицы </a:t>
+            </a:r>
+            <a:br>
+              <a:rPr lang="en-US" dirty="0">
+                <a:solidFill>
+                  <a:srgbClr val="002060"/>
+                </a:solidFill>
+              </a:rPr>
+            </a:br>
+            <a:r>
+              <a:rPr lang="en-US" dirty="0">
+                <a:solidFill>
+                  <a:srgbClr val="002060"/>
+                </a:solidFill>
+              </a:rPr>
+              <a:t>	</a:t>
+            </a:r>
+            <a:r>
+              <a:rPr lang="en-US" dirty="0" err="1">
+                <a:solidFill>
+                  <a:srgbClr val="002060"/>
+                </a:solidFill>
+              </a:rPr>
+              <a:t>matrix_op</a:t>
+            </a:r>
+            <a:r>
+              <a:rPr lang="en-US" dirty="0">
+                <a:solidFill>
+                  <a:srgbClr val="002060"/>
+                </a:solidFill>
+              </a:rPr>
+              <a:t>(</a:t>
+            </a:r>
+            <a:r>
+              <a:rPr lang="en-US" dirty="0">
+                <a:solidFill>
+                  <a:srgbClr val="00B050"/>
+                </a:solidFill>
+              </a:rPr>
+              <a:t>a</a:t>
+            </a:r>
+            <a:r>
+              <a:rPr lang="en-US" dirty="0">
+                <a:solidFill>
+                  <a:srgbClr val="002060"/>
+                </a:solidFill>
+              </a:rPr>
+              <a:t>, </a:t>
+            </a:r>
+            <a:r>
+              <a:rPr lang="en-US" dirty="0">
+                <a:solidFill>
+                  <a:srgbClr val="7030A0"/>
+                </a:solidFill>
+              </a:rPr>
+              <a:t>print</a:t>
+            </a:r>
+            <a:r>
+              <a:rPr lang="en-US" dirty="0">
+                <a:solidFill>
+                  <a:srgbClr val="002060"/>
+                </a:solidFill>
+              </a:rPr>
+              <a:t>);</a:t>
+            </a:r>
+            <a:br>
+              <a:rPr lang="en-US" dirty="0">
+                <a:solidFill>
+                  <a:srgbClr val="002060"/>
+                </a:solidFill>
+              </a:rPr>
+            </a:br>
+            <a:r>
+              <a:rPr lang="en-US" dirty="0">
+                <a:solidFill>
+                  <a:srgbClr val="002060"/>
+                </a:solidFill>
+              </a:rPr>
+              <a:t>}</a:t>
+            </a:r>
+          </a:p>
+        </p:txBody>
+      </p:sp>
+      <p:sp>
+        <p:nvSpPr>
+          <p:cNvPr id="10" name="TextBox 9">
+            <a:extLst>
+              <a:ext uri="{FF2B5EF4-FFF2-40B4-BE49-F238E27FC236}">
+                <a16:creationId xmlns:a16="http://schemas.microsoft.com/office/drawing/2014/main" id="{E42CD9D1-02EE-4EB8-AF63-70CE631AD771}"/>
+              </a:ext>
+            </a:extLst>
+          </p:cNvPr>
+          <p:cNvSpPr txBox="1"/>
+          <p:nvPr/>
+        </p:nvSpPr>
+        <p:spPr>
+          <a:xfrm>
+            <a:off x="6906503" y="3695596"/>
+            <a:ext cx="1281120" cy="1754326"/>
+          </a:xfrm>
+          <a:prstGeom prst="rect">
+            <a:avLst/>
+          </a:prstGeom>
+          <a:noFill/>
+        </p:spPr>
+        <p:txBody>
+          <a:bodyPr wrap="none" rtlCol="0">
+            <a:spAutoFit/>
+          </a:bodyPr>
+          <a:lstStyle/>
+          <a:p>
+            <a:r>
+              <a:rPr lang="en-US" dirty="0"/>
+              <a:t>m[0, 0] = 1</a:t>
+            </a:r>
+            <a:br>
+              <a:rPr lang="en-US" dirty="0"/>
+            </a:br>
+            <a:r>
+              <a:rPr lang="en-US" dirty="0"/>
+              <a:t>m[0, 1] = 2</a:t>
+            </a:r>
+            <a:br>
+              <a:rPr lang="en-US" dirty="0"/>
+            </a:br>
+            <a:r>
+              <a:rPr lang="en-US" dirty="0"/>
+              <a:t>m[0, 2] = 3</a:t>
+            </a:r>
+            <a:br>
+              <a:rPr lang="en-US" dirty="0"/>
+            </a:br>
+            <a:r>
+              <a:rPr lang="en-US" dirty="0"/>
+              <a:t>m[1, 0] = 4</a:t>
+            </a:r>
+            <a:br>
+              <a:rPr lang="en-US" dirty="0"/>
+            </a:br>
+            <a:r>
+              <a:rPr lang="en-US" dirty="0"/>
+              <a:t>m[1, 1] = 5</a:t>
+            </a:r>
+            <a:br>
+              <a:rPr lang="en-US" dirty="0"/>
+            </a:br>
+            <a:r>
+              <a:rPr lang="en-US" dirty="0"/>
+              <a:t>m[1, 2] = 6</a:t>
+            </a:r>
+          </a:p>
+        </p:txBody>
+      </p:sp>
+      <mc:AlternateContent xmlns:mc="http://schemas.openxmlformats.org/markup-compatibility/2006">
+        <mc:Choice xmlns:a14="http://schemas.microsoft.com/office/drawing/2010/main" Requires="a14">
+          <p:sp>
+            <p:nvSpPr>
+              <p:cNvPr id="14" name="TextBox 13">
+                <a:extLst>
+                  <a:ext uri="{FF2B5EF4-FFF2-40B4-BE49-F238E27FC236}">
+                    <a16:creationId xmlns:a16="http://schemas.microsoft.com/office/drawing/2014/main" id="{3028332D-5572-4B45-8A87-3847A647BC43}"/>
+                  </a:ext>
+                </a:extLst>
+              </p:cNvPr>
+              <p:cNvSpPr txBox="1"/>
+              <p:nvPr/>
+            </p:nvSpPr>
+            <p:spPr>
+              <a:xfrm>
+                <a:off x="3708934" y="4327424"/>
+                <a:ext cx="1520673" cy="492955"/>
+              </a:xfrm>
+              <a:prstGeom prst="rect">
+                <a:avLst/>
+              </a:prstGeom>
+              <a:noFill/>
+            </p:spPr>
+            <p:txBody>
+              <a:bodyPr wrap="none" lIns="0" tIns="0" rIns="0" bIns="0" rtlCol="0">
+                <a:spAutoFit/>
+              </a:bodyPr>
+              <a:lstStyle/>
+              <a:p>
+                <a14:m>
+                  <m:oMathPara xmlns:m="http://schemas.openxmlformats.org/officeDocument/2006/math">
+                    <m:oMathParaPr>
+                      <m:jc m:val="centerGroup"/>
+                    </m:oMathParaPr>
+                    <m:oMath xmlns:m="http://schemas.openxmlformats.org/officeDocument/2006/math">
+                      <m:r>
+                        <a:rPr lang="en-US" b="0" i="1" smtClean="0">
+                          <a:solidFill>
+                            <a:srgbClr val="00B0F0"/>
+                          </a:solidFill>
+                          <a:latin typeface="Cambria Math" panose="02040503050406030204" pitchFamily="18" charset="0"/>
+                        </a:rPr>
+                        <m:t>𝑎</m:t>
+                      </m:r>
+                      <m:r>
+                        <a:rPr lang="en-US" b="0" i="1" smtClean="0">
+                          <a:solidFill>
+                            <a:srgbClr val="00B0F0"/>
+                          </a:solidFill>
+                          <a:latin typeface="Cambria Math" panose="02040503050406030204" pitchFamily="18" charset="0"/>
+                        </a:rPr>
+                        <m:t>=</m:t>
+                      </m:r>
+                      <m:d>
+                        <m:dPr>
+                          <m:begChr m:val="["/>
+                          <m:endChr m:val="]"/>
+                          <m:ctrlPr>
+                            <a:rPr lang="en-US" i="1" smtClean="0">
+                              <a:solidFill>
+                                <a:srgbClr val="00B0F0"/>
+                              </a:solidFill>
+                              <a:latin typeface="Cambria Math" panose="02040503050406030204" pitchFamily="18" charset="0"/>
+                            </a:rPr>
+                          </m:ctrlPr>
+                        </m:dPr>
+                        <m:e>
+                          <m:m>
+                            <m:mPr>
+                              <m:mcs>
+                                <m:mc>
+                                  <m:mcPr>
+                                    <m:count m:val="3"/>
+                                    <m:mcJc m:val="center"/>
+                                  </m:mcPr>
+                                </m:mc>
+                              </m:mcs>
+                              <m:ctrlPr>
+                                <a:rPr lang="en-US" i="1" smtClean="0">
+                                  <a:solidFill>
+                                    <a:srgbClr val="00B0F0"/>
+                                  </a:solidFill>
+                                  <a:latin typeface="Cambria Math" panose="02040503050406030204" pitchFamily="18" charset="0"/>
+                                </a:rPr>
+                              </m:ctrlPr>
+                            </m:mPr>
+                            <m:mr>
+                              <m:e>
+                                <m:r>
+                                  <m:rPr>
+                                    <m:brk m:alnAt="7"/>
+                                  </m:rPr>
+                                  <a:rPr lang="en-US" b="0" i="1" smtClean="0">
+                                    <a:solidFill>
+                                      <a:srgbClr val="00B0F0"/>
+                                    </a:solidFill>
+                                    <a:latin typeface="Cambria Math" panose="02040503050406030204" pitchFamily="18" charset="0"/>
+                                  </a:rPr>
+                                  <m:t>1</m:t>
+                                </m:r>
+                              </m:e>
+                              <m:e>
+                                <m:r>
+                                  <a:rPr lang="en-US" b="0" i="1" smtClean="0">
+                                    <a:solidFill>
+                                      <a:srgbClr val="00B0F0"/>
+                                    </a:solidFill>
+                                    <a:latin typeface="Cambria Math" panose="02040503050406030204" pitchFamily="18" charset="0"/>
+                                  </a:rPr>
+                                  <m:t>2</m:t>
+                                </m:r>
+                              </m:e>
+                              <m:e>
+                                <m:r>
+                                  <a:rPr lang="en-US" b="0" i="1" smtClean="0">
+                                    <a:solidFill>
+                                      <a:srgbClr val="00B0F0"/>
+                                    </a:solidFill>
+                                    <a:latin typeface="Cambria Math" panose="02040503050406030204" pitchFamily="18" charset="0"/>
+                                  </a:rPr>
+                                  <m:t>3</m:t>
+                                </m:r>
+                              </m:e>
+                            </m:mr>
+                            <m:mr>
+                              <m:e>
+                                <m:r>
+                                  <a:rPr lang="en-US" b="0" i="1" smtClean="0">
+                                    <a:solidFill>
+                                      <a:srgbClr val="00B0F0"/>
+                                    </a:solidFill>
+                                    <a:latin typeface="Cambria Math" panose="02040503050406030204" pitchFamily="18" charset="0"/>
+                                  </a:rPr>
+                                  <m:t>4</m:t>
+                                </m:r>
+                              </m:e>
+                              <m:e>
+                                <m:r>
+                                  <a:rPr lang="en-US" b="0" i="1" smtClean="0">
+                                    <a:solidFill>
+                                      <a:srgbClr val="00B0F0"/>
+                                    </a:solidFill>
+                                    <a:latin typeface="Cambria Math" panose="02040503050406030204" pitchFamily="18" charset="0"/>
+                                  </a:rPr>
+                                  <m:t>5</m:t>
+                                </m:r>
+                              </m:e>
+                              <m:e>
+                                <m:r>
+                                  <a:rPr lang="en-US" b="0" i="1" smtClean="0">
+                                    <a:solidFill>
+                                      <a:srgbClr val="00B0F0"/>
+                                    </a:solidFill>
+                                    <a:latin typeface="Cambria Math" panose="02040503050406030204" pitchFamily="18" charset="0"/>
+                                  </a:rPr>
+                                  <m:t>6</m:t>
+                                </m:r>
+                              </m:e>
+                            </m:mr>
+                          </m:m>
+                        </m:e>
+                      </m:d>
+                    </m:oMath>
+                  </m:oMathPara>
+                </a14:m>
+                <a:endParaRPr lang="en-US" dirty="0">
+                  <a:solidFill>
+                    <a:srgbClr val="00B0F0"/>
+                  </a:solidFill>
+                </a:endParaRPr>
+              </a:p>
+            </p:txBody>
+          </p:sp>
+        </mc:Choice>
+        <mc:Fallback>
+          <p:sp>
+            <p:nvSpPr>
+              <p:cNvPr id="14" name="TextBox 13">
+                <a:extLst>
+                  <a:ext uri="{FF2B5EF4-FFF2-40B4-BE49-F238E27FC236}">
+                    <a16:creationId xmlns:a16="http://schemas.microsoft.com/office/drawing/2014/main" id="{3028332D-5572-4B45-8A87-3847A647BC43}"/>
+                  </a:ext>
+                </a:extLst>
+              </p:cNvPr>
+              <p:cNvSpPr txBox="1">
+                <a:spLocks noRot="1" noChangeAspect="1" noMove="1" noResize="1" noEditPoints="1" noAdjustHandles="1" noChangeArrowheads="1" noChangeShapeType="1" noTextEdit="1"/>
+              </p:cNvSpPr>
+              <p:nvPr/>
+            </p:nvSpPr>
+            <p:spPr>
+              <a:xfrm>
+                <a:off x="3708934" y="4327424"/>
+                <a:ext cx="1520673" cy="492955"/>
+              </a:xfrm>
+              <a:prstGeom prst="rect">
+                <a:avLst/>
+              </a:prstGeom>
+              <a:blipFill>
+                <a:blip r:embed="rId2"/>
+                <a:stretch>
+                  <a:fillRect/>
+                </a:stretch>
+              </a:blipFill>
+            </p:spPr>
+            <p:txBody>
+              <a:bodyPr/>
+              <a:lstStyle/>
+              <a:p>
+                <a:r>
+                  <a:rPr lang="en-US">
+                    <a:noFill/>
+                  </a:rPr>
+                  <a:t> </a:t>
+                </a:r>
+              </a:p>
+            </p:txBody>
+          </p:sp>
+        </mc:Fallback>
+      </mc:AlternateContent>
+      <p:sp>
+        <p:nvSpPr>
+          <p:cNvPr id="15" name="Arrow: Right 14">
+            <a:extLst>
+              <a:ext uri="{FF2B5EF4-FFF2-40B4-BE49-F238E27FC236}">
+                <a16:creationId xmlns:a16="http://schemas.microsoft.com/office/drawing/2014/main" id="{666F9F58-2F15-415B-8888-E59446460E4D}"/>
+              </a:ext>
+            </a:extLst>
+          </p:cNvPr>
+          <p:cNvSpPr/>
+          <p:nvPr/>
+        </p:nvSpPr>
+        <p:spPr>
+          <a:xfrm>
+            <a:off x="5440016" y="4239538"/>
+            <a:ext cx="1350067" cy="668725"/>
+          </a:xfrm>
+          <a:prstGeom prst="rightArrow">
+            <a:avLst/>
+          </a:prstGeom>
+          <a:solidFill>
+            <a:schemeClr val="bg1">
+              <a:lumMod val="95000"/>
+            </a:schemeClr>
+          </a:solidFill>
+        </p:spPr>
+        <p:style>
+          <a:lnRef idx="2">
+            <a:schemeClr val="dk1"/>
+          </a:lnRef>
+          <a:fillRef idx="1">
+            <a:schemeClr val="lt1"/>
+          </a:fillRef>
+          <a:effectRef idx="0">
+            <a:schemeClr val="dk1"/>
+          </a:effectRef>
+          <a:fontRef idx="minor">
+            <a:schemeClr val="dk1"/>
+          </a:fontRef>
+        </p:style>
+        <p:txBody>
+          <a:bodyPr rtlCol="0" anchor="ctr"/>
+          <a:lstStyle/>
+          <a:p>
+            <a:pPr algn="ctr"/>
+            <a:r>
+              <a:rPr lang="ru-RU" dirty="0"/>
+              <a:t>вывод</a:t>
+            </a:r>
+            <a:endParaRPr lang="en-US" dirty="0"/>
+          </a:p>
+        </p:txBody>
+      </p:sp>
+    </p:spTree>
+    <p:extLst>
+      <p:ext uri="{BB962C8B-B14F-4D97-AF65-F5344CB8AC3E}">
+        <p14:creationId xmlns:p14="http://schemas.microsoft.com/office/powerpoint/2010/main" val="3930080193"/>
+      </p:ext>
+    </p:extLst>
+  </p:cSld>
+  <p:clrMapOvr>
+    <a:masterClrMapping/>
+  </p:clrMapOvr>
+</p:sld>
+</file>
+
+<file path=ppt/slides/slide24.xml><?xml version="1.0" encoding="utf-8"?>
+<p:sld xmlns:a="http://schemas.openxmlformats.org/drawingml/2006/main" xmlns:r="http://schemas.openxmlformats.org/officeDocument/2006/relationships" xmlns:p="http://schemas.openxmlformats.org/presentationml/2006/main">
+  <p:cSld>
+    <p:spTree>
+      <p:nvGrpSpPr>
+        <p:cNvPr id="1" name=""/>
+        <p:cNvGrpSpPr/>
+        <p:nvPr/>
+      </p:nvGrpSpPr>
+      <p:grpSpPr>
+        <a:xfrm>
+          <a:off x="0" y="0"/>
+          <a:ext cx="0" cy="0"/>
+          <a:chOff x="0" y="0"/>
+          <a:chExt cx="0" cy="0"/>
+        </a:xfrm>
+      </p:grpSpPr>
+      <p:sp>
+        <p:nvSpPr>
+          <p:cNvPr id="2" name="Title 1">
+            <a:extLst>
+              <a:ext uri="{FF2B5EF4-FFF2-40B4-BE49-F238E27FC236}">
+                <a16:creationId xmlns:a16="http://schemas.microsoft.com/office/drawing/2014/main" id="{FB766D32-F2DF-4221-8A9F-A9044DD5BFA7}"/>
+              </a:ext>
+            </a:extLst>
+          </p:cNvPr>
+          <p:cNvSpPr>
+            <a:spLocks noGrp="1"/>
+          </p:cNvSpPr>
+          <p:nvPr>
+            <p:ph type="title"/>
+          </p:nvPr>
+        </p:nvSpPr>
+        <p:spPr>
+          <a:xfrm>
+            <a:off x="628650" y="365126"/>
+            <a:ext cx="7886700" cy="1200683"/>
+          </a:xfrm>
+        </p:spPr>
+        <p:txBody>
+          <a:bodyPr/>
+          <a:lstStyle/>
+          <a:p>
+            <a:r>
+              <a:rPr lang="ru-RU" b="1" dirty="0"/>
+              <a:t>Указатели на функции (1)</a:t>
+            </a:r>
+            <a:endParaRPr lang="en-US" b="1" dirty="0"/>
+          </a:p>
+        </p:txBody>
+      </p:sp>
+      <p:sp>
+        <p:nvSpPr>
+          <p:cNvPr id="3" name="Content Placeholder 2">
+            <a:extLst>
+              <a:ext uri="{FF2B5EF4-FFF2-40B4-BE49-F238E27FC236}">
+                <a16:creationId xmlns:a16="http://schemas.microsoft.com/office/drawing/2014/main" id="{E98BA529-8D1E-4A0F-BEDD-DF00A650FEC9}"/>
+              </a:ext>
+            </a:extLst>
+          </p:cNvPr>
+          <p:cNvSpPr>
+            <a:spLocks noGrp="1"/>
+          </p:cNvSpPr>
+          <p:nvPr>
+            <p:ph idx="1"/>
+          </p:nvPr>
+        </p:nvSpPr>
+        <p:spPr>
+          <a:xfrm>
+            <a:off x="628650" y="1565809"/>
+            <a:ext cx="7048154" cy="1817208"/>
+          </a:xfrm>
+        </p:spPr>
+        <p:txBody>
+          <a:bodyPr>
+            <a:normAutofit/>
+          </a:bodyPr>
+          <a:lstStyle/>
+          <a:p>
+            <a:pPr marL="457200" indent="-457200">
+              <a:buFont typeface="+mj-lt"/>
+              <a:buAutoNum type="arabicPeriod"/>
+            </a:pPr>
+            <a:r>
+              <a:rPr lang="ru-RU" sz="2000" dirty="0"/>
+              <a:t>Функция является блоком кода.</a:t>
+            </a:r>
+          </a:p>
+          <a:p>
+            <a:pPr marL="457200" indent="-457200">
+              <a:buFont typeface="+mj-lt"/>
+              <a:buAutoNum type="arabicPeriod"/>
+            </a:pPr>
+            <a:r>
+              <a:rPr lang="ru-RU" sz="2000" dirty="0"/>
+              <a:t>Код находится в памяти, т. е. имеет адрес.</a:t>
+            </a:r>
+          </a:p>
+          <a:p>
+            <a:pPr marL="457200" indent="-457200">
+              <a:buFont typeface="+mj-lt"/>
+              <a:buAutoNum type="arabicPeriod"/>
+            </a:pPr>
+            <a:r>
+              <a:rPr lang="ru-RU" sz="2000" dirty="0"/>
+              <a:t>Указатель хранит адрес.</a:t>
+            </a:r>
+          </a:p>
+          <a:p>
+            <a:pPr marL="0" indent="0">
+              <a:buNone/>
+            </a:pPr>
+            <a:r>
+              <a:rPr lang="ru-RU" sz="2000" b="1" dirty="0"/>
+              <a:t>Следствие: </a:t>
+            </a:r>
+            <a:r>
+              <a:rPr lang="ru-RU" sz="2000" dirty="0"/>
+              <a:t>возможен указатель на функцию.</a:t>
+            </a:r>
+            <a:endParaRPr lang="en-US" sz="2000" dirty="0"/>
+          </a:p>
+        </p:txBody>
+      </p:sp>
+      <p:sp>
+        <p:nvSpPr>
+          <p:cNvPr id="5" name="TextBox 4">
+            <a:extLst>
+              <a:ext uri="{FF2B5EF4-FFF2-40B4-BE49-F238E27FC236}">
+                <a16:creationId xmlns:a16="http://schemas.microsoft.com/office/drawing/2014/main" id="{A435FA7A-3703-4D27-A378-8D2A0EC71990}"/>
+              </a:ext>
+            </a:extLst>
+          </p:cNvPr>
+          <p:cNvSpPr txBox="1"/>
+          <p:nvPr/>
+        </p:nvSpPr>
+        <p:spPr>
+          <a:xfrm>
+            <a:off x="628650" y="3378847"/>
+            <a:ext cx="7420493" cy="1913344"/>
+          </a:xfrm>
+          <a:prstGeom prst="rect">
+            <a:avLst/>
+          </a:prstGeom>
+          <a:noFill/>
+        </p:spPr>
+        <p:txBody>
+          <a:bodyPr wrap="none" rtlCol="0">
+            <a:spAutoFit/>
+          </a:bodyPr>
+          <a:lstStyle/>
+          <a:p>
+            <a:pPr marL="342900" indent="-342900">
+              <a:spcBef>
+                <a:spcPts val="1000"/>
+              </a:spcBef>
+              <a:buAutoNum type="arabicPeriod"/>
+            </a:pPr>
+            <a:r>
+              <a:rPr lang="ru-RU" sz="2000" dirty="0"/>
+              <a:t>Вызов функции — подготовка аргументов</a:t>
+            </a:r>
+            <a:br>
+              <a:rPr lang="ru-RU" sz="2000" dirty="0"/>
+            </a:br>
+            <a:r>
+              <a:rPr lang="ru-RU" sz="2000" dirty="0"/>
+              <a:t>	и передача управления по ее адресу.</a:t>
+            </a:r>
+          </a:p>
+          <a:p>
+            <a:pPr marL="342900" indent="-342900">
+              <a:spcBef>
+                <a:spcPts val="1000"/>
+              </a:spcBef>
+              <a:buAutoNum type="arabicPeriod"/>
+            </a:pPr>
+            <a:r>
+              <a:rPr lang="ru-RU" sz="2000" dirty="0"/>
+              <a:t>Указатель на функцию хранит ее адрес.</a:t>
+            </a:r>
+          </a:p>
+          <a:p>
+            <a:pPr>
+              <a:spcBef>
+                <a:spcPts val="1200"/>
+              </a:spcBef>
+            </a:pPr>
+            <a:r>
+              <a:rPr lang="ru-RU" sz="2000" b="1" dirty="0"/>
+              <a:t>Следствие: </a:t>
+            </a:r>
+            <a:r>
+              <a:rPr lang="ru-RU" sz="2000" dirty="0"/>
+              <a:t>имея указатель на функцию, ее можно вызвать,</a:t>
+            </a:r>
+            <a:br>
+              <a:rPr lang="ru-RU" sz="2000" dirty="0"/>
+            </a:br>
+            <a:r>
+              <a:rPr lang="ru-RU" sz="2000" dirty="0"/>
+              <a:t>	даже не зная имени (но зная сигнатуру).</a:t>
+            </a:r>
+            <a:endParaRPr lang="en-US" sz="2000" dirty="0"/>
+          </a:p>
+        </p:txBody>
+      </p:sp>
+      <p:sp>
+        <p:nvSpPr>
+          <p:cNvPr id="6" name="TextBox 5">
+            <a:extLst>
+              <a:ext uri="{FF2B5EF4-FFF2-40B4-BE49-F238E27FC236}">
+                <a16:creationId xmlns:a16="http://schemas.microsoft.com/office/drawing/2014/main" id="{624106B0-875C-4B31-8CCC-1483FBED0815}"/>
+              </a:ext>
+            </a:extLst>
+          </p:cNvPr>
+          <p:cNvSpPr txBox="1"/>
+          <p:nvPr/>
+        </p:nvSpPr>
+        <p:spPr>
+          <a:xfrm>
+            <a:off x="628650" y="5486400"/>
+            <a:ext cx="7349833" cy="707886"/>
+          </a:xfrm>
+          <a:prstGeom prst="rect">
+            <a:avLst/>
+          </a:prstGeom>
+          <a:noFill/>
+        </p:spPr>
+        <p:txBody>
+          <a:bodyPr wrap="none" rtlCol="0">
+            <a:spAutoFit/>
+          </a:bodyPr>
+          <a:lstStyle/>
+          <a:p>
+            <a:r>
+              <a:rPr lang="ru-RU" sz="2000" b="1" dirty="0"/>
+              <a:t>Вывод: </a:t>
+            </a:r>
+            <a:r>
+              <a:rPr lang="ru-RU" sz="2000" dirty="0"/>
+              <a:t>библиотека может вызвать функцию программы,</a:t>
+            </a:r>
+            <a:br>
+              <a:rPr lang="ru-RU" sz="2000" dirty="0"/>
+            </a:br>
+            <a:r>
+              <a:rPr lang="ru-RU" sz="2000" dirty="0"/>
+              <a:t>	если программа передаст библиотеке указатель на нее.</a:t>
+            </a:r>
+            <a:endParaRPr lang="en-US" sz="2000" dirty="0"/>
+          </a:p>
+        </p:txBody>
+      </p:sp>
+      <p:sp>
+        <p:nvSpPr>
+          <p:cNvPr id="8" name="Date Placeholder 7">
+            <a:extLst>
+              <a:ext uri="{FF2B5EF4-FFF2-40B4-BE49-F238E27FC236}">
+                <a16:creationId xmlns:a16="http://schemas.microsoft.com/office/drawing/2014/main" id="{B89AAF57-321A-4F6D-BF3D-CCF8B2B5CAA4}"/>
+              </a:ext>
+            </a:extLst>
+          </p:cNvPr>
+          <p:cNvSpPr>
+            <a:spLocks noGrp="1"/>
+          </p:cNvSpPr>
+          <p:nvPr>
+            <p:ph type="dt" sz="half" idx="10"/>
+          </p:nvPr>
+        </p:nvSpPr>
+        <p:spPr/>
+        <p:txBody>
+          <a:bodyPr/>
+          <a:lstStyle/>
+          <a:p>
+            <a:r>
+              <a:rPr lang="en-US"/>
+              <a:t>Весна 2021</a:t>
+            </a:r>
+          </a:p>
+        </p:txBody>
+      </p:sp>
+      <p:sp>
+        <p:nvSpPr>
+          <p:cNvPr id="9" name="Footer Placeholder 8">
+            <a:extLst>
+              <a:ext uri="{FF2B5EF4-FFF2-40B4-BE49-F238E27FC236}">
+                <a16:creationId xmlns:a16="http://schemas.microsoft.com/office/drawing/2014/main" id="{A6076237-76D7-44D2-9508-9EC86E4FA43D}"/>
+              </a:ext>
+            </a:extLst>
+          </p:cNvPr>
+          <p:cNvSpPr>
+            <a:spLocks noGrp="1"/>
+          </p:cNvSpPr>
+          <p:nvPr>
+            <p:ph type="ftr" sz="quarter" idx="11"/>
+          </p:nvPr>
+        </p:nvSpPr>
+        <p:spPr/>
+        <p:txBody>
+          <a:bodyPr/>
+          <a:lstStyle/>
+          <a:p>
+            <a:r>
+              <a:rPr lang="ru-RU"/>
+              <a:t>© кафедра УИТ НИУ «МЭИ»</a:t>
+            </a:r>
+            <a:endParaRPr lang="en-US"/>
+          </a:p>
+        </p:txBody>
+      </p:sp>
+      <p:sp>
+        <p:nvSpPr>
+          <p:cNvPr id="10" name="Slide Number Placeholder 9">
+            <a:extLst>
+              <a:ext uri="{FF2B5EF4-FFF2-40B4-BE49-F238E27FC236}">
+                <a16:creationId xmlns:a16="http://schemas.microsoft.com/office/drawing/2014/main" id="{B1582BAC-7EDE-4F2D-9008-1A1E0C0FBEAC}"/>
+              </a:ext>
+            </a:extLst>
+          </p:cNvPr>
+          <p:cNvSpPr>
+            <a:spLocks noGrp="1"/>
+          </p:cNvSpPr>
+          <p:nvPr>
+            <p:ph type="sldNum" sz="quarter" idx="12"/>
+          </p:nvPr>
+        </p:nvSpPr>
+        <p:spPr/>
+        <p:txBody>
+          <a:bodyPr/>
+          <a:lstStyle/>
+          <a:p>
+            <a:fld id="{6C0AB90F-BB76-49C5-86B7-99ECDA2A7A60}" type="slidenum">
+              <a:rPr lang="en-US" smtClean="0"/>
+              <a:t>24</a:t>
+            </a:fld>
+            <a:endParaRPr lang="en-US"/>
+          </a:p>
+        </p:txBody>
+      </p:sp>
+    </p:spTree>
+    <p:extLst>
+      <p:ext uri="{BB962C8B-B14F-4D97-AF65-F5344CB8AC3E}">
+        <p14:creationId xmlns:p14="http://schemas.microsoft.com/office/powerpoint/2010/main" val="4273265566"/>
+      </p:ext>
+    </p:extLst>
+  </p:cSld>
+  <p:clrMapOvr>
+    <a:masterClrMapping/>
+  </p:clrMapOvr>
+</p:sld>
+</file>
+
+<file path=ppt/slides/slide25.xml><?xml version="1.0" encoding="utf-8"?>
+<p:sld xmlns:a="http://schemas.openxmlformats.org/drawingml/2006/main" xmlns:r="http://schemas.openxmlformats.org/officeDocument/2006/relationships" xmlns:p="http://schemas.openxmlformats.org/presentationml/2006/main">
+  <p:cSld>
+    <p:spTree>
+      <p:nvGrpSpPr>
+        <p:cNvPr id="1" name=""/>
+        <p:cNvGrpSpPr/>
+        <p:nvPr/>
+      </p:nvGrpSpPr>
+      <p:grpSpPr>
+        <a:xfrm>
+          <a:off x="0" y="0"/>
+          <a:ext cx="0" cy="0"/>
+          <a:chOff x="0" y="0"/>
+          <a:chExt cx="0" cy="0"/>
+        </a:xfrm>
+      </p:grpSpPr>
+      <p:sp>
+        <p:nvSpPr>
+          <p:cNvPr id="2" name="Title 1">
+            <a:extLst>
+              <a:ext uri="{FF2B5EF4-FFF2-40B4-BE49-F238E27FC236}">
+                <a16:creationId xmlns:a16="http://schemas.microsoft.com/office/drawing/2014/main" id="{599EEA7C-1813-4ED7-B612-996C9E41A787}"/>
+              </a:ext>
+            </a:extLst>
+          </p:cNvPr>
+          <p:cNvSpPr>
+            <a:spLocks noGrp="1"/>
+          </p:cNvSpPr>
+          <p:nvPr>
+            <p:ph type="title"/>
+          </p:nvPr>
+        </p:nvSpPr>
+        <p:spPr>
+          <a:xfrm>
+            <a:off x="628650" y="365127"/>
             <a:ext cx="7886700" cy="1103578"/>
           </a:xfrm>
         </p:spPr>
@@ -15236,7 +17319,7 @@
           <p:cNvPr id="3" name="Content Placeholder 2">
             <a:extLst>
               <a:ext uri="{FF2B5EF4-FFF2-40B4-BE49-F238E27FC236}">
-                <a16:creationId xmlns:a16="http://schemas.microsoft.com/office/drawing/2014/main" xmlns="" id="{9E77F1FE-4802-46F2-B191-84C412B5B7B3}"/>
+                <a16:creationId xmlns:a16="http://schemas.microsoft.com/office/drawing/2014/main" id="{9E77F1FE-4802-46F2-B191-84C412B5B7B3}"/>
               </a:ext>
             </a:extLst>
           </p:cNvPr>
@@ -15487,14 +17570,6 @@
               </a:rPr>
               <a:t> y);</a:t>
             </a:r>
-            <a:r>
-              <a:rPr lang="en-US" sz="2400" b="1" dirty="0">
-                <a:solidFill>
-                  <a:srgbClr val="002060"/>
-                </a:solidFill>
-              </a:rPr>
-              <a:t/>
-            </a:r>
             <a:br>
               <a:rPr lang="en-US" sz="2400" b="1" dirty="0">
                 <a:solidFill>
@@ -15670,7 +17745,7 @@
           <p:cNvPr id="5" name="Straight Arrow Connector 4">
             <a:extLst>
               <a:ext uri="{FF2B5EF4-FFF2-40B4-BE49-F238E27FC236}">
-                <a16:creationId xmlns:a16="http://schemas.microsoft.com/office/drawing/2014/main" xmlns="" id="{0B0481FF-ECB1-421D-AB09-D516B70595D5}"/>
+                <a16:creationId xmlns:a16="http://schemas.microsoft.com/office/drawing/2014/main" id="{0B0481FF-ECB1-421D-AB09-D516B70595D5}"/>
               </a:ext>
             </a:extLst>
           </p:cNvPr>
@@ -15716,7 +17791,7 @@
           <p:cNvPr id="9" name="TextBox 8">
             <a:extLst>
               <a:ext uri="{FF2B5EF4-FFF2-40B4-BE49-F238E27FC236}">
-                <a16:creationId xmlns:a16="http://schemas.microsoft.com/office/drawing/2014/main" xmlns="" id="{79285A7A-D934-4075-A2BA-E1AB5EC4000A}"/>
+                <a16:creationId xmlns:a16="http://schemas.microsoft.com/office/drawing/2014/main" id="{79285A7A-D934-4075-A2BA-E1AB5EC4000A}"/>
               </a:ext>
             </a:extLst>
           </p:cNvPr>
@@ -15759,7 +17834,7 @@
           <p:cNvPr id="10" name="TextBox 9">
             <a:extLst>
               <a:ext uri="{FF2B5EF4-FFF2-40B4-BE49-F238E27FC236}">
-                <a16:creationId xmlns:a16="http://schemas.microsoft.com/office/drawing/2014/main" xmlns="" id="{563BFA16-99A9-4FF0-B27D-CD85B60A6FA2}"/>
+                <a16:creationId xmlns:a16="http://schemas.microsoft.com/office/drawing/2014/main" id="{563BFA16-99A9-4FF0-B27D-CD85B60A6FA2}"/>
               </a:ext>
             </a:extLst>
           </p:cNvPr>
@@ -15802,7 +17877,7 @@
           <p:cNvPr id="11" name="TextBox 10">
             <a:extLst>
               <a:ext uri="{FF2B5EF4-FFF2-40B4-BE49-F238E27FC236}">
-                <a16:creationId xmlns:a16="http://schemas.microsoft.com/office/drawing/2014/main" xmlns="" id="{C108FCAD-B02A-446B-9B28-C5CC6DB2A4C6}"/>
+                <a16:creationId xmlns:a16="http://schemas.microsoft.com/office/drawing/2014/main" id="{C108FCAD-B02A-446B-9B28-C5CC6DB2A4C6}"/>
               </a:ext>
             </a:extLst>
           </p:cNvPr>
@@ -15852,7 +17927,7 @@
           <p:cNvPr id="13" name="Straight Arrow Connector 12">
             <a:extLst>
               <a:ext uri="{FF2B5EF4-FFF2-40B4-BE49-F238E27FC236}">
-                <a16:creationId xmlns:a16="http://schemas.microsoft.com/office/drawing/2014/main" xmlns="" id="{14E711C7-A8E8-4D06-AB46-CC3C19A4F5AD}"/>
+                <a16:creationId xmlns:a16="http://schemas.microsoft.com/office/drawing/2014/main" id="{14E711C7-A8E8-4D06-AB46-CC3C19A4F5AD}"/>
               </a:ext>
             </a:extLst>
           </p:cNvPr>
@@ -15898,7 +17973,7 @@
           <p:cNvPr id="16" name="Straight Arrow Connector 15">
             <a:extLst>
               <a:ext uri="{FF2B5EF4-FFF2-40B4-BE49-F238E27FC236}">
-                <a16:creationId xmlns:a16="http://schemas.microsoft.com/office/drawing/2014/main" xmlns="" id="{B85BD0BE-7EC3-41BD-A5AB-EB81A57550E1}"/>
+                <a16:creationId xmlns:a16="http://schemas.microsoft.com/office/drawing/2014/main" id="{B85BD0BE-7EC3-41BD-A5AB-EB81A57550E1}"/>
               </a:ext>
             </a:extLst>
           </p:cNvPr>
@@ -15944,7 +18019,7 @@
           <p:cNvPr id="18" name="Straight Arrow Connector 17">
             <a:extLst>
               <a:ext uri="{FF2B5EF4-FFF2-40B4-BE49-F238E27FC236}">
-                <a16:creationId xmlns:a16="http://schemas.microsoft.com/office/drawing/2014/main" xmlns="" id="{93A66ED3-9A99-41FC-A2B9-A36A80FFC1AE}"/>
+                <a16:creationId xmlns:a16="http://schemas.microsoft.com/office/drawing/2014/main" id="{93A66ED3-9A99-41FC-A2B9-A36A80FFC1AE}"/>
               </a:ext>
             </a:extLst>
           </p:cNvPr>
@@ -15990,7 +18065,7 @@
           <p:cNvPr id="23" name="Date Placeholder 22">
             <a:extLst>
               <a:ext uri="{FF2B5EF4-FFF2-40B4-BE49-F238E27FC236}">
-                <a16:creationId xmlns:a16="http://schemas.microsoft.com/office/drawing/2014/main" xmlns="" id="{5C74A7FC-1D2E-452C-9201-D8B20AEE75D2}"/>
+                <a16:creationId xmlns:a16="http://schemas.microsoft.com/office/drawing/2014/main" id="{5C74A7FC-1D2E-452C-9201-D8B20AEE75D2}"/>
               </a:ext>
             </a:extLst>
           </p:cNvPr>
@@ -16018,7 +18093,7 @@
           <p:cNvPr id="24" name="Footer Placeholder 23">
             <a:extLst>
               <a:ext uri="{FF2B5EF4-FFF2-40B4-BE49-F238E27FC236}">
-                <a16:creationId xmlns:a16="http://schemas.microsoft.com/office/drawing/2014/main" xmlns="" id="{1BF99291-63DC-4210-B2E9-81C1DC809262}"/>
+                <a16:creationId xmlns:a16="http://schemas.microsoft.com/office/drawing/2014/main" id="{1BF99291-63DC-4210-B2E9-81C1DC809262}"/>
               </a:ext>
             </a:extLst>
           </p:cNvPr>
@@ -16047,7 +18122,7 @@
           <p:cNvPr id="25" name="Slide Number Placeholder 24">
             <a:extLst>
               <a:ext uri="{FF2B5EF4-FFF2-40B4-BE49-F238E27FC236}">
-                <a16:creationId xmlns:a16="http://schemas.microsoft.com/office/drawing/2014/main" xmlns="" id="{3030C189-494E-4D98-9C44-96F57B5288FA}"/>
+                <a16:creationId xmlns:a16="http://schemas.microsoft.com/office/drawing/2014/main" id="{3030C189-494E-4D98-9C44-96F57B5288FA}"/>
               </a:ext>
             </a:extLst>
           </p:cNvPr>
@@ -16065,7 +18140,7 @@
           <a:p>
             <a:fld id="{6C0AB90F-BB76-49C5-86B7-99ECDA2A7A60}" type="slidenum">
               <a:rPr lang="en-US" smtClean="0"/>
-              <a:t>23</a:t>
+              <a:t>25</a:t>
             </a:fld>
             <a:endParaRPr lang="en-US"/>
           </a:p>
@@ -16084,7 +18159,7 @@
 </p:sld>
 </file>
 
-<file path=ppt/slides/slide24.xml><?xml version="1.0" encoding="utf-8"?>
+<file path=ppt/slides/slide26.xml><?xml version="1.0" encoding="utf-8"?>
 <p:sld xmlns:a="http://schemas.openxmlformats.org/drawingml/2006/main" xmlns:r="http://schemas.openxmlformats.org/officeDocument/2006/relationships" xmlns:p="http://schemas.openxmlformats.org/presentationml/2006/main">
   <p:cSld>
     <p:spTree>
@@ -16106,7 +18181,7 @@
           <p:cNvPr id="2" name="Title 1">
             <a:extLst>
               <a:ext uri="{FF2B5EF4-FFF2-40B4-BE49-F238E27FC236}">
-                <a16:creationId xmlns:a16="http://schemas.microsoft.com/office/drawing/2014/main" xmlns="" id="{26C760C7-458A-483E-AA19-1BA00B50B393}"/>
+                <a16:creationId xmlns:a16="http://schemas.microsoft.com/office/drawing/2014/main" id="{26C760C7-458A-483E-AA19-1BA00B50B393}"/>
               </a:ext>
             </a:extLst>
           </p:cNvPr>
@@ -16144,7 +18219,7 @@
           <p:cNvPr id="3" name="Content Placeholder 2">
             <a:extLst>
               <a:ext uri="{FF2B5EF4-FFF2-40B4-BE49-F238E27FC236}">
-                <a16:creationId xmlns:a16="http://schemas.microsoft.com/office/drawing/2014/main" xmlns="" id="{58C4B4B7-1984-4CCC-8E96-D25735C6B3E2}"/>
+                <a16:creationId xmlns:a16="http://schemas.microsoft.com/office/drawing/2014/main" id="{58C4B4B7-1984-4CCC-8E96-D25735C6B3E2}"/>
               </a:ext>
             </a:extLst>
           </p:cNvPr>
@@ -16157,8 +18232,8 @@
         </p:nvSpPr>
         <p:spPr>
           <a:xfrm>
-            <a:off x="628650" y="1521304"/>
-            <a:ext cx="7886700" cy="4839036"/>
+            <a:off x="628650" y="1646728"/>
+            <a:ext cx="7886700" cy="4713611"/>
           </a:xfrm>
         </p:spPr>
         <p:txBody>
@@ -16189,14 +18264,6 @@
               </a:rPr>
               <a:t>matrix.h</a:t>
             </a:r>
-            <a:r>
-              <a:rPr lang="en-US" sz="2000" dirty="0">
-                <a:solidFill>
-                  <a:srgbClr val="002060"/>
-                </a:solidFill>
-              </a:rPr>
-              <a:t/>
-            </a:r>
             <a:br>
               <a:rPr lang="en-US" sz="2000" dirty="0">
                 <a:solidFill>
@@ -16226,7 +18293,7 @@
                   <a:srgbClr val="002060"/>
                 </a:solidFill>
               </a:rPr>
-              <a:t>double</a:t>
+              <a:t>void</a:t>
             </a:r>
             <a:r>
               <a:rPr lang="en-US" sz="2000" dirty="0">
@@ -16234,7 +18301,7 @@
                   <a:srgbClr val="002060"/>
                 </a:solidFill>
               </a:rPr>
-              <a:t>(</a:t>
+              <a:t>(Matrix* m, </a:t>
             </a:r>
             <a:r>
               <a:rPr lang="en-US" sz="2000" b="1" dirty="0">
@@ -16242,7 +18309,7 @@
                   <a:srgbClr val="002060"/>
                 </a:solidFill>
               </a:rPr>
-              <a:t>double</a:t>
+              <a:t>uint32_t</a:t>
             </a:r>
             <a:r>
               <a:rPr lang="en-US" sz="2000" dirty="0">
@@ -16250,7 +18317,23 @@
                   <a:srgbClr val="002060"/>
                 </a:solidFill>
               </a:rPr>
-              <a:t> acc, </a:t>
+              <a:t> </a:t>
+            </a:r>
+            <a:r>
+              <a:rPr lang="en-US" sz="2000" dirty="0" err="1">
+                <a:solidFill>
+                  <a:srgbClr val="002060"/>
+                </a:solidFill>
+              </a:rPr>
+              <a:t>i</a:t>
+            </a:r>
+            <a:r>
+              <a:rPr lang="en-US" sz="2000" dirty="0">
+                <a:solidFill>
+                  <a:srgbClr val="002060"/>
+                </a:solidFill>
+              </a:rPr>
+              <a:t>, </a:t>
             </a:r>
             <a:r>
               <a:rPr lang="en-US" sz="2000" b="1" dirty="0">
@@ -16258,7 +18341,7 @@
                   <a:srgbClr val="002060"/>
                 </a:solidFill>
               </a:rPr>
-              <a:t>double</a:t>
+              <a:t>uint32_t</a:t>
             </a:r>
             <a:r>
               <a:rPr lang="en-US" sz="2000" dirty="0">
@@ -16266,7 +18349,7 @@
                   <a:srgbClr val="002060"/>
                 </a:solidFill>
               </a:rPr>
-              <a:t> x);</a:t>
+              <a:t> j);</a:t>
             </a:r>
             <a:br>
               <a:rPr lang="en-US" sz="2000" dirty="0">
@@ -16281,7 +18364,7 @@
                   <a:srgbClr val="002060"/>
                 </a:solidFill>
               </a:rPr>
-              <a:t>double</a:t>
+              <a:t>void</a:t>
             </a:r>
             <a:r>
               <a:rPr lang="en-US" sz="2000" dirty="0">
@@ -16321,47 +18404,31 @@
                   <a:srgbClr val="002060"/>
                 </a:solidFill>
               </a:rPr>
-              <a:t> Matrix* m, Op </a:t>
-            </a:r>
-            <a:r>
-              <a:rPr lang="en-US" sz="2000" dirty="0" err="1">
+              <a:t> Matrix* m, </a:t>
+            </a:r>
+            <a:r>
+              <a:rPr lang="en-US" sz="2000" dirty="0">
                 <a:solidFill>
                   <a:srgbClr val="00B050"/>
                 </a:solidFill>
               </a:rPr>
+              <a:t>Op</a:t>
+            </a:r>
+            <a:r>
+              <a:rPr lang="en-US" sz="2000" dirty="0">
+                <a:solidFill>
+                  <a:srgbClr val="002060"/>
+                </a:solidFill>
+              </a:rPr>
+              <a:t> </a:t>
+            </a:r>
+            <a:r>
+              <a:rPr lang="en-US" sz="2000" dirty="0">
+                <a:solidFill>
+                  <a:srgbClr val="00B050"/>
+                </a:solidFill>
+              </a:rPr>
               <a:t>op</a:t>
-            </a:r>
-            <a:r>
-              <a:rPr lang="en-US" sz="2000" dirty="0">
-                <a:solidFill>
-                  <a:srgbClr val="002060"/>
-                </a:solidFill>
-              </a:rPr>
-              <a:t>, </a:t>
-            </a:r>
-            <a:r>
-              <a:rPr lang="en-US" sz="2000" b="1" dirty="0">
-                <a:solidFill>
-                  <a:srgbClr val="002060"/>
-                </a:solidFill>
-              </a:rPr>
-              <a:t>double</a:t>
-            </a:r>
-            <a:r>
-              <a:rPr lang="en-US" sz="2000" dirty="0">
-                <a:solidFill>
-                  <a:srgbClr val="002060"/>
-                </a:solidFill>
-              </a:rPr>
-              <a:t> </a:t>
-            </a:r>
-            <a:r>
-              <a:rPr lang="en-US" sz="2000" dirty="0" err="1">
-                <a:solidFill>
-                  <a:srgbClr val="002060"/>
-                </a:solidFill>
-              </a:rPr>
-              <a:t>init</a:t>
             </a:r>
             <a:r>
               <a:rPr lang="en-US" sz="2000" dirty="0">
@@ -16377,6 +18444,9 @@
               <a:lnSpc>
                 <a:spcPct val="100000"/>
               </a:lnSpc>
+              <a:spcBef>
+                <a:spcPts val="1800"/>
+              </a:spcBef>
               <a:buNone/>
             </a:pPr>
             <a:r>
@@ -16387,14 +18457,6 @@
               </a:rPr>
               <a:t>// matrix.cpp</a:t>
             </a:r>
-            <a:r>
-              <a:rPr lang="en-US" sz="2000" dirty="0">
-                <a:solidFill>
-                  <a:srgbClr val="002060"/>
-                </a:solidFill>
-              </a:rPr>
-              <a:t/>
-            </a:r>
             <a:br>
               <a:rPr lang="en-US" sz="2000" dirty="0">
                 <a:solidFill>
@@ -16408,7 +18470,7 @@
                   <a:srgbClr val="002060"/>
                 </a:solidFill>
               </a:rPr>
-              <a:t>double</a:t>
+              <a:t>void</a:t>
             </a:r>
             <a:r>
               <a:rPr lang="en-US" sz="2000" dirty="0">
@@ -16448,47 +18510,31 @@
                   <a:srgbClr val="002060"/>
                 </a:solidFill>
               </a:rPr>
-              <a:t> Matrix* m, Op </a:t>
-            </a:r>
-            <a:r>
-              <a:rPr lang="en-US" sz="2000" dirty="0" err="1">
+              <a:t> Matrix* m, </a:t>
+            </a:r>
+            <a:r>
+              <a:rPr lang="en-US" sz="2000" dirty="0">
                 <a:solidFill>
                   <a:srgbClr val="00B050"/>
                 </a:solidFill>
               </a:rPr>
+              <a:t>Op</a:t>
+            </a:r>
+            <a:r>
+              <a:rPr lang="en-US" sz="2000" dirty="0">
+                <a:solidFill>
+                  <a:srgbClr val="002060"/>
+                </a:solidFill>
+              </a:rPr>
+              <a:t> </a:t>
+            </a:r>
+            <a:r>
+              <a:rPr lang="en-US" sz="2000" dirty="0">
+                <a:solidFill>
+                  <a:srgbClr val="00B050"/>
+                </a:solidFill>
+              </a:rPr>
               <a:t>op</a:t>
-            </a:r>
-            <a:r>
-              <a:rPr lang="en-US" sz="2000" dirty="0">
-                <a:solidFill>
-                  <a:srgbClr val="002060"/>
-                </a:solidFill>
-              </a:rPr>
-              <a:t>, </a:t>
-            </a:r>
-            <a:r>
-              <a:rPr lang="en-US" sz="2000" b="1" dirty="0">
-                <a:solidFill>
-                  <a:srgbClr val="002060"/>
-                </a:solidFill>
-              </a:rPr>
-              <a:t>double</a:t>
-            </a:r>
-            <a:r>
-              <a:rPr lang="en-US" sz="2000" dirty="0">
-                <a:solidFill>
-                  <a:srgbClr val="002060"/>
-                </a:solidFill>
-              </a:rPr>
-              <a:t> </a:t>
-            </a:r>
-            <a:r>
-              <a:rPr lang="en-US" sz="2000" dirty="0" err="1">
-                <a:solidFill>
-                  <a:srgbClr val="002060"/>
-                </a:solidFill>
-              </a:rPr>
-              <a:t>init</a:t>
             </a:r>
             <a:r>
               <a:rPr lang="en-US" sz="2000" dirty="0">
@@ -16519,7 +18565,7 @@
                   <a:srgbClr val="002060"/>
                 </a:solidFill>
               </a:rPr>
-              <a:t>double</a:t>
+              <a:t>for</a:t>
             </a:r>
             <a:r>
               <a:rPr lang="en-US" sz="2000" dirty="0">
@@ -16527,7 +18573,23 @@
                   <a:srgbClr val="002060"/>
                 </a:solidFill>
               </a:rPr>
-              <a:t> result = </a:t>
+              <a:t> (</a:t>
+            </a:r>
+            <a:r>
+              <a:rPr lang="en-US" sz="2000" b="1" dirty="0">
+                <a:solidFill>
+                  <a:srgbClr val="002060"/>
+                </a:solidFill>
+              </a:rPr>
+              <a:t>uint32_t</a:t>
+            </a:r>
+            <a:r>
+              <a:rPr lang="en-US" sz="2000" dirty="0">
+                <a:solidFill>
+                  <a:srgbClr val="002060"/>
+                </a:solidFill>
+              </a:rPr>
+              <a:t> </a:t>
             </a:r>
             <a:r>
               <a:rPr lang="en-US" sz="2000" dirty="0" err="1">
@@ -16535,7 +18597,7 @@
                   <a:srgbClr val="002060"/>
                 </a:solidFill>
               </a:rPr>
-              <a:t>init</a:t>
+              <a:t>i</a:t>
             </a:r>
             <a:r>
               <a:rPr lang="en-US" sz="2000" dirty="0">
@@ -16543,7 +18605,39 @@
                   <a:srgbClr val="002060"/>
                 </a:solidFill>
               </a:rPr>
-              <a:t>;</a:t>
+              <a:t> = 0; </a:t>
+            </a:r>
+            <a:r>
+              <a:rPr lang="en-US" sz="2000" dirty="0" err="1">
+                <a:solidFill>
+                  <a:srgbClr val="002060"/>
+                </a:solidFill>
+              </a:rPr>
+              <a:t>i</a:t>
+            </a:r>
+            <a:r>
+              <a:rPr lang="en-US" sz="2000" dirty="0">
+                <a:solidFill>
+                  <a:srgbClr val="002060"/>
+                </a:solidFill>
+              </a:rPr>
+              <a:t> &lt; m-&gt;rows; </a:t>
+            </a:r>
+            <a:r>
+              <a:rPr lang="en-US" sz="2000" dirty="0" err="1">
+                <a:solidFill>
+                  <a:srgbClr val="002060"/>
+                </a:solidFill>
+              </a:rPr>
+              <a:t>i</a:t>
+            </a:r>
+            <a:r>
+              <a:rPr lang="en-US" sz="2000" dirty="0">
+                <a:solidFill>
+                  <a:srgbClr val="002060"/>
+                </a:solidFill>
+              </a:rPr>
+              <a:t>++)</a:t>
             </a:r>
             <a:br>
               <a:rPr lang="en-US" sz="2000" dirty="0">
@@ -16558,7 +18652,7 @@
                   <a:srgbClr val="002060"/>
                 </a:solidFill>
               </a:rPr>
-              <a:t>	</a:t>
+              <a:t>		</a:t>
             </a:r>
             <a:r>
               <a:rPr lang="en-US" sz="2000" b="1" dirty="0">
@@ -16590,7 +18684,7 @@
                   <a:srgbClr val="002060"/>
                 </a:solidFill>
               </a:rPr>
-              <a:t> </a:t>
+              <a:t> j = 0; j &lt; m-&gt;cols; </a:t>
             </a:r>
             <a:r>
               <a:rPr lang="en-US" sz="2000" dirty="0" err="1">
@@ -16598,7 +18692,7 @@
                   <a:srgbClr val="002060"/>
                 </a:solidFill>
               </a:rPr>
-              <a:t>i</a:t>
+              <a:t>j++</a:t>
             </a:r>
             <a:r>
               <a:rPr lang="en-US" sz="2000" dirty="0">
@@ -16606,39 +18700,7 @@
                   <a:srgbClr val="002060"/>
                 </a:solidFill>
               </a:rPr>
-              <a:t> = 0; </a:t>
-            </a:r>
-            <a:r>
-              <a:rPr lang="en-US" sz="2000" dirty="0" err="1">
-                <a:solidFill>
-                  <a:srgbClr val="002060"/>
-                </a:solidFill>
-              </a:rPr>
-              <a:t>i</a:t>
-            </a:r>
-            <a:r>
-              <a:rPr lang="en-US" sz="2000" dirty="0">
-                <a:solidFill>
-                  <a:srgbClr val="002060"/>
-                </a:solidFill>
-              </a:rPr>
-              <a:t> &lt; m-&gt;rows; </a:t>
-            </a:r>
-            <a:r>
-              <a:rPr lang="en-US" sz="2000" dirty="0" err="1">
-                <a:solidFill>
-                  <a:srgbClr val="002060"/>
-                </a:solidFill>
-              </a:rPr>
-              <a:t>i</a:t>
-            </a:r>
-            <a:r>
-              <a:rPr lang="en-US" sz="2000" dirty="0">
-                <a:solidFill>
-                  <a:srgbClr val="002060"/>
-                </a:solidFill>
-              </a:rPr>
-              <a:t>++)</a:t>
+              <a:t>)</a:t>
             </a:r>
             <a:br>
               <a:rPr lang="en-US" sz="2000" dirty="0">
@@ -16653,31 +18715,15 @@
                   <a:srgbClr val="002060"/>
                 </a:solidFill>
               </a:rPr>
-              <a:t>		</a:t>
-            </a:r>
-            <a:r>
-              <a:rPr lang="en-US" sz="2000" b="1" dirty="0">
-                <a:solidFill>
-                  <a:srgbClr val="002060"/>
-                </a:solidFill>
-              </a:rPr>
-              <a:t>for</a:t>
+              <a:t>			</a:t>
             </a:r>
             <a:r>
               <a:rPr lang="en-US" sz="2000" dirty="0">
                 <a:solidFill>
-                  <a:srgbClr val="002060"/>
-                </a:solidFill>
-              </a:rPr>
-              <a:t> (</a:t>
-            </a:r>
-            <a:r>
-              <a:rPr lang="en-US" sz="2000" b="1" dirty="0">
-                <a:solidFill>
-                  <a:srgbClr val="002060"/>
-                </a:solidFill>
-              </a:rPr>
-              <a:t>uint32_t</a:t>
+                  <a:srgbClr val="00B050"/>
+                </a:solidFill>
+              </a:rPr>
+              <a:t>op</a:t>
             </a:r>
             <a:r>
               <a:rPr lang="en-US" sz="2000" dirty="0">
@@ -16685,7 +18731,7 @@
                   <a:srgbClr val="002060"/>
                 </a:solidFill>
               </a:rPr>
-              <a:t> j = 0; j &lt; m-&gt;cols; </a:t>
+              <a:t>(m, </a:t>
             </a:r>
             <a:r>
               <a:rPr lang="en-US" sz="2000" dirty="0" err="1">
@@ -16693,7 +18739,7 @@
                   <a:srgbClr val="002060"/>
                 </a:solidFill>
               </a:rPr>
-              <a:t>j++</a:t>
+              <a:t>i</a:t>
             </a:r>
             <a:r>
               <a:rPr lang="en-US" sz="2000" dirty="0">
@@ -16701,101 +18747,7 @@
                   <a:srgbClr val="002060"/>
                 </a:solidFill>
               </a:rPr>
-              <a:t>)</a:t>
-            </a:r>
-            <a:br>
-              <a:rPr lang="en-US" sz="2000" dirty="0">
-                <a:solidFill>
-                  <a:srgbClr val="002060"/>
-                </a:solidFill>
-              </a:rPr>
-            </a:br>
-            <a:r>
-              <a:rPr lang="en-US" sz="2000" dirty="0">
-                <a:solidFill>
-                  <a:srgbClr val="002060"/>
-                </a:solidFill>
-              </a:rPr>
-              <a:t>			result = </a:t>
-            </a:r>
-            <a:r>
-              <a:rPr lang="en-US" sz="2000" dirty="0">
-                <a:solidFill>
-                  <a:srgbClr val="00B050"/>
-                </a:solidFill>
-              </a:rPr>
-              <a:t>op</a:t>
-            </a:r>
-            <a:r>
-              <a:rPr lang="en-US" sz="2000" dirty="0">
-                <a:solidFill>
-                  <a:srgbClr val="002060"/>
-                </a:solidFill>
-              </a:rPr>
-              <a:t>(result, </a:t>
-            </a:r>
-            <a:r>
-              <a:rPr lang="en-US" sz="2000" dirty="0" err="1">
-                <a:solidFill>
-                  <a:srgbClr val="002060"/>
-                </a:solidFill>
-              </a:rPr>
-              <a:t>matrix_get</a:t>
-            </a:r>
-            <a:r>
-              <a:rPr lang="en-US" sz="2000" dirty="0">
-                <a:solidFill>
-                  <a:srgbClr val="002060"/>
-                </a:solidFill>
-              </a:rPr>
-              <a:t>(m, </a:t>
-            </a:r>
-            <a:r>
-              <a:rPr lang="en-US" sz="2000" dirty="0" err="1">
-                <a:solidFill>
-                  <a:srgbClr val="002060"/>
-                </a:solidFill>
-              </a:rPr>
-              <a:t>i</a:t>
-            </a:r>
-            <a:r>
-              <a:rPr lang="en-US" sz="2000" dirty="0">
-                <a:solidFill>
-                  <a:srgbClr val="002060"/>
-                </a:solidFill>
-              </a:rPr>
-              <a:t>, j));</a:t>
-            </a:r>
-            <a:br>
-              <a:rPr lang="en-US" sz="2000" dirty="0">
-                <a:solidFill>
-                  <a:srgbClr val="002060"/>
-                </a:solidFill>
-              </a:rPr>
-            </a:br>
-            <a:r>
-              <a:rPr lang="en-US" sz="2000" dirty="0">
-                <a:solidFill>
-                  <a:srgbClr val="002060"/>
-                </a:solidFill>
-              </a:rPr>
-              <a:t>	</a:t>
-            </a:r>
-            <a:r>
-              <a:rPr lang="en-US" sz="2000" b="1" dirty="0">
-                <a:solidFill>
-                  <a:srgbClr val="002060"/>
-                </a:solidFill>
-              </a:rPr>
-              <a:t>return</a:t>
-            </a:r>
-            <a:r>
-              <a:rPr lang="en-US" sz="2000" dirty="0">
-                <a:solidFill>
-                  <a:srgbClr val="002060"/>
-                </a:solidFill>
-              </a:rPr>
-              <a:t> result;</a:t>
+              <a:t>, j);</a:t>
             </a:r>
             <a:br>
               <a:rPr lang="en-US" sz="2000" dirty="0">
@@ -16818,6 +18770,9 @@
               <a:lnSpc>
                 <a:spcPct val="100000"/>
               </a:lnSpc>
+              <a:spcBef>
+                <a:spcPts val="1800"/>
+              </a:spcBef>
               <a:buNone/>
             </a:pPr>
             <a:r>
@@ -16828,14 +18783,6 @@
               </a:rPr>
               <a:t>// program.cpp</a:t>
             </a:r>
-            <a:r>
-              <a:rPr lang="en-US" sz="2000" dirty="0">
-                <a:solidFill>
-                  <a:srgbClr val="002060"/>
-                </a:solidFill>
-              </a:rPr>
-              <a:t/>
-            </a:r>
             <a:br>
               <a:rPr lang="en-US" sz="2000" dirty="0">
                 <a:solidFill>
@@ -16912,7 +18859,7 @@
                   <a:srgbClr val="00B050"/>
                 </a:solidFill>
               </a:rPr>
-              <a:t>sum</a:t>
+              <a:t>print</a:t>
             </a:r>
             <a:r>
               <a:rPr lang="en-US" sz="2000" dirty="0">
@@ -16920,7 +18867,7 @@
                   <a:srgbClr val="002060"/>
                 </a:solidFill>
               </a:rPr>
-              <a:t>, 0); </a:t>
+              <a:t>); </a:t>
             </a:r>
             <a:r>
               <a:rPr lang="en-US" sz="2000" dirty="0">
@@ -16928,7 +18875,7 @@
                   <a:srgbClr val="00B0F0"/>
                 </a:solidFill>
               </a:rPr>
-              <a:t>// sum</a:t>
+              <a:t>// print()</a:t>
             </a:r>
             <a:r>
               <a:rPr lang="ru-RU" sz="2000" dirty="0">
@@ -16936,7 +18883,7 @@
                   <a:srgbClr val="00B0F0"/>
                 </a:solidFill>
               </a:rPr>
-              <a:t> на предыдущем слайде</a:t>
+              <a:t> та же, что раньше</a:t>
             </a:r>
             <a:endParaRPr lang="en-US" sz="2000" dirty="0">
               <a:solidFill>
@@ -16951,7 +18898,7 @@
           <p:cNvPr id="4" name="Date Placeholder 3">
             <a:extLst>
               <a:ext uri="{FF2B5EF4-FFF2-40B4-BE49-F238E27FC236}">
-                <a16:creationId xmlns:a16="http://schemas.microsoft.com/office/drawing/2014/main" xmlns="" id="{0652C945-9E38-49B2-BD44-AF89756B1879}"/>
+                <a16:creationId xmlns:a16="http://schemas.microsoft.com/office/drawing/2014/main" id="{0652C945-9E38-49B2-BD44-AF89756B1879}"/>
               </a:ext>
             </a:extLst>
           </p:cNvPr>
@@ -16979,7 +18926,7 @@
           <p:cNvPr id="5" name="Footer Placeholder 4">
             <a:extLst>
               <a:ext uri="{FF2B5EF4-FFF2-40B4-BE49-F238E27FC236}">
-                <a16:creationId xmlns:a16="http://schemas.microsoft.com/office/drawing/2014/main" xmlns="" id="{87B47258-5805-4F06-A887-61D6126187CF}"/>
+                <a16:creationId xmlns:a16="http://schemas.microsoft.com/office/drawing/2014/main" id="{87B47258-5805-4F06-A887-61D6126187CF}"/>
               </a:ext>
             </a:extLst>
           </p:cNvPr>
@@ -17008,7 +18955,7 @@
           <p:cNvPr id="6" name="Slide Number Placeholder 5">
             <a:extLst>
               <a:ext uri="{FF2B5EF4-FFF2-40B4-BE49-F238E27FC236}">
-                <a16:creationId xmlns:a16="http://schemas.microsoft.com/office/drawing/2014/main" xmlns="" id="{C5589D1C-6BF0-4157-A928-D7C0CA6D4413}"/>
+                <a16:creationId xmlns:a16="http://schemas.microsoft.com/office/drawing/2014/main" id="{C5589D1C-6BF0-4157-A928-D7C0CA6D4413}"/>
               </a:ext>
             </a:extLst>
           </p:cNvPr>
@@ -17026,7 +18973,7 @@
           <a:p>
             <a:fld id="{6C0AB90F-BB76-49C5-86B7-99ECDA2A7A60}" type="slidenum">
               <a:rPr lang="en-US" smtClean="0"/>
-              <a:t>24</a:t>
+              <a:t>26</a:t>
             </a:fld>
             <a:endParaRPr lang="en-US"/>
           </a:p>
@@ -17067,7 +19014,7 @@
           <p:cNvPr id="61" name="Rectangle: Rounded Corners 60">
             <a:extLst>
               <a:ext uri="{FF2B5EF4-FFF2-40B4-BE49-F238E27FC236}">
-                <a16:creationId xmlns:a16="http://schemas.microsoft.com/office/drawing/2014/main" xmlns="" id="{BB6F62F8-4848-43C4-A200-8B8FF88914DE}"/>
+                <a16:creationId xmlns:a16="http://schemas.microsoft.com/office/drawing/2014/main" id="{BB6F62F8-4848-43C4-A200-8B8FF88914DE}"/>
               </a:ext>
             </a:extLst>
           </p:cNvPr>
@@ -17123,7 +19070,7 @@
           <p:cNvPr id="2" name="Title 1">
             <a:extLst>
               <a:ext uri="{FF2B5EF4-FFF2-40B4-BE49-F238E27FC236}">
-                <a16:creationId xmlns:a16="http://schemas.microsoft.com/office/drawing/2014/main" xmlns="" id="{AE3C1794-BB65-4965-8322-84C8653BFEB2}"/>
+                <a16:creationId xmlns:a16="http://schemas.microsoft.com/office/drawing/2014/main" id="{AE3C1794-BB65-4965-8322-84C8653BFEB2}"/>
               </a:ext>
             </a:extLst>
           </p:cNvPr>
@@ -17152,7 +19099,7 @@
           <p:cNvPr id="4" name="Rectangle: Folded Corner 3">
             <a:extLst>
               <a:ext uri="{FF2B5EF4-FFF2-40B4-BE49-F238E27FC236}">
-                <a16:creationId xmlns:a16="http://schemas.microsoft.com/office/drawing/2014/main" xmlns="" id="{41294EE8-98AA-4B52-80C7-1F6C3B8305A3}"/>
+                <a16:creationId xmlns:a16="http://schemas.microsoft.com/office/drawing/2014/main" id="{41294EE8-98AA-4B52-80C7-1F6C3B8305A3}"/>
               </a:ext>
             </a:extLst>
           </p:cNvPr>
@@ -17211,7 +19158,7 @@
           <p:cNvPr id="5" name="Rectangle: Folded Corner 4">
             <a:extLst>
               <a:ext uri="{FF2B5EF4-FFF2-40B4-BE49-F238E27FC236}">
-                <a16:creationId xmlns:a16="http://schemas.microsoft.com/office/drawing/2014/main" xmlns="" id="{466E4372-E6AE-4081-9169-4074829AC1DA}"/>
+                <a16:creationId xmlns:a16="http://schemas.microsoft.com/office/drawing/2014/main" id="{466E4372-E6AE-4081-9169-4074829AC1DA}"/>
               </a:ext>
             </a:extLst>
           </p:cNvPr>
@@ -17262,7 +19209,7 @@
           <p:cNvPr id="6" name="Rectangle: Folded Corner 5">
             <a:extLst>
               <a:ext uri="{FF2B5EF4-FFF2-40B4-BE49-F238E27FC236}">
-                <a16:creationId xmlns:a16="http://schemas.microsoft.com/office/drawing/2014/main" xmlns="" id="{C8C0459A-5722-43CF-823A-441D6BB91457}"/>
+                <a16:creationId xmlns:a16="http://schemas.microsoft.com/office/drawing/2014/main" id="{C8C0459A-5722-43CF-823A-441D6BB91457}"/>
               </a:ext>
             </a:extLst>
           </p:cNvPr>
@@ -17313,7 +19260,7 @@
           <p:cNvPr id="7" name="Rectangle: Folded Corner 6">
             <a:extLst>
               <a:ext uri="{FF2B5EF4-FFF2-40B4-BE49-F238E27FC236}">
-                <a16:creationId xmlns:a16="http://schemas.microsoft.com/office/drawing/2014/main" xmlns="" id="{7B6D5945-86C3-469D-9C02-541BC7F5EA3A}"/>
+                <a16:creationId xmlns:a16="http://schemas.microsoft.com/office/drawing/2014/main" id="{7B6D5945-86C3-469D-9C02-541BC7F5EA3A}"/>
               </a:ext>
             </a:extLst>
           </p:cNvPr>
@@ -17364,7 +19311,7 @@
           <p:cNvPr id="8" name="Rectangle 7">
             <a:extLst>
               <a:ext uri="{FF2B5EF4-FFF2-40B4-BE49-F238E27FC236}">
-                <a16:creationId xmlns:a16="http://schemas.microsoft.com/office/drawing/2014/main" xmlns="" id="{D7531B20-E2D0-4BA8-AFB2-B3DC040C3372}"/>
+                <a16:creationId xmlns:a16="http://schemas.microsoft.com/office/drawing/2014/main" id="{D7531B20-E2D0-4BA8-AFB2-B3DC040C3372}"/>
               </a:ext>
             </a:extLst>
           </p:cNvPr>
@@ -17422,7 +19369,7 @@
           <p:cNvPr id="9" name="Rectangle 8">
             <a:extLst>
               <a:ext uri="{FF2B5EF4-FFF2-40B4-BE49-F238E27FC236}">
-                <a16:creationId xmlns:a16="http://schemas.microsoft.com/office/drawing/2014/main" xmlns="" id="{62E73895-9A88-4ECF-BA35-17C005E685B5}"/>
+                <a16:creationId xmlns:a16="http://schemas.microsoft.com/office/drawing/2014/main" id="{62E73895-9A88-4ECF-BA35-17C005E685B5}"/>
               </a:ext>
             </a:extLst>
           </p:cNvPr>
@@ -17480,7 +19427,7 @@
           <p:cNvPr id="11" name="Connector: Curved 10">
             <a:extLst>
               <a:ext uri="{FF2B5EF4-FFF2-40B4-BE49-F238E27FC236}">
-                <a16:creationId xmlns:a16="http://schemas.microsoft.com/office/drawing/2014/main" xmlns="" id="{DE56B3CD-1453-4339-8F4A-BCA0D86AD80D}"/>
+                <a16:creationId xmlns:a16="http://schemas.microsoft.com/office/drawing/2014/main" id="{DE56B3CD-1453-4339-8F4A-BCA0D86AD80D}"/>
               </a:ext>
             </a:extLst>
           </p:cNvPr>
@@ -17530,7 +19477,7 @@
           <p:cNvPr id="15" name="Connector: Curved 14">
             <a:extLst>
               <a:ext uri="{FF2B5EF4-FFF2-40B4-BE49-F238E27FC236}">
-                <a16:creationId xmlns:a16="http://schemas.microsoft.com/office/drawing/2014/main" xmlns="" id="{CA65E6DF-6ED3-4592-B063-D62D7380F47C}"/>
+                <a16:creationId xmlns:a16="http://schemas.microsoft.com/office/drawing/2014/main" id="{CA65E6DF-6ED3-4592-B063-D62D7380F47C}"/>
               </a:ext>
             </a:extLst>
           </p:cNvPr>
@@ -17581,7 +19528,7 @@
           <p:cNvPr id="17" name="Connector: Curved 16">
             <a:extLst>
               <a:ext uri="{FF2B5EF4-FFF2-40B4-BE49-F238E27FC236}">
-                <a16:creationId xmlns:a16="http://schemas.microsoft.com/office/drawing/2014/main" xmlns="" id="{CDE2FFE6-C8D6-4067-B5D2-AEAE144EA07A}"/>
+                <a16:creationId xmlns:a16="http://schemas.microsoft.com/office/drawing/2014/main" id="{CDE2FFE6-C8D6-4067-B5D2-AEAE144EA07A}"/>
               </a:ext>
             </a:extLst>
           </p:cNvPr>
@@ -17632,7 +19579,7 @@
           <p:cNvPr id="3" name="Date Placeholder 2">
             <a:extLst>
               <a:ext uri="{FF2B5EF4-FFF2-40B4-BE49-F238E27FC236}">
-                <a16:creationId xmlns:a16="http://schemas.microsoft.com/office/drawing/2014/main" xmlns="" id="{93D64B91-2EF6-4EDC-A2A7-2F2FFE19FBC5}"/>
+                <a16:creationId xmlns:a16="http://schemas.microsoft.com/office/drawing/2014/main" id="{93D64B91-2EF6-4EDC-A2A7-2F2FFE19FBC5}"/>
               </a:ext>
             </a:extLst>
           </p:cNvPr>
@@ -17660,7 +19607,7 @@
           <p:cNvPr id="10" name="Footer Placeholder 9">
             <a:extLst>
               <a:ext uri="{FF2B5EF4-FFF2-40B4-BE49-F238E27FC236}">
-                <a16:creationId xmlns:a16="http://schemas.microsoft.com/office/drawing/2014/main" xmlns="" id="{470243C9-C23A-4D53-8DC9-97C0507BCACF}"/>
+                <a16:creationId xmlns:a16="http://schemas.microsoft.com/office/drawing/2014/main" id="{470243C9-C23A-4D53-8DC9-97C0507BCACF}"/>
               </a:ext>
             </a:extLst>
           </p:cNvPr>
@@ -17689,7 +19636,7 @@
           <p:cNvPr id="12" name="Slide Number Placeholder 11">
             <a:extLst>
               <a:ext uri="{FF2B5EF4-FFF2-40B4-BE49-F238E27FC236}">
-                <a16:creationId xmlns:a16="http://schemas.microsoft.com/office/drawing/2014/main" xmlns="" id="{E7FFAD7D-1B81-4F5B-BEA4-FF8F1E914D38}"/>
+                <a16:creationId xmlns:a16="http://schemas.microsoft.com/office/drawing/2014/main" id="{E7FFAD7D-1B81-4F5B-BEA4-FF8F1E914D38}"/>
               </a:ext>
             </a:extLst>
           </p:cNvPr>
@@ -17718,7 +19665,7 @@
           <p:cNvPr id="39" name="Straight Connector 38">
             <a:extLst>
               <a:ext uri="{FF2B5EF4-FFF2-40B4-BE49-F238E27FC236}">
-                <a16:creationId xmlns:a16="http://schemas.microsoft.com/office/drawing/2014/main" xmlns="" id="{0DC263D1-BA0A-40CE-83D4-5EBB66DAA418}"/>
+                <a16:creationId xmlns:a16="http://schemas.microsoft.com/office/drawing/2014/main" id="{0DC263D1-BA0A-40CE-83D4-5EBB66DAA418}"/>
               </a:ext>
             </a:extLst>
           </p:cNvPr>
@@ -17766,7 +19713,7 @@
           <p:cNvPr id="53" name="Connector: Curved 52">
             <a:extLst>
               <a:ext uri="{FF2B5EF4-FFF2-40B4-BE49-F238E27FC236}">
-                <a16:creationId xmlns:a16="http://schemas.microsoft.com/office/drawing/2014/main" xmlns="" id="{1158BBBE-FC77-4318-9BC5-ABA19704BCE6}"/>
+                <a16:creationId xmlns:a16="http://schemas.microsoft.com/office/drawing/2014/main" id="{1158BBBE-FC77-4318-9BC5-ABA19704BCE6}"/>
               </a:ext>
             </a:extLst>
           </p:cNvPr>
@@ -17815,7 +19762,7 @@
           <p:cNvPr id="55" name="Connector: Curved 54">
             <a:extLst>
               <a:ext uri="{FF2B5EF4-FFF2-40B4-BE49-F238E27FC236}">
-                <a16:creationId xmlns:a16="http://schemas.microsoft.com/office/drawing/2014/main" xmlns="" id="{0522C0FB-435B-4553-B40A-11A310B09DE6}"/>
+                <a16:creationId xmlns:a16="http://schemas.microsoft.com/office/drawing/2014/main" id="{0522C0FB-435B-4553-B40A-11A310B09DE6}"/>
               </a:ext>
             </a:extLst>
           </p:cNvPr>
@@ -17892,7 +19839,7 @@
           <p:cNvPr id="2" name="Title 1">
             <a:extLst>
               <a:ext uri="{FF2B5EF4-FFF2-40B4-BE49-F238E27FC236}">
-                <a16:creationId xmlns:a16="http://schemas.microsoft.com/office/drawing/2014/main" xmlns="" id="{57956104-6A8B-4D1E-BC61-FA6382D559DE}"/>
+                <a16:creationId xmlns:a16="http://schemas.microsoft.com/office/drawing/2014/main" id="{57956104-6A8B-4D1E-BC61-FA6382D559DE}"/>
               </a:ext>
             </a:extLst>
           </p:cNvPr>
@@ -17940,7 +19887,7 @@
           <p:cNvPr id="3" name="Content Placeholder 2">
             <a:extLst>
               <a:ext uri="{FF2B5EF4-FFF2-40B4-BE49-F238E27FC236}">
-                <a16:creationId xmlns:a16="http://schemas.microsoft.com/office/drawing/2014/main" xmlns="" id="{1EE837EE-87B3-4131-A55C-39909C168290}"/>
+                <a16:creationId xmlns:a16="http://schemas.microsoft.com/office/drawing/2014/main" id="{1EE837EE-87B3-4131-A55C-39909C168290}"/>
               </a:ext>
             </a:extLst>
           </p:cNvPr>
@@ -18057,12 +20004,8 @@
               <a:t>Коммерческие: </a:t>
             </a:r>
             <a:r>
-              <a:rPr lang="en-US" sz="2000" dirty="0" smtClean="0"/>
-              <a:t>Intel </a:t>
-            </a:r>
-            <a:r>
               <a:rPr lang="en-US" sz="2000" dirty="0"/>
-              <a:t>MKL (</a:t>
+              <a:t>Intel MKL (</a:t>
             </a:r>
             <a:r>
               <a:rPr lang="ru-RU" sz="2000" dirty="0"/>
@@ -18092,7 +20035,7 @@
           <p:cNvPr id="4" name="Date Placeholder 3">
             <a:extLst>
               <a:ext uri="{FF2B5EF4-FFF2-40B4-BE49-F238E27FC236}">
-                <a16:creationId xmlns:a16="http://schemas.microsoft.com/office/drawing/2014/main" xmlns="" id="{F9A75454-9A94-4611-8185-DFC138142D24}"/>
+                <a16:creationId xmlns:a16="http://schemas.microsoft.com/office/drawing/2014/main" id="{F9A75454-9A94-4611-8185-DFC138142D24}"/>
               </a:ext>
             </a:extLst>
           </p:cNvPr>
@@ -18120,7 +20063,7 @@
           <p:cNvPr id="5" name="Footer Placeholder 4">
             <a:extLst>
               <a:ext uri="{FF2B5EF4-FFF2-40B4-BE49-F238E27FC236}">
-                <a16:creationId xmlns:a16="http://schemas.microsoft.com/office/drawing/2014/main" xmlns="" id="{C63023CF-45E4-4B9A-8926-0AD06FFBF781}"/>
+                <a16:creationId xmlns:a16="http://schemas.microsoft.com/office/drawing/2014/main" id="{C63023CF-45E4-4B9A-8926-0AD06FFBF781}"/>
               </a:ext>
             </a:extLst>
           </p:cNvPr>
@@ -18149,7 +20092,7 @@
           <p:cNvPr id="6" name="Slide Number Placeholder 5">
             <a:extLst>
               <a:ext uri="{FF2B5EF4-FFF2-40B4-BE49-F238E27FC236}">
-                <a16:creationId xmlns:a16="http://schemas.microsoft.com/office/drawing/2014/main" xmlns="" id="{CE0DD165-ACD1-4DB9-B393-FABDCEE43A0C}"/>
+                <a16:creationId xmlns:a16="http://schemas.microsoft.com/office/drawing/2014/main" id="{CE0DD165-ACD1-4DB9-B393-FABDCEE43A0C}"/>
               </a:ext>
             </a:extLst>
           </p:cNvPr>
@@ -18208,7 +20151,7 @@
           <p:cNvPr id="2" name="Title 1">
             <a:extLst>
               <a:ext uri="{FF2B5EF4-FFF2-40B4-BE49-F238E27FC236}">
-                <a16:creationId xmlns:a16="http://schemas.microsoft.com/office/drawing/2014/main" xmlns="" id="{E92F2F5B-6BE2-471A-A8C5-B55506C4D847}"/>
+                <a16:creationId xmlns:a16="http://schemas.microsoft.com/office/drawing/2014/main" id="{E92F2F5B-6BE2-471A-A8C5-B55506C4D847}"/>
               </a:ext>
             </a:extLst>
           </p:cNvPr>
@@ -18242,7 +20185,7 @@
           <p:cNvPr id="3" name="Content Placeholder 2">
             <a:extLst>
               <a:ext uri="{FF2B5EF4-FFF2-40B4-BE49-F238E27FC236}">
-                <a16:creationId xmlns:a16="http://schemas.microsoft.com/office/drawing/2014/main" xmlns="" id="{BB36AFA4-8B6D-4497-8AAB-0BC6AEB37F55}"/>
+                <a16:creationId xmlns:a16="http://schemas.microsoft.com/office/drawing/2014/main" id="{BB36AFA4-8B6D-4497-8AAB-0BC6AEB37F55}"/>
               </a:ext>
             </a:extLst>
           </p:cNvPr>
@@ -18332,15 +20275,7 @@
             </a:r>
             <a:r>
               <a:rPr lang="en-US" sz="2000" dirty="0"/>
-              <a:t> = application programming </a:t>
-            </a:r>
-            <a:r>
-              <a:rPr lang="en-US" sz="2000" dirty="0" smtClean="0"/>
-              <a:t>interface</a:t>
-            </a:r>
-            <a:r>
-              <a:rPr lang="en-US" sz="2000" dirty="0"/>
-              <a:t>.</a:t>
+              <a:t> = application programming interface.</a:t>
             </a:r>
           </a:p>
           <a:p>
@@ -18386,7 +20321,7 @@
           <p:cNvPr id="4" name="Rectangle 3">
             <a:extLst>
               <a:ext uri="{FF2B5EF4-FFF2-40B4-BE49-F238E27FC236}">
-                <a16:creationId xmlns:a16="http://schemas.microsoft.com/office/drawing/2014/main" xmlns="" id="{157EC5B1-59CF-421A-8E0A-5C682626F972}"/>
+                <a16:creationId xmlns:a16="http://schemas.microsoft.com/office/drawing/2014/main" id="{157EC5B1-59CF-421A-8E0A-5C682626F972}"/>
               </a:ext>
             </a:extLst>
           </p:cNvPr>
@@ -18440,7 +20375,7 @@
           <p:cNvPr id="5" name="Rectangle 4">
             <a:extLst>
               <a:ext uri="{FF2B5EF4-FFF2-40B4-BE49-F238E27FC236}">
-                <a16:creationId xmlns:a16="http://schemas.microsoft.com/office/drawing/2014/main" xmlns="" id="{634E75C5-1391-49FE-816F-63996EC867C4}"/>
+                <a16:creationId xmlns:a16="http://schemas.microsoft.com/office/drawing/2014/main" id="{634E75C5-1391-49FE-816F-63996EC867C4}"/>
               </a:ext>
             </a:extLst>
           </p:cNvPr>
@@ -18494,7 +20429,7 @@
           <p:cNvPr id="6" name="Rectangle: Rounded Corners 5">
             <a:extLst>
               <a:ext uri="{FF2B5EF4-FFF2-40B4-BE49-F238E27FC236}">
-                <a16:creationId xmlns:a16="http://schemas.microsoft.com/office/drawing/2014/main" xmlns="" id="{C55E33F4-4B7B-4831-BF50-92A0F937E350}"/>
+                <a16:creationId xmlns:a16="http://schemas.microsoft.com/office/drawing/2014/main" id="{C55E33F4-4B7B-4831-BF50-92A0F937E350}"/>
               </a:ext>
             </a:extLst>
           </p:cNvPr>
@@ -18558,7 +20493,7 @@
           <p:cNvPr id="7" name="Rectangle: Rounded Corners 6">
             <a:extLst>
               <a:ext uri="{FF2B5EF4-FFF2-40B4-BE49-F238E27FC236}">
-                <a16:creationId xmlns:a16="http://schemas.microsoft.com/office/drawing/2014/main" xmlns="" id="{477AFDCB-2C34-4764-B918-AFDC43C3B366}"/>
+                <a16:creationId xmlns:a16="http://schemas.microsoft.com/office/drawing/2014/main" id="{477AFDCB-2C34-4764-B918-AFDC43C3B366}"/>
               </a:ext>
             </a:extLst>
           </p:cNvPr>
@@ -18619,7 +20554,7 @@
           <p:cNvPr id="11" name="Date Placeholder 10">
             <a:extLst>
               <a:ext uri="{FF2B5EF4-FFF2-40B4-BE49-F238E27FC236}">
-                <a16:creationId xmlns:a16="http://schemas.microsoft.com/office/drawing/2014/main" xmlns="" id="{1BD50180-2EB2-4B55-A502-82BC7A9A4486}"/>
+                <a16:creationId xmlns:a16="http://schemas.microsoft.com/office/drawing/2014/main" id="{1BD50180-2EB2-4B55-A502-82BC7A9A4486}"/>
               </a:ext>
             </a:extLst>
           </p:cNvPr>
@@ -18647,7 +20582,7 @@
           <p:cNvPr id="12" name="Footer Placeholder 11">
             <a:extLst>
               <a:ext uri="{FF2B5EF4-FFF2-40B4-BE49-F238E27FC236}">
-                <a16:creationId xmlns:a16="http://schemas.microsoft.com/office/drawing/2014/main" xmlns="" id="{388E64DE-69F8-4E2A-87A2-81ABF44F5576}"/>
+                <a16:creationId xmlns:a16="http://schemas.microsoft.com/office/drawing/2014/main" id="{388E64DE-69F8-4E2A-87A2-81ABF44F5576}"/>
               </a:ext>
             </a:extLst>
           </p:cNvPr>
@@ -18676,7 +20611,7 @@
           <p:cNvPr id="13" name="Slide Number Placeholder 12">
             <a:extLst>
               <a:ext uri="{FF2B5EF4-FFF2-40B4-BE49-F238E27FC236}">
-                <a16:creationId xmlns:a16="http://schemas.microsoft.com/office/drawing/2014/main" xmlns="" id="{9847ECCB-9A1C-4755-81E2-48E0B260BF77}"/>
+                <a16:creationId xmlns:a16="http://schemas.microsoft.com/office/drawing/2014/main" id="{9847ECCB-9A1C-4755-81E2-48E0B260BF77}"/>
               </a:ext>
             </a:extLst>
           </p:cNvPr>
@@ -18735,7 +20670,7 @@
           <p:cNvPr id="2" name="Title 1">
             <a:extLst>
               <a:ext uri="{FF2B5EF4-FFF2-40B4-BE49-F238E27FC236}">
-                <a16:creationId xmlns:a16="http://schemas.microsoft.com/office/drawing/2014/main" xmlns="" id="{F2884752-74D1-481B-AF29-E03A85FE4C80}"/>
+                <a16:creationId xmlns:a16="http://schemas.microsoft.com/office/drawing/2014/main" id="{F2884752-74D1-481B-AF29-E03A85FE4C80}"/>
               </a:ext>
             </a:extLst>
           </p:cNvPr>
@@ -18764,7 +20699,7 @@
           <p:cNvPr id="3" name="Content Placeholder 2">
             <a:extLst>
               <a:ext uri="{FF2B5EF4-FFF2-40B4-BE49-F238E27FC236}">
-                <a16:creationId xmlns:a16="http://schemas.microsoft.com/office/drawing/2014/main" xmlns="" id="{9565EB2F-D586-4CAA-B8EB-CC77F71CD7E0}"/>
+                <a16:creationId xmlns:a16="http://schemas.microsoft.com/office/drawing/2014/main" id="{9565EB2F-D586-4CAA-B8EB-CC77F71CD7E0}"/>
               </a:ext>
             </a:extLst>
           </p:cNvPr>
@@ -18906,7 +20841,7 @@
           <p:cNvPr id="4" name="Date Placeholder 3">
             <a:extLst>
               <a:ext uri="{FF2B5EF4-FFF2-40B4-BE49-F238E27FC236}">
-                <a16:creationId xmlns:a16="http://schemas.microsoft.com/office/drawing/2014/main" xmlns="" id="{40CAA65F-F102-4006-9A9C-44E4BEA65DAF}"/>
+                <a16:creationId xmlns:a16="http://schemas.microsoft.com/office/drawing/2014/main" id="{40CAA65F-F102-4006-9A9C-44E4BEA65DAF}"/>
               </a:ext>
             </a:extLst>
           </p:cNvPr>
@@ -18934,7 +20869,7 @@
           <p:cNvPr id="5" name="Footer Placeholder 4">
             <a:extLst>
               <a:ext uri="{FF2B5EF4-FFF2-40B4-BE49-F238E27FC236}">
-                <a16:creationId xmlns:a16="http://schemas.microsoft.com/office/drawing/2014/main" xmlns="" id="{4BC367D8-221E-4298-B8CC-C0845A6A12A2}"/>
+                <a16:creationId xmlns:a16="http://schemas.microsoft.com/office/drawing/2014/main" id="{4BC367D8-221E-4298-B8CC-C0845A6A12A2}"/>
               </a:ext>
             </a:extLst>
           </p:cNvPr>
@@ -18963,7 +20898,7 @@
           <p:cNvPr id="6" name="Slide Number Placeholder 5">
             <a:extLst>
               <a:ext uri="{FF2B5EF4-FFF2-40B4-BE49-F238E27FC236}">
-                <a16:creationId xmlns:a16="http://schemas.microsoft.com/office/drawing/2014/main" xmlns="" id="{C9002B5A-6F51-4101-B994-D10BE6D2CCD0}"/>
+                <a16:creationId xmlns:a16="http://schemas.microsoft.com/office/drawing/2014/main" id="{C9002B5A-6F51-4101-B994-D10BE6D2CCD0}"/>
               </a:ext>
             </a:extLst>
           </p:cNvPr>
@@ -19022,7 +20957,7 @@
           <p:cNvPr id="2" name="Title 1">
             <a:extLst>
               <a:ext uri="{FF2B5EF4-FFF2-40B4-BE49-F238E27FC236}">
-                <a16:creationId xmlns:a16="http://schemas.microsoft.com/office/drawing/2014/main" xmlns="" id="{8CB97883-BB12-48A4-AD85-864410ED991D}"/>
+                <a16:creationId xmlns:a16="http://schemas.microsoft.com/office/drawing/2014/main" id="{8CB97883-BB12-48A4-AD85-864410ED991D}"/>
               </a:ext>
             </a:extLst>
           </p:cNvPr>
@@ -19056,7 +20991,7 @@
           <p:cNvPr id="3" name="Content Placeholder 2">
             <a:extLst>
               <a:ext uri="{FF2B5EF4-FFF2-40B4-BE49-F238E27FC236}">
-                <a16:creationId xmlns:a16="http://schemas.microsoft.com/office/drawing/2014/main" xmlns="" id="{277AFB2B-B20E-491F-AA14-9D166E71B6EE}"/>
+                <a16:creationId xmlns:a16="http://schemas.microsoft.com/office/drawing/2014/main" id="{277AFB2B-B20E-491F-AA14-9D166E71B6EE}"/>
               </a:ext>
             </a:extLst>
           </p:cNvPr>
@@ -19215,7 +21150,7 @@
           <p:cNvPr id="6" name="TextBox 5">
             <a:extLst>
               <a:ext uri="{FF2B5EF4-FFF2-40B4-BE49-F238E27FC236}">
-                <a16:creationId xmlns:a16="http://schemas.microsoft.com/office/drawing/2014/main" xmlns="" id="{CE0417F5-5B06-4686-A3D9-4DFAE2BC0ED0}"/>
+                <a16:creationId xmlns:a16="http://schemas.microsoft.com/office/drawing/2014/main" id="{CE0417F5-5B06-4686-A3D9-4DFAE2BC0ED0}"/>
               </a:ext>
             </a:extLst>
           </p:cNvPr>
@@ -19259,7 +21194,7 @@
           <p:cNvPr id="4" name="Date Placeholder 3">
             <a:extLst>
               <a:ext uri="{FF2B5EF4-FFF2-40B4-BE49-F238E27FC236}">
-                <a16:creationId xmlns:a16="http://schemas.microsoft.com/office/drawing/2014/main" xmlns="" id="{9989A927-D5DB-48D6-8639-22091504CBCB}"/>
+                <a16:creationId xmlns:a16="http://schemas.microsoft.com/office/drawing/2014/main" id="{9989A927-D5DB-48D6-8639-22091504CBCB}"/>
               </a:ext>
             </a:extLst>
           </p:cNvPr>
@@ -19287,7 +21222,7 @@
           <p:cNvPr id="5" name="Footer Placeholder 4">
             <a:extLst>
               <a:ext uri="{FF2B5EF4-FFF2-40B4-BE49-F238E27FC236}">
-                <a16:creationId xmlns:a16="http://schemas.microsoft.com/office/drawing/2014/main" xmlns="" id="{EDF23D45-7734-4103-80F1-712D5B4B8622}"/>
+                <a16:creationId xmlns:a16="http://schemas.microsoft.com/office/drawing/2014/main" id="{EDF23D45-7734-4103-80F1-712D5B4B8622}"/>
               </a:ext>
             </a:extLst>
           </p:cNvPr>
@@ -19316,7 +21251,7 @@
           <p:cNvPr id="7" name="Slide Number Placeholder 6">
             <a:extLst>
               <a:ext uri="{FF2B5EF4-FFF2-40B4-BE49-F238E27FC236}">
-                <a16:creationId xmlns:a16="http://schemas.microsoft.com/office/drawing/2014/main" xmlns="" id="{3586DD33-2F2F-45B5-8216-130103826B72}"/>
+                <a16:creationId xmlns:a16="http://schemas.microsoft.com/office/drawing/2014/main" id="{3586DD33-2F2F-45B5-8216-130103826B72}"/>
               </a:ext>
             </a:extLst>
           </p:cNvPr>
@@ -19375,7 +21310,7 @@
           <p:cNvPr id="2" name="Title 1">
             <a:extLst>
               <a:ext uri="{FF2B5EF4-FFF2-40B4-BE49-F238E27FC236}">
-                <a16:creationId xmlns:a16="http://schemas.microsoft.com/office/drawing/2014/main" xmlns="" id="{D9FE0E66-83A4-4C69-8E44-1AA046E66840}"/>
+                <a16:creationId xmlns:a16="http://schemas.microsoft.com/office/drawing/2014/main" id="{D9FE0E66-83A4-4C69-8E44-1AA046E66840}"/>
               </a:ext>
             </a:extLst>
           </p:cNvPr>
@@ -19408,7 +21343,7 @@
           <p:cNvPr id="3" name="Content Placeholder 2">
             <a:extLst>
               <a:ext uri="{FF2B5EF4-FFF2-40B4-BE49-F238E27FC236}">
-                <a16:creationId xmlns:a16="http://schemas.microsoft.com/office/drawing/2014/main" xmlns="" id="{6F3B08AB-D72E-4376-BFD6-28A98FB8D49A}"/>
+                <a16:creationId xmlns:a16="http://schemas.microsoft.com/office/drawing/2014/main" id="{6F3B08AB-D72E-4376-BFD6-28A98FB8D49A}"/>
               </a:ext>
             </a:extLst>
           </p:cNvPr>
@@ -19500,7 +21435,7 @@
           <p:cNvPr id="4" name="Content Placeholder 2">
             <a:extLst>
               <a:ext uri="{FF2B5EF4-FFF2-40B4-BE49-F238E27FC236}">
-                <a16:creationId xmlns:a16="http://schemas.microsoft.com/office/drawing/2014/main" xmlns="" id="{95B4F1EE-8024-440F-B4D1-69461DF3AF54}"/>
+                <a16:creationId xmlns:a16="http://schemas.microsoft.com/office/drawing/2014/main" id="{95B4F1EE-8024-440F-B4D1-69461DF3AF54}"/>
               </a:ext>
             </a:extLst>
           </p:cNvPr>
@@ -19752,7 +21687,7 @@
           <p:cNvPr id="5" name="Date Placeholder 4">
             <a:extLst>
               <a:ext uri="{FF2B5EF4-FFF2-40B4-BE49-F238E27FC236}">
-                <a16:creationId xmlns:a16="http://schemas.microsoft.com/office/drawing/2014/main" xmlns="" id="{5C70EB28-6652-41A6-9767-3132B7F4087E}"/>
+                <a16:creationId xmlns:a16="http://schemas.microsoft.com/office/drawing/2014/main" id="{5C70EB28-6652-41A6-9767-3132B7F4087E}"/>
               </a:ext>
             </a:extLst>
           </p:cNvPr>
@@ -19780,7 +21715,7 @@
           <p:cNvPr id="6" name="Footer Placeholder 5">
             <a:extLst>
               <a:ext uri="{FF2B5EF4-FFF2-40B4-BE49-F238E27FC236}">
-                <a16:creationId xmlns:a16="http://schemas.microsoft.com/office/drawing/2014/main" xmlns="" id="{EF2B77B1-B665-4275-B971-044700ABA9D4}"/>
+                <a16:creationId xmlns:a16="http://schemas.microsoft.com/office/drawing/2014/main" id="{EF2B77B1-B665-4275-B971-044700ABA9D4}"/>
               </a:ext>
             </a:extLst>
           </p:cNvPr>
@@ -19809,7 +21744,7 @@
           <p:cNvPr id="7" name="Slide Number Placeholder 6">
             <a:extLst>
               <a:ext uri="{FF2B5EF4-FFF2-40B4-BE49-F238E27FC236}">
-                <a16:creationId xmlns:a16="http://schemas.microsoft.com/office/drawing/2014/main" xmlns="" id="{213AC5E6-FE22-4855-B5F9-A2F537AAAA20}"/>
+                <a16:creationId xmlns:a16="http://schemas.microsoft.com/office/drawing/2014/main" id="{213AC5E6-FE22-4855-B5F9-A2F537AAAA20}"/>
               </a:ext>
             </a:extLst>
           </p:cNvPr>
@@ -19868,7 +21803,7 @@
           <p:cNvPr id="34" name="Straight Connector 33">
             <a:extLst>
               <a:ext uri="{FF2B5EF4-FFF2-40B4-BE49-F238E27FC236}">
-                <a16:creationId xmlns:a16="http://schemas.microsoft.com/office/drawing/2014/main" xmlns="" id="{1AA0C357-96B6-4A57-9B63-89EF18C2AA07}"/>
+                <a16:creationId xmlns:a16="http://schemas.microsoft.com/office/drawing/2014/main" id="{1AA0C357-96B6-4A57-9B63-89EF18C2AA07}"/>
               </a:ext>
             </a:extLst>
           </p:cNvPr>
@@ -19914,7 +21849,7 @@
           <p:cNvPr id="2" name="Title 1">
             <a:extLst>
               <a:ext uri="{FF2B5EF4-FFF2-40B4-BE49-F238E27FC236}">
-                <a16:creationId xmlns:a16="http://schemas.microsoft.com/office/drawing/2014/main" xmlns="" id="{6DDF967D-3DF7-4ABF-BC9A-DB27BB85286D}"/>
+                <a16:creationId xmlns:a16="http://schemas.microsoft.com/office/drawing/2014/main" id="{6DDF967D-3DF7-4ABF-BC9A-DB27BB85286D}"/>
               </a:ext>
             </a:extLst>
           </p:cNvPr>
@@ -19945,7 +21880,7 @@
           <p:cNvPr id="5" name="TextBox 4">
             <a:extLst>
               <a:ext uri="{FF2B5EF4-FFF2-40B4-BE49-F238E27FC236}">
-                <a16:creationId xmlns:a16="http://schemas.microsoft.com/office/drawing/2014/main" xmlns="" id="{7D413706-769E-4DB9-9D17-02A78F2736FD}"/>
+                <a16:creationId xmlns:a16="http://schemas.microsoft.com/office/drawing/2014/main" id="{7D413706-769E-4DB9-9D17-02A78F2736FD}"/>
               </a:ext>
             </a:extLst>
           </p:cNvPr>
@@ -19981,7 +21916,7 @@
           <p:cNvPr id="6" name="Flowchart: Alternate Process 5">
             <a:extLst>
               <a:ext uri="{FF2B5EF4-FFF2-40B4-BE49-F238E27FC236}">
-                <a16:creationId xmlns:a16="http://schemas.microsoft.com/office/drawing/2014/main" xmlns="" id="{E95C4835-903D-4DDA-BE3A-FA84E2482351}"/>
+                <a16:creationId xmlns:a16="http://schemas.microsoft.com/office/drawing/2014/main" id="{E95C4835-903D-4DDA-BE3A-FA84E2482351}"/>
               </a:ext>
             </a:extLst>
           </p:cNvPr>
@@ -20049,7 +21984,7 @@
           <p:cNvPr id="7" name="Rectangle 6">
             <a:extLst>
               <a:ext uri="{FF2B5EF4-FFF2-40B4-BE49-F238E27FC236}">
-                <a16:creationId xmlns:a16="http://schemas.microsoft.com/office/drawing/2014/main" xmlns="" id="{86B95E5A-DD93-4F8E-90AC-FB2A46C305AB}"/>
+                <a16:creationId xmlns:a16="http://schemas.microsoft.com/office/drawing/2014/main" id="{86B95E5A-DD93-4F8E-90AC-FB2A46C305AB}"/>
               </a:ext>
             </a:extLst>
           </p:cNvPr>
@@ -20103,7 +22038,7 @@
           <p:cNvPr id="8" name="Rectangle: Folded Corner 7">
             <a:extLst>
               <a:ext uri="{FF2B5EF4-FFF2-40B4-BE49-F238E27FC236}">
-                <a16:creationId xmlns:a16="http://schemas.microsoft.com/office/drawing/2014/main" xmlns="" id="{84C5B701-BCF7-4359-A0F2-55C283DA10B5}"/>
+                <a16:creationId xmlns:a16="http://schemas.microsoft.com/office/drawing/2014/main" id="{84C5B701-BCF7-4359-A0F2-55C283DA10B5}"/>
               </a:ext>
             </a:extLst>
           </p:cNvPr>
@@ -20156,7 +22091,7 @@
           <p:cNvPr id="10" name="Straight Arrow Connector 9">
             <a:extLst>
               <a:ext uri="{FF2B5EF4-FFF2-40B4-BE49-F238E27FC236}">
-                <a16:creationId xmlns:a16="http://schemas.microsoft.com/office/drawing/2014/main" xmlns="" id="{64590503-807D-41E7-AD45-0440F1D63E94}"/>
+                <a16:creationId xmlns:a16="http://schemas.microsoft.com/office/drawing/2014/main" id="{64590503-807D-41E7-AD45-0440F1D63E94}"/>
               </a:ext>
             </a:extLst>
           </p:cNvPr>
@@ -20203,7 +22138,7 @@
           <p:cNvPr id="11" name="Rectangle: Folded Corner 10">
             <a:extLst>
               <a:ext uri="{FF2B5EF4-FFF2-40B4-BE49-F238E27FC236}">
-                <a16:creationId xmlns:a16="http://schemas.microsoft.com/office/drawing/2014/main" xmlns="" id="{B6525369-034C-419C-8936-B978EB8F43A2}"/>
+                <a16:creationId xmlns:a16="http://schemas.microsoft.com/office/drawing/2014/main" id="{B6525369-034C-419C-8936-B978EB8F43A2}"/>
               </a:ext>
             </a:extLst>
           </p:cNvPr>
@@ -20257,7 +22192,7 @@
           <p:cNvPr id="12" name="Rectangle: Folded Corner 11">
             <a:extLst>
               <a:ext uri="{FF2B5EF4-FFF2-40B4-BE49-F238E27FC236}">
-                <a16:creationId xmlns:a16="http://schemas.microsoft.com/office/drawing/2014/main" xmlns="" id="{9752F72B-A539-40BE-A35D-CBBE0C3B4811}"/>
+                <a16:creationId xmlns:a16="http://schemas.microsoft.com/office/drawing/2014/main" id="{9752F72B-A539-40BE-A35D-CBBE0C3B4811}"/>
               </a:ext>
             </a:extLst>
           </p:cNvPr>
@@ -20310,7 +22245,7 @@
           <p:cNvPr id="19" name="Straight Arrow Connector 18">
             <a:extLst>
               <a:ext uri="{FF2B5EF4-FFF2-40B4-BE49-F238E27FC236}">
-                <a16:creationId xmlns:a16="http://schemas.microsoft.com/office/drawing/2014/main" xmlns="" id="{1651A282-8671-4AAD-8FFA-59D1DE67C351}"/>
+                <a16:creationId xmlns:a16="http://schemas.microsoft.com/office/drawing/2014/main" id="{1651A282-8671-4AAD-8FFA-59D1DE67C351}"/>
               </a:ext>
             </a:extLst>
           </p:cNvPr>
@@ -20359,7 +22294,7 @@
           <p:cNvPr id="20" name="Rectangle 19">
             <a:extLst>
               <a:ext uri="{FF2B5EF4-FFF2-40B4-BE49-F238E27FC236}">
-                <a16:creationId xmlns:a16="http://schemas.microsoft.com/office/drawing/2014/main" xmlns="" id="{93FBFE58-746C-4495-BCA8-65FC03D6C486}"/>
+                <a16:creationId xmlns:a16="http://schemas.microsoft.com/office/drawing/2014/main" id="{93FBFE58-746C-4495-BCA8-65FC03D6C486}"/>
               </a:ext>
             </a:extLst>
           </p:cNvPr>
@@ -20413,7 +22348,7 @@
           <p:cNvPr id="21" name="Rectangle 20">
             <a:extLst>
               <a:ext uri="{FF2B5EF4-FFF2-40B4-BE49-F238E27FC236}">
-                <a16:creationId xmlns:a16="http://schemas.microsoft.com/office/drawing/2014/main" xmlns="" id="{6E5B0FC8-AF08-4429-BF56-104393378583}"/>
+                <a16:creationId xmlns:a16="http://schemas.microsoft.com/office/drawing/2014/main" id="{6E5B0FC8-AF08-4429-BF56-104393378583}"/>
               </a:ext>
             </a:extLst>
           </p:cNvPr>
@@ -20466,7 +22401,7 @@
           <p:cNvPr id="23" name="Straight Arrow Connector 22">
             <a:extLst>
               <a:ext uri="{FF2B5EF4-FFF2-40B4-BE49-F238E27FC236}">
-                <a16:creationId xmlns:a16="http://schemas.microsoft.com/office/drawing/2014/main" xmlns="" id="{1145F427-32A2-41AC-9369-DF9A10DC3BD7}"/>
+                <a16:creationId xmlns:a16="http://schemas.microsoft.com/office/drawing/2014/main" id="{1145F427-32A2-41AC-9369-DF9A10DC3BD7}"/>
               </a:ext>
             </a:extLst>
           </p:cNvPr>
@@ -20514,7 +22449,7 @@
           <p:cNvPr id="28" name="Connector: Curved 27">
             <a:extLst>
               <a:ext uri="{FF2B5EF4-FFF2-40B4-BE49-F238E27FC236}">
-                <a16:creationId xmlns:a16="http://schemas.microsoft.com/office/drawing/2014/main" xmlns="" id="{D2F4548A-1967-4FAD-9A2F-4D5EF04906F4}"/>
+                <a16:creationId xmlns:a16="http://schemas.microsoft.com/office/drawing/2014/main" id="{D2F4548A-1967-4FAD-9A2F-4D5EF04906F4}"/>
               </a:ext>
             </a:extLst>
           </p:cNvPr>
@@ -20561,7 +22496,7 @@
           <p:cNvPr id="30" name="Straight Arrow Connector 29">
             <a:extLst>
               <a:ext uri="{FF2B5EF4-FFF2-40B4-BE49-F238E27FC236}">
-                <a16:creationId xmlns:a16="http://schemas.microsoft.com/office/drawing/2014/main" xmlns="" id="{D819BCB9-1531-4320-BB06-8E5FF1771AA8}"/>
+                <a16:creationId xmlns:a16="http://schemas.microsoft.com/office/drawing/2014/main" id="{D819BCB9-1531-4320-BB06-8E5FF1771AA8}"/>
               </a:ext>
             </a:extLst>
           </p:cNvPr>
@@ -20609,7 +22544,7 @@
           <p:cNvPr id="36" name="TextBox 35">
             <a:extLst>
               <a:ext uri="{FF2B5EF4-FFF2-40B4-BE49-F238E27FC236}">
-                <a16:creationId xmlns:a16="http://schemas.microsoft.com/office/drawing/2014/main" xmlns="" id="{13074851-951B-4129-86B7-342832AE2EF9}"/>
+                <a16:creationId xmlns:a16="http://schemas.microsoft.com/office/drawing/2014/main" id="{13074851-951B-4129-86B7-342832AE2EF9}"/>
               </a:ext>
             </a:extLst>
           </p:cNvPr>
@@ -20658,7 +22593,7 @@
           <p:cNvPr id="37" name="TextBox 36">
             <a:extLst>
               <a:ext uri="{FF2B5EF4-FFF2-40B4-BE49-F238E27FC236}">
-                <a16:creationId xmlns:a16="http://schemas.microsoft.com/office/drawing/2014/main" xmlns="" id="{E3512C98-6342-4CA6-8089-E2102E065F76}"/>
+                <a16:creationId xmlns:a16="http://schemas.microsoft.com/office/drawing/2014/main" id="{E3512C98-6342-4CA6-8089-E2102E065F76}"/>
               </a:ext>
             </a:extLst>
           </p:cNvPr>
@@ -20706,7 +22641,7 @@
           <p:cNvPr id="3" name="Date Placeholder 2">
             <a:extLst>
               <a:ext uri="{FF2B5EF4-FFF2-40B4-BE49-F238E27FC236}">
-                <a16:creationId xmlns:a16="http://schemas.microsoft.com/office/drawing/2014/main" xmlns="" id="{57345891-8931-4549-9A3A-D46E435FF1C9}"/>
+                <a16:creationId xmlns:a16="http://schemas.microsoft.com/office/drawing/2014/main" id="{57345891-8931-4549-9A3A-D46E435FF1C9}"/>
               </a:ext>
             </a:extLst>
           </p:cNvPr>
@@ -20734,7 +22669,7 @@
           <p:cNvPr id="4" name="Footer Placeholder 3">
             <a:extLst>
               <a:ext uri="{FF2B5EF4-FFF2-40B4-BE49-F238E27FC236}">
-                <a16:creationId xmlns:a16="http://schemas.microsoft.com/office/drawing/2014/main" xmlns="" id="{5AE3141E-D136-4AA9-BCC0-225F2FEF3E74}"/>
+                <a16:creationId xmlns:a16="http://schemas.microsoft.com/office/drawing/2014/main" id="{5AE3141E-D136-4AA9-BCC0-225F2FEF3E74}"/>
               </a:ext>
             </a:extLst>
           </p:cNvPr>
@@ -20763,7 +22698,7 @@
           <p:cNvPr id="9" name="Slide Number Placeholder 8">
             <a:extLst>
               <a:ext uri="{FF2B5EF4-FFF2-40B4-BE49-F238E27FC236}">
-                <a16:creationId xmlns:a16="http://schemas.microsoft.com/office/drawing/2014/main" xmlns="" id="{837B3D04-606B-4473-81DF-4178244E4867}"/>
+                <a16:creationId xmlns:a16="http://schemas.microsoft.com/office/drawing/2014/main" id="{837B3D04-606B-4473-81DF-4178244E4867}"/>
               </a:ext>
             </a:extLst>
           </p:cNvPr>

--- a/lecture07_library.pptx
+++ b/lecture07_library.pptx
@@ -173,7 +173,7 @@
           <p:cNvPr id="2" name="Header Placeholder 1">
             <a:extLst>
               <a:ext uri="{FF2B5EF4-FFF2-40B4-BE49-F238E27FC236}">
-                <a16:creationId xmlns:a16="http://schemas.microsoft.com/office/drawing/2014/main" id="{AD1774C6-C20B-430F-8D96-A46B3460A412}"/>
+                <a16:creationId xmlns:a16="http://schemas.microsoft.com/office/drawing/2014/main" xmlns="" id="{AD1774C6-C20B-430F-8D96-A46B3460A412}"/>
               </a:ext>
             </a:extLst>
           </p:cNvPr>
@@ -210,7 +210,7 @@
           <p:cNvPr id="3" name="Date Placeholder 2">
             <a:extLst>
               <a:ext uri="{FF2B5EF4-FFF2-40B4-BE49-F238E27FC236}">
-                <a16:creationId xmlns:a16="http://schemas.microsoft.com/office/drawing/2014/main" id="{EAC0D0C3-47AD-4E93-87E7-567B2DA7F24E}"/>
+                <a16:creationId xmlns:a16="http://schemas.microsoft.com/office/drawing/2014/main" xmlns="" id="{EAC0D0C3-47AD-4E93-87E7-567B2DA7F24E}"/>
               </a:ext>
             </a:extLst>
           </p:cNvPr>
@@ -240,7 +240,7 @@
           <a:p>
             <a:fld id="{8E6F5CD2-97F2-476B-BED4-B02F2EDC4BF0}" type="datetimeFigureOut">
               <a:rPr lang="en-US" smtClean="0"/>
-              <a:t>4/28/2021</a:t>
+              <a:t>4/29/2021</a:t>
             </a:fld>
             <a:endParaRPr lang="en-US"/>
           </a:p>
@@ -251,7 +251,7 @@
           <p:cNvPr id="4" name="Footer Placeholder 3">
             <a:extLst>
               <a:ext uri="{FF2B5EF4-FFF2-40B4-BE49-F238E27FC236}">
-                <a16:creationId xmlns:a16="http://schemas.microsoft.com/office/drawing/2014/main" id="{9D5081F8-5BE7-4238-9E6C-BA8E26802D4C}"/>
+                <a16:creationId xmlns:a16="http://schemas.microsoft.com/office/drawing/2014/main" xmlns="" id="{9D5081F8-5BE7-4238-9E6C-BA8E26802D4C}"/>
               </a:ext>
             </a:extLst>
           </p:cNvPr>
@@ -288,7 +288,7 @@
           <p:cNvPr id="5" name="Slide Number Placeholder 4">
             <a:extLst>
               <a:ext uri="{FF2B5EF4-FFF2-40B4-BE49-F238E27FC236}">
-                <a16:creationId xmlns:a16="http://schemas.microsoft.com/office/drawing/2014/main" id="{DB993ECE-5611-45C2-8C00-9E2A2EE38227}"/>
+                <a16:creationId xmlns:a16="http://schemas.microsoft.com/office/drawing/2014/main" xmlns="" id="{DB993ECE-5611-45C2-8C00-9E2A2EE38227}"/>
               </a:ext>
             </a:extLst>
           </p:cNvPr>
@@ -417,7 +417,7 @@
           <a:p>
             <a:fld id="{195B3867-7BAC-48A8-85C4-AB40F533468D}" type="datetimeFigureOut">
               <a:rPr lang="en-US" smtClean="0"/>
-              <a:t>4/28/2021</a:t>
+              <a:t>4/29/2021</a:t>
             </a:fld>
             <a:endParaRPr lang="en-US"/>
           </a:p>
@@ -3585,7 +3585,7 @@
           <p:cNvPr id="2" name="Title 1">
             <a:extLst>
               <a:ext uri="{FF2B5EF4-FFF2-40B4-BE49-F238E27FC236}">
-                <a16:creationId xmlns:a16="http://schemas.microsoft.com/office/drawing/2014/main" id="{1D29A29D-DB3C-4F0F-9E08-EF424E96FEE0}"/>
+                <a16:creationId xmlns:a16="http://schemas.microsoft.com/office/drawing/2014/main" xmlns="" id="{1D29A29D-DB3C-4F0F-9E08-EF424E96FEE0}"/>
               </a:ext>
             </a:extLst>
           </p:cNvPr>
@@ -3619,7 +3619,7 @@
           <p:cNvPr id="3" name="Subtitle 2">
             <a:extLst>
               <a:ext uri="{FF2B5EF4-FFF2-40B4-BE49-F238E27FC236}">
-                <a16:creationId xmlns:a16="http://schemas.microsoft.com/office/drawing/2014/main" id="{B53108F5-F484-43D1-A1B7-702B73884C82}"/>
+                <a16:creationId xmlns:a16="http://schemas.microsoft.com/office/drawing/2014/main" xmlns="" id="{B53108F5-F484-43D1-A1B7-702B73884C82}"/>
               </a:ext>
             </a:extLst>
           </p:cNvPr>
@@ -3675,6 +3675,16 @@
                 </a:solidFill>
               </a:rPr>
               <a:t>Кафедра Управления и интеллектуальных технологий</a:t>
+            </a:r>
+            <a:r>
+              <a:rPr lang="en-US" sz="2000" dirty="0">
+                <a:solidFill>
+                  <a:schemeClr val="bg1">
+                    <a:lumMod val="50000"/>
+                  </a:schemeClr>
+                </a:solidFill>
+              </a:rPr>
+              <a:t/>
             </a:r>
             <a:br>
               <a:rPr lang="en-US" sz="2000" dirty="0">
@@ -3740,7 +3750,7 @@
           <p:cNvPr id="2" name="Title 1">
             <a:extLst>
               <a:ext uri="{FF2B5EF4-FFF2-40B4-BE49-F238E27FC236}">
-                <a16:creationId xmlns:a16="http://schemas.microsoft.com/office/drawing/2014/main" id="{5F161B13-FC3E-4572-BD88-D13C49734F47}"/>
+                <a16:creationId xmlns:a16="http://schemas.microsoft.com/office/drawing/2014/main" xmlns="" id="{5F161B13-FC3E-4572-BD88-D13C49734F47}"/>
               </a:ext>
             </a:extLst>
           </p:cNvPr>
@@ -3774,7 +3784,7 @@
           <p:cNvPr id="4" name="TextBox 3">
             <a:extLst>
               <a:ext uri="{FF2B5EF4-FFF2-40B4-BE49-F238E27FC236}">
-                <a16:creationId xmlns:a16="http://schemas.microsoft.com/office/drawing/2014/main" id="{3458FCB8-6F8D-47A5-8D68-F5F0F44E3E66}"/>
+                <a16:creationId xmlns:a16="http://schemas.microsoft.com/office/drawing/2014/main" xmlns="" id="{3458FCB8-6F8D-47A5-8D68-F5F0F44E3E66}"/>
               </a:ext>
             </a:extLst>
           </p:cNvPr>
@@ -3813,7 +3823,7 @@
           <p:cNvPr id="5" name="Straight Connector 4">
             <a:extLst>
               <a:ext uri="{FF2B5EF4-FFF2-40B4-BE49-F238E27FC236}">
-                <a16:creationId xmlns:a16="http://schemas.microsoft.com/office/drawing/2014/main" id="{BD18D9A1-425F-4B73-816E-673E2CEEED05}"/>
+                <a16:creationId xmlns:a16="http://schemas.microsoft.com/office/drawing/2014/main" xmlns="" id="{BD18D9A1-425F-4B73-816E-673E2CEEED05}"/>
               </a:ext>
             </a:extLst>
           </p:cNvPr>
@@ -3859,7 +3869,7 @@
           <p:cNvPr id="6" name="TextBox 5">
             <a:extLst>
               <a:ext uri="{FF2B5EF4-FFF2-40B4-BE49-F238E27FC236}">
-                <a16:creationId xmlns:a16="http://schemas.microsoft.com/office/drawing/2014/main" id="{D1326568-801D-4796-ADD6-838984957492}"/>
+                <a16:creationId xmlns:a16="http://schemas.microsoft.com/office/drawing/2014/main" xmlns="" id="{D1326568-801D-4796-ADD6-838984957492}"/>
               </a:ext>
             </a:extLst>
           </p:cNvPr>
@@ -3908,7 +3918,7 @@
           <p:cNvPr id="7" name="TextBox 6">
             <a:extLst>
               <a:ext uri="{FF2B5EF4-FFF2-40B4-BE49-F238E27FC236}">
-                <a16:creationId xmlns:a16="http://schemas.microsoft.com/office/drawing/2014/main" id="{12600895-516D-42EC-AD9A-9860D9F4603F}"/>
+                <a16:creationId xmlns:a16="http://schemas.microsoft.com/office/drawing/2014/main" xmlns="" id="{12600895-516D-42EC-AD9A-9860D9F4603F}"/>
               </a:ext>
             </a:extLst>
           </p:cNvPr>
@@ -3957,7 +3967,7 @@
           <p:cNvPr id="8" name="TextBox 7">
             <a:extLst>
               <a:ext uri="{FF2B5EF4-FFF2-40B4-BE49-F238E27FC236}">
-                <a16:creationId xmlns:a16="http://schemas.microsoft.com/office/drawing/2014/main" id="{DFA683CE-A9D1-43C6-A4BC-FEDF3600053C}"/>
+                <a16:creationId xmlns:a16="http://schemas.microsoft.com/office/drawing/2014/main" xmlns="" id="{DFA683CE-A9D1-43C6-A4BC-FEDF3600053C}"/>
               </a:ext>
             </a:extLst>
           </p:cNvPr>
@@ -4005,7 +4015,7 @@
           <p:cNvPr id="9" name="Straight Connector 8">
             <a:extLst>
               <a:ext uri="{FF2B5EF4-FFF2-40B4-BE49-F238E27FC236}">
-                <a16:creationId xmlns:a16="http://schemas.microsoft.com/office/drawing/2014/main" id="{CEF25851-77FD-4713-89DD-EEB5F67BEF35}"/>
+                <a16:creationId xmlns:a16="http://schemas.microsoft.com/office/drawing/2014/main" xmlns="" id="{CEF25851-77FD-4713-89DD-EEB5F67BEF35}"/>
               </a:ext>
             </a:extLst>
           </p:cNvPr>
@@ -4051,7 +4061,7 @@
           <p:cNvPr id="10" name="Rectangle: Folded Corner 9">
             <a:extLst>
               <a:ext uri="{FF2B5EF4-FFF2-40B4-BE49-F238E27FC236}">
-                <a16:creationId xmlns:a16="http://schemas.microsoft.com/office/drawing/2014/main" id="{B06DE679-1FD9-48A6-AC9D-28D93647EBAC}"/>
+                <a16:creationId xmlns:a16="http://schemas.microsoft.com/office/drawing/2014/main" xmlns="" id="{B06DE679-1FD9-48A6-AC9D-28D93647EBAC}"/>
               </a:ext>
             </a:extLst>
           </p:cNvPr>
@@ -4104,7 +4114,7 @@
           <p:cNvPr id="11" name="Flowchart: Alternate Process 10">
             <a:extLst>
               <a:ext uri="{FF2B5EF4-FFF2-40B4-BE49-F238E27FC236}">
-                <a16:creationId xmlns:a16="http://schemas.microsoft.com/office/drawing/2014/main" id="{D7BFBBB9-F644-4BD6-BB2A-D50F5545AFDB}"/>
+                <a16:creationId xmlns:a16="http://schemas.microsoft.com/office/drawing/2014/main" xmlns="" id="{D7BFBBB9-F644-4BD6-BB2A-D50F5545AFDB}"/>
               </a:ext>
             </a:extLst>
           </p:cNvPr>
@@ -4157,7 +4167,7 @@
           <p:cNvPr id="12" name="Flowchart: Alternate Process 11">
             <a:extLst>
               <a:ext uri="{FF2B5EF4-FFF2-40B4-BE49-F238E27FC236}">
-                <a16:creationId xmlns:a16="http://schemas.microsoft.com/office/drawing/2014/main" id="{627A0081-4CEB-4AD7-93C6-DA5225D6EB92}"/>
+                <a16:creationId xmlns:a16="http://schemas.microsoft.com/office/drawing/2014/main" xmlns="" id="{627A0081-4CEB-4AD7-93C6-DA5225D6EB92}"/>
               </a:ext>
             </a:extLst>
           </p:cNvPr>
@@ -4233,7 +4243,7 @@
           <p:cNvPr id="13" name="Rectangle: Folded Corner 12">
             <a:extLst>
               <a:ext uri="{FF2B5EF4-FFF2-40B4-BE49-F238E27FC236}">
-                <a16:creationId xmlns:a16="http://schemas.microsoft.com/office/drawing/2014/main" id="{141157AE-A6D2-4DA4-8A8C-537F7B51F9ED}"/>
+                <a16:creationId xmlns:a16="http://schemas.microsoft.com/office/drawing/2014/main" xmlns="" id="{141157AE-A6D2-4DA4-8A8C-537F7B51F9ED}"/>
               </a:ext>
             </a:extLst>
           </p:cNvPr>
@@ -4287,7 +4297,7 @@
           <p:cNvPr id="15" name="Connector: Curved 14">
             <a:extLst>
               <a:ext uri="{FF2B5EF4-FFF2-40B4-BE49-F238E27FC236}">
-                <a16:creationId xmlns:a16="http://schemas.microsoft.com/office/drawing/2014/main" id="{ED3EB16A-4E77-454A-B395-42E06742ED65}"/>
+                <a16:creationId xmlns:a16="http://schemas.microsoft.com/office/drawing/2014/main" xmlns="" id="{ED3EB16A-4E77-454A-B395-42E06742ED65}"/>
               </a:ext>
             </a:extLst>
           </p:cNvPr>
@@ -4335,7 +4345,7 @@
           <p:cNvPr id="17" name="Connector: Curved 16">
             <a:extLst>
               <a:ext uri="{FF2B5EF4-FFF2-40B4-BE49-F238E27FC236}">
-                <a16:creationId xmlns:a16="http://schemas.microsoft.com/office/drawing/2014/main" id="{EC672942-BB7E-469D-A1FA-97F2DBFE7681}"/>
+                <a16:creationId xmlns:a16="http://schemas.microsoft.com/office/drawing/2014/main" xmlns="" id="{EC672942-BB7E-469D-A1FA-97F2DBFE7681}"/>
               </a:ext>
             </a:extLst>
           </p:cNvPr>
@@ -4384,7 +4394,7 @@
           <p:cNvPr id="24" name="Rectangle: Folded Corner 23">
             <a:extLst>
               <a:ext uri="{FF2B5EF4-FFF2-40B4-BE49-F238E27FC236}">
-                <a16:creationId xmlns:a16="http://schemas.microsoft.com/office/drawing/2014/main" id="{B7E90F0B-0F3E-46B1-9B22-313756E72E94}"/>
+                <a16:creationId xmlns:a16="http://schemas.microsoft.com/office/drawing/2014/main" xmlns="" id="{B7E90F0B-0F3E-46B1-9B22-313756E72E94}"/>
               </a:ext>
             </a:extLst>
           </p:cNvPr>
@@ -4437,7 +4447,7 @@
           <p:cNvPr id="25" name="Rectangle 24">
             <a:extLst>
               <a:ext uri="{FF2B5EF4-FFF2-40B4-BE49-F238E27FC236}">
-                <a16:creationId xmlns:a16="http://schemas.microsoft.com/office/drawing/2014/main" id="{6EC9E3DF-B421-4BC5-A4AE-2279B5EF7509}"/>
+                <a16:creationId xmlns:a16="http://schemas.microsoft.com/office/drawing/2014/main" xmlns="" id="{6EC9E3DF-B421-4BC5-A4AE-2279B5EF7509}"/>
               </a:ext>
             </a:extLst>
           </p:cNvPr>
@@ -4491,7 +4501,7 @@
           <p:cNvPr id="26" name="Rectangle 25">
             <a:extLst>
               <a:ext uri="{FF2B5EF4-FFF2-40B4-BE49-F238E27FC236}">
-                <a16:creationId xmlns:a16="http://schemas.microsoft.com/office/drawing/2014/main" id="{07CE043A-FFA4-4E26-836F-B018CED09082}"/>
+                <a16:creationId xmlns:a16="http://schemas.microsoft.com/office/drawing/2014/main" xmlns="" id="{07CE043A-FFA4-4E26-836F-B018CED09082}"/>
               </a:ext>
             </a:extLst>
           </p:cNvPr>
@@ -4544,7 +4554,7 @@
           <p:cNvPr id="28" name="Connector: Curved 27">
             <a:extLst>
               <a:ext uri="{FF2B5EF4-FFF2-40B4-BE49-F238E27FC236}">
-                <a16:creationId xmlns:a16="http://schemas.microsoft.com/office/drawing/2014/main" id="{12A1B84D-5670-4598-970F-917306B29CDD}"/>
+                <a16:creationId xmlns:a16="http://schemas.microsoft.com/office/drawing/2014/main" xmlns="" id="{12A1B84D-5670-4598-970F-917306B29CDD}"/>
               </a:ext>
             </a:extLst>
           </p:cNvPr>
@@ -4594,7 +4604,7 @@
           <p:cNvPr id="33" name="Connector: Curved 32">
             <a:extLst>
               <a:ext uri="{FF2B5EF4-FFF2-40B4-BE49-F238E27FC236}">
-                <a16:creationId xmlns:a16="http://schemas.microsoft.com/office/drawing/2014/main" id="{81C10C76-42F6-45DB-8FD4-4542C8D03AC0}"/>
+                <a16:creationId xmlns:a16="http://schemas.microsoft.com/office/drawing/2014/main" xmlns="" id="{81C10C76-42F6-45DB-8FD4-4542C8D03AC0}"/>
               </a:ext>
             </a:extLst>
           </p:cNvPr>
@@ -4642,7 +4652,7 @@
           <p:cNvPr id="38" name="Straight Arrow Connector 37">
             <a:extLst>
               <a:ext uri="{FF2B5EF4-FFF2-40B4-BE49-F238E27FC236}">
-                <a16:creationId xmlns:a16="http://schemas.microsoft.com/office/drawing/2014/main" id="{C990DC79-FA60-4767-AEBB-238FEDA6DB48}"/>
+                <a16:creationId xmlns:a16="http://schemas.microsoft.com/office/drawing/2014/main" xmlns="" id="{C990DC79-FA60-4767-AEBB-238FEDA6DB48}"/>
               </a:ext>
             </a:extLst>
           </p:cNvPr>
@@ -4691,7 +4701,7 @@
           <p:cNvPr id="43" name="Connector: Curved 42">
             <a:extLst>
               <a:ext uri="{FF2B5EF4-FFF2-40B4-BE49-F238E27FC236}">
-                <a16:creationId xmlns:a16="http://schemas.microsoft.com/office/drawing/2014/main" id="{43023065-C08E-4FBA-AA5E-46D4713D314A}"/>
+                <a16:creationId xmlns:a16="http://schemas.microsoft.com/office/drawing/2014/main" xmlns="" id="{43023065-C08E-4FBA-AA5E-46D4713D314A}"/>
               </a:ext>
             </a:extLst>
           </p:cNvPr>
@@ -4738,7 +4748,7 @@
           <p:cNvPr id="44" name="Rectangle 43">
             <a:extLst>
               <a:ext uri="{FF2B5EF4-FFF2-40B4-BE49-F238E27FC236}">
-                <a16:creationId xmlns:a16="http://schemas.microsoft.com/office/drawing/2014/main" id="{31F1094F-765F-4B72-B4BB-AE821BB1E670}"/>
+                <a16:creationId xmlns:a16="http://schemas.microsoft.com/office/drawing/2014/main" xmlns="" id="{31F1094F-765F-4B72-B4BB-AE821BB1E670}"/>
               </a:ext>
             </a:extLst>
           </p:cNvPr>
@@ -4792,7 +4802,7 @@
           <p:cNvPr id="50" name="Straight Arrow Connector 49">
             <a:extLst>
               <a:ext uri="{FF2B5EF4-FFF2-40B4-BE49-F238E27FC236}">
-                <a16:creationId xmlns:a16="http://schemas.microsoft.com/office/drawing/2014/main" id="{53E378A0-586B-4A75-A040-3C9A2800F11A}"/>
+                <a16:creationId xmlns:a16="http://schemas.microsoft.com/office/drawing/2014/main" xmlns="" id="{53E378A0-586B-4A75-A040-3C9A2800F11A}"/>
               </a:ext>
             </a:extLst>
           </p:cNvPr>
@@ -4839,7 +4849,7 @@
           <p:cNvPr id="52" name="Connector: Curved 51">
             <a:extLst>
               <a:ext uri="{FF2B5EF4-FFF2-40B4-BE49-F238E27FC236}">
-                <a16:creationId xmlns:a16="http://schemas.microsoft.com/office/drawing/2014/main" id="{AFC872D3-FC68-451A-B7E2-9F356EDF9027}"/>
+                <a16:creationId xmlns:a16="http://schemas.microsoft.com/office/drawing/2014/main" xmlns="" id="{AFC872D3-FC68-451A-B7E2-9F356EDF9027}"/>
               </a:ext>
             </a:extLst>
           </p:cNvPr>
@@ -4887,7 +4897,7 @@
           <p:cNvPr id="54" name="Straight Arrow Connector 53">
             <a:extLst>
               <a:ext uri="{FF2B5EF4-FFF2-40B4-BE49-F238E27FC236}">
-                <a16:creationId xmlns:a16="http://schemas.microsoft.com/office/drawing/2014/main" id="{A4E4B6AE-1173-4271-BA49-EAC6AD924961}"/>
+                <a16:creationId xmlns:a16="http://schemas.microsoft.com/office/drawing/2014/main" xmlns="" id="{A4E4B6AE-1173-4271-BA49-EAC6AD924961}"/>
               </a:ext>
             </a:extLst>
           </p:cNvPr>
@@ -4934,7 +4944,7 @@
           <p:cNvPr id="57" name="TextBox 56">
             <a:extLst>
               <a:ext uri="{FF2B5EF4-FFF2-40B4-BE49-F238E27FC236}">
-                <a16:creationId xmlns:a16="http://schemas.microsoft.com/office/drawing/2014/main" id="{B892DD18-6AA2-4BA2-BB66-267E44C1F9EB}"/>
+                <a16:creationId xmlns:a16="http://schemas.microsoft.com/office/drawing/2014/main" xmlns="" id="{B892DD18-6AA2-4BA2-BB66-267E44C1F9EB}"/>
               </a:ext>
             </a:extLst>
           </p:cNvPr>
@@ -4972,6 +4982,10 @@
               <a:rPr lang="en-US" dirty="0"/>
               <a:t> DLL</a:t>
             </a:r>
+            <a:r>
+              <a:rPr lang="ru-RU" dirty="0"/>
+              <a:t/>
+            </a:r>
             <a:br>
               <a:rPr lang="ru-RU" dirty="0"/>
             </a:br>
@@ -4988,7 +5002,7 @@
           <p:cNvPr id="58" name="TextBox 57">
             <a:extLst>
               <a:ext uri="{FF2B5EF4-FFF2-40B4-BE49-F238E27FC236}">
-                <a16:creationId xmlns:a16="http://schemas.microsoft.com/office/drawing/2014/main" id="{1BAF9419-046C-4A55-A6F8-2BE7917641AD}"/>
+                <a16:creationId xmlns:a16="http://schemas.microsoft.com/office/drawing/2014/main" xmlns="" id="{1BAF9419-046C-4A55-A6F8-2BE7917641AD}"/>
               </a:ext>
             </a:extLst>
           </p:cNvPr>
@@ -5031,7 +5045,7 @@
           <p:cNvPr id="3" name="Date Placeholder 2">
             <a:extLst>
               <a:ext uri="{FF2B5EF4-FFF2-40B4-BE49-F238E27FC236}">
-                <a16:creationId xmlns:a16="http://schemas.microsoft.com/office/drawing/2014/main" id="{B585E723-357C-4D0A-BA9D-1A3BEA64FE09}"/>
+                <a16:creationId xmlns:a16="http://schemas.microsoft.com/office/drawing/2014/main" xmlns="" id="{B585E723-357C-4D0A-BA9D-1A3BEA64FE09}"/>
               </a:ext>
             </a:extLst>
           </p:cNvPr>
@@ -5059,7 +5073,7 @@
           <p:cNvPr id="14" name="Footer Placeholder 13">
             <a:extLst>
               <a:ext uri="{FF2B5EF4-FFF2-40B4-BE49-F238E27FC236}">
-                <a16:creationId xmlns:a16="http://schemas.microsoft.com/office/drawing/2014/main" id="{DAB47491-B763-4002-A662-74309143416F}"/>
+                <a16:creationId xmlns:a16="http://schemas.microsoft.com/office/drawing/2014/main" xmlns="" id="{DAB47491-B763-4002-A662-74309143416F}"/>
               </a:ext>
             </a:extLst>
           </p:cNvPr>
@@ -5088,7 +5102,7 @@
           <p:cNvPr id="16" name="Slide Number Placeholder 15">
             <a:extLst>
               <a:ext uri="{FF2B5EF4-FFF2-40B4-BE49-F238E27FC236}">
-                <a16:creationId xmlns:a16="http://schemas.microsoft.com/office/drawing/2014/main" id="{C6E0A341-724D-4E40-8EF3-3B3BD5C225C6}"/>
+                <a16:creationId xmlns:a16="http://schemas.microsoft.com/office/drawing/2014/main" xmlns="" id="{C6E0A341-724D-4E40-8EF3-3B3BD5C225C6}"/>
               </a:ext>
             </a:extLst>
           </p:cNvPr>
@@ -5147,7 +5161,7 @@
           <p:cNvPr id="4" name="Text Placeholder 3">
             <a:extLst>
               <a:ext uri="{FF2B5EF4-FFF2-40B4-BE49-F238E27FC236}">
-                <a16:creationId xmlns:a16="http://schemas.microsoft.com/office/drawing/2014/main" id="{BA43D6DD-EAD6-4589-A844-1B607AF3FD34}"/>
+                <a16:creationId xmlns:a16="http://schemas.microsoft.com/office/drawing/2014/main" xmlns="" id="{BA43D6DD-EAD6-4589-A844-1B607AF3FD34}"/>
               </a:ext>
             </a:extLst>
           </p:cNvPr>
@@ -5190,7 +5204,7 @@
           <p:cNvPr id="5" name="Content Placeholder 4">
             <a:extLst>
               <a:ext uri="{FF2B5EF4-FFF2-40B4-BE49-F238E27FC236}">
-                <a16:creationId xmlns:a16="http://schemas.microsoft.com/office/drawing/2014/main" id="{0A6D1649-28A2-4444-9A05-C58E38A15734}"/>
+                <a16:creationId xmlns:a16="http://schemas.microsoft.com/office/drawing/2014/main" xmlns="" id="{0A6D1649-28A2-4444-9A05-C58E38A15734}"/>
               </a:ext>
             </a:extLst>
           </p:cNvPr>
@@ -5283,6 +5297,14 @@
               </a:rPr>
               <a:t>Работа программы </a:t>
             </a:r>
+            <a:r>
+              <a:rPr lang="en-US" sz="2000" dirty="0">
+                <a:solidFill>
+                  <a:srgbClr val="00B050"/>
+                </a:solidFill>
+              </a:rPr>
+              <a:t/>
+            </a:r>
             <a:br>
               <a:rPr lang="en-US" sz="2000" dirty="0">
                 <a:solidFill>
@@ -5353,7 +5375,7 @@
           <p:cNvPr id="6" name="Text Placeholder 5">
             <a:extLst>
               <a:ext uri="{FF2B5EF4-FFF2-40B4-BE49-F238E27FC236}">
-                <a16:creationId xmlns:a16="http://schemas.microsoft.com/office/drawing/2014/main" id="{2486ADCE-9867-497D-8924-099CF24B0EF8}"/>
+                <a16:creationId xmlns:a16="http://schemas.microsoft.com/office/drawing/2014/main" xmlns="" id="{2486ADCE-9867-497D-8924-099CF24B0EF8}"/>
               </a:ext>
             </a:extLst>
           </p:cNvPr>
@@ -5389,7 +5411,7 @@
           <p:cNvPr id="7" name="Content Placeholder 6">
             <a:extLst>
               <a:ext uri="{FF2B5EF4-FFF2-40B4-BE49-F238E27FC236}">
-                <a16:creationId xmlns:a16="http://schemas.microsoft.com/office/drawing/2014/main" id="{6A3C51E6-14CD-4D36-8B8F-64E2808ED822}"/>
+                <a16:creationId xmlns:a16="http://schemas.microsoft.com/office/drawing/2014/main" xmlns="" id="{6A3C51E6-14CD-4D36-8B8F-64E2808ED822}"/>
               </a:ext>
             </a:extLst>
           </p:cNvPr>
@@ -5554,7 +5576,7 @@
           <p:cNvPr id="10" name="TextBox 9">
             <a:extLst>
               <a:ext uri="{FF2B5EF4-FFF2-40B4-BE49-F238E27FC236}">
-                <a16:creationId xmlns:a16="http://schemas.microsoft.com/office/drawing/2014/main" id="{D0B2BD82-122C-460A-8184-95A09B0B6D0D}"/>
+                <a16:creationId xmlns:a16="http://schemas.microsoft.com/office/drawing/2014/main" xmlns="" id="{D0B2BD82-122C-460A-8184-95A09B0B6D0D}"/>
               </a:ext>
             </a:extLst>
           </p:cNvPr>
@@ -5593,6 +5615,10 @@
               <a:rPr lang="en-US" dirty="0"/>
               <a:t>DLL,</a:t>
             </a:r>
+            <a:r>
+              <a:rPr lang="ru-RU" dirty="0"/>
+              <a:t/>
+            </a:r>
             <a:br>
               <a:rPr lang="ru-RU" dirty="0"/>
             </a:br>
@@ -5609,7 +5635,7 @@
           <p:cNvPr id="11" name="TextBox 10">
             <a:extLst>
               <a:ext uri="{FF2B5EF4-FFF2-40B4-BE49-F238E27FC236}">
-                <a16:creationId xmlns:a16="http://schemas.microsoft.com/office/drawing/2014/main" id="{93436781-9A57-4E5D-B770-009D39704239}"/>
+                <a16:creationId xmlns:a16="http://schemas.microsoft.com/office/drawing/2014/main" xmlns="" id="{93436781-9A57-4E5D-B770-009D39704239}"/>
               </a:ext>
             </a:extLst>
           </p:cNvPr>
@@ -5653,7 +5679,7 @@
           <p:cNvPr id="12" name="TextBox 11">
             <a:extLst>
               <a:ext uri="{FF2B5EF4-FFF2-40B4-BE49-F238E27FC236}">
-                <a16:creationId xmlns:a16="http://schemas.microsoft.com/office/drawing/2014/main" id="{59947B5C-0CE3-4829-8DB6-17621EE1821E}"/>
+                <a16:creationId xmlns:a16="http://schemas.microsoft.com/office/drawing/2014/main" xmlns="" id="{59947B5C-0CE3-4829-8DB6-17621EE1821E}"/>
               </a:ext>
             </a:extLst>
           </p:cNvPr>
@@ -5697,7 +5723,7 @@
           <p:cNvPr id="13" name="TextBox 12">
             <a:extLst>
               <a:ext uri="{FF2B5EF4-FFF2-40B4-BE49-F238E27FC236}">
-                <a16:creationId xmlns:a16="http://schemas.microsoft.com/office/drawing/2014/main" id="{D524CCE4-0A99-4103-96D7-8204678666CB}"/>
+                <a16:creationId xmlns:a16="http://schemas.microsoft.com/office/drawing/2014/main" xmlns="" id="{D524CCE4-0A99-4103-96D7-8204678666CB}"/>
               </a:ext>
             </a:extLst>
           </p:cNvPr>
@@ -5741,7 +5767,7 @@
           <p:cNvPr id="14" name="Date Placeholder 13">
             <a:extLst>
               <a:ext uri="{FF2B5EF4-FFF2-40B4-BE49-F238E27FC236}">
-                <a16:creationId xmlns:a16="http://schemas.microsoft.com/office/drawing/2014/main" id="{19BEA9D2-0C24-4BD4-9F3B-769468B3422E}"/>
+                <a16:creationId xmlns:a16="http://schemas.microsoft.com/office/drawing/2014/main" xmlns="" id="{19BEA9D2-0C24-4BD4-9F3B-769468B3422E}"/>
               </a:ext>
             </a:extLst>
           </p:cNvPr>
@@ -5769,7 +5795,7 @@
           <p:cNvPr id="15" name="Footer Placeholder 14">
             <a:extLst>
               <a:ext uri="{FF2B5EF4-FFF2-40B4-BE49-F238E27FC236}">
-                <a16:creationId xmlns:a16="http://schemas.microsoft.com/office/drawing/2014/main" id="{C75BA00D-8C8B-4AB6-AC2F-115508ECC726}"/>
+                <a16:creationId xmlns:a16="http://schemas.microsoft.com/office/drawing/2014/main" xmlns="" id="{C75BA00D-8C8B-4AB6-AC2F-115508ECC726}"/>
               </a:ext>
             </a:extLst>
           </p:cNvPr>
@@ -5798,7 +5824,7 @@
           <p:cNvPr id="16" name="Slide Number Placeholder 15">
             <a:extLst>
               <a:ext uri="{FF2B5EF4-FFF2-40B4-BE49-F238E27FC236}">
-                <a16:creationId xmlns:a16="http://schemas.microsoft.com/office/drawing/2014/main" id="{7B964009-9B0E-4D24-8F2B-7321E312EC1E}"/>
+                <a16:creationId xmlns:a16="http://schemas.microsoft.com/office/drawing/2014/main" xmlns="" id="{7B964009-9B0E-4D24-8F2B-7321E312EC1E}"/>
               </a:ext>
             </a:extLst>
           </p:cNvPr>
@@ -5857,7 +5883,7 @@
           <p:cNvPr id="6" name="Content Placeholder 5">
             <a:extLst>
               <a:ext uri="{FF2B5EF4-FFF2-40B4-BE49-F238E27FC236}">
-                <a16:creationId xmlns:a16="http://schemas.microsoft.com/office/drawing/2014/main" id="{4A9EEA92-E5A0-439C-ABE4-B9AADFF89F31}"/>
+                <a16:creationId xmlns:a16="http://schemas.microsoft.com/office/drawing/2014/main" xmlns="" id="{4A9EEA92-E5A0-439C-ABE4-B9AADFF89F31}"/>
               </a:ext>
             </a:extLst>
           </p:cNvPr>
@@ -5979,6 +6005,12 @@
               </a:rPr>
               <a:t>dll</a:t>
             </a:r>
+            <a:r>
+              <a:rPr lang="en-US" sz="2000" dirty="0">
+                <a:latin typeface="Consolas" panose="020B0609020204030204" pitchFamily="49" charset="0"/>
+              </a:rPr>
+              <a:t/>
+            </a:r>
             <a:br>
               <a:rPr lang="en-US" sz="2000" dirty="0">
                 <a:latin typeface="Consolas" panose="020B0609020204030204" pitchFamily="49" charset="0"/>
@@ -6042,7 +6074,7 @@
           <p:cNvPr id="7" name="TextBox 6">
             <a:extLst>
               <a:ext uri="{FF2B5EF4-FFF2-40B4-BE49-F238E27FC236}">
-                <a16:creationId xmlns:a16="http://schemas.microsoft.com/office/drawing/2014/main" id="{E19EA5BC-4109-460D-BE87-8CF5EF31A095}"/>
+                <a16:creationId xmlns:a16="http://schemas.microsoft.com/office/drawing/2014/main" xmlns="" id="{E19EA5BC-4109-460D-BE87-8CF5EF31A095}"/>
               </a:ext>
             </a:extLst>
           </p:cNvPr>
@@ -6081,7 +6113,7 @@
           <p:cNvPr id="8" name="TextBox 7">
             <a:extLst>
               <a:ext uri="{FF2B5EF4-FFF2-40B4-BE49-F238E27FC236}">
-                <a16:creationId xmlns:a16="http://schemas.microsoft.com/office/drawing/2014/main" id="{033250E0-4D1A-4567-A494-466112B78462}"/>
+                <a16:creationId xmlns:a16="http://schemas.microsoft.com/office/drawing/2014/main" xmlns="" id="{033250E0-4D1A-4567-A494-466112B78462}"/>
               </a:ext>
             </a:extLst>
           </p:cNvPr>
@@ -6155,7 +6187,7 @@
           <p:cNvPr id="9" name="TextBox 8">
             <a:extLst>
               <a:ext uri="{FF2B5EF4-FFF2-40B4-BE49-F238E27FC236}">
-                <a16:creationId xmlns:a16="http://schemas.microsoft.com/office/drawing/2014/main" id="{7A009C7F-7351-403B-8238-1BB62F91C550}"/>
+                <a16:creationId xmlns:a16="http://schemas.microsoft.com/office/drawing/2014/main" xmlns="" id="{7A009C7F-7351-403B-8238-1BB62F91C550}"/>
               </a:ext>
             </a:extLst>
           </p:cNvPr>
@@ -6206,7 +6238,7 @@
           <p:cNvPr id="10" name="Date Placeholder 9">
             <a:extLst>
               <a:ext uri="{FF2B5EF4-FFF2-40B4-BE49-F238E27FC236}">
-                <a16:creationId xmlns:a16="http://schemas.microsoft.com/office/drawing/2014/main" id="{8BFBFC12-EBD9-4B0E-92E7-B137E4505AF6}"/>
+                <a16:creationId xmlns:a16="http://schemas.microsoft.com/office/drawing/2014/main" xmlns="" id="{8BFBFC12-EBD9-4B0E-92E7-B137E4505AF6}"/>
               </a:ext>
             </a:extLst>
           </p:cNvPr>
@@ -6234,7 +6266,7 @@
           <p:cNvPr id="11" name="Footer Placeholder 10">
             <a:extLst>
               <a:ext uri="{FF2B5EF4-FFF2-40B4-BE49-F238E27FC236}">
-                <a16:creationId xmlns:a16="http://schemas.microsoft.com/office/drawing/2014/main" id="{AAD9490A-20E1-4032-AB7D-29206DB293E9}"/>
+                <a16:creationId xmlns:a16="http://schemas.microsoft.com/office/drawing/2014/main" xmlns="" id="{AAD9490A-20E1-4032-AB7D-29206DB293E9}"/>
               </a:ext>
             </a:extLst>
           </p:cNvPr>
@@ -6263,7 +6295,7 @@
           <p:cNvPr id="12" name="Slide Number Placeholder 11">
             <a:extLst>
               <a:ext uri="{FF2B5EF4-FFF2-40B4-BE49-F238E27FC236}">
-                <a16:creationId xmlns:a16="http://schemas.microsoft.com/office/drawing/2014/main" id="{45E9EE55-9C7D-4377-AD15-D30B64AF5D86}"/>
+                <a16:creationId xmlns:a16="http://schemas.microsoft.com/office/drawing/2014/main" xmlns="" id="{45E9EE55-9C7D-4377-AD15-D30B64AF5D86}"/>
               </a:ext>
             </a:extLst>
           </p:cNvPr>
@@ -6322,7 +6354,7 @@
           <p:cNvPr id="2" name="Title 1">
             <a:extLst>
               <a:ext uri="{FF2B5EF4-FFF2-40B4-BE49-F238E27FC236}">
-                <a16:creationId xmlns:a16="http://schemas.microsoft.com/office/drawing/2014/main" id="{939A19D5-D9AA-4189-BFD0-0CDA5FED018B}"/>
+                <a16:creationId xmlns:a16="http://schemas.microsoft.com/office/drawing/2014/main" xmlns="" id="{939A19D5-D9AA-4189-BFD0-0CDA5FED018B}"/>
               </a:ext>
             </a:extLst>
           </p:cNvPr>
@@ -6351,7 +6383,7 @@
           <p:cNvPr id="5" name="Content Placeholder 4">
             <a:extLst>
               <a:ext uri="{FF2B5EF4-FFF2-40B4-BE49-F238E27FC236}">
-                <a16:creationId xmlns:a16="http://schemas.microsoft.com/office/drawing/2014/main" id="{AFC77C67-58FD-476D-9467-A5491F92B889}"/>
+                <a16:creationId xmlns:a16="http://schemas.microsoft.com/office/drawing/2014/main" xmlns="" id="{AFC77C67-58FD-476D-9467-A5491F92B889}"/>
               </a:ext>
             </a:extLst>
           </p:cNvPr>
@@ -6526,7 +6558,7 @@
           <p:cNvPr id="3" name="Date Placeholder 2">
             <a:extLst>
               <a:ext uri="{FF2B5EF4-FFF2-40B4-BE49-F238E27FC236}">
-                <a16:creationId xmlns:a16="http://schemas.microsoft.com/office/drawing/2014/main" id="{069C9341-E3B8-422C-B3CB-10BD0CB7935B}"/>
+                <a16:creationId xmlns:a16="http://schemas.microsoft.com/office/drawing/2014/main" xmlns="" id="{069C9341-E3B8-422C-B3CB-10BD0CB7935B}"/>
               </a:ext>
             </a:extLst>
           </p:cNvPr>
@@ -6554,7 +6586,7 @@
           <p:cNvPr id="4" name="Footer Placeholder 3">
             <a:extLst>
               <a:ext uri="{FF2B5EF4-FFF2-40B4-BE49-F238E27FC236}">
-                <a16:creationId xmlns:a16="http://schemas.microsoft.com/office/drawing/2014/main" id="{48BC7E96-A04A-47D4-90F2-5A6AF7460300}"/>
+                <a16:creationId xmlns:a16="http://schemas.microsoft.com/office/drawing/2014/main" xmlns="" id="{48BC7E96-A04A-47D4-90F2-5A6AF7460300}"/>
               </a:ext>
             </a:extLst>
           </p:cNvPr>
@@ -6583,7 +6615,7 @@
           <p:cNvPr id="6" name="Slide Number Placeholder 5">
             <a:extLst>
               <a:ext uri="{FF2B5EF4-FFF2-40B4-BE49-F238E27FC236}">
-                <a16:creationId xmlns:a16="http://schemas.microsoft.com/office/drawing/2014/main" id="{B425F1B8-B1CC-4712-B493-D919FA373C2D}"/>
+                <a16:creationId xmlns:a16="http://schemas.microsoft.com/office/drawing/2014/main" xmlns="" id="{B425F1B8-B1CC-4712-B493-D919FA373C2D}"/>
               </a:ext>
             </a:extLst>
           </p:cNvPr>
@@ -6642,7 +6674,7 @@
           <p:cNvPr id="2" name="Title 1">
             <a:extLst>
               <a:ext uri="{FF2B5EF4-FFF2-40B4-BE49-F238E27FC236}">
-                <a16:creationId xmlns:a16="http://schemas.microsoft.com/office/drawing/2014/main" id="{66F324EC-ADC1-46E8-8DD4-ADE977D397A1}"/>
+                <a16:creationId xmlns:a16="http://schemas.microsoft.com/office/drawing/2014/main" xmlns="" id="{66F324EC-ADC1-46E8-8DD4-ADE977D397A1}"/>
               </a:ext>
             </a:extLst>
           </p:cNvPr>
@@ -6678,7 +6710,7 @@
           <p:cNvPr id="4" name="Date Placeholder 3">
             <a:extLst>
               <a:ext uri="{FF2B5EF4-FFF2-40B4-BE49-F238E27FC236}">
-                <a16:creationId xmlns:a16="http://schemas.microsoft.com/office/drawing/2014/main" id="{E70DA0C1-1AE4-4320-9098-7B0F65A7D177}"/>
+                <a16:creationId xmlns:a16="http://schemas.microsoft.com/office/drawing/2014/main" xmlns="" id="{E70DA0C1-1AE4-4320-9098-7B0F65A7D177}"/>
               </a:ext>
             </a:extLst>
           </p:cNvPr>
@@ -6706,7 +6738,7 @@
           <p:cNvPr id="5" name="Footer Placeholder 4">
             <a:extLst>
               <a:ext uri="{FF2B5EF4-FFF2-40B4-BE49-F238E27FC236}">
-                <a16:creationId xmlns:a16="http://schemas.microsoft.com/office/drawing/2014/main" id="{D0B3CA34-AFA1-4019-A1E8-2978BB151623}"/>
+                <a16:creationId xmlns:a16="http://schemas.microsoft.com/office/drawing/2014/main" xmlns="" id="{D0B3CA34-AFA1-4019-A1E8-2978BB151623}"/>
               </a:ext>
             </a:extLst>
           </p:cNvPr>
@@ -6735,7 +6767,7 @@
           <p:cNvPr id="6" name="Slide Number Placeholder 5">
             <a:extLst>
               <a:ext uri="{FF2B5EF4-FFF2-40B4-BE49-F238E27FC236}">
-                <a16:creationId xmlns:a16="http://schemas.microsoft.com/office/drawing/2014/main" id="{E7107764-6BF3-4A67-B8A2-B44B726EA9BB}"/>
+                <a16:creationId xmlns:a16="http://schemas.microsoft.com/office/drawing/2014/main" xmlns="" id="{E7107764-6BF3-4A67-B8A2-B44B726EA9BB}"/>
               </a:ext>
             </a:extLst>
           </p:cNvPr>
@@ -6764,7 +6796,7 @@
           <p:cNvPr id="7" name="Picture 6">
             <a:extLst>
               <a:ext uri="{FF2B5EF4-FFF2-40B4-BE49-F238E27FC236}">
-                <a16:creationId xmlns:a16="http://schemas.microsoft.com/office/drawing/2014/main" id="{EA152CFB-324E-467F-9AC4-6377BECC6680}"/>
+                <a16:creationId xmlns:a16="http://schemas.microsoft.com/office/drawing/2014/main" xmlns="" id="{EA152CFB-324E-467F-9AC4-6377BECC6680}"/>
               </a:ext>
             </a:extLst>
           </p:cNvPr>
@@ -6794,7 +6826,7 @@
           <p:cNvPr id="9" name="Picture 8">
             <a:extLst>
               <a:ext uri="{FF2B5EF4-FFF2-40B4-BE49-F238E27FC236}">
-                <a16:creationId xmlns:a16="http://schemas.microsoft.com/office/drawing/2014/main" id="{AC3EB060-2EE5-4008-B348-D54CB3A77FED}"/>
+                <a16:creationId xmlns:a16="http://schemas.microsoft.com/office/drawing/2014/main" xmlns="" id="{AC3EB060-2EE5-4008-B348-D54CB3A77FED}"/>
               </a:ext>
             </a:extLst>
           </p:cNvPr>
@@ -6823,7 +6855,7 @@
           <p:cNvPr id="11" name="Picture 10">
             <a:extLst>
               <a:ext uri="{FF2B5EF4-FFF2-40B4-BE49-F238E27FC236}">
-                <a16:creationId xmlns:a16="http://schemas.microsoft.com/office/drawing/2014/main" id="{06AE6C8C-B46F-4577-B6A4-9162843561DD}"/>
+                <a16:creationId xmlns:a16="http://schemas.microsoft.com/office/drawing/2014/main" xmlns="" id="{06AE6C8C-B46F-4577-B6A4-9162843561DD}"/>
               </a:ext>
             </a:extLst>
           </p:cNvPr>
@@ -6853,7 +6885,7 @@
           <p:cNvPr id="13" name="Straight Arrow Connector 12">
             <a:extLst>
               <a:ext uri="{FF2B5EF4-FFF2-40B4-BE49-F238E27FC236}">
-                <a16:creationId xmlns:a16="http://schemas.microsoft.com/office/drawing/2014/main" id="{00DA95AF-A57F-4C4A-8A3B-7683A0F56712}"/>
+                <a16:creationId xmlns:a16="http://schemas.microsoft.com/office/drawing/2014/main" xmlns="" id="{00DA95AF-A57F-4C4A-8A3B-7683A0F56712}"/>
               </a:ext>
             </a:extLst>
           </p:cNvPr>
@@ -6897,7 +6929,7 @@
           <p:cNvPr id="14" name="Straight Arrow Connector 13">
             <a:extLst>
               <a:ext uri="{FF2B5EF4-FFF2-40B4-BE49-F238E27FC236}">
-                <a16:creationId xmlns:a16="http://schemas.microsoft.com/office/drawing/2014/main" id="{A51EF175-EB43-4813-A861-E3F62649418C}"/>
+                <a16:creationId xmlns:a16="http://schemas.microsoft.com/office/drawing/2014/main" xmlns="" id="{A51EF175-EB43-4813-A861-E3F62649418C}"/>
               </a:ext>
             </a:extLst>
           </p:cNvPr>
@@ -6941,7 +6973,7 @@
           <p:cNvPr id="17" name="Rectangle 16">
             <a:extLst>
               <a:ext uri="{FF2B5EF4-FFF2-40B4-BE49-F238E27FC236}">
-                <a16:creationId xmlns:a16="http://schemas.microsoft.com/office/drawing/2014/main" id="{727D0B0F-D783-4FED-A78F-D9EBEC7F5DEE}"/>
+                <a16:creationId xmlns:a16="http://schemas.microsoft.com/office/drawing/2014/main" xmlns="" id="{727D0B0F-D783-4FED-A78F-D9EBEC7F5DEE}"/>
               </a:ext>
             </a:extLst>
           </p:cNvPr>
@@ -6991,7 +7023,7 @@
           <p:cNvPr id="18" name="Rectangle 17">
             <a:extLst>
               <a:ext uri="{FF2B5EF4-FFF2-40B4-BE49-F238E27FC236}">
-                <a16:creationId xmlns:a16="http://schemas.microsoft.com/office/drawing/2014/main" id="{0F721467-D155-4E5B-AB8C-A8A85FEB9590}"/>
+                <a16:creationId xmlns:a16="http://schemas.microsoft.com/office/drawing/2014/main" xmlns="" id="{0F721467-D155-4E5B-AB8C-A8A85FEB9590}"/>
               </a:ext>
             </a:extLst>
           </p:cNvPr>
@@ -7041,7 +7073,7 @@
           <p:cNvPr id="19" name="Rectangle 18">
             <a:extLst>
               <a:ext uri="{FF2B5EF4-FFF2-40B4-BE49-F238E27FC236}">
-                <a16:creationId xmlns:a16="http://schemas.microsoft.com/office/drawing/2014/main" id="{589B3F3A-FCAF-4746-987E-673CF1396F6E}"/>
+                <a16:creationId xmlns:a16="http://schemas.microsoft.com/office/drawing/2014/main" xmlns="" id="{589B3F3A-FCAF-4746-987E-673CF1396F6E}"/>
               </a:ext>
             </a:extLst>
           </p:cNvPr>
@@ -7091,7 +7123,7 @@
           <p:cNvPr id="25" name="TextBox 24">
             <a:extLst>
               <a:ext uri="{FF2B5EF4-FFF2-40B4-BE49-F238E27FC236}">
-                <a16:creationId xmlns:a16="http://schemas.microsoft.com/office/drawing/2014/main" id="{59E3CA97-B346-438C-BCAC-2396D40CFA15}"/>
+                <a16:creationId xmlns:a16="http://schemas.microsoft.com/office/drawing/2014/main" xmlns="" id="{59E3CA97-B346-438C-BCAC-2396D40CFA15}"/>
               </a:ext>
             </a:extLst>
           </p:cNvPr>
@@ -7129,7 +7161,7 @@
           <p:cNvPr id="29" name="TextBox 28">
             <a:extLst>
               <a:ext uri="{FF2B5EF4-FFF2-40B4-BE49-F238E27FC236}">
-                <a16:creationId xmlns:a16="http://schemas.microsoft.com/office/drawing/2014/main" id="{98B264B1-8A1C-459E-856D-A5D96D84206B}"/>
+                <a16:creationId xmlns:a16="http://schemas.microsoft.com/office/drawing/2014/main" xmlns="" id="{98B264B1-8A1C-459E-856D-A5D96D84206B}"/>
               </a:ext>
             </a:extLst>
           </p:cNvPr>
@@ -7213,7 +7245,7 @@
           <p:cNvPr id="2" name="Title 1">
             <a:extLst>
               <a:ext uri="{FF2B5EF4-FFF2-40B4-BE49-F238E27FC236}">
-                <a16:creationId xmlns:a16="http://schemas.microsoft.com/office/drawing/2014/main" id="{F60B0877-9527-453C-BAC0-C20211C95BAC}"/>
+                <a16:creationId xmlns:a16="http://schemas.microsoft.com/office/drawing/2014/main" xmlns="" id="{F60B0877-9527-453C-BAC0-C20211C95BAC}"/>
               </a:ext>
             </a:extLst>
           </p:cNvPr>
@@ -7241,7 +7273,7 @@
           <p:cNvPr id="3" name="Content Placeholder 2">
             <a:extLst>
               <a:ext uri="{FF2B5EF4-FFF2-40B4-BE49-F238E27FC236}">
-                <a16:creationId xmlns:a16="http://schemas.microsoft.com/office/drawing/2014/main" id="{E6F18B3E-B258-46A2-8F34-2C7E08A057C1}"/>
+                <a16:creationId xmlns:a16="http://schemas.microsoft.com/office/drawing/2014/main" xmlns="" id="{E6F18B3E-B258-46A2-8F34-2C7E08A057C1}"/>
               </a:ext>
             </a:extLst>
           </p:cNvPr>
@@ -7473,7 +7505,7 @@
           <p:cNvPr id="4" name="Date Placeholder 3">
             <a:extLst>
               <a:ext uri="{FF2B5EF4-FFF2-40B4-BE49-F238E27FC236}">
-                <a16:creationId xmlns:a16="http://schemas.microsoft.com/office/drawing/2014/main" id="{8A88AC9F-BF1D-4CD9-BCBF-21429FDD2FFB}"/>
+                <a16:creationId xmlns:a16="http://schemas.microsoft.com/office/drawing/2014/main" xmlns="" id="{8A88AC9F-BF1D-4CD9-BCBF-21429FDD2FFB}"/>
               </a:ext>
             </a:extLst>
           </p:cNvPr>
@@ -7501,7 +7533,7 @@
           <p:cNvPr id="5" name="Footer Placeholder 4">
             <a:extLst>
               <a:ext uri="{FF2B5EF4-FFF2-40B4-BE49-F238E27FC236}">
-                <a16:creationId xmlns:a16="http://schemas.microsoft.com/office/drawing/2014/main" id="{7FE066F5-7F87-4538-9193-0BED30790383}"/>
+                <a16:creationId xmlns:a16="http://schemas.microsoft.com/office/drawing/2014/main" xmlns="" id="{7FE066F5-7F87-4538-9193-0BED30790383}"/>
               </a:ext>
             </a:extLst>
           </p:cNvPr>
@@ -7530,7 +7562,7 @@
           <p:cNvPr id="6" name="Slide Number Placeholder 5">
             <a:extLst>
               <a:ext uri="{FF2B5EF4-FFF2-40B4-BE49-F238E27FC236}">
-                <a16:creationId xmlns:a16="http://schemas.microsoft.com/office/drawing/2014/main" id="{AA5165EC-7D28-4131-B1AA-16F300FE5B17}"/>
+                <a16:creationId xmlns:a16="http://schemas.microsoft.com/office/drawing/2014/main" xmlns="" id="{AA5165EC-7D28-4131-B1AA-16F300FE5B17}"/>
               </a:ext>
             </a:extLst>
           </p:cNvPr>
@@ -7589,7 +7621,7 @@
           <p:cNvPr id="2" name="Title 1">
             <a:extLst>
               <a:ext uri="{FF2B5EF4-FFF2-40B4-BE49-F238E27FC236}">
-                <a16:creationId xmlns:a16="http://schemas.microsoft.com/office/drawing/2014/main" id="{997330CB-BAD4-40B6-961C-2012DDF0E82D}"/>
+                <a16:creationId xmlns:a16="http://schemas.microsoft.com/office/drawing/2014/main" xmlns="" id="{997330CB-BAD4-40B6-961C-2012DDF0E82D}"/>
               </a:ext>
             </a:extLst>
           </p:cNvPr>
@@ -7637,7 +7669,7 @@
           <p:cNvPr id="3" name="Content Placeholder 2">
             <a:extLst>
               <a:ext uri="{FF2B5EF4-FFF2-40B4-BE49-F238E27FC236}">
-                <a16:creationId xmlns:a16="http://schemas.microsoft.com/office/drawing/2014/main" id="{13DF9B5E-75F3-4A80-9B37-6CEF80EA9B55}"/>
+                <a16:creationId xmlns:a16="http://schemas.microsoft.com/office/drawing/2014/main" xmlns="" id="{13DF9B5E-75F3-4A80-9B37-6CEF80EA9B55}"/>
               </a:ext>
             </a:extLst>
           </p:cNvPr>
@@ -8183,7 +8215,7 @@
           <p:cNvPr id="56" name="Date Placeholder 55">
             <a:extLst>
               <a:ext uri="{FF2B5EF4-FFF2-40B4-BE49-F238E27FC236}">
-                <a16:creationId xmlns:a16="http://schemas.microsoft.com/office/drawing/2014/main" id="{B4D610FF-D205-4C57-A634-6D8C71365D5F}"/>
+                <a16:creationId xmlns:a16="http://schemas.microsoft.com/office/drawing/2014/main" xmlns="" id="{B4D610FF-D205-4C57-A634-6D8C71365D5F}"/>
               </a:ext>
             </a:extLst>
           </p:cNvPr>
@@ -8211,7 +8243,7 @@
           <p:cNvPr id="57" name="Footer Placeholder 56">
             <a:extLst>
               <a:ext uri="{FF2B5EF4-FFF2-40B4-BE49-F238E27FC236}">
-                <a16:creationId xmlns:a16="http://schemas.microsoft.com/office/drawing/2014/main" id="{FEBB2BF4-9C38-4387-A4DB-F561AD4DC4F3}"/>
+                <a16:creationId xmlns:a16="http://schemas.microsoft.com/office/drawing/2014/main" xmlns="" id="{FEBB2BF4-9C38-4387-A4DB-F561AD4DC4F3}"/>
               </a:ext>
             </a:extLst>
           </p:cNvPr>
@@ -8240,7 +8272,7 @@
           <p:cNvPr id="58" name="Slide Number Placeholder 57">
             <a:extLst>
               <a:ext uri="{FF2B5EF4-FFF2-40B4-BE49-F238E27FC236}">
-                <a16:creationId xmlns:a16="http://schemas.microsoft.com/office/drawing/2014/main" id="{85345639-D562-4109-B9B5-5039BA2A1566}"/>
+                <a16:creationId xmlns:a16="http://schemas.microsoft.com/office/drawing/2014/main" xmlns="" id="{85345639-D562-4109-B9B5-5039BA2A1566}"/>
               </a:ext>
             </a:extLst>
           </p:cNvPr>
@@ -8299,7 +8331,7 @@
           <p:cNvPr id="2" name="Title 1">
             <a:extLst>
               <a:ext uri="{FF2B5EF4-FFF2-40B4-BE49-F238E27FC236}">
-                <a16:creationId xmlns:a16="http://schemas.microsoft.com/office/drawing/2014/main" id="{8D5E393F-8C5B-4146-A1E7-B97C8DC97B57}"/>
+                <a16:creationId xmlns:a16="http://schemas.microsoft.com/office/drawing/2014/main" xmlns="" id="{8D5E393F-8C5B-4146-A1E7-B97C8DC97B57}"/>
               </a:ext>
             </a:extLst>
           </p:cNvPr>
@@ -8355,7 +8387,7 @@
           <p:cNvPr id="3" name="Content Placeholder 2">
             <a:extLst>
               <a:ext uri="{FF2B5EF4-FFF2-40B4-BE49-F238E27FC236}">
-                <a16:creationId xmlns:a16="http://schemas.microsoft.com/office/drawing/2014/main" id="{6D4C81E5-D7EC-45F8-B2B8-290EB1FB3018}"/>
+                <a16:creationId xmlns:a16="http://schemas.microsoft.com/office/drawing/2014/main" xmlns="" id="{6D4C81E5-D7EC-45F8-B2B8-290EB1FB3018}"/>
               </a:ext>
             </a:extLst>
           </p:cNvPr>
@@ -8791,6 +8823,14 @@
               </a:rPr>
               <a:t>, j, x);</a:t>
             </a:r>
+            <a:r>
+              <a:rPr lang="en-US" sz="1800" dirty="0">
+                <a:solidFill>
+                  <a:srgbClr val="002060"/>
+                </a:solidFill>
+              </a:rPr>
+              <a:t/>
+            </a:r>
             <a:br>
               <a:rPr lang="en-US" sz="1800" dirty="0">
                 <a:solidFill>
@@ -8852,6 +8892,14 @@
               </a:rPr>
               <a:t>b.</a:t>
             </a:r>
+            <a:r>
+              <a:rPr lang="en-US" sz="1800" dirty="0">
+                <a:solidFill>
+                  <a:srgbClr val="002060"/>
+                </a:solidFill>
+              </a:rPr>
+              <a:t/>
+            </a:r>
             <a:br>
               <a:rPr lang="en-US" sz="1800" dirty="0">
                 <a:solidFill>
@@ -8891,7 +8939,7 @@
           <p:cNvPr id="4" name="Date Placeholder 3">
             <a:extLst>
               <a:ext uri="{FF2B5EF4-FFF2-40B4-BE49-F238E27FC236}">
-                <a16:creationId xmlns:a16="http://schemas.microsoft.com/office/drawing/2014/main" id="{B2AB1CF8-1363-4CD2-8F0F-9D020AA86E6F}"/>
+                <a16:creationId xmlns:a16="http://schemas.microsoft.com/office/drawing/2014/main" xmlns="" id="{B2AB1CF8-1363-4CD2-8F0F-9D020AA86E6F}"/>
               </a:ext>
             </a:extLst>
           </p:cNvPr>
@@ -8919,7 +8967,7 @@
           <p:cNvPr id="5" name="Footer Placeholder 4">
             <a:extLst>
               <a:ext uri="{FF2B5EF4-FFF2-40B4-BE49-F238E27FC236}">
-                <a16:creationId xmlns:a16="http://schemas.microsoft.com/office/drawing/2014/main" id="{10C118F4-C7E5-4E29-A1D5-8C21142E1B39}"/>
+                <a16:creationId xmlns:a16="http://schemas.microsoft.com/office/drawing/2014/main" xmlns="" id="{10C118F4-C7E5-4E29-A1D5-8C21142E1B39}"/>
               </a:ext>
             </a:extLst>
           </p:cNvPr>
@@ -8948,7 +8996,7 @@
           <p:cNvPr id="6" name="Slide Number Placeholder 5">
             <a:extLst>
               <a:ext uri="{FF2B5EF4-FFF2-40B4-BE49-F238E27FC236}">
-                <a16:creationId xmlns:a16="http://schemas.microsoft.com/office/drawing/2014/main" id="{97E01D90-2AA2-4F8D-88AB-86262296D4C1}"/>
+                <a16:creationId xmlns:a16="http://schemas.microsoft.com/office/drawing/2014/main" xmlns="" id="{97E01D90-2AA2-4F8D-88AB-86262296D4C1}"/>
               </a:ext>
             </a:extLst>
           </p:cNvPr>
@@ -9007,7 +9055,7 @@
           <p:cNvPr id="2" name="Title 1">
             <a:extLst>
               <a:ext uri="{FF2B5EF4-FFF2-40B4-BE49-F238E27FC236}">
-                <a16:creationId xmlns:a16="http://schemas.microsoft.com/office/drawing/2014/main" id="{4BF4ABCF-7937-4BAC-B898-3417FE9D5F02}"/>
+                <a16:creationId xmlns:a16="http://schemas.microsoft.com/office/drawing/2014/main" xmlns="" id="{4BF4ABCF-7937-4BAC-B898-3417FE9D5F02}"/>
               </a:ext>
             </a:extLst>
           </p:cNvPr>
@@ -9039,7 +9087,7 @@
           <p:cNvPr id="3" name="Content Placeholder 2">
             <a:extLst>
               <a:ext uri="{FF2B5EF4-FFF2-40B4-BE49-F238E27FC236}">
-                <a16:creationId xmlns:a16="http://schemas.microsoft.com/office/drawing/2014/main" id="{9C692F10-459E-4F10-A738-F36310FA8BE1}"/>
+                <a16:creationId xmlns:a16="http://schemas.microsoft.com/office/drawing/2014/main" xmlns="" id="{9C692F10-459E-4F10-A738-F36310FA8BE1}"/>
               </a:ext>
             </a:extLst>
           </p:cNvPr>
@@ -9155,7 +9203,7 @@
           <p:cNvPr id="4" name="Date Placeholder 3">
             <a:extLst>
               <a:ext uri="{FF2B5EF4-FFF2-40B4-BE49-F238E27FC236}">
-                <a16:creationId xmlns:a16="http://schemas.microsoft.com/office/drawing/2014/main" id="{F7CF75A3-B975-462B-B48F-BFDE057468FC}"/>
+                <a16:creationId xmlns:a16="http://schemas.microsoft.com/office/drawing/2014/main" xmlns="" id="{F7CF75A3-B975-462B-B48F-BFDE057468FC}"/>
               </a:ext>
             </a:extLst>
           </p:cNvPr>
@@ -9183,7 +9231,7 @@
           <p:cNvPr id="5" name="Footer Placeholder 4">
             <a:extLst>
               <a:ext uri="{FF2B5EF4-FFF2-40B4-BE49-F238E27FC236}">
-                <a16:creationId xmlns:a16="http://schemas.microsoft.com/office/drawing/2014/main" id="{EBDDCF7E-F600-4F4D-815D-1D99143F28F1}"/>
+                <a16:creationId xmlns:a16="http://schemas.microsoft.com/office/drawing/2014/main" xmlns="" id="{EBDDCF7E-F600-4F4D-815D-1D99143F28F1}"/>
               </a:ext>
             </a:extLst>
           </p:cNvPr>
@@ -9212,7 +9260,7 @@
           <p:cNvPr id="6" name="Slide Number Placeholder 5">
             <a:extLst>
               <a:ext uri="{FF2B5EF4-FFF2-40B4-BE49-F238E27FC236}">
-                <a16:creationId xmlns:a16="http://schemas.microsoft.com/office/drawing/2014/main" id="{65786FBE-7A15-42F3-8C67-827C7CA331A9}"/>
+                <a16:creationId xmlns:a16="http://schemas.microsoft.com/office/drawing/2014/main" xmlns="" id="{65786FBE-7A15-42F3-8C67-827C7CA331A9}"/>
               </a:ext>
             </a:extLst>
           </p:cNvPr>
@@ -9271,7 +9319,7 @@
           <p:cNvPr id="2" name="Title 1">
             <a:extLst>
               <a:ext uri="{FF2B5EF4-FFF2-40B4-BE49-F238E27FC236}">
-                <a16:creationId xmlns:a16="http://schemas.microsoft.com/office/drawing/2014/main" id="{29C581E8-AB8A-4375-8A98-016D7E38DF11}"/>
+                <a16:creationId xmlns:a16="http://schemas.microsoft.com/office/drawing/2014/main" xmlns="" id="{29C581E8-AB8A-4375-8A98-016D7E38DF11}"/>
               </a:ext>
             </a:extLst>
           </p:cNvPr>
@@ -9310,7 +9358,7 @@
           <p:cNvPr id="4" name="TextBox 3">
             <a:extLst>
               <a:ext uri="{FF2B5EF4-FFF2-40B4-BE49-F238E27FC236}">
-                <a16:creationId xmlns:a16="http://schemas.microsoft.com/office/drawing/2014/main" id="{653A61F0-314B-4591-B52F-4C706BECF20F}"/>
+                <a16:creationId xmlns:a16="http://schemas.microsoft.com/office/drawing/2014/main" xmlns="" id="{653A61F0-314B-4591-B52F-4C706BECF20F}"/>
               </a:ext>
             </a:extLst>
           </p:cNvPr>
@@ -9687,7 +9735,7 @@
           <p:cNvPr id="5" name="TextBox 4">
             <a:extLst>
               <a:ext uri="{FF2B5EF4-FFF2-40B4-BE49-F238E27FC236}">
-                <a16:creationId xmlns:a16="http://schemas.microsoft.com/office/drawing/2014/main" id="{9778FC53-974B-492D-BD25-F694BFB3B314}"/>
+                <a16:creationId xmlns:a16="http://schemas.microsoft.com/office/drawing/2014/main" xmlns="" id="{9778FC53-974B-492D-BD25-F694BFB3B314}"/>
               </a:ext>
             </a:extLst>
           </p:cNvPr>
@@ -9753,7 +9801,7 @@
           <p:cNvPr id="6" name="TextBox 5">
             <a:extLst>
               <a:ext uri="{FF2B5EF4-FFF2-40B4-BE49-F238E27FC236}">
-                <a16:creationId xmlns:a16="http://schemas.microsoft.com/office/drawing/2014/main" id="{5A771FAE-7932-471D-A8E2-E559C3592491}"/>
+                <a16:creationId xmlns:a16="http://schemas.microsoft.com/office/drawing/2014/main" xmlns="" id="{5A771FAE-7932-471D-A8E2-E559C3592491}"/>
               </a:ext>
             </a:extLst>
           </p:cNvPr>
@@ -9796,7 +9844,7 @@
           <p:cNvPr id="7" name="TextBox 6">
             <a:extLst>
               <a:ext uri="{FF2B5EF4-FFF2-40B4-BE49-F238E27FC236}">
-                <a16:creationId xmlns:a16="http://schemas.microsoft.com/office/drawing/2014/main" id="{DDE32983-0DED-4919-8FF4-C81D76C133B8}"/>
+                <a16:creationId xmlns:a16="http://schemas.microsoft.com/office/drawing/2014/main" xmlns="" id="{DDE32983-0DED-4919-8FF4-C81D76C133B8}"/>
               </a:ext>
             </a:extLst>
           </p:cNvPr>
@@ -9831,6 +9879,10 @@
               </a:rPr>
               <a:t>rows*cols</a:t>
             </a:r>
+            <a:r>
+              <a:rPr lang="en-US" dirty="0"/>
+              <a:t/>
+            </a:r>
             <a:br>
               <a:rPr lang="en-US" dirty="0"/>
             </a:br>
@@ -9878,7 +9930,7 @@
           <p:cNvPr id="8" name="TextBox 7">
             <a:extLst>
               <a:ext uri="{FF2B5EF4-FFF2-40B4-BE49-F238E27FC236}">
-                <a16:creationId xmlns:a16="http://schemas.microsoft.com/office/drawing/2014/main" id="{0E7472CA-BD8E-4CF0-A4A0-D74175ABA794}"/>
+                <a16:creationId xmlns:a16="http://schemas.microsoft.com/office/drawing/2014/main" xmlns="" id="{0E7472CA-BD8E-4CF0-A4A0-D74175ABA794}"/>
               </a:ext>
             </a:extLst>
           </p:cNvPr>
@@ -9928,7 +9980,7 @@
           <p:cNvPr id="10" name="Straight Arrow Connector 9">
             <a:extLst>
               <a:ext uri="{FF2B5EF4-FFF2-40B4-BE49-F238E27FC236}">
-                <a16:creationId xmlns:a16="http://schemas.microsoft.com/office/drawing/2014/main" id="{9F04E894-D312-4872-96E7-42B570CD33BC}"/>
+                <a16:creationId xmlns:a16="http://schemas.microsoft.com/office/drawing/2014/main" xmlns="" id="{9F04E894-D312-4872-96E7-42B570CD33BC}"/>
               </a:ext>
             </a:extLst>
           </p:cNvPr>
@@ -9974,7 +10026,7 @@
           <p:cNvPr id="13" name="Straight Arrow Connector 12">
             <a:extLst>
               <a:ext uri="{FF2B5EF4-FFF2-40B4-BE49-F238E27FC236}">
-                <a16:creationId xmlns:a16="http://schemas.microsoft.com/office/drawing/2014/main" id="{F9E90BF4-D365-4C8E-A895-04093D745AE6}"/>
+                <a16:creationId xmlns:a16="http://schemas.microsoft.com/office/drawing/2014/main" xmlns="" id="{F9E90BF4-D365-4C8E-A895-04093D745AE6}"/>
               </a:ext>
             </a:extLst>
           </p:cNvPr>
@@ -10020,7 +10072,7 @@
           <p:cNvPr id="15" name="Straight Arrow Connector 14">
             <a:extLst>
               <a:ext uri="{FF2B5EF4-FFF2-40B4-BE49-F238E27FC236}">
-                <a16:creationId xmlns:a16="http://schemas.microsoft.com/office/drawing/2014/main" id="{DE6E2139-B5C1-4360-8299-786B54781160}"/>
+                <a16:creationId xmlns:a16="http://schemas.microsoft.com/office/drawing/2014/main" xmlns="" id="{DE6E2139-B5C1-4360-8299-786B54781160}"/>
               </a:ext>
             </a:extLst>
           </p:cNvPr>
@@ -10066,7 +10118,7 @@
           <p:cNvPr id="18" name="Straight Arrow Connector 17">
             <a:extLst>
               <a:ext uri="{FF2B5EF4-FFF2-40B4-BE49-F238E27FC236}">
-                <a16:creationId xmlns:a16="http://schemas.microsoft.com/office/drawing/2014/main" id="{D61F34EC-EAA2-4EC1-861E-47E40DCE72E1}"/>
+                <a16:creationId xmlns:a16="http://schemas.microsoft.com/office/drawing/2014/main" xmlns="" id="{D61F34EC-EAA2-4EC1-861E-47E40DCE72E1}"/>
               </a:ext>
             </a:extLst>
           </p:cNvPr>
@@ -10113,7 +10165,7 @@
           <p:cNvPr id="20" name="Date Placeholder 19">
             <a:extLst>
               <a:ext uri="{FF2B5EF4-FFF2-40B4-BE49-F238E27FC236}">
-                <a16:creationId xmlns:a16="http://schemas.microsoft.com/office/drawing/2014/main" id="{4DFF00D7-BCBE-474F-B943-4F614757905D}"/>
+                <a16:creationId xmlns:a16="http://schemas.microsoft.com/office/drawing/2014/main" xmlns="" id="{4DFF00D7-BCBE-474F-B943-4F614757905D}"/>
               </a:ext>
             </a:extLst>
           </p:cNvPr>
@@ -10141,7 +10193,7 @@
           <p:cNvPr id="21" name="Footer Placeholder 20">
             <a:extLst>
               <a:ext uri="{FF2B5EF4-FFF2-40B4-BE49-F238E27FC236}">
-                <a16:creationId xmlns:a16="http://schemas.microsoft.com/office/drawing/2014/main" id="{972B5C6E-1675-4EFB-A202-401E9B3AE69A}"/>
+                <a16:creationId xmlns:a16="http://schemas.microsoft.com/office/drawing/2014/main" xmlns="" id="{972B5C6E-1675-4EFB-A202-401E9B3AE69A}"/>
               </a:ext>
             </a:extLst>
           </p:cNvPr>
@@ -10170,7 +10222,7 @@
           <p:cNvPr id="22" name="Slide Number Placeholder 21">
             <a:extLst>
               <a:ext uri="{FF2B5EF4-FFF2-40B4-BE49-F238E27FC236}">
-                <a16:creationId xmlns:a16="http://schemas.microsoft.com/office/drawing/2014/main" id="{0C19838D-19E9-4CF1-A3A3-E7AF332E05F1}"/>
+                <a16:creationId xmlns:a16="http://schemas.microsoft.com/office/drawing/2014/main" xmlns="" id="{0C19838D-19E9-4CF1-A3A3-E7AF332E05F1}"/>
               </a:ext>
             </a:extLst>
           </p:cNvPr>
@@ -10229,7 +10281,7 @@
           <p:cNvPr id="2" name="Title 1">
             <a:extLst>
               <a:ext uri="{FF2B5EF4-FFF2-40B4-BE49-F238E27FC236}">
-                <a16:creationId xmlns:a16="http://schemas.microsoft.com/office/drawing/2014/main" id="{D63B623E-F33A-445F-9AFE-8064FB2FE71F}"/>
+                <a16:creationId xmlns:a16="http://schemas.microsoft.com/office/drawing/2014/main" xmlns="" id="{D63B623E-F33A-445F-9AFE-8064FB2FE71F}"/>
               </a:ext>
             </a:extLst>
           </p:cNvPr>
@@ -10260,7 +10312,7 @@
           <p:cNvPr id="4" name="Rectangle: Folded Corner 3">
             <a:extLst>
               <a:ext uri="{FF2B5EF4-FFF2-40B4-BE49-F238E27FC236}">
-                <a16:creationId xmlns:a16="http://schemas.microsoft.com/office/drawing/2014/main" id="{B2CED600-D7B7-49ED-BB45-08B04738EF6A}"/>
+                <a16:creationId xmlns:a16="http://schemas.microsoft.com/office/drawing/2014/main" xmlns="" id="{B2CED600-D7B7-49ED-BB45-08B04738EF6A}"/>
               </a:ext>
             </a:extLst>
           </p:cNvPr>
@@ -10317,7 +10369,7 @@
           <p:cNvPr id="5" name="Rectangle: Folded Corner 4">
             <a:extLst>
               <a:ext uri="{FF2B5EF4-FFF2-40B4-BE49-F238E27FC236}">
-                <a16:creationId xmlns:a16="http://schemas.microsoft.com/office/drawing/2014/main" id="{6A98A999-20FA-4429-933B-1E928C16A347}"/>
+                <a16:creationId xmlns:a16="http://schemas.microsoft.com/office/drawing/2014/main" xmlns="" id="{6A98A999-20FA-4429-933B-1E928C16A347}"/>
               </a:ext>
             </a:extLst>
           </p:cNvPr>
@@ -10368,7 +10420,7 @@
           <p:cNvPr id="6" name="Rectangle: Folded Corner 5">
             <a:extLst>
               <a:ext uri="{FF2B5EF4-FFF2-40B4-BE49-F238E27FC236}">
-                <a16:creationId xmlns:a16="http://schemas.microsoft.com/office/drawing/2014/main" id="{A8449B8D-D1DB-445F-B869-721A1751E868}"/>
+                <a16:creationId xmlns:a16="http://schemas.microsoft.com/office/drawing/2014/main" xmlns="" id="{A8449B8D-D1DB-445F-B869-721A1751E868}"/>
               </a:ext>
             </a:extLst>
           </p:cNvPr>
@@ -10419,7 +10471,7 @@
           <p:cNvPr id="7" name="Rectangle: Folded Corner 6">
             <a:extLst>
               <a:ext uri="{FF2B5EF4-FFF2-40B4-BE49-F238E27FC236}">
-                <a16:creationId xmlns:a16="http://schemas.microsoft.com/office/drawing/2014/main" id="{767EDF23-0940-41A0-B8B8-86EA32660788}"/>
+                <a16:creationId xmlns:a16="http://schemas.microsoft.com/office/drawing/2014/main" xmlns="" id="{767EDF23-0940-41A0-B8B8-86EA32660788}"/>
               </a:ext>
             </a:extLst>
           </p:cNvPr>
@@ -10470,7 +10522,7 @@
           <p:cNvPr id="8" name="Rectangle 7">
             <a:extLst>
               <a:ext uri="{FF2B5EF4-FFF2-40B4-BE49-F238E27FC236}">
-                <a16:creationId xmlns:a16="http://schemas.microsoft.com/office/drawing/2014/main" id="{F04DA900-ECED-455C-B74F-E69C0944F764}"/>
+                <a16:creationId xmlns:a16="http://schemas.microsoft.com/office/drawing/2014/main" xmlns="" id="{F04DA900-ECED-455C-B74F-E69C0944F764}"/>
               </a:ext>
             </a:extLst>
           </p:cNvPr>
@@ -10528,7 +10580,7 @@
           <p:cNvPr id="9" name="Rectangle 8">
             <a:extLst>
               <a:ext uri="{FF2B5EF4-FFF2-40B4-BE49-F238E27FC236}">
-                <a16:creationId xmlns:a16="http://schemas.microsoft.com/office/drawing/2014/main" id="{108F5048-26BA-427A-BF48-4B701EDEF017}"/>
+                <a16:creationId xmlns:a16="http://schemas.microsoft.com/office/drawing/2014/main" xmlns="" id="{108F5048-26BA-427A-BF48-4B701EDEF017}"/>
               </a:ext>
             </a:extLst>
           </p:cNvPr>
@@ -10586,7 +10638,7 @@
           <p:cNvPr id="18" name="Rectangle: Folded Corner 17">
             <a:extLst>
               <a:ext uri="{FF2B5EF4-FFF2-40B4-BE49-F238E27FC236}">
-                <a16:creationId xmlns:a16="http://schemas.microsoft.com/office/drawing/2014/main" id="{8768CE40-78E1-4378-9F0F-167820FC9E28}"/>
+                <a16:creationId xmlns:a16="http://schemas.microsoft.com/office/drawing/2014/main" xmlns="" id="{8768CE40-78E1-4378-9F0F-167820FC9E28}"/>
               </a:ext>
             </a:extLst>
           </p:cNvPr>
@@ -10643,7 +10695,7 @@
           <p:cNvPr id="19" name="Rectangle: Folded Corner 18">
             <a:extLst>
               <a:ext uri="{FF2B5EF4-FFF2-40B4-BE49-F238E27FC236}">
-                <a16:creationId xmlns:a16="http://schemas.microsoft.com/office/drawing/2014/main" id="{C6473861-E956-414A-AC6F-7B35D6473EA7}"/>
+                <a16:creationId xmlns:a16="http://schemas.microsoft.com/office/drawing/2014/main" xmlns="" id="{C6473861-E956-414A-AC6F-7B35D6473EA7}"/>
               </a:ext>
             </a:extLst>
           </p:cNvPr>
@@ -10694,7 +10746,7 @@
           <p:cNvPr id="21" name="Connector: Curved 20">
             <a:extLst>
               <a:ext uri="{FF2B5EF4-FFF2-40B4-BE49-F238E27FC236}">
-                <a16:creationId xmlns:a16="http://schemas.microsoft.com/office/drawing/2014/main" id="{0EF1658E-27C4-448D-A646-31F9B23AEADD}"/>
+                <a16:creationId xmlns:a16="http://schemas.microsoft.com/office/drawing/2014/main" xmlns="" id="{0EF1658E-27C4-448D-A646-31F9B23AEADD}"/>
               </a:ext>
             </a:extLst>
           </p:cNvPr>
@@ -10741,7 +10793,7 @@
           <p:cNvPr id="23" name="Connector: Curved 22">
             <a:extLst>
               <a:ext uri="{FF2B5EF4-FFF2-40B4-BE49-F238E27FC236}">
-                <a16:creationId xmlns:a16="http://schemas.microsoft.com/office/drawing/2014/main" id="{455D663C-1206-43C7-AF49-5AE8204E8EC1}"/>
+                <a16:creationId xmlns:a16="http://schemas.microsoft.com/office/drawing/2014/main" xmlns="" id="{455D663C-1206-43C7-AF49-5AE8204E8EC1}"/>
               </a:ext>
             </a:extLst>
           </p:cNvPr>
@@ -10788,7 +10840,7 @@
           <p:cNvPr id="25" name="Connector: Curved 24">
             <a:extLst>
               <a:ext uri="{FF2B5EF4-FFF2-40B4-BE49-F238E27FC236}">
-                <a16:creationId xmlns:a16="http://schemas.microsoft.com/office/drawing/2014/main" id="{A35C04B0-D095-4057-BD5A-4C222AC17263}"/>
+                <a16:creationId xmlns:a16="http://schemas.microsoft.com/office/drawing/2014/main" xmlns="" id="{A35C04B0-D095-4057-BD5A-4C222AC17263}"/>
               </a:ext>
             </a:extLst>
           </p:cNvPr>
@@ -10835,7 +10887,7 @@
           <p:cNvPr id="27" name="Connector: Curved 26">
             <a:extLst>
               <a:ext uri="{FF2B5EF4-FFF2-40B4-BE49-F238E27FC236}">
-                <a16:creationId xmlns:a16="http://schemas.microsoft.com/office/drawing/2014/main" id="{5AA98C0B-3B44-415C-AF0A-870A4FC4E98D}"/>
+                <a16:creationId xmlns:a16="http://schemas.microsoft.com/office/drawing/2014/main" xmlns="" id="{5AA98C0B-3B44-415C-AF0A-870A4FC4E98D}"/>
               </a:ext>
             </a:extLst>
           </p:cNvPr>
@@ -10882,7 +10934,7 @@
           <p:cNvPr id="35" name="Straight Arrow Connector 34">
             <a:extLst>
               <a:ext uri="{FF2B5EF4-FFF2-40B4-BE49-F238E27FC236}">
-                <a16:creationId xmlns:a16="http://schemas.microsoft.com/office/drawing/2014/main" id="{B0F0CC67-F1AF-4AFD-B50A-8B118CA38BF5}"/>
+                <a16:creationId xmlns:a16="http://schemas.microsoft.com/office/drawing/2014/main" xmlns="" id="{B0F0CC67-F1AF-4AFD-B50A-8B118CA38BF5}"/>
               </a:ext>
             </a:extLst>
           </p:cNvPr>
@@ -10930,7 +10982,7 @@
           <p:cNvPr id="37" name="Straight Arrow Connector 36">
             <a:extLst>
               <a:ext uri="{FF2B5EF4-FFF2-40B4-BE49-F238E27FC236}">
-                <a16:creationId xmlns:a16="http://schemas.microsoft.com/office/drawing/2014/main" id="{981089C7-55AF-4F80-9E7C-1FCEA7AEEF70}"/>
+                <a16:creationId xmlns:a16="http://schemas.microsoft.com/office/drawing/2014/main" xmlns="" id="{981089C7-55AF-4F80-9E7C-1FCEA7AEEF70}"/>
               </a:ext>
             </a:extLst>
           </p:cNvPr>
@@ -10978,7 +11030,7 @@
           <p:cNvPr id="39" name="TextBox 38">
             <a:extLst>
               <a:ext uri="{FF2B5EF4-FFF2-40B4-BE49-F238E27FC236}">
-                <a16:creationId xmlns:a16="http://schemas.microsoft.com/office/drawing/2014/main" id="{DF6A75ED-AB18-45C0-A4C9-47A0FA0AEBDA}"/>
+                <a16:creationId xmlns:a16="http://schemas.microsoft.com/office/drawing/2014/main" xmlns="" id="{DF6A75ED-AB18-45C0-A4C9-47A0FA0AEBDA}"/>
               </a:ext>
             </a:extLst>
           </p:cNvPr>
@@ -11017,7 +11069,7 @@
           <p:cNvPr id="40" name="TextBox 39">
             <a:extLst>
               <a:ext uri="{FF2B5EF4-FFF2-40B4-BE49-F238E27FC236}">
-                <a16:creationId xmlns:a16="http://schemas.microsoft.com/office/drawing/2014/main" id="{E50AFD25-721E-4F5B-BEB1-56E9E2682761}"/>
+                <a16:creationId xmlns:a16="http://schemas.microsoft.com/office/drawing/2014/main" xmlns="" id="{E50AFD25-721E-4F5B-BEB1-56E9E2682761}"/>
               </a:ext>
             </a:extLst>
           </p:cNvPr>
@@ -11056,7 +11108,7 @@
           <p:cNvPr id="3" name="Date Placeholder 2">
             <a:extLst>
               <a:ext uri="{FF2B5EF4-FFF2-40B4-BE49-F238E27FC236}">
-                <a16:creationId xmlns:a16="http://schemas.microsoft.com/office/drawing/2014/main" id="{E97C6DC1-CE61-4E54-BF70-2B6D4E0DC800}"/>
+                <a16:creationId xmlns:a16="http://schemas.microsoft.com/office/drawing/2014/main" xmlns="" id="{E97C6DC1-CE61-4E54-BF70-2B6D4E0DC800}"/>
               </a:ext>
             </a:extLst>
           </p:cNvPr>
@@ -11084,7 +11136,7 @@
           <p:cNvPr id="10" name="Footer Placeholder 9">
             <a:extLst>
               <a:ext uri="{FF2B5EF4-FFF2-40B4-BE49-F238E27FC236}">
-                <a16:creationId xmlns:a16="http://schemas.microsoft.com/office/drawing/2014/main" id="{B813CC73-F86D-499E-B683-CAF1E663FC28}"/>
+                <a16:creationId xmlns:a16="http://schemas.microsoft.com/office/drawing/2014/main" xmlns="" id="{B813CC73-F86D-499E-B683-CAF1E663FC28}"/>
               </a:ext>
             </a:extLst>
           </p:cNvPr>
@@ -11113,7 +11165,7 @@
           <p:cNvPr id="11" name="Slide Number Placeholder 10">
             <a:extLst>
               <a:ext uri="{FF2B5EF4-FFF2-40B4-BE49-F238E27FC236}">
-                <a16:creationId xmlns:a16="http://schemas.microsoft.com/office/drawing/2014/main" id="{40E15A02-D105-4D88-826C-BCE39B5BF7A6}"/>
+                <a16:creationId xmlns:a16="http://schemas.microsoft.com/office/drawing/2014/main" xmlns="" id="{40E15A02-D105-4D88-826C-BCE39B5BF7A6}"/>
               </a:ext>
             </a:extLst>
           </p:cNvPr>
@@ -11172,7 +11224,7 @@
           <p:cNvPr id="2" name="Title 1">
             <a:extLst>
               <a:ext uri="{FF2B5EF4-FFF2-40B4-BE49-F238E27FC236}">
-                <a16:creationId xmlns:a16="http://schemas.microsoft.com/office/drawing/2014/main" id="{5B78C2E4-1764-455E-8059-3B53E0B16BA7}"/>
+                <a16:creationId xmlns:a16="http://schemas.microsoft.com/office/drawing/2014/main" xmlns="" id="{5B78C2E4-1764-455E-8059-3B53E0B16BA7}"/>
               </a:ext>
             </a:extLst>
           </p:cNvPr>
@@ -11208,7 +11260,7 @@
           <p:cNvPr id="3" name="Content Placeholder 2">
             <a:extLst>
               <a:ext uri="{FF2B5EF4-FFF2-40B4-BE49-F238E27FC236}">
-                <a16:creationId xmlns:a16="http://schemas.microsoft.com/office/drawing/2014/main" id="{67C9C6F3-A310-4623-A725-068AF385B484}"/>
+                <a16:creationId xmlns:a16="http://schemas.microsoft.com/office/drawing/2014/main" xmlns="" id="{67C9C6F3-A310-4623-A725-068AF385B484}"/>
               </a:ext>
             </a:extLst>
           </p:cNvPr>
@@ -11221,8 +11273,8 @@
         </p:nvSpPr>
         <p:spPr>
           <a:xfrm>
-            <a:off x="628650" y="1465781"/>
-            <a:ext cx="4412688" cy="1325561"/>
+            <a:off x="628650" y="1465782"/>
+            <a:ext cx="4412688" cy="1082006"/>
           </a:xfrm>
         </p:spPr>
         <p:txBody>
@@ -11241,6 +11293,10 @@
               <a:rPr lang="ru-RU" sz="2000" dirty="0"/>
               <a:t>Программе не должно быть нужно </a:t>
             </a:r>
+            <a:r>
+              <a:rPr lang="en-US" sz="2000" dirty="0"/>
+              <a:t/>
+            </a:r>
             <a:br>
               <a:rPr lang="en-US" sz="2000" dirty="0"/>
             </a:br>
@@ -11256,6 +11312,10 @@
               <a:rPr lang="ru-RU" sz="2000" dirty="0"/>
               <a:t>с «внутренностями»</a:t>
             </a:r>
+            <a:r>
+              <a:rPr lang="en-US" sz="2000" dirty="0"/>
+              <a:t/>
+            </a:r>
             <a:br>
               <a:rPr lang="en-US" sz="2000" dirty="0"/>
             </a:br>
@@ -11272,7 +11332,7 @@
           <p:cNvPr id="4" name="Group 3">
             <a:extLst>
               <a:ext uri="{FF2B5EF4-FFF2-40B4-BE49-F238E27FC236}">
-                <a16:creationId xmlns:a16="http://schemas.microsoft.com/office/drawing/2014/main" id="{3DF86EF9-6754-4F7C-AE51-ABD9061F6B9A}"/>
+                <a16:creationId xmlns:a16="http://schemas.microsoft.com/office/drawing/2014/main" xmlns="" id="{3DF86EF9-6754-4F7C-AE51-ABD9061F6B9A}"/>
               </a:ext>
             </a:extLst>
           </p:cNvPr>
@@ -11292,7 +11352,7 @@
             <p:cNvPr id="5" name="Rectangle 4">
               <a:extLst>
                 <a:ext uri="{FF2B5EF4-FFF2-40B4-BE49-F238E27FC236}">
-                  <a16:creationId xmlns:a16="http://schemas.microsoft.com/office/drawing/2014/main" id="{4DB30527-1FFE-424E-A1D7-5F3D95D56C1B}"/>
+                  <a16:creationId xmlns:a16="http://schemas.microsoft.com/office/drawing/2014/main" xmlns="" id="{4DB30527-1FFE-424E-A1D7-5F3D95D56C1B}"/>
                 </a:ext>
               </a:extLst>
             </p:cNvPr>
@@ -11349,7 +11409,7 @@
             <p:cNvPr id="6" name="Rectangle 5">
               <a:extLst>
                 <a:ext uri="{FF2B5EF4-FFF2-40B4-BE49-F238E27FC236}">
-                  <a16:creationId xmlns:a16="http://schemas.microsoft.com/office/drawing/2014/main" id="{9B25A2E1-AF23-45F7-977F-A3C400FA1719}"/>
+                  <a16:creationId xmlns:a16="http://schemas.microsoft.com/office/drawing/2014/main" xmlns="" id="{9B25A2E1-AF23-45F7-977F-A3C400FA1719}"/>
                 </a:ext>
               </a:extLst>
             </p:cNvPr>
@@ -11406,7 +11466,7 @@
             <p:cNvPr id="7" name="Rectangle 6">
               <a:extLst>
                 <a:ext uri="{FF2B5EF4-FFF2-40B4-BE49-F238E27FC236}">
-                  <a16:creationId xmlns:a16="http://schemas.microsoft.com/office/drawing/2014/main" id="{796B9E20-285B-4A11-A1A6-2F7F5D16E20E}"/>
+                  <a16:creationId xmlns:a16="http://schemas.microsoft.com/office/drawing/2014/main" xmlns="" id="{796B9E20-285B-4A11-A1A6-2F7F5D16E20E}"/>
                 </a:ext>
               </a:extLst>
             </p:cNvPr>
@@ -11463,7 +11523,7 @@
             <p:cNvPr id="8" name="Rectangle 7">
               <a:extLst>
                 <a:ext uri="{FF2B5EF4-FFF2-40B4-BE49-F238E27FC236}">
-                  <a16:creationId xmlns:a16="http://schemas.microsoft.com/office/drawing/2014/main" id="{D36BBCA0-87B2-4580-9EF2-18F3BC3EA701}"/>
+                  <a16:creationId xmlns:a16="http://schemas.microsoft.com/office/drawing/2014/main" xmlns="" id="{D36BBCA0-87B2-4580-9EF2-18F3BC3EA701}"/>
                 </a:ext>
               </a:extLst>
             </p:cNvPr>
@@ -11521,7 +11581,7 @@
           <p:cNvPr id="9" name="Group 8">
             <a:extLst>
               <a:ext uri="{FF2B5EF4-FFF2-40B4-BE49-F238E27FC236}">
-                <a16:creationId xmlns:a16="http://schemas.microsoft.com/office/drawing/2014/main" id="{C4374DD5-7BDD-4320-A7BC-F67286A50F59}"/>
+                <a16:creationId xmlns:a16="http://schemas.microsoft.com/office/drawing/2014/main" xmlns="" id="{C4374DD5-7BDD-4320-A7BC-F67286A50F59}"/>
               </a:ext>
             </a:extLst>
           </p:cNvPr>
@@ -11541,7 +11601,7 @@
             <p:cNvPr id="10" name="Rectangle 9">
               <a:extLst>
                 <a:ext uri="{FF2B5EF4-FFF2-40B4-BE49-F238E27FC236}">
-                  <a16:creationId xmlns:a16="http://schemas.microsoft.com/office/drawing/2014/main" id="{AF71D2AE-7AA7-488D-9ADC-DC616EE7E2F1}"/>
+                  <a16:creationId xmlns:a16="http://schemas.microsoft.com/office/drawing/2014/main" xmlns="" id="{AF71D2AE-7AA7-488D-9ADC-DC616EE7E2F1}"/>
                 </a:ext>
               </a:extLst>
             </p:cNvPr>
@@ -11598,7 +11658,7 @@
             <p:cNvPr id="11" name="Rectangle 10">
               <a:extLst>
                 <a:ext uri="{FF2B5EF4-FFF2-40B4-BE49-F238E27FC236}">
-                  <a16:creationId xmlns:a16="http://schemas.microsoft.com/office/drawing/2014/main" id="{EA3028CD-B808-4363-87AC-E981CDDB051A}"/>
+                  <a16:creationId xmlns:a16="http://schemas.microsoft.com/office/drawing/2014/main" xmlns="" id="{EA3028CD-B808-4363-87AC-E981CDDB051A}"/>
                 </a:ext>
               </a:extLst>
             </p:cNvPr>
@@ -11655,7 +11715,7 @@
             <p:cNvPr id="12" name="Rectangle 11">
               <a:extLst>
                 <a:ext uri="{FF2B5EF4-FFF2-40B4-BE49-F238E27FC236}">
-                  <a16:creationId xmlns:a16="http://schemas.microsoft.com/office/drawing/2014/main" id="{D672326A-B0EE-4079-8B02-CF908EE576BF}"/>
+                  <a16:creationId xmlns:a16="http://schemas.microsoft.com/office/drawing/2014/main" xmlns="" id="{D672326A-B0EE-4079-8B02-CF908EE576BF}"/>
                 </a:ext>
               </a:extLst>
             </p:cNvPr>
@@ -11712,7 +11772,7 @@
             <p:cNvPr id="13" name="Rectangle 12">
               <a:extLst>
                 <a:ext uri="{FF2B5EF4-FFF2-40B4-BE49-F238E27FC236}">
-                  <a16:creationId xmlns:a16="http://schemas.microsoft.com/office/drawing/2014/main" id="{65769E87-C6D3-491E-A51E-94D6EBADEEC2}"/>
+                  <a16:creationId xmlns:a16="http://schemas.microsoft.com/office/drawing/2014/main" xmlns="" id="{65769E87-C6D3-491E-A51E-94D6EBADEEC2}"/>
                 </a:ext>
               </a:extLst>
             </p:cNvPr>
@@ -11770,7 +11830,7 @@
           <p:cNvPr id="14" name="Group 13">
             <a:extLst>
               <a:ext uri="{FF2B5EF4-FFF2-40B4-BE49-F238E27FC236}">
-                <a16:creationId xmlns:a16="http://schemas.microsoft.com/office/drawing/2014/main" id="{3A6FAD9E-AF04-457C-8ED8-A6DEBAFC6453}"/>
+                <a16:creationId xmlns:a16="http://schemas.microsoft.com/office/drawing/2014/main" xmlns="" id="{3A6FAD9E-AF04-457C-8ED8-A6DEBAFC6453}"/>
               </a:ext>
             </a:extLst>
           </p:cNvPr>
@@ -11790,7 +11850,7 @@
             <p:cNvPr id="15" name="Rectangle 14">
               <a:extLst>
                 <a:ext uri="{FF2B5EF4-FFF2-40B4-BE49-F238E27FC236}">
-                  <a16:creationId xmlns:a16="http://schemas.microsoft.com/office/drawing/2014/main" id="{D3FBB017-33C3-45A6-A977-0830D9F776A8}"/>
+                  <a16:creationId xmlns:a16="http://schemas.microsoft.com/office/drawing/2014/main" xmlns="" id="{D3FBB017-33C3-45A6-A977-0830D9F776A8}"/>
                 </a:ext>
               </a:extLst>
             </p:cNvPr>
@@ -11847,7 +11907,7 @@
             <p:cNvPr id="16" name="Rectangle 15">
               <a:extLst>
                 <a:ext uri="{FF2B5EF4-FFF2-40B4-BE49-F238E27FC236}">
-                  <a16:creationId xmlns:a16="http://schemas.microsoft.com/office/drawing/2014/main" id="{309E9F01-6B7F-47BD-8070-821477CD5827}"/>
+                  <a16:creationId xmlns:a16="http://schemas.microsoft.com/office/drawing/2014/main" xmlns="" id="{309E9F01-6B7F-47BD-8070-821477CD5827}"/>
                 </a:ext>
               </a:extLst>
             </p:cNvPr>
@@ -11904,7 +11964,7 @@
             <p:cNvPr id="17" name="Rectangle 16">
               <a:extLst>
                 <a:ext uri="{FF2B5EF4-FFF2-40B4-BE49-F238E27FC236}">
-                  <a16:creationId xmlns:a16="http://schemas.microsoft.com/office/drawing/2014/main" id="{191371D1-9DEF-453D-AA49-3DF7C4B3D54E}"/>
+                  <a16:creationId xmlns:a16="http://schemas.microsoft.com/office/drawing/2014/main" xmlns="" id="{191371D1-9DEF-453D-AA49-3DF7C4B3D54E}"/>
                 </a:ext>
               </a:extLst>
             </p:cNvPr>
@@ -11961,7 +12021,7 @@
             <p:cNvPr id="18" name="Rectangle 17">
               <a:extLst>
                 <a:ext uri="{FF2B5EF4-FFF2-40B4-BE49-F238E27FC236}">
-                  <a16:creationId xmlns:a16="http://schemas.microsoft.com/office/drawing/2014/main" id="{C1405A8A-3744-4E02-BDE3-2B5CF1694697}"/>
+                  <a16:creationId xmlns:a16="http://schemas.microsoft.com/office/drawing/2014/main" xmlns="" id="{C1405A8A-3744-4E02-BDE3-2B5CF1694697}"/>
                 </a:ext>
               </a:extLst>
             </p:cNvPr>
@@ -12019,7 +12079,7 @@
           <p:cNvPr id="19" name="Group 18">
             <a:extLst>
               <a:ext uri="{FF2B5EF4-FFF2-40B4-BE49-F238E27FC236}">
-                <a16:creationId xmlns:a16="http://schemas.microsoft.com/office/drawing/2014/main" id="{EAFBF1CB-78B0-4613-A2E3-8C807971E93E}"/>
+                <a16:creationId xmlns:a16="http://schemas.microsoft.com/office/drawing/2014/main" xmlns="" id="{EAFBF1CB-78B0-4613-A2E3-8C807971E93E}"/>
               </a:ext>
             </a:extLst>
           </p:cNvPr>
@@ -12039,7 +12099,7 @@
             <p:cNvPr id="20" name="Rectangle 19">
               <a:extLst>
                 <a:ext uri="{FF2B5EF4-FFF2-40B4-BE49-F238E27FC236}">
-                  <a16:creationId xmlns:a16="http://schemas.microsoft.com/office/drawing/2014/main" id="{4F65E1B9-9AAC-43CA-AD07-7D3A9C23B5CA}"/>
+                  <a16:creationId xmlns:a16="http://schemas.microsoft.com/office/drawing/2014/main" xmlns="" id="{4F65E1B9-9AAC-43CA-AD07-7D3A9C23B5CA}"/>
                 </a:ext>
               </a:extLst>
             </p:cNvPr>
@@ -12096,7 +12156,7 @@
             <p:cNvPr id="21" name="Rectangle 20">
               <a:extLst>
                 <a:ext uri="{FF2B5EF4-FFF2-40B4-BE49-F238E27FC236}">
-                  <a16:creationId xmlns:a16="http://schemas.microsoft.com/office/drawing/2014/main" id="{53C5533C-A4E4-4F5A-8D19-86010931FF2D}"/>
+                  <a16:creationId xmlns:a16="http://schemas.microsoft.com/office/drawing/2014/main" xmlns="" id="{53C5533C-A4E4-4F5A-8D19-86010931FF2D}"/>
                 </a:ext>
               </a:extLst>
             </p:cNvPr>
@@ -12153,7 +12213,7 @@
             <p:cNvPr id="22" name="Rectangle 21">
               <a:extLst>
                 <a:ext uri="{FF2B5EF4-FFF2-40B4-BE49-F238E27FC236}">
-                  <a16:creationId xmlns:a16="http://schemas.microsoft.com/office/drawing/2014/main" id="{0743F25C-07E4-463E-8805-72133362636B}"/>
+                  <a16:creationId xmlns:a16="http://schemas.microsoft.com/office/drawing/2014/main" xmlns="" id="{0743F25C-07E4-463E-8805-72133362636B}"/>
                 </a:ext>
               </a:extLst>
             </p:cNvPr>
@@ -12210,7 +12270,7 @@
             <p:cNvPr id="23" name="Rectangle 22">
               <a:extLst>
                 <a:ext uri="{FF2B5EF4-FFF2-40B4-BE49-F238E27FC236}">
-                  <a16:creationId xmlns:a16="http://schemas.microsoft.com/office/drawing/2014/main" id="{C91EDADA-FED8-495D-A974-935971181677}"/>
+                  <a16:creationId xmlns:a16="http://schemas.microsoft.com/office/drawing/2014/main" xmlns="" id="{C91EDADA-FED8-495D-A974-935971181677}"/>
                 </a:ext>
               </a:extLst>
             </p:cNvPr>
@@ -12268,7 +12328,7 @@
           <p:cNvPr id="24" name="Group 23">
             <a:extLst>
               <a:ext uri="{FF2B5EF4-FFF2-40B4-BE49-F238E27FC236}">
-                <a16:creationId xmlns:a16="http://schemas.microsoft.com/office/drawing/2014/main" id="{E54991A9-1AD8-41A3-AB50-0021A6BAC39A}"/>
+                <a16:creationId xmlns:a16="http://schemas.microsoft.com/office/drawing/2014/main" xmlns="" id="{E54991A9-1AD8-41A3-AB50-0021A6BAC39A}"/>
               </a:ext>
             </a:extLst>
           </p:cNvPr>
@@ -12288,7 +12348,7 @@
             <p:cNvPr id="25" name="Rectangle 24">
               <a:extLst>
                 <a:ext uri="{FF2B5EF4-FFF2-40B4-BE49-F238E27FC236}">
-                  <a16:creationId xmlns:a16="http://schemas.microsoft.com/office/drawing/2014/main" id="{90A8AAB8-1BD1-4F19-9C7E-E06D7009DF08}"/>
+                  <a16:creationId xmlns:a16="http://schemas.microsoft.com/office/drawing/2014/main" xmlns="" id="{90A8AAB8-1BD1-4F19-9C7E-E06D7009DF08}"/>
                 </a:ext>
               </a:extLst>
             </p:cNvPr>
@@ -12345,7 +12405,7 @@
             <p:cNvPr id="26" name="Rectangle 25">
               <a:extLst>
                 <a:ext uri="{FF2B5EF4-FFF2-40B4-BE49-F238E27FC236}">
-                  <a16:creationId xmlns:a16="http://schemas.microsoft.com/office/drawing/2014/main" id="{49A6ED0A-E7CC-4222-91CD-CC8252E3FF6B}"/>
+                  <a16:creationId xmlns:a16="http://schemas.microsoft.com/office/drawing/2014/main" xmlns="" id="{49A6ED0A-E7CC-4222-91CD-CC8252E3FF6B}"/>
                 </a:ext>
               </a:extLst>
             </p:cNvPr>
@@ -12402,7 +12462,7 @@
             <p:cNvPr id="27" name="Rectangle 26">
               <a:extLst>
                 <a:ext uri="{FF2B5EF4-FFF2-40B4-BE49-F238E27FC236}">
-                  <a16:creationId xmlns:a16="http://schemas.microsoft.com/office/drawing/2014/main" id="{C8D29088-CE9F-405E-9A84-DC840F03A894}"/>
+                  <a16:creationId xmlns:a16="http://schemas.microsoft.com/office/drawing/2014/main" xmlns="" id="{C8D29088-CE9F-405E-9A84-DC840F03A894}"/>
                 </a:ext>
               </a:extLst>
             </p:cNvPr>
@@ -12459,7 +12519,7 @@
             <p:cNvPr id="28" name="Rectangle 27">
               <a:extLst>
                 <a:ext uri="{FF2B5EF4-FFF2-40B4-BE49-F238E27FC236}">
-                  <a16:creationId xmlns:a16="http://schemas.microsoft.com/office/drawing/2014/main" id="{A89C1DE0-9A83-4F06-845D-D40563877AA7}"/>
+                  <a16:creationId xmlns:a16="http://schemas.microsoft.com/office/drawing/2014/main" xmlns="" id="{A89C1DE0-9A83-4F06-845D-D40563877AA7}"/>
                 </a:ext>
               </a:extLst>
             </p:cNvPr>
@@ -12517,7 +12577,7 @@
           <p:cNvPr id="29" name="Group 28">
             <a:extLst>
               <a:ext uri="{FF2B5EF4-FFF2-40B4-BE49-F238E27FC236}">
-                <a16:creationId xmlns:a16="http://schemas.microsoft.com/office/drawing/2014/main" id="{9D7A1E95-C3A6-4068-810D-01A6E96E9378}"/>
+                <a16:creationId xmlns:a16="http://schemas.microsoft.com/office/drawing/2014/main" xmlns="" id="{9D7A1E95-C3A6-4068-810D-01A6E96E9378}"/>
               </a:ext>
             </a:extLst>
           </p:cNvPr>
@@ -12537,7 +12597,7 @@
             <p:cNvPr id="30" name="Rectangle 29">
               <a:extLst>
                 <a:ext uri="{FF2B5EF4-FFF2-40B4-BE49-F238E27FC236}">
-                  <a16:creationId xmlns:a16="http://schemas.microsoft.com/office/drawing/2014/main" id="{E40F8DB8-82D7-4DF1-8278-122594DEFC1A}"/>
+                  <a16:creationId xmlns:a16="http://schemas.microsoft.com/office/drawing/2014/main" xmlns="" id="{E40F8DB8-82D7-4DF1-8278-122594DEFC1A}"/>
                 </a:ext>
               </a:extLst>
             </p:cNvPr>
@@ -12594,7 +12654,7 @@
             <p:cNvPr id="31" name="Rectangle 30">
               <a:extLst>
                 <a:ext uri="{FF2B5EF4-FFF2-40B4-BE49-F238E27FC236}">
-                  <a16:creationId xmlns:a16="http://schemas.microsoft.com/office/drawing/2014/main" id="{C877793A-5964-4AD7-B46A-DA2BAC4471B7}"/>
+                  <a16:creationId xmlns:a16="http://schemas.microsoft.com/office/drawing/2014/main" xmlns="" id="{C877793A-5964-4AD7-B46A-DA2BAC4471B7}"/>
                 </a:ext>
               </a:extLst>
             </p:cNvPr>
@@ -12651,7 +12711,7 @@
             <p:cNvPr id="32" name="Rectangle 31">
               <a:extLst>
                 <a:ext uri="{FF2B5EF4-FFF2-40B4-BE49-F238E27FC236}">
-                  <a16:creationId xmlns:a16="http://schemas.microsoft.com/office/drawing/2014/main" id="{CC667518-D345-480F-BD62-E9369E2B1F5D}"/>
+                  <a16:creationId xmlns:a16="http://schemas.microsoft.com/office/drawing/2014/main" xmlns="" id="{CC667518-D345-480F-BD62-E9369E2B1F5D}"/>
                 </a:ext>
               </a:extLst>
             </p:cNvPr>
@@ -12708,7 +12768,7 @@
             <p:cNvPr id="33" name="Rectangle 32">
               <a:extLst>
                 <a:ext uri="{FF2B5EF4-FFF2-40B4-BE49-F238E27FC236}">
-                  <a16:creationId xmlns:a16="http://schemas.microsoft.com/office/drawing/2014/main" id="{153534CC-1540-4EB4-A5E9-832D25F34ADD}"/>
+                  <a16:creationId xmlns:a16="http://schemas.microsoft.com/office/drawing/2014/main" xmlns="" id="{153534CC-1540-4EB4-A5E9-832D25F34ADD}"/>
                 </a:ext>
               </a:extLst>
             </p:cNvPr>
@@ -12766,7 +12826,7 @@
           <p:cNvPr id="34" name="Group 33">
             <a:extLst>
               <a:ext uri="{FF2B5EF4-FFF2-40B4-BE49-F238E27FC236}">
-                <a16:creationId xmlns:a16="http://schemas.microsoft.com/office/drawing/2014/main" id="{EBE8F599-4AA3-44C5-8F4D-9E2D110C403C}"/>
+                <a16:creationId xmlns:a16="http://schemas.microsoft.com/office/drawing/2014/main" xmlns="" id="{EBE8F599-4AA3-44C5-8F4D-9E2D110C403C}"/>
               </a:ext>
             </a:extLst>
           </p:cNvPr>
@@ -12786,7 +12846,7 @@
             <p:cNvPr id="35" name="Straight Connector 34">
               <a:extLst>
                 <a:ext uri="{FF2B5EF4-FFF2-40B4-BE49-F238E27FC236}">
-                  <a16:creationId xmlns:a16="http://schemas.microsoft.com/office/drawing/2014/main" id="{F06FB8FD-8BC0-4598-9A8C-7E743C9BD7F9}"/>
+                  <a16:creationId xmlns:a16="http://schemas.microsoft.com/office/drawing/2014/main" xmlns="" id="{F06FB8FD-8BC0-4598-9A8C-7E743C9BD7F9}"/>
                 </a:ext>
               </a:extLst>
             </p:cNvPr>
@@ -12831,7 +12891,7 @@
             <p:cNvPr id="36" name="Straight Connector 35">
               <a:extLst>
                 <a:ext uri="{FF2B5EF4-FFF2-40B4-BE49-F238E27FC236}">
-                  <a16:creationId xmlns:a16="http://schemas.microsoft.com/office/drawing/2014/main" id="{7D64DA32-EC96-41F6-959D-B49CA35460F0}"/>
+                  <a16:creationId xmlns:a16="http://schemas.microsoft.com/office/drawing/2014/main" xmlns="" id="{7D64DA32-EC96-41F6-959D-B49CA35460F0}"/>
                 </a:ext>
               </a:extLst>
             </p:cNvPr>
@@ -12876,7 +12936,7 @@
             <p:cNvPr id="37" name="Straight Arrow Connector 36">
               <a:extLst>
                 <a:ext uri="{FF2B5EF4-FFF2-40B4-BE49-F238E27FC236}">
-                  <a16:creationId xmlns:a16="http://schemas.microsoft.com/office/drawing/2014/main" id="{DE400747-62D8-4DC0-9F04-55A550E36021}"/>
+                  <a16:creationId xmlns:a16="http://schemas.microsoft.com/office/drawing/2014/main" xmlns="" id="{DE400747-62D8-4DC0-9F04-55A550E36021}"/>
                 </a:ext>
               </a:extLst>
             </p:cNvPr>
@@ -12922,7 +12982,7 @@
           <p:cNvPr id="38" name="Group 37">
             <a:extLst>
               <a:ext uri="{FF2B5EF4-FFF2-40B4-BE49-F238E27FC236}">
-                <a16:creationId xmlns:a16="http://schemas.microsoft.com/office/drawing/2014/main" id="{1A60C01A-A6E5-4A47-B87A-A834857E00E5}"/>
+                <a16:creationId xmlns:a16="http://schemas.microsoft.com/office/drawing/2014/main" xmlns="" id="{1A60C01A-A6E5-4A47-B87A-A834857E00E5}"/>
               </a:ext>
             </a:extLst>
           </p:cNvPr>
@@ -12942,7 +13002,7 @@
             <p:cNvPr id="39" name="Straight Connector 38">
               <a:extLst>
                 <a:ext uri="{FF2B5EF4-FFF2-40B4-BE49-F238E27FC236}">
-                  <a16:creationId xmlns:a16="http://schemas.microsoft.com/office/drawing/2014/main" id="{E1D6AE9D-73DC-49B3-A9AF-261C9FFE3088}"/>
+                  <a16:creationId xmlns:a16="http://schemas.microsoft.com/office/drawing/2014/main" xmlns="" id="{E1D6AE9D-73DC-49B3-A9AF-261C9FFE3088}"/>
                 </a:ext>
               </a:extLst>
             </p:cNvPr>
@@ -12987,7 +13047,7 @@
             <p:cNvPr id="40" name="Straight Connector 39">
               <a:extLst>
                 <a:ext uri="{FF2B5EF4-FFF2-40B4-BE49-F238E27FC236}">
-                  <a16:creationId xmlns:a16="http://schemas.microsoft.com/office/drawing/2014/main" id="{5FF08A63-786D-4043-B22C-E04D74C898A2}"/>
+                  <a16:creationId xmlns:a16="http://schemas.microsoft.com/office/drawing/2014/main" xmlns="" id="{5FF08A63-786D-4043-B22C-E04D74C898A2}"/>
                 </a:ext>
               </a:extLst>
             </p:cNvPr>
@@ -13032,7 +13092,7 @@
             <p:cNvPr id="41" name="Straight Arrow Connector 40">
               <a:extLst>
                 <a:ext uri="{FF2B5EF4-FFF2-40B4-BE49-F238E27FC236}">
-                  <a16:creationId xmlns:a16="http://schemas.microsoft.com/office/drawing/2014/main" id="{9E7580FD-15DA-4528-AD59-7327F03297C1}"/>
+                  <a16:creationId xmlns:a16="http://schemas.microsoft.com/office/drawing/2014/main" xmlns="" id="{9E7580FD-15DA-4528-AD59-7327F03297C1}"/>
                 </a:ext>
               </a:extLst>
             </p:cNvPr>
@@ -13078,7 +13138,7 @@
           <p:cNvPr id="42" name="TextBox 41">
             <a:extLst>
               <a:ext uri="{FF2B5EF4-FFF2-40B4-BE49-F238E27FC236}">
-                <a16:creationId xmlns:a16="http://schemas.microsoft.com/office/drawing/2014/main" id="{19490745-CD7D-48EC-98EB-B53262960DCF}"/>
+                <a16:creationId xmlns:a16="http://schemas.microsoft.com/office/drawing/2014/main" xmlns="" id="{19490745-CD7D-48EC-98EB-B53262960DCF}"/>
               </a:ext>
             </a:extLst>
           </p:cNvPr>
@@ -13119,7 +13179,7 @@
           <p:cNvPr id="43" name="TextBox 42">
             <a:extLst>
               <a:ext uri="{FF2B5EF4-FFF2-40B4-BE49-F238E27FC236}">
-                <a16:creationId xmlns:a16="http://schemas.microsoft.com/office/drawing/2014/main" id="{927E9218-9C5A-49E1-8D1D-E4CC090EC119}"/>
+                <a16:creationId xmlns:a16="http://schemas.microsoft.com/office/drawing/2014/main" xmlns="" id="{927E9218-9C5A-49E1-8D1D-E4CC090EC119}"/>
               </a:ext>
             </a:extLst>
           </p:cNvPr>
@@ -13160,7 +13220,7 @@
           <p:cNvPr id="44" name="Straight Arrow Connector 43">
             <a:extLst>
               <a:ext uri="{FF2B5EF4-FFF2-40B4-BE49-F238E27FC236}">
-                <a16:creationId xmlns:a16="http://schemas.microsoft.com/office/drawing/2014/main" id="{FAC7FE2F-9E85-4922-8F1D-1DA0B7475A40}"/>
+                <a16:creationId xmlns:a16="http://schemas.microsoft.com/office/drawing/2014/main" xmlns="" id="{FAC7FE2F-9E85-4922-8F1D-1DA0B7475A40}"/>
               </a:ext>
             </a:extLst>
           </p:cNvPr>
@@ -13206,7 +13266,7 @@
           <p:cNvPr id="46" name="TextBox 45">
             <a:extLst>
               <a:ext uri="{FF2B5EF4-FFF2-40B4-BE49-F238E27FC236}">
-                <a16:creationId xmlns:a16="http://schemas.microsoft.com/office/drawing/2014/main" id="{D5B73C21-336F-4331-B33C-52A964064D4B}"/>
+                <a16:creationId xmlns:a16="http://schemas.microsoft.com/office/drawing/2014/main" xmlns="" id="{D5B73C21-336F-4331-B33C-52A964064D4B}"/>
               </a:ext>
             </a:extLst>
           </p:cNvPr>
@@ -13377,7 +13437,7 @@
           <p:cNvPr id="47" name="TextBox 46">
             <a:extLst>
               <a:ext uri="{FF2B5EF4-FFF2-40B4-BE49-F238E27FC236}">
-                <a16:creationId xmlns:a16="http://schemas.microsoft.com/office/drawing/2014/main" id="{887CFEA2-3BFC-476C-9382-B3C61515BEFD}"/>
+                <a16:creationId xmlns:a16="http://schemas.microsoft.com/office/drawing/2014/main" xmlns="" id="{887CFEA2-3BFC-476C-9382-B3C61515BEFD}"/>
               </a:ext>
             </a:extLst>
           </p:cNvPr>
@@ -13386,7 +13446,7 @@
         </p:nvSpPr>
         <p:spPr>
           <a:xfrm>
-            <a:off x="634894" y="4395339"/>
+            <a:off x="488663" y="4242724"/>
             <a:ext cx="5715026" cy="1896930"/>
           </a:xfrm>
           <a:prstGeom prst="rect">
@@ -13562,6 +13622,14 @@
               </a:rPr>
               <a:t> 0;</a:t>
             </a:r>
+            <a:r>
+              <a:rPr lang="en-US" dirty="0">
+                <a:solidFill>
+                  <a:srgbClr val="002060"/>
+                </a:solidFill>
+              </a:rPr>
+              <a:t/>
+            </a:r>
             <a:br>
               <a:rPr lang="en-US" dirty="0">
                 <a:solidFill>
@@ -13616,7 +13684,7 @@
           <p:cNvPr id="50" name="TextBox 49">
             <a:extLst>
               <a:ext uri="{FF2B5EF4-FFF2-40B4-BE49-F238E27FC236}">
-                <a16:creationId xmlns:a16="http://schemas.microsoft.com/office/drawing/2014/main" id="{6390CDFC-AB12-44C1-933E-518F274265C7}"/>
+                <a16:creationId xmlns:a16="http://schemas.microsoft.com/office/drawing/2014/main" xmlns="" id="{6390CDFC-AB12-44C1-933E-518F274265C7}"/>
               </a:ext>
             </a:extLst>
           </p:cNvPr>
@@ -13625,7 +13693,7 @@
         </p:nvSpPr>
         <p:spPr>
           <a:xfrm>
-            <a:off x="6318446" y="3983945"/>
+            <a:off x="6318446" y="3992109"/>
             <a:ext cx="2448427" cy="2308324"/>
           </a:xfrm>
           <a:prstGeom prst="rect">
@@ -13655,6 +13723,16 @@
               </a:rPr>
               <a:t>API:</a:t>
             </a:r>
+            <a:r>
+              <a:rPr lang="en-US" dirty="0">
+                <a:solidFill>
+                  <a:schemeClr val="bg1">
+                    <a:lumMod val="65000"/>
+                  </a:schemeClr>
+                </a:solidFill>
+              </a:rPr>
+              <a:t/>
+            </a:r>
             <a:br>
               <a:rPr lang="en-US" dirty="0">
                 <a:solidFill>
@@ -13735,7 +13813,7 @@
           <p:cNvPr id="51" name="Date Placeholder 50">
             <a:extLst>
               <a:ext uri="{FF2B5EF4-FFF2-40B4-BE49-F238E27FC236}">
-                <a16:creationId xmlns:a16="http://schemas.microsoft.com/office/drawing/2014/main" id="{DEE2B969-4479-479B-96FB-19FC271616E5}"/>
+                <a16:creationId xmlns:a16="http://schemas.microsoft.com/office/drawing/2014/main" xmlns="" id="{DEE2B969-4479-479B-96FB-19FC271616E5}"/>
               </a:ext>
             </a:extLst>
           </p:cNvPr>
@@ -13763,7 +13841,7 @@
           <p:cNvPr id="52" name="Footer Placeholder 51">
             <a:extLst>
               <a:ext uri="{FF2B5EF4-FFF2-40B4-BE49-F238E27FC236}">
-                <a16:creationId xmlns:a16="http://schemas.microsoft.com/office/drawing/2014/main" id="{2689BBD6-7537-44AB-8084-B6AE715D65CE}"/>
+                <a16:creationId xmlns:a16="http://schemas.microsoft.com/office/drawing/2014/main" xmlns="" id="{2689BBD6-7537-44AB-8084-B6AE715D65CE}"/>
               </a:ext>
             </a:extLst>
           </p:cNvPr>
@@ -13792,7 +13870,7 @@
           <p:cNvPr id="53" name="Slide Number Placeholder 52">
             <a:extLst>
               <a:ext uri="{FF2B5EF4-FFF2-40B4-BE49-F238E27FC236}">
-                <a16:creationId xmlns:a16="http://schemas.microsoft.com/office/drawing/2014/main" id="{E0F6BDC9-21DB-4077-9F62-10D1BB241A1E}"/>
+                <a16:creationId xmlns:a16="http://schemas.microsoft.com/office/drawing/2014/main" xmlns="" id="{E0F6BDC9-21DB-4077-9F62-10D1BB241A1E}"/>
               </a:ext>
             </a:extLst>
           </p:cNvPr>
@@ -13851,7 +13929,7 @@
           <p:cNvPr id="2" name="Title 1">
             <a:extLst>
               <a:ext uri="{FF2B5EF4-FFF2-40B4-BE49-F238E27FC236}">
-                <a16:creationId xmlns:a16="http://schemas.microsoft.com/office/drawing/2014/main" id="{2C1AA31F-FA64-497E-AF8B-F64827FAA8EC}"/>
+                <a16:creationId xmlns:a16="http://schemas.microsoft.com/office/drawing/2014/main" xmlns="" id="{2C1AA31F-FA64-497E-AF8B-F64827FAA8EC}"/>
               </a:ext>
             </a:extLst>
           </p:cNvPr>
@@ -13886,7 +13964,7 @@
           <p:cNvPr id="3" name="Content Placeholder 2">
             <a:extLst>
               <a:ext uri="{FF2B5EF4-FFF2-40B4-BE49-F238E27FC236}">
-                <a16:creationId xmlns:a16="http://schemas.microsoft.com/office/drawing/2014/main" id="{6F3F7D1C-3333-49EC-A8CF-501A1E16E840}"/>
+                <a16:creationId xmlns:a16="http://schemas.microsoft.com/office/drawing/2014/main" xmlns="" id="{6F3F7D1C-3333-49EC-A8CF-501A1E16E840}"/>
               </a:ext>
             </a:extLst>
           </p:cNvPr>
@@ -13964,7 +14042,7 @@
           <p:cNvPr id="4" name="TextBox 3">
             <a:extLst>
               <a:ext uri="{FF2B5EF4-FFF2-40B4-BE49-F238E27FC236}">
-                <a16:creationId xmlns:a16="http://schemas.microsoft.com/office/drawing/2014/main" id="{6D374D68-68E4-49F4-A780-4CE25F090E6A}"/>
+                <a16:creationId xmlns:a16="http://schemas.microsoft.com/office/drawing/2014/main" xmlns="" id="{6D374D68-68E4-49F4-A780-4CE25F090E6A}"/>
               </a:ext>
             </a:extLst>
           </p:cNvPr>
@@ -14021,7 +14099,7 @@
           <p:cNvPr id="6" name="TextBox 5">
             <a:extLst>
               <a:ext uri="{FF2B5EF4-FFF2-40B4-BE49-F238E27FC236}">
-                <a16:creationId xmlns:a16="http://schemas.microsoft.com/office/drawing/2014/main" id="{E1C640D7-179A-434B-8726-DEEE7DE3DB98}"/>
+                <a16:creationId xmlns:a16="http://schemas.microsoft.com/office/drawing/2014/main" xmlns="" id="{E1C640D7-179A-434B-8726-DEEE7DE3DB98}"/>
               </a:ext>
             </a:extLst>
           </p:cNvPr>
@@ -14077,7 +14155,7 @@
           <p:cNvPr id="9" name="TextBox 8">
             <a:extLst>
               <a:ext uri="{FF2B5EF4-FFF2-40B4-BE49-F238E27FC236}">
-                <a16:creationId xmlns:a16="http://schemas.microsoft.com/office/drawing/2014/main" id="{2696463F-3188-416E-918D-04863A93ABF4}"/>
+                <a16:creationId xmlns:a16="http://schemas.microsoft.com/office/drawing/2014/main" xmlns="" id="{2696463F-3188-416E-918D-04863A93ABF4}"/>
               </a:ext>
             </a:extLst>
           </p:cNvPr>
@@ -14127,6 +14205,14 @@
                 </a:solidFill>
               </a:rPr>
             </a:br>
+            <a:r>
+              <a:rPr lang="en-US" dirty="0">
+                <a:solidFill>
+                  <a:srgbClr val="002060"/>
+                </a:solidFill>
+              </a:rPr>
+              <a:t/>
+            </a:r>
             <a:br>
               <a:rPr lang="en-US" dirty="0">
                 <a:solidFill>
@@ -14213,7 +14299,7 @@
           <p:cNvPr id="11" name="TextBox 10">
             <a:extLst>
               <a:ext uri="{FF2B5EF4-FFF2-40B4-BE49-F238E27FC236}">
-                <a16:creationId xmlns:a16="http://schemas.microsoft.com/office/drawing/2014/main" id="{CB10CC76-4A26-4352-844C-5CAB1C27DB86}"/>
+                <a16:creationId xmlns:a16="http://schemas.microsoft.com/office/drawing/2014/main" xmlns="" id="{CB10CC76-4A26-4352-844C-5CAB1C27DB86}"/>
               </a:ext>
             </a:extLst>
           </p:cNvPr>
@@ -14372,7 +14458,7 @@
           <p:cNvPr id="14" name="TextBox 13">
             <a:extLst>
               <a:ext uri="{FF2B5EF4-FFF2-40B4-BE49-F238E27FC236}">
-                <a16:creationId xmlns:a16="http://schemas.microsoft.com/office/drawing/2014/main" id="{0B038371-5283-4AFF-99FA-FB3D2D4ED55C}"/>
+                <a16:creationId xmlns:a16="http://schemas.microsoft.com/office/drawing/2014/main" xmlns="" id="{0B038371-5283-4AFF-99FA-FB3D2D4ED55C}"/>
               </a:ext>
             </a:extLst>
           </p:cNvPr>
@@ -14440,7 +14526,7 @@
           <p:cNvPr id="15" name="TextBox 14">
             <a:extLst>
               <a:ext uri="{FF2B5EF4-FFF2-40B4-BE49-F238E27FC236}">
-                <a16:creationId xmlns:a16="http://schemas.microsoft.com/office/drawing/2014/main" id="{8940EE4C-B6EC-4D9E-BF43-76CC7E636F42}"/>
+                <a16:creationId xmlns:a16="http://schemas.microsoft.com/office/drawing/2014/main" xmlns="" id="{8940EE4C-B6EC-4D9E-BF43-76CC7E636F42}"/>
               </a:ext>
             </a:extLst>
           </p:cNvPr>
@@ -14471,6 +14557,10 @@
               <a:rPr lang="ru-RU" b="1" dirty="0"/>
               <a:t>дескриптор) — </a:t>
             </a:r>
+            <a:r>
+              <a:rPr lang="ru-RU" dirty="0"/>
+              <a:t/>
+            </a:r>
             <a:br>
               <a:rPr lang="ru-RU" dirty="0"/>
             </a:br>
@@ -14494,7 +14584,7 @@
           <p:cNvPr id="18" name="Arc 17">
             <a:extLst>
               <a:ext uri="{FF2B5EF4-FFF2-40B4-BE49-F238E27FC236}">
-                <a16:creationId xmlns:a16="http://schemas.microsoft.com/office/drawing/2014/main" id="{93A7995F-1489-472F-8637-6DC3AC0065CC}"/>
+                <a16:creationId xmlns:a16="http://schemas.microsoft.com/office/drawing/2014/main" xmlns="" id="{93A7995F-1489-472F-8637-6DC3AC0065CC}"/>
               </a:ext>
             </a:extLst>
           </p:cNvPr>
@@ -14549,7 +14639,7 @@
           <p:cNvPr id="22" name="Connector: Curved 21">
             <a:extLst>
               <a:ext uri="{FF2B5EF4-FFF2-40B4-BE49-F238E27FC236}">
-                <a16:creationId xmlns:a16="http://schemas.microsoft.com/office/drawing/2014/main" id="{4EE3D5D8-691B-499A-91B3-C32FE48216C3}"/>
+                <a16:creationId xmlns:a16="http://schemas.microsoft.com/office/drawing/2014/main" xmlns="" id="{4EE3D5D8-691B-499A-91B3-C32FE48216C3}"/>
               </a:ext>
             </a:extLst>
           </p:cNvPr>
@@ -14597,7 +14687,7 @@
           <p:cNvPr id="28" name="Date Placeholder 27">
             <a:extLst>
               <a:ext uri="{FF2B5EF4-FFF2-40B4-BE49-F238E27FC236}">
-                <a16:creationId xmlns:a16="http://schemas.microsoft.com/office/drawing/2014/main" id="{6885662C-90E2-4424-9379-5FB742B4620E}"/>
+                <a16:creationId xmlns:a16="http://schemas.microsoft.com/office/drawing/2014/main" xmlns="" id="{6885662C-90E2-4424-9379-5FB742B4620E}"/>
               </a:ext>
             </a:extLst>
           </p:cNvPr>
@@ -14625,7 +14715,7 @@
           <p:cNvPr id="29" name="Footer Placeholder 28">
             <a:extLst>
               <a:ext uri="{FF2B5EF4-FFF2-40B4-BE49-F238E27FC236}">
-                <a16:creationId xmlns:a16="http://schemas.microsoft.com/office/drawing/2014/main" id="{8B051371-3AD3-4A27-A51B-671B3D364853}"/>
+                <a16:creationId xmlns:a16="http://schemas.microsoft.com/office/drawing/2014/main" xmlns="" id="{8B051371-3AD3-4A27-A51B-671B3D364853}"/>
               </a:ext>
             </a:extLst>
           </p:cNvPr>
@@ -14654,7 +14744,7 @@
           <p:cNvPr id="30" name="Slide Number Placeholder 29">
             <a:extLst>
               <a:ext uri="{FF2B5EF4-FFF2-40B4-BE49-F238E27FC236}">
-                <a16:creationId xmlns:a16="http://schemas.microsoft.com/office/drawing/2014/main" id="{FB349684-143D-47E5-BE57-84622D23FB2E}"/>
+                <a16:creationId xmlns:a16="http://schemas.microsoft.com/office/drawing/2014/main" xmlns="" id="{FB349684-143D-47E5-BE57-84622D23FB2E}"/>
               </a:ext>
             </a:extLst>
           </p:cNvPr>
@@ -14713,7 +14803,7 @@
           <p:cNvPr id="2" name="Title 1">
             <a:extLst>
               <a:ext uri="{FF2B5EF4-FFF2-40B4-BE49-F238E27FC236}">
-                <a16:creationId xmlns:a16="http://schemas.microsoft.com/office/drawing/2014/main" id="{F23E5078-65FB-4919-9694-F630B85BB4B8}"/>
+                <a16:creationId xmlns:a16="http://schemas.microsoft.com/office/drawing/2014/main" xmlns="" id="{F23E5078-65FB-4919-9694-F630B85BB4B8}"/>
               </a:ext>
             </a:extLst>
           </p:cNvPr>
@@ -14778,7 +14868,7 @@
           <p:cNvPr id="3" name="Content Placeholder 2">
             <a:extLst>
               <a:ext uri="{FF2B5EF4-FFF2-40B4-BE49-F238E27FC236}">
-                <a16:creationId xmlns:a16="http://schemas.microsoft.com/office/drawing/2014/main" id="{8A2ED432-150A-40B9-B0CC-A58A3FE3B11C}"/>
+                <a16:creationId xmlns:a16="http://schemas.microsoft.com/office/drawing/2014/main" xmlns="" id="{8A2ED432-150A-40B9-B0CC-A58A3FE3B11C}"/>
               </a:ext>
             </a:extLst>
           </p:cNvPr>
@@ -14925,7 +15015,7 @@
               <a:t>	</a:t>
             </a:r>
             <a:r>
-              <a:rPr lang="en-US" sz="2000" b="1" dirty="0">
+              <a:rPr lang="en-US" sz="2000" b="1" dirty="0" smtClean="0">
                 <a:solidFill>
                   <a:srgbClr val="002060"/>
                 </a:solidFill>
@@ -14933,12 +15023,20 @@
               <a:t>if</a:t>
             </a:r>
             <a:r>
+              <a:rPr lang="en-US" sz="2000" dirty="0" smtClean="0">
+                <a:solidFill>
+                  <a:srgbClr val="002060"/>
+                </a:solidFill>
+              </a:rPr>
+              <a:t> </a:t>
+            </a:r>
+            <a:r>
               <a:rPr lang="en-US" sz="2000" dirty="0">
                 <a:solidFill>
                   <a:srgbClr val="002060"/>
                 </a:solidFill>
               </a:rPr>
-              <a:t> (m == </a:t>
+              <a:t>(m == </a:t>
             </a:r>
             <a:r>
               <a:rPr lang="en-US" sz="2000" b="1" dirty="0" err="1">
@@ -14969,10 +15067,18 @@
                   <a:srgbClr val="002060"/>
                 </a:solidFill>
               </a:rPr>
-              <a:t>		</a:t>
-            </a:r>
-            <a:r>
-              <a:rPr lang="en-US" sz="2000" b="1" dirty="0">
+              <a:t>	</a:t>
+            </a:r>
+            <a:r>
+              <a:rPr lang="en-US" sz="2000" dirty="0" smtClean="0">
+                <a:solidFill>
+                  <a:srgbClr val="002060"/>
+                </a:solidFill>
+              </a:rPr>
+              <a:t>	</a:t>
+            </a:r>
+            <a:r>
+              <a:rPr lang="en-US" sz="2000" b="1" dirty="0" smtClean="0">
                 <a:solidFill>
                   <a:srgbClr val="002060"/>
                 </a:solidFill>
@@ -14980,28 +15086,51 @@
               <a:t>return</a:t>
             </a:r>
             <a:r>
+              <a:rPr lang="en-US" sz="2000" dirty="0" smtClean="0">
+                <a:solidFill>
+                  <a:srgbClr val="002060"/>
+                </a:solidFill>
+              </a:rPr>
+              <a:t> </a:t>
+            </a:r>
+            <a:r>
+              <a:rPr lang="en-US" sz="2000" b="1" dirty="0" err="1" smtClean="0">
+                <a:solidFill>
+                  <a:srgbClr val="002060"/>
+                </a:solidFill>
+              </a:rPr>
+              <a:t>nullptr</a:t>
+            </a:r>
+            <a:r>
+              <a:rPr lang="en-US" sz="2000" dirty="0" smtClean="0">
+                <a:solidFill>
+                  <a:srgbClr val="002060"/>
+                </a:solidFill>
+              </a:rPr>
+              <a:t>;</a:t>
+            </a:r>
+            <a:br>
+              <a:rPr lang="en-US" sz="2000" dirty="0" smtClean="0">
+                <a:solidFill>
+                  <a:srgbClr val="002060"/>
+                </a:solidFill>
+              </a:rPr>
+            </a:br>
+            <a:r>
+              <a:rPr lang="en-US" sz="2000" dirty="0" smtClean="0">
+                <a:solidFill>
+                  <a:srgbClr val="002060"/>
+                </a:solidFill>
+              </a:rPr>
+              <a:t>	}</a:t>
+            </a:r>
+            <a:r>
               <a:rPr lang="en-US" sz="2000" dirty="0">
                 <a:solidFill>
                   <a:srgbClr val="002060"/>
                 </a:solidFill>
               </a:rPr>
-              <a:t> </a:t>
-            </a:r>
-            <a:r>
-              <a:rPr lang="en-US" sz="2000" b="1" dirty="0" err="1">
-                <a:solidFill>
-                  <a:srgbClr val="002060"/>
-                </a:solidFill>
-              </a:rPr>
-              <a:t>nullptr</a:t>
-            </a:r>
-            <a:r>
-              <a:rPr lang="en-US" sz="2000" dirty="0">
-                <a:solidFill>
-                  <a:srgbClr val="002060"/>
-                </a:solidFill>
-              </a:rPr>
-              <a:t>;</a:t>
+              <a:t/>
             </a:r>
             <a:br>
               <a:rPr lang="en-US" sz="2000" dirty="0">
@@ -15016,7 +15145,71 @@
                   <a:srgbClr val="002060"/>
                 </a:solidFill>
               </a:rPr>
-              <a:t>	}</a:t>
+              <a:t>	m-&gt;data = (</a:t>
+            </a:r>
+            <a:r>
+              <a:rPr lang="en-US" sz="2000" b="1" dirty="0">
+                <a:solidFill>
+                  <a:srgbClr val="002060"/>
+                </a:solidFill>
+              </a:rPr>
+              <a:t>double</a:t>
+            </a:r>
+            <a:r>
+              <a:rPr lang="en-US" sz="2000" dirty="0">
+                <a:solidFill>
+                  <a:srgbClr val="002060"/>
+                </a:solidFill>
+              </a:rPr>
+              <a:t>*)</a:t>
+            </a:r>
+            <a:r>
+              <a:rPr lang="en-US" sz="2000" dirty="0" err="1">
+                <a:solidFill>
+                  <a:srgbClr val="002060"/>
+                </a:solidFill>
+              </a:rPr>
+              <a:t>calloc</a:t>
+            </a:r>
+            <a:r>
+              <a:rPr lang="en-US" sz="2000" dirty="0">
+                <a:solidFill>
+                  <a:srgbClr val="002060"/>
+                </a:solidFill>
+              </a:rPr>
+              <a:t>(rows * cols, </a:t>
+            </a:r>
+            <a:r>
+              <a:rPr lang="en-US" sz="2000" b="1" dirty="0" err="1">
+                <a:solidFill>
+                  <a:srgbClr val="002060"/>
+                </a:solidFill>
+              </a:rPr>
+              <a:t>sizeof</a:t>
+            </a:r>
+            <a:r>
+              <a:rPr lang="en-US" sz="2000" dirty="0">
+                <a:solidFill>
+                  <a:srgbClr val="002060"/>
+                </a:solidFill>
+              </a:rPr>
+              <a:t>(</a:t>
+            </a:r>
+            <a:r>
+              <a:rPr lang="en-US" sz="2000" b="1" dirty="0">
+                <a:solidFill>
+                  <a:srgbClr val="002060"/>
+                </a:solidFill>
+              </a:rPr>
+              <a:t>double</a:t>
+            </a:r>
+            <a:r>
+              <a:rPr lang="en-US" sz="2000" dirty="0">
+                <a:solidFill>
+                  <a:srgbClr val="002060"/>
+                </a:solidFill>
+              </a:rPr>
+              <a:t>));</a:t>
             </a:r>
             <a:br>
               <a:rPr lang="en-US" sz="2000" dirty="0">
@@ -15031,15 +15224,15 @@
                   <a:srgbClr val="002060"/>
                 </a:solidFill>
               </a:rPr>
-              <a:t>	m-&gt;data = (</a:t>
-            </a:r>
-            <a:r>
-              <a:rPr lang="en-US" sz="2000" b="1" dirty="0">
-                <a:solidFill>
-                  <a:srgbClr val="002060"/>
-                </a:solidFill>
-              </a:rPr>
-              <a:t>double</a:t>
+              <a:t>	if (m-&gt;data == </a:t>
+            </a:r>
+            <a:r>
+              <a:rPr lang="en-US" sz="2000" b="1" dirty="0" err="1">
+                <a:solidFill>
+                  <a:srgbClr val="002060"/>
+                </a:solidFill>
+              </a:rPr>
+              <a:t>nullptr</a:t>
             </a:r>
             <a:r>
               <a:rPr lang="en-US" sz="2000" dirty="0">
@@ -15047,55 +15240,7 @@
                   <a:srgbClr val="002060"/>
                 </a:solidFill>
               </a:rPr>
-              <a:t>*)</a:t>
-            </a:r>
-            <a:r>
-              <a:rPr lang="en-US" sz="2000" dirty="0" err="1">
-                <a:solidFill>
-                  <a:srgbClr val="002060"/>
-                </a:solidFill>
-              </a:rPr>
-              <a:t>calloc</a:t>
-            </a:r>
-            <a:r>
-              <a:rPr lang="en-US" sz="2000" dirty="0">
-                <a:solidFill>
-                  <a:srgbClr val="002060"/>
-                </a:solidFill>
-              </a:rPr>
-              <a:t>(rows * cols, </a:t>
-            </a:r>
-            <a:r>
-              <a:rPr lang="en-US" sz="2000" b="1" dirty="0" err="1">
-                <a:solidFill>
-                  <a:srgbClr val="002060"/>
-                </a:solidFill>
-              </a:rPr>
-              <a:t>sizeof</a:t>
-            </a:r>
-            <a:r>
-              <a:rPr lang="en-US" sz="2000" dirty="0">
-                <a:solidFill>
-                  <a:srgbClr val="002060"/>
-                </a:solidFill>
-              </a:rPr>
-              <a:t>(</a:t>
-            </a:r>
-            <a:r>
-              <a:rPr lang="en-US" sz="2000" b="1" dirty="0">
-                <a:solidFill>
-                  <a:srgbClr val="002060"/>
-                </a:solidFill>
-              </a:rPr>
-              <a:t>double</a:t>
-            </a:r>
-            <a:r>
-              <a:rPr lang="en-US" sz="2000" dirty="0">
-                <a:solidFill>
-                  <a:srgbClr val="002060"/>
-                </a:solidFill>
-              </a:rPr>
-              <a:t>));</a:t>
+              <a:t>) {</a:t>
             </a:r>
             <a:br>
               <a:rPr lang="en-US" sz="2000" dirty="0">
@@ -15110,23 +15255,23 @@
                   <a:srgbClr val="002060"/>
                 </a:solidFill>
               </a:rPr>
-              <a:t>	if (m-&gt;data == </a:t>
-            </a:r>
-            <a:r>
-              <a:rPr lang="en-US" sz="2000" b="1" dirty="0" err="1">
-                <a:solidFill>
-                  <a:srgbClr val="002060"/>
-                </a:solidFill>
-              </a:rPr>
-              <a:t>nullptr</a:t>
+              <a:t>		</a:t>
             </a:r>
             <a:r>
               <a:rPr lang="en-US" sz="2000" dirty="0">
                 <a:solidFill>
-                  <a:srgbClr val="002060"/>
-                </a:solidFill>
-              </a:rPr>
-              <a:t>) {</a:t>
+                  <a:srgbClr val="00B050"/>
+                </a:solidFill>
+              </a:rPr>
+              <a:t>free(m);</a:t>
+            </a:r>
+            <a:r>
+              <a:rPr lang="en-US" sz="2000" dirty="0">
+                <a:solidFill>
+                  <a:srgbClr val="002060"/>
+                </a:solidFill>
+              </a:rPr>
+              <a:t/>
             </a:r>
             <a:br>
               <a:rPr lang="en-US" sz="2000" dirty="0">
@@ -15144,12 +15289,36 @@
               <a:t>		</a:t>
             </a:r>
             <a:r>
+              <a:rPr lang="en-US" sz="2000" b="1" dirty="0">
+                <a:solidFill>
+                  <a:srgbClr val="002060"/>
+                </a:solidFill>
+              </a:rPr>
+              <a:t>return</a:t>
+            </a:r>
+            <a:r>
               <a:rPr lang="en-US" sz="2000" dirty="0">
                 <a:solidFill>
-                  <a:srgbClr val="00B050"/>
-                </a:solidFill>
-              </a:rPr>
-              <a:t>free(m);</a:t>
+                  <a:srgbClr val="002060"/>
+                </a:solidFill>
+              </a:rPr>
+              <a:t> </a:t>
+            </a:r>
+            <a:r>
+              <a:rPr lang="en-US" sz="2000" b="1" dirty="0" err="1">
+                <a:solidFill>
+                  <a:srgbClr val="002060"/>
+                </a:solidFill>
+              </a:rPr>
+              <a:t>nullptr</a:t>
+            </a:r>
+            <a:r>
+              <a:rPr lang="en-US" sz="2000" dirty="0">
+                <a:solidFill>
+                  <a:srgbClr val="002060"/>
+                </a:solidFill>
+              </a:rPr>
+              <a:t>;</a:t>
             </a:r>
             <a:br>
               <a:rPr lang="en-US" sz="2000" dirty="0">
@@ -15164,39 +15333,7 @@
                   <a:srgbClr val="002060"/>
                 </a:solidFill>
               </a:rPr>
-              <a:t>		</a:t>
-            </a:r>
-            <a:r>
-              <a:rPr lang="en-US" sz="2000" b="1" dirty="0">
-                <a:solidFill>
-                  <a:srgbClr val="002060"/>
-                </a:solidFill>
-              </a:rPr>
-              <a:t>return</a:t>
-            </a:r>
-            <a:r>
-              <a:rPr lang="en-US" sz="2000" dirty="0">
-                <a:solidFill>
-                  <a:srgbClr val="002060"/>
-                </a:solidFill>
-              </a:rPr>
-              <a:t> </a:t>
-            </a:r>
-            <a:r>
-              <a:rPr lang="en-US" sz="2000" b="1" dirty="0" err="1">
-                <a:solidFill>
-                  <a:srgbClr val="002060"/>
-                </a:solidFill>
-              </a:rPr>
-              <a:t>nullptr</a:t>
-            </a:r>
-            <a:r>
-              <a:rPr lang="en-US" sz="2000" dirty="0">
-                <a:solidFill>
-                  <a:srgbClr val="002060"/>
-                </a:solidFill>
-              </a:rPr>
-              <a:t>;</a:t>
+              <a:t>	}</a:t>
             </a:r>
             <a:br>
               <a:rPr lang="en-US" sz="2000" dirty="0">
@@ -15211,7 +15348,7 @@
                   <a:srgbClr val="002060"/>
                 </a:solidFill>
               </a:rPr>
-              <a:t>	}</a:t>
+              <a:t>	m-&gt;rows = rows;</a:t>
             </a:r>
             <a:br>
               <a:rPr lang="en-US" sz="2000" dirty="0">
@@ -15226,7 +15363,7 @@
                   <a:srgbClr val="002060"/>
                 </a:solidFill>
               </a:rPr>
-              <a:t>	m-&gt;rows = rows;</a:t>
+              <a:t>	m-&gt;cols = cols;</a:t>
             </a:r>
             <a:br>
               <a:rPr lang="en-US" sz="2000" dirty="0">
@@ -15241,7 +15378,23 @@
                   <a:srgbClr val="002060"/>
                 </a:solidFill>
               </a:rPr>
-              <a:t>	m-&gt;cols = cols;</a:t>
+              <a:t>	</a:t>
+            </a:r>
+            <a:r>
+              <a:rPr lang="en-US" sz="2000" b="1" dirty="0">
+                <a:solidFill>
+                  <a:srgbClr val="002060"/>
+                </a:solidFill>
+              </a:rPr>
+              <a:t>return</a:t>
+            </a:r>
+            <a:r>
+              <a:rPr lang="en-US" sz="2000" dirty="0">
+                <a:solidFill>
+                  <a:srgbClr val="002060"/>
+                </a:solidFill>
+              </a:rPr>
+              <a:t> m;</a:t>
             </a:r>
             <a:br>
               <a:rPr lang="en-US" sz="2000" dirty="0">
@@ -15256,37 +15409,6 @@
                   <a:srgbClr val="002060"/>
                 </a:solidFill>
               </a:rPr>
-              <a:t>	</a:t>
-            </a:r>
-            <a:r>
-              <a:rPr lang="en-US" sz="2000" b="1" dirty="0">
-                <a:solidFill>
-                  <a:srgbClr val="002060"/>
-                </a:solidFill>
-              </a:rPr>
-              <a:t>return</a:t>
-            </a:r>
-            <a:r>
-              <a:rPr lang="en-US" sz="2000" dirty="0">
-                <a:solidFill>
-                  <a:srgbClr val="002060"/>
-                </a:solidFill>
-              </a:rPr>
-              <a:t> m;</a:t>
-            </a:r>
-            <a:br>
-              <a:rPr lang="en-US" sz="2000" dirty="0">
-                <a:solidFill>
-                  <a:srgbClr val="002060"/>
-                </a:solidFill>
-              </a:rPr>
-            </a:br>
-            <a:r>
-              <a:rPr lang="en-US" sz="2000" dirty="0">
-                <a:solidFill>
-                  <a:srgbClr val="002060"/>
-                </a:solidFill>
-              </a:rPr>
               <a:t>}</a:t>
             </a:r>
           </a:p>
@@ -15297,7 +15419,7 @@
           <p:cNvPr id="4" name="Date Placeholder 3">
             <a:extLst>
               <a:ext uri="{FF2B5EF4-FFF2-40B4-BE49-F238E27FC236}">
-                <a16:creationId xmlns:a16="http://schemas.microsoft.com/office/drawing/2014/main" id="{7698FC33-8CCC-4A1D-AA82-63D770A46ED4}"/>
+                <a16:creationId xmlns:a16="http://schemas.microsoft.com/office/drawing/2014/main" xmlns="" id="{7698FC33-8CCC-4A1D-AA82-63D770A46ED4}"/>
               </a:ext>
             </a:extLst>
           </p:cNvPr>
@@ -15325,7 +15447,7 @@
           <p:cNvPr id="5" name="Footer Placeholder 4">
             <a:extLst>
               <a:ext uri="{FF2B5EF4-FFF2-40B4-BE49-F238E27FC236}">
-                <a16:creationId xmlns:a16="http://schemas.microsoft.com/office/drawing/2014/main" id="{62F6423A-7AC5-45F5-910B-868A64C79164}"/>
+                <a16:creationId xmlns:a16="http://schemas.microsoft.com/office/drawing/2014/main" xmlns="" id="{62F6423A-7AC5-45F5-910B-868A64C79164}"/>
               </a:ext>
             </a:extLst>
           </p:cNvPr>
@@ -15354,7 +15476,7 @@
           <p:cNvPr id="6" name="Slide Number Placeholder 5">
             <a:extLst>
               <a:ext uri="{FF2B5EF4-FFF2-40B4-BE49-F238E27FC236}">
-                <a16:creationId xmlns:a16="http://schemas.microsoft.com/office/drawing/2014/main" id="{F5FE14CE-6995-46B5-9E82-F64E0CFFE358}"/>
+                <a16:creationId xmlns:a16="http://schemas.microsoft.com/office/drawing/2014/main" xmlns="" id="{F5FE14CE-6995-46B5-9E82-F64E0CFFE358}"/>
               </a:ext>
             </a:extLst>
           </p:cNvPr>
@@ -15383,7 +15505,7 @@
           <p:cNvPr id="7" name="TextBox 6">
             <a:extLst>
               <a:ext uri="{FF2B5EF4-FFF2-40B4-BE49-F238E27FC236}">
-                <a16:creationId xmlns:a16="http://schemas.microsoft.com/office/drawing/2014/main" id="{74572215-BDFA-415A-94F5-B80C3CA335BB}"/>
+                <a16:creationId xmlns:a16="http://schemas.microsoft.com/office/drawing/2014/main" xmlns="" id="{74572215-BDFA-415A-94F5-B80C3CA335BB}"/>
               </a:ext>
             </a:extLst>
           </p:cNvPr>
@@ -15453,7 +15575,7 @@
           <p:cNvPr id="8" name="TextBox 7">
             <a:extLst>
               <a:ext uri="{FF2B5EF4-FFF2-40B4-BE49-F238E27FC236}">
-                <a16:creationId xmlns:a16="http://schemas.microsoft.com/office/drawing/2014/main" id="{BEA2E4DA-91DD-4584-8D62-1337D5BD2D0C}"/>
+                <a16:creationId xmlns:a16="http://schemas.microsoft.com/office/drawing/2014/main" xmlns="" id="{BEA2E4DA-91DD-4584-8D62-1337D5BD2D0C}"/>
               </a:ext>
             </a:extLst>
           </p:cNvPr>
@@ -15514,7 +15636,7 @@
           <p:cNvPr id="9" name="TextBox 8">
             <a:extLst>
               <a:ext uri="{FF2B5EF4-FFF2-40B4-BE49-F238E27FC236}">
-                <a16:creationId xmlns:a16="http://schemas.microsoft.com/office/drawing/2014/main" id="{F948578E-A1EA-4B6B-9DA2-900154DF8A33}"/>
+                <a16:creationId xmlns:a16="http://schemas.microsoft.com/office/drawing/2014/main" xmlns="" id="{F948578E-A1EA-4B6B-9DA2-900154DF8A33}"/>
               </a:ext>
             </a:extLst>
           </p:cNvPr>
@@ -15572,7 +15694,7 @@
           <p:cNvPr id="11" name="Straight Arrow Connector 10">
             <a:extLst>
               <a:ext uri="{FF2B5EF4-FFF2-40B4-BE49-F238E27FC236}">
-                <a16:creationId xmlns:a16="http://schemas.microsoft.com/office/drawing/2014/main" id="{6DE92C91-36AB-4C12-9BBF-D95ECCBE740F}"/>
+                <a16:creationId xmlns:a16="http://schemas.microsoft.com/office/drawing/2014/main" xmlns="" id="{6DE92C91-36AB-4C12-9BBF-D95ECCBE740F}"/>
               </a:ext>
             </a:extLst>
           </p:cNvPr>
@@ -15616,7 +15738,7 @@
           <p:cNvPr id="12" name="Straight Arrow Connector 11">
             <a:extLst>
               <a:ext uri="{FF2B5EF4-FFF2-40B4-BE49-F238E27FC236}">
-                <a16:creationId xmlns:a16="http://schemas.microsoft.com/office/drawing/2014/main" id="{C5E3B9EC-DE0B-4876-8466-CD04A892B14A}"/>
+                <a16:creationId xmlns:a16="http://schemas.microsoft.com/office/drawing/2014/main" xmlns="" id="{C5E3B9EC-DE0B-4876-8466-CD04A892B14A}"/>
               </a:ext>
             </a:extLst>
           </p:cNvPr>
@@ -15662,7 +15784,7 @@
           <p:cNvPr id="16" name="Straight Arrow Connector 15">
             <a:extLst>
               <a:ext uri="{FF2B5EF4-FFF2-40B4-BE49-F238E27FC236}">
-                <a16:creationId xmlns:a16="http://schemas.microsoft.com/office/drawing/2014/main" id="{F4AFE38A-C070-49F6-A262-87EDC98068A8}"/>
+                <a16:creationId xmlns:a16="http://schemas.microsoft.com/office/drawing/2014/main" xmlns="" id="{F4AFE38A-C070-49F6-A262-87EDC98068A8}"/>
               </a:ext>
             </a:extLst>
           </p:cNvPr>
@@ -15708,7 +15830,7 @@
           <p:cNvPr id="19" name="Straight Arrow Connector 18">
             <a:extLst>
               <a:ext uri="{FF2B5EF4-FFF2-40B4-BE49-F238E27FC236}">
-                <a16:creationId xmlns:a16="http://schemas.microsoft.com/office/drawing/2014/main" id="{3C81FFE9-4C20-4393-9AA2-22E7AB9F8CD1}"/>
+                <a16:creationId xmlns:a16="http://schemas.microsoft.com/office/drawing/2014/main" xmlns="" id="{3C81FFE9-4C20-4393-9AA2-22E7AB9F8CD1}"/>
               </a:ext>
             </a:extLst>
           </p:cNvPr>
@@ -15754,7 +15876,7 @@
           <p:cNvPr id="21" name="Straight Arrow Connector 20">
             <a:extLst>
               <a:ext uri="{FF2B5EF4-FFF2-40B4-BE49-F238E27FC236}">
-                <a16:creationId xmlns:a16="http://schemas.microsoft.com/office/drawing/2014/main" id="{B1DFDDE1-F6FC-46E8-AA13-964968EC48F4}"/>
+                <a16:creationId xmlns:a16="http://schemas.microsoft.com/office/drawing/2014/main" xmlns="" id="{B1DFDDE1-F6FC-46E8-AA13-964968EC48F4}"/>
               </a:ext>
             </a:extLst>
           </p:cNvPr>
@@ -15800,7 +15922,7 @@
           <p:cNvPr id="23" name="Straight Arrow Connector 22">
             <a:extLst>
               <a:ext uri="{FF2B5EF4-FFF2-40B4-BE49-F238E27FC236}">
-                <a16:creationId xmlns:a16="http://schemas.microsoft.com/office/drawing/2014/main" id="{3CC4971A-9E7E-456A-B997-1FB2749CC7C5}"/>
+                <a16:creationId xmlns:a16="http://schemas.microsoft.com/office/drawing/2014/main" xmlns="" id="{3CC4971A-9E7E-456A-B997-1FB2749CC7C5}"/>
               </a:ext>
             </a:extLst>
           </p:cNvPr>
@@ -15876,7 +15998,7 @@
           <p:cNvPr id="2" name="Title 1">
             <a:extLst>
               <a:ext uri="{FF2B5EF4-FFF2-40B4-BE49-F238E27FC236}">
-                <a16:creationId xmlns:a16="http://schemas.microsoft.com/office/drawing/2014/main" id="{0ABFD76B-BF5F-4140-AC4F-83D715BA0BEF}"/>
+                <a16:creationId xmlns:a16="http://schemas.microsoft.com/office/drawing/2014/main" xmlns="" id="{0ABFD76B-BF5F-4140-AC4F-83D715BA0BEF}"/>
               </a:ext>
             </a:extLst>
           </p:cNvPr>
@@ -15901,7 +16023,7 @@
           <a:p>
             <a:r>
               <a:rPr lang="ru-RU" sz="4000" b="1" dirty="0"/>
-              <a:t>Как такое реализовать?</a:t>
+              <a:t>Указатели на функции</a:t>
             </a:r>
             <a:endParaRPr lang="en-US" sz="4000" b="1" dirty="0"/>
           </a:p>
@@ -15912,7 +16034,7 @@
           <p:cNvPr id="3" name="Content Placeholder 2">
             <a:extLst>
               <a:ext uri="{FF2B5EF4-FFF2-40B4-BE49-F238E27FC236}">
-                <a16:creationId xmlns:a16="http://schemas.microsoft.com/office/drawing/2014/main" id="{D75D5500-892E-4A00-B1AD-4BB39AA03005}"/>
+                <a16:creationId xmlns:a16="http://schemas.microsoft.com/office/drawing/2014/main" xmlns="" id="{D75D5500-892E-4A00-B1AD-4BB39AA03005}"/>
               </a:ext>
             </a:extLst>
           </p:cNvPr>
@@ -16082,7 +16204,7 @@
           <p:cNvPr id="4" name="Date Placeholder 3">
             <a:extLst>
               <a:ext uri="{FF2B5EF4-FFF2-40B4-BE49-F238E27FC236}">
-                <a16:creationId xmlns:a16="http://schemas.microsoft.com/office/drawing/2014/main" id="{C488B8F6-B6E6-4276-B84B-0A8177023EC5}"/>
+                <a16:creationId xmlns:a16="http://schemas.microsoft.com/office/drawing/2014/main" xmlns="" id="{C488B8F6-B6E6-4276-B84B-0A8177023EC5}"/>
               </a:ext>
             </a:extLst>
           </p:cNvPr>
@@ -16110,7 +16232,7 @@
           <p:cNvPr id="5" name="Footer Placeholder 4">
             <a:extLst>
               <a:ext uri="{FF2B5EF4-FFF2-40B4-BE49-F238E27FC236}">
-                <a16:creationId xmlns:a16="http://schemas.microsoft.com/office/drawing/2014/main" id="{6868D3BD-E771-4714-AEA4-3FE7E755A5B1}"/>
+                <a16:creationId xmlns:a16="http://schemas.microsoft.com/office/drawing/2014/main" xmlns="" id="{6868D3BD-E771-4714-AEA4-3FE7E755A5B1}"/>
               </a:ext>
             </a:extLst>
           </p:cNvPr>
@@ -16139,7 +16261,7 @@
           <p:cNvPr id="6" name="Slide Number Placeholder 5">
             <a:extLst>
               <a:ext uri="{FF2B5EF4-FFF2-40B4-BE49-F238E27FC236}">
-                <a16:creationId xmlns:a16="http://schemas.microsoft.com/office/drawing/2014/main" id="{62DFFC13-17C3-43CB-BE00-B00295A85370}"/>
+                <a16:creationId xmlns:a16="http://schemas.microsoft.com/office/drawing/2014/main" xmlns="" id="{62DFFC13-17C3-43CB-BE00-B00295A85370}"/>
               </a:ext>
             </a:extLst>
           </p:cNvPr>
@@ -16168,7 +16290,7 @@
           <p:cNvPr id="8" name="TextBox 7">
             <a:extLst>
               <a:ext uri="{FF2B5EF4-FFF2-40B4-BE49-F238E27FC236}">
-                <a16:creationId xmlns:a16="http://schemas.microsoft.com/office/drawing/2014/main" id="{939C0E53-6B9C-44EB-AED0-2FDAC823DFF5}"/>
+                <a16:creationId xmlns:a16="http://schemas.microsoft.com/office/drawing/2014/main" xmlns="" id="{939C0E53-6B9C-44EB-AED0-2FDAC823DFF5}"/>
               </a:ext>
             </a:extLst>
           </p:cNvPr>
@@ -16373,6 +16495,14 @@
               </a:rPr>
               <a:t>}</a:t>
             </a:r>
+            <a:r>
+              <a:rPr lang="en-US" dirty="0">
+                <a:solidFill>
+                  <a:srgbClr val="002060"/>
+                </a:solidFill>
+              </a:rPr>
+              <a:t/>
+            </a:r>
             <a:br>
               <a:rPr lang="en-US" dirty="0">
                 <a:solidFill>
@@ -16380,6 +16510,14 @@
                 </a:solidFill>
               </a:rPr>
             </a:br>
+            <a:r>
+              <a:rPr lang="en-US" dirty="0">
+                <a:solidFill>
+                  <a:srgbClr val="002060"/>
+                </a:solidFill>
+              </a:rPr>
+              <a:t/>
+            </a:r>
             <a:br>
               <a:rPr lang="en-US" dirty="0">
                 <a:solidFill>
@@ -16450,6 +16588,14 @@
               </a:rPr>
               <a:t>(2, 3);</a:t>
             </a:r>
+            <a:r>
+              <a:rPr lang="en-US" dirty="0">
+                <a:solidFill>
+                  <a:srgbClr val="00B0F0"/>
+                </a:solidFill>
+              </a:rPr>
+              <a:t/>
+            </a:r>
             <a:br>
               <a:rPr lang="en-US" dirty="0">
                 <a:solidFill>
@@ -16473,6 +16619,14 @@
               </a:rPr>
               <a:t>Заполнение матрицы </a:t>
             </a:r>
+            <a:r>
+              <a:rPr lang="en-US" dirty="0">
+                <a:solidFill>
+                  <a:srgbClr val="002060"/>
+                </a:solidFill>
+              </a:rPr>
+              <a:t/>
+            </a:r>
             <a:br>
               <a:rPr lang="en-US" dirty="0">
                 <a:solidFill>
@@ -16559,7 +16713,7 @@
           <p:cNvPr id="10" name="TextBox 9">
             <a:extLst>
               <a:ext uri="{FF2B5EF4-FFF2-40B4-BE49-F238E27FC236}">
-                <a16:creationId xmlns:a16="http://schemas.microsoft.com/office/drawing/2014/main" id="{E42CD9D1-02EE-4EB8-AF63-70CE631AD771}"/>
+                <a16:creationId xmlns:a16="http://schemas.microsoft.com/office/drawing/2014/main" xmlns="" id="{E42CD9D1-02EE-4EB8-AF63-70CE631AD771}"/>
               </a:ext>
             </a:extLst>
           </p:cNvPr>
@@ -16624,14 +16778,14 @@
           </a:p>
         </p:txBody>
       </p:sp>
-      <mc:AlternateContent xmlns:mc="http://schemas.openxmlformats.org/markup-compatibility/2006">
-        <mc:Choice xmlns:a14="http://schemas.microsoft.com/office/drawing/2010/main" Requires="a14">
+      <mc:AlternateContent xmlns:mc="http://schemas.openxmlformats.org/markup-compatibility/2006" xmlns:a14="http://schemas.microsoft.com/office/drawing/2010/main">
+        <mc:Choice Requires="a14">
           <p:sp>
             <p:nvSpPr>
               <p:cNvPr id="14" name="TextBox 13">
                 <a:extLst>
                   <a:ext uri="{FF2B5EF4-FFF2-40B4-BE49-F238E27FC236}">
-                    <a16:creationId xmlns:a16="http://schemas.microsoft.com/office/drawing/2014/main" id="{3028332D-5572-4B45-8A87-3847A647BC43}"/>
+                    <a16:creationId xmlns:a16="http://schemas.microsoft.com/office/drawing/2014/main" xmlns="" id="{3028332D-5572-4B45-8A87-3847A647BC43}"/>
                   </a:ext>
                 </a:extLst>
               </p:cNvPr>
@@ -16654,6 +16808,7 @@
               </a:bodyPr>
               <a:lstStyle/>
               <a:p>
+                <a:pPr/>
                 <a14:m>
                   <m:oMathPara xmlns:m="http://schemas.openxmlformats.org/officeDocument/2006/math">
                     <m:oMathParaPr>
@@ -16799,7 +16954,7 @@
             </p:txBody>
           </p:sp>
         </mc:Choice>
-        <mc:Fallback>
+        <mc:Fallback xmlns="">
           <p:sp>
             <p:nvSpPr>
               <p:cNvPr id="14" name="TextBox 13">
@@ -16849,7 +17004,7 @@
           <p:cNvPr id="15" name="Arrow: Right 14">
             <a:extLst>
               <a:ext uri="{FF2B5EF4-FFF2-40B4-BE49-F238E27FC236}">
-                <a16:creationId xmlns:a16="http://schemas.microsoft.com/office/drawing/2014/main" id="{666F9F58-2F15-415B-8888-E59446460E4D}"/>
+                <a16:creationId xmlns:a16="http://schemas.microsoft.com/office/drawing/2014/main" xmlns="" id="{666F9F58-2F15-415B-8888-E59446460E4D}"/>
               </a:ext>
             </a:extLst>
           </p:cNvPr>
@@ -16932,7 +17087,7 @@
           <p:cNvPr id="2" name="Title 1">
             <a:extLst>
               <a:ext uri="{FF2B5EF4-FFF2-40B4-BE49-F238E27FC236}">
-                <a16:creationId xmlns:a16="http://schemas.microsoft.com/office/drawing/2014/main" id="{FB766D32-F2DF-4221-8A9F-A9044DD5BFA7}"/>
+                <a16:creationId xmlns:a16="http://schemas.microsoft.com/office/drawing/2014/main" xmlns="" id="{FB766D32-F2DF-4221-8A9F-A9044DD5BFA7}"/>
               </a:ext>
             </a:extLst>
           </p:cNvPr>
@@ -16955,7 +17110,11 @@
           <a:p>
             <a:r>
               <a:rPr lang="ru-RU" b="1" dirty="0"/>
-              <a:t>Указатели на функции (1)</a:t>
+              <a:t>Указатели на функции(1</a:t>
+            </a:r>
+            <a:r>
+              <a:rPr lang="ru-RU" b="1" dirty="0"/>
+              <a:t>)</a:t>
             </a:r>
             <a:endParaRPr lang="en-US" b="1" dirty="0"/>
           </a:p>
@@ -16966,7 +17125,7 @@
           <p:cNvPr id="3" name="Content Placeholder 2">
             <a:extLst>
               <a:ext uri="{FF2B5EF4-FFF2-40B4-BE49-F238E27FC236}">
-                <a16:creationId xmlns:a16="http://schemas.microsoft.com/office/drawing/2014/main" id="{E98BA529-8D1E-4A0F-BEDD-DF00A650FEC9}"/>
+                <a16:creationId xmlns:a16="http://schemas.microsoft.com/office/drawing/2014/main" xmlns="" id="{E98BA529-8D1E-4A0F-BEDD-DF00A650FEC9}"/>
               </a:ext>
             </a:extLst>
           </p:cNvPr>
@@ -17039,7 +17198,7 @@
           <p:cNvPr id="5" name="TextBox 4">
             <a:extLst>
               <a:ext uri="{FF2B5EF4-FFF2-40B4-BE49-F238E27FC236}">
-                <a16:creationId xmlns:a16="http://schemas.microsoft.com/office/drawing/2014/main" id="{A435FA7A-3703-4D27-A378-8D2A0EC71990}"/>
+                <a16:creationId xmlns:a16="http://schemas.microsoft.com/office/drawing/2014/main" xmlns="" id="{A435FA7A-3703-4D27-A378-8D2A0EC71990}"/>
               </a:ext>
             </a:extLst>
           </p:cNvPr>
@@ -17122,7 +17281,7 @@
           <p:cNvPr id="6" name="TextBox 5">
             <a:extLst>
               <a:ext uri="{FF2B5EF4-FFF2-40B4-BE49-F238E27FC236}">
-                <a16:creationId xmlns:a16="http://schemas.microsoft.com/office/drawing/2014/main" id="{624106B0-875C-4B31-8CCC-1483FBED0815}"/>
+                <a16:creationId xmlns:a16="http://schemas.microsoft.com/office/drawing/2014/main" xmlns="" id="{624106B0-875C-4B31-8CCC-1483FBED0815}"/>
               </a:ext>
             </a:extLst>
           </p:cNvPr>
@@ -17169,7 +17328,7 @@
           <p:cNvPr id="8" name="Date Placeholder 7">
             <a:extLst>
               <a:ext uri="{FF2B5EF4-FFF2-40B4-BE49-F238E27FC236}">
-                <a16:creationId xmlns:a16="http://schemas.microsoft.com/office/drawing/2014/main" id="{B89AAF57-321A-4F6D-BF3D-CCF8B2B5CAA4}"/>
+                <a16:creationId xmlns:a16="http://schemas.microsoft.com/office/drawing/2014/main" xmlns="" id="{B89AAF57-321A-4F6D-BF3D-CCF8B2B5CAA4}"/>
               </a:ext>
             </a:extLst>
           </p:cNvPr>
@@ -17197,7 +17356,7 @@
           <p:cNvPr id="9" name="Footer Placeholder 8">
             <a:extLst>
               <a:ext uri="{FF2B5EF4-FFF2-40B4-BE49-F238E27FC236}">
-                <a16:creationId xmlns:a16="http://schemas.microsoft.com/office/drawing/2014/main" id="{A6076237-76D7-44D2-9508-9EC86E4FA43D}"/>
+                <a16:creationId xmlns:a16="http://schemas.microsoft.com/office/drawing/2014/main" xmlns="" id="{A6076237-76D7-44D2-9508-9EC86E4FA43D}"/>
               </a:ext>
             </a:extLst>
           </p:cNvPr>
@@ -17226,7 +17385,7 @@
           <p:cNvPr id="10" name="Slide Number Placeholder 9">
             <a:extLst>
               <a:ext uri="{FF2B5EF4-FFF2-40B4-BE49-F238E27FC236}">
-                <a16:creationId xmlns:a16="http://schemas.microsoft.com/office/drawing/2014/main" id="{B1582BAC-7EDE-4F2D-9008-1A1E0C0FBEAC}"/>
+                <a16:creationId xmlns:a16="http://schemas.microsoft.com/office/drawing/2014/main" xmlns="" id="{B1582BAC-7EDE-4F2D-9008-1A1E0C0FBEAC}"/>
               </a:ext>
             </a:extLst>
           </p:cNvPr>
@@ -17285,7 +17444,7 @@
           <p:cNvPr id="2" name="Title 1">
             <a:extLst>
               <a:ext uri="{FF2B5EF4-FFF2-40B4-BE49-F238E27FC236}">
-                <a16:creationId xmlns:a16="http://schemas.microsoft.com/office/drawing/2014/main" id="{599EEA7C-1813-4ED7-B612-996C9E41A787}"/>
+                <a16:creationId xmlns:a16="http://schemas.microsoft.com/office/drawing/2014/main" xmlns="" id="{599EEA7C-1813-4ED7-B612-996C9E41A787}"/>
               </a:ext>
             </a:extLst>
           </p:cNvPr>
@@ -17319,7 +17478,7 @@
           <p:cNvPr id="3" name="Content Placeholder 2">
             <a:extLst>
               <a:ext uri="{FF2B5EF4-FFF2-40B4-BE49-F238E27FC236}">
-                <a16:creationId xmlns:a16="http://schemas.microsoft.com/office/drawing/2014/main" id="{9E77F1FE-4802-46F2-B191-84C412B5B7B3}"/>
+                <a16:creationId xmlns:a16="http://schemas.microsoft.com/office/drawing/2014/main" xmlns="" id="{9E77F1FE-4802-46F2-B191-84C412B5B7B3}"/>
               </a:ext>
             </a:extLst>
           </p:cNvPr>
@@ -17570,6 +17729,14 @@
               </a:rPr>
               <a:t> y);</a:t>
             </a:r>
+            <a:r>
+              <a:rPr lang="en-US" sz="2400" b="1" dirty="0">
+                <a:solidFill>
+                  <a:srgbClr val="002060"/>
+                </a:solidFill>
+              </a:rPr>
+              <a:t/>
+            </a:r>
             <a:br>
               <a:rPr lang="en-US" sz="2400" b="1" dirty="0">
                 <a:solidFill>
@@ -17745,7 +17912,7 @@
           <p:cNvPr id="5" name="Straight Arrow Connector 4">
             <a:extLst>
               <a:ext uri="{FF2B5EF4-FFF2-40B4-BE49-F238E27FC236}">
-                <a16:creationId xmlns:a16="http://schemas.microsoft.com/office/drawing/2014/main" id="{0B0481FF-ECB1-421D-AB09-D516B70595D5}"/>
+                <a16:creationId xmlns:a16="http://schemas.microsoft.com/office/drawing/2014/main" xmlns="" id="{0B0481FF-ECB1-421D-AB09-D516B70595D5}"/>
               </a:ext>
             </a:extLst>
           </p:cNvPr>
@@ -17791,7 +17958,7 @@
           <p:cNvPr id="9" name="TextBox 8">
             <a:extLst>
               <a:ext uri="{FF2B5EF4-FFF2-40B4-BE49-F238E27FC236}">
-                <a16:creationId xmlns:a16="http://schemas.microsoft.com/office/drawing/2014/main" id="{79285A7A-D934-4075-A2BA-E1AB5EC4000A}"/>
+                <a16:creationId xmlns:a16="http://schemas.microsoft.com/office/drawing/2014/main" xmlns="" id="{79285A7A-D934-4075-A2BA-E1AB5EC4000A}"/>
               </a:ext>
             </a:extLst>
           </p:cNvPr>
@@ -17834,7 +18001,7 @@
           <p:cNvPr id="10" name="TextBox 9">
             <a:extLst>
               <a:ext uri="{FF2B5EF4-FFF2-40B4-BE49-F238E27FC236}">
-                <a16:creationId xmlns:a16="http://schemas.microsoft.com/office/drawing/2014/main" id="{563BFA16-99A9-4FF0-B27D-CD85B60A6FA2}"/>
+                <a16:creationId xmlns:a16="http://schemas.microsoft.com/office/drawing/2014/main" xmlns="" id="{563BFA16-99A9-4FF0-B27D-CD85B60A6FA2}"/>
               </a:ext>
             </a:extLst>
           </p:cNvPr>
@@ -17877,7 +18044,7 @@
           <p:cNvPr id="11" name="TextBox 10">
             <a:extLst>
               <a:ext uri="{FF2B5EF4-FFF2-40B4-BE49-F238E27FC236}">
-                <a16:creationId xmlns:a16="http://schemas.microsoft.com/office/drawing/2014/main" id="{C108FCAD-B02A-446B-9B28-C5CC6DB2A4C6}"/>
+                <a16:creationId xmlns:a16="http://schemas.microsoft.com/office/drawing/2014/main" xmlns="" id="{C108FCAD-B02A-446B-9B28-C5CC6DB2A4C6}"/>
               </a:ext>
             </a:extLst>
           </p:cNvPr>
@@ -17927,7 +18094,7 @@
           <p:cNvPr id="13" name="Straight Arrow Connector 12">
             <a:extLst>
               <a:ext uri="{FF2B5EF4-FFF2-40B4-BE49-F238E27FC236}">
-                <a16:creationId xmlns:a16="http://schemas.microsoft.com/office/drawing/2014/main" id="{14E711C7-A8E8-4D06-AB46-CC3C19A4F5AD}"/>
+                <a16:creationId xmlns:a16="http://schemas.microsoft.com/office/drawing/2014/main" xmlns="" id="{14E711C7-A8E8-4D06-AB46-CC3C19A4F5AD}"/>
               </a:ext>
             </a:extLst>
           </p:cNvPr>
@@ -17973,7 +18140,7 @@
           <p:cNvPr id="16" name="Straight Arrow Connector 15">
             <a:extLst>
               <a:ext uri="{FF2B5EF4-FFF2-40B4-BE49-F238E27FC236}">
-                <a16:creationId xmlns:a16="http://schemas.microsoft.com/office/drawing/2014/main" id="{B85BD0BE-7EC3-41BD-A5AB-EB81A57550E1}"/>
+                <a16:creationId xmlns:a16="http://schemas.microsoft.com/office/drawing/2014/main" xmlns="" id="{B85BD0BE-7EC3-41BD-A5AB-EB81A57550E1}"/>
               </a:ext>
             </a:extLst>
           </p:cNvPr>
@@ -18019,7 +18186,7 @@
           <p:cNvPr id="18" name="Straight Arrow Connector 17">
             <a:extLst>
               <a:ext uri="{FF2B5EF4-FFF2-40B4-BE49-F238E27FC236}">
-                <a16:creationId xmlns:a16="http://schemas.microsoft.com/office/drawing/2014/main" id="{93A66ED3-9A99-41FC-A2B9-A36A80FFC1AE}"/>
+                <a16:creationId xmlns:a16="http://schemas.microsoft.com/office/drawing/2014/main" xmlns="" id="{93A66ED3-9A99-41FC-A2B9-A36A80FFC1AE}"/>
               </a:ext>
             </a:extLst>
           </p:cNvPr>
@@ -18065,7 +18232,7 @@
           <p:cNvPr id="23" name="Date Placeholder 22">
             <a:extLst>
               <a:ext uri="{FF2B5EF4-FFF2-40B4-BE49-F238E27FC236}">
-                <a16:creationId xmlns:a16="http://schemas.microsoft.com/office/drawing/2014/main" id="{5C74A7FC-1D2E-452C-9201-D8B20AEE75D2}"/>
+                <a16:creationId xmlns:a16="http://schemas.microsoft.com/office/drawing/2014/main" xmlns="" id="{5C74A7FC-1D2E-452C-9201-D8B20AEE75D2}"/>
               </a:ext>
             </a:extLst>
           </p:cNvPr>
@@ -18093,7 +18260,7 @@
           <p:cNvPr id="24" name="Footer Placeholder 23">
             <a:extLst>
               <a:ext uri="{FF2B5EF4-FFF2-40B4-BE49-F238E27FC236}">
-                <a16:creationId xmlns:a16="http://schemas.microsoft.com/office/drawing/2014/main" id="{1BF99291-63DC-4210-B2E9-81C1DC809262}"/>
+                <a16:creationId xmlns:a16="http://schemas.microsoft.com/office/drawing/2014/main" xmlns="" id="{1BF99291-63DC-4210-B2E9-81C1DC809262}"/>
               </a:ext>
             </a:extLst>
           </p:cNvPr>
@@ -18122,7 +18289,7 @@
           <p:cNvPr id="25" name="Slide Number Placeholder 24">
             <a:extLst>
               <a:ext uri="{FF2B5EF4-FFF2-40B4-BE49-F238E27FC236}">
-                <a16:creationId xmlns:a16="http://schemas.microsoft.com/office/drawing/2014/main" id="{3030C189-494E-4D98-9C44-96F57B5288FA}"/>
+                <a16:creationId xmlns:a16="http://schemas.microsoft.com/office/drawing/2014/main" xmlns="" id="{3030C189-494E-4D98-9C44-96F57B5288FA}"/>
               </a:ext>
             </a:extLst>
           </p:cNvPr>
@@ -18181,7 +18348,7 @@
           <p:cNvPr id="2" name="Title 1">
             <a:extLst>
               <a:ext uri="{FF2B5EF4-FFF2-40B4-BE49-F238E27FC236}">
-                <a16:creationId xmlns:a16="http://schemas.microsoft.com/office/drawing/2014/main" id="{26C760C7-458A-483E-AA19-1BA00B50B393}"/>
+                <a16:creationId xmlns:a16="http://schemas.microsoft.com/office/drawing/2014/main" xmlns="" id="{26C760C7-458A-483E-AA19-1BA00B50B393}"/>
               </a:ext>
             </a:extLst>
           </p:cNvPr>
@@ -18219,7 +18386,7 @@
           <p:cNvPr id="3" name="Content Placeholder 2">
             <a:extLst>
               <a:ext uri="{FF2B5EF4-FFF2-40B4-BE49-F238E27FC236}">
-                <a16:creationId xmlns:a16="http://schemas.microsoft.com/office/drawing/2014/main" id="{58C4B4B7-1984-4CCC-8E96-D25735C6B3E2}"/>
+                <a16:creationId xmlns:a16="http://schemas.microsoft.com/office/drawing/2014/main" xmlns="" id="{58C4B4B7-1984-4CCC-8E96-D25735C6B3E2}"/>
               </a:ext>
             </a:extLst>
           </p:cNvPr>
@@ -18263,6 +18430,14 @@
                 </a:solidFill>
               </a:rPr>
               <a:t>matrix.h</a:t>
+            </a:r>
+            <a:r>
+              <a:rPr lang="en-US" sz="2000" dirty="0">
+                <a:solidFill>
+                  <a:srgbClr val="002060"/>
+                </a:solidFill>
+              </a:rPr>
+              <a:t/>
             </a:r>
             <a:br>
               <a:rPr lang="en-US" sz="2000" dirty="0">
@@ -18457,6 +18632,14 @@
               </a:rPr>
               <a:t>// matrix.cpp</a:t>
             </a:r>
+            <a:r>
+              <a:rPr lang="en-US" sz="2000" dirty="0">
+                <a:solidFill>
+                  <a:srgbClr val="002060"/>
+                </a:solidFill>
+              </a:rPr>
+              <a:t/>
+            </a:r>
             <a:br>
               <a:rPr lang="en-US" sz="2000" dirty="0">
                 <a:solidFill>
@@ -18783,6 +18966,14 @@
               </a:rPr>
               <a:t>// program.cpp</a:t>
             </a:r>
+            <a:r>
+              <a:rPr lang="en-US" sz="2000" dirty="0">
+                <a:solidFill>
+                  <a:srgbClr val="002060"/>
+                </a:solidFill>
+              </a:rPr>
+              <a:t/>
+            </a:r>
             <a:br>
               <a:rPr lang="en-US" sz="2000" dirty="0">
                 <a:solidFill>
@@ -18804,15 +18995,31 @@
                   <a:srgbClr val="002060"/>
                 </a:solidFill>
               </a:rPr>
-              <a:t> &lt;&lt; "</a:t>
-            </a:r>
-            <a:r>
-              <a:rPr lang="ru-RU" sz="2000" dirty="0">
-                <a:solidFill>
-                  <a:srgbClr val="002060"/>
-                </a:solidFill>
-              </a:rPr>
-              <a:t>Сумма элементов матрицы равна</a:t>
+              <a:t> &lt;&lt; </a:t>
+            </a:r>
+            <a:r>
+              <a:rPr lang="en-US" sz="2000" dirty="0" smtClean="0">
+                <a:solidFill>
+                  <a:srgbClr val="002060"/>
+                </a:solidFill>
+              </a:rPr>
+              <a:t>“</a:t>
+            </a:r>
+            <a:r>
+              <a:rPr lang="ru-RU" sz="2000" dirty="0" smtClean="0">
+                <a:solidFill>
+                  <a:srgbClr val="002060"/>
+                </a:solidFill>
+              </a:rPr>
+              <a:t>Вывод элементов матрицы</a:t>
+            </a:r>
+            <a:r>
+              <a:rPr lang="en-US" sz="2000" dirty="0" smtClean="0">
+                <a:solidFill>
+                  <a:srgbClr val="002060"/>
+                </a:solidFill>
+              </a:rPr>
+              <a:t>: </a:t>
             </a:r>
             <a:r>
               <a:rPr lang="en-US" sz="2000" dirty="0">
@@ -18820,7 +19027,7 @@
                   <a:srgbClr val="002060"/>
                 </a:solidFill>
               </a:rPr>
-              <a:t>: " &lt;&lt;</a:t>
+              <a:t>" &lt;&lt;</a:t>
             </a:r>
             <a:br>
               <a:rPr lang="en-US" sz="2000" dirty="0">
@@ -18898,7 +19105,7 @@
           <p:cNvPr id="4" name="Date Placeholder 3">
             <a:extLst>
               <a:ext uri="{FF2B5EF4-FFF2-40B4-BE49-F238E27FC236}">
-                <a16:creationId xmlns:a16="http://schemas.microsoft.com/office/drawing/2014/main" id="{0652C945-9E38-49B2-BD44-AF89756B1879}"/>
+                <a16:creationId xmlns:a16="http://schemas.microsoft.com/office/drawing/2014/main" xmlns="" id="{0652C945-9E38-49B2-BD44-AF89756B1879}"/>
               </a:ext>
             </a:extLst>
           </p:cNvPr>
@@ -18926,7 +19133,7 @@
           <p:cNvPr id="5" name="Footer Placeholder 4">
             <a:extLst>
               <a:ext uri="{FF2B5EF4-FFF2-40B4-BE49-F238E27FC236}">
-                <a16:creationId xmlns:a16="http://schemas.microsoft.com/office/drawing/2014/main" id="{87B47258-5805-4F06-A887-61D6126187CF}"/>
+                <a16:creationId xmlns:a16="http://schemas.microsoft.com/office/drawing/2014/main" xmlns="" id="{87B47258-5805-4F06-A887-61D6126187CF}"/>
               </a:ext>
             </a:extLst>
           </p:cNvPr>
@@ -18955,7 +19162,7 @@
           <p:cNvPr id="6" name="Slide Number Placeholder 5">
             <a:extLst>
               <a:ext uri="{FF2B5EF4-FFF2-40B4-BE49-F238E27FC236}">
-                <a16:creationId xmlns:a16="http://schemas.microsoft.com/office/drawing/2014/main" id="{C5589D1C-6BF0-4157-A928-D7C0CA6D4413}"/>
+                <a16:creationId xmlns:a16="http://schemas.microsoft.com/office/drawing/2014/main" xmlns="" id="{C5589D1C-6BF0-4157-A928-D7C0CA6D4413}"/>
               </a:ext>
             </a:extLst>
           </p:cNvPr>
@@ -19014,7 +19221,7 @@
           <p:cNvPr id="61" name="Rectangle: Rounded Corners 60">
             <a:extLst>
               <a:ext uri="{FF2B5EF4-FFF2-40B4-BE49-F238E27FC236}">
-                <a16:creationId xmlns:a16="http://schemas.microsoft.com/office/drawing/2014/main" id="{BB6F62F8-4848-43C4-A200-8B8FF88914DE}"/>
+                <a16:creationId xmlns:a16="http://schemas.microsoft.com/office/drawing/2014/main" xmlns="" id="{BB6F62F8-4848-43C4-A200-8B8FF88914DE}"/>
               </a:ext>
             </a:extLst>
           </p:cNvPr>
@@ -19070,7 +19277,7 @@
           <p:cNvPr id="2" name="Title 1">
             <a:extLst>
               <a:ext uri="{FF2B5EF4-FFF2-40B4-BE49-F238E27FC236}">
-                <a16:creationId xmlns:a16="http://schemas.microsoft.com/office/drawing/2014/main" id="{AE3C1794-BB65-4965-8322-84C8653BFEB2}"/>
+                <a16:creationId xmlns:a16="http://schemas.microsoft.com/office/drawing/2014/main" xmlns="" id="{AE3C1794-BB65-4965-8322-84C8653BFEB2}"/>
               </a:ext>
             </a:extLst>
           </p:cNvPr>
@@ -19099,7 +19306,7 @@
           <p:cNvPr id="4" name="Rectangle: Folded Corner 3">
             <a:extLst>
               <a:ext uri="{FF2B5EF4-FFF2-40B4-BE49-F238E27FC236}">
-                <a16:creationId xmlns:a16="http://schemas.microsoft.com/office/drawing/2014/main" id="{41294EE8-98AA-4B52-80C7-1F6C3B8305A3}"/>
+                <a16:creationId xmlns:a16="http://schemas.microsoft.com/office/drawing/2014/main" xmlns="" id="{41294EE8-98AA-4B52-80C7-1F6C3B8305A3}"/>
               </a:ext>
             </a:extLst>
           </p:cNvPr>
@@ -19158,7 +19365,7 @@
           <p:cNvPr id="5" name="Rectangle: Folded Corner 4">
             <a:extLst>
               <a:ext uri="{FF2B5EF4-FFF2-40B4-BE49-F238E27FC236}">
-                <a16:creationId xmlns:a16="http://schemas.microsoft.com/office/drawing/2014/main" id="{466E4372-E6AE-4081-9169-4074829AC1DA}"/>
+                <a16:creationId xmlns:a16="http://schemas.microsoft.com/office/drawing/2014/main" xmlns="" id="{466E4372-E6AE-4081-9169-4074829AC1DA}"/>
               </a:ext>
             </a:extLst>
           </p:cNvPr>
@@ -19209,7 +19416,7 @@
           <p:cNvPr id="6" name="Rectangle: Folded Corner 5">
             <a:extLst>
               <a:ext uri="{FF2B5EF4-FFF2-40B4-BE49-F238E27FC236}">
-                <a16:creationId xmlns:a16="http://schemas.microsoft.com/office/drawing/2014/main" id="{C8C0459A-5722-43CF-823A-441D6BB91457}"/>
+                <a16:creationId xmlns:a16="http://schemas.microsoft.com/office/drawing/2014/main" xmlns="" id="{C8C0459A-5722-43CF-823A-441D6BB91457}"/>
               </a:ext>
             </a:extLst>
           </p:cNvPr>
@@ -19260,7 +19467,7 @@
           <p:cNvPr id="7" name="Rectangle: Folded Corner 6">
             <a:extLst>
               <a:ext uri="{FF2B5EF4-FFF2-40B4-BE49-F238E27FC236}">
-                <a16:creationId xmlns:a16="http://schemas.microsoft.com/office/drawing/2014/main" id="{7B6D5945-86C3-469D-9C02-541BC7F5EA3A}"/>
+                <a16:creationId xmlns:a16="http://schemas.microsoft.com/office/drawing/2014/main" xmlns="" id="{7B6D5945-86C3-469D-9C02-541BC7F5EA3A}"/>
               </a:ext>
             </a:extLst>
           </p:cNvPr>
@@ -19311,7 +19518,7 @@
           <p:cNvPr id="8" name="Rectangle 7">
             <a:extLst>
               <a:ext uri="{FF2B5EF4-FFF2-40B4-BE49-F238E27FC236}">
-                <a16:creationId xmlns:a16="http://schemas.microsoft.com/office/drawing/2014/main" id="{D7531B20-E2D0-4BA8-AFB2-B3DC040C3372}"/>
+                <a16:creationId xmlns:a16="http://schemas.microsoft.com/office/drawing/2014/main" xmlns="" id="{D7531B20-E2D0-4BA8-AFB2-B3DC040C3372}"/>
               </a:ext>
             </a:extLst>
           </p:cNvPr>
@@ -19369,7 +19576,7 @@
           <p:cNvPr id="9" name="Rectangle 8">
             <a:extLst>
               <a:ext uri="{FF2B5EF4-FFF2-40B4-BE49-F238E27FC236}">
-                <a16:creationId xmlns:a16="http://schemas.microsoft.com/office/drawing/2014/main" id="{62E73895-9A88-4ECF-BA35-17C005E685B5}"/>
+                <a16:creationId xmlns:a16="http://schemas.microsoft.com/office/drawing/2014/main" xmlns="" id="{62E73895-9A88-4ECF-BA35-17C005E685B5}"/>
               </a:ext>
             </a:extLst>
           </p:cNvPr>
@@ -19427,7 +19634,7 @@
           <p:cNvPr id="11" name="Connector: Curved 10">
             <a:extLst>
               <a:ext uri="{FF2B5EF4-FFF2-40B4-BE49-F238E27FC236}">
-                <a16:creationId xmlns:a16="http://schemas.microsoft.com/office/drawing/2014/main" id="{DE56B3CD-1453-4339-8F4A-BCA0D86AD80D}"/>
+                <a16:creationId xmlns:a16="http://schemas.microsoft.com/office/drawing/2014/main" xmlns="" id="{DE56B3CD-1453-4339-8F4A-BCA0D86AD80D}"/>
               </a:ext>
             </a:extLst>
           </p:cNvPr>
@@ -19477,7 +19684,7 @@
           <p:cNvPr id="15" name="Connector: Curved 14">
             <a:extLst>
               <a:ext uri="{FF2B5EF4-FFF2-40B4-BE49-F238E27FC236}">
-                <a16:creationId xmlns:a16="http://schemas.microsoft.com/office/drawing/2014/main" id="{CA65E6DF-6ED3-4592-B063-D62D7380F47C}"/>
+                <a16:creationId xmlns:a16="http://schemas.microsoft.com/office/drawing/2014/main" xmlns="" id="{CA65E6DF-6ED3-4592-B063-D62D7380F47C}"/>
               </a:ext>
             </a:extLst>
           </p:cNvPr>
@@ -19528,7 +19735,7 @@
           <p:cNvPr id="17" name="Connector: Curved 16">
             <a:extLst>
               <a:ext uri="{FF2B5EF4-FFF2-40B4-BE49-F238E27FC236}">
-                <a16:creationId xmlns:a16="http://schemas.microsoft.com/office/drawing/2014/main" id="{CDE2FFE6-C8D6-4067-B5D2-AEAE144EA07A}"/>
+                <a16:creationId xmlns:a16="http://schemas.microsoft.com/office/drawing/2014/main" xmlns="" id="{CDE2FFE6-C8D6-4067-B5D2-AEAE144EA07A}"/>
               </a:ext>
             </a:extLst>
           </p:cNvPr>
@@ -19579,7 +19786,7 @@
           <p:cNvPr id="3" name="Date Placeholder 2">
             <a:extLst>
               <a:ext uri="{FF2B5EF4-FFF2-40B4-BE49-F238E27FC236}">
-                <a16:creationId xmlns:a16="http://schemas.microsoft.com/office/drawing/2014/main" id="{93D64B91-2EF6-4EDC-A2A7-2F2FFE19FBC5}"/>
+                <a16:creationId xmlns:a16="http://schemas.microsoft.com/office/drawing/2014/main" xmlns="" id="{93D64B91-2EF6-4EDC-A2A7-2F2FFE19FBC5}"/>
               </a:ext>
             </a:extLst>
           </p:cNvPr>
@@ -19607,7 +19814,7 @@
           <p:cNvPr id="10" name="Footer Placeholder 9">
             <a:extLst>
               <a:ext uri="{FF2B5EF4-FFF2-40B4-BE49-F238E27FC236}">
-                <a16:creationId xmlns:a16="http://schemas.microsoft.com/office/drawing/2014/main" id="{470243C9-C23A-4D53-8DC9-97C0507BCACF}"/>
+                <a16:creationId xmlns:a16="http://schemas.microsoft.com/office/drawing/2014/main" xmlns="" id="{470243C9-C23A-4D53-8DC9-97C0507BCACF}"/>
               </a:ext>
             </a:extLst>
           </p:cNvPr>
@@ -19636,7 +19843,7 @@
           <p:cNvPr id="12" name="Slide Number Placeholder 11">
             <a:extLst>
               <a:ext uri="{FF2B5EF4-FFF2-40B4-BE49-F238E27FC236}">
-                <a16:creationId xmlns:a16="http://schemas.microsoft.com/office/drawing/2014/main" id="{E7FFAD7D-1B81-4F5B-BEA4-FF8F1E914D38}"/>
+                <a16:creationId xmlns:a16="http://schemas.microsoft.com/office/drawing/2014/main" xmlns="" id="{E7FFAD7D-1B81-4F5B-BEA4-FF8F1E914D38}"/>
               </a:ext>
             </a:extLst>
           </p:cNvPr>
@@ -19665,7 +19872,7 @@
           <p:cNvPr id="39" name="Straight Connector 38">
             <a:extLst>
               <a:ext uri="{FF2B5EF4-FFF2-40B4-BE49-F238E27FC236}">
-                <a16:creationId xmlns:a16="http://schemas.microsoft.com/office/drawing/2014/main" id="{0DC263D1-BA0A-40CE-83D4-5EBB66DAA418}"/>
+                <a16:creationId xmlns:a16="http://schemas.microsoft.com/office/drawing/2014/main" xmlns="" id="{0DC263D1-BA0A-40CE-83D4-5EBB66DAA418}"/>
               </a:ext>
             </a:extLst>
           </p:cNvPr>
@@ -19713,7 +19920,7 @@
           <p:cNvPr id="53" name="Connector: Curved 52">
             <a:extLst>
               <a:ext uri="{FF2B5EF4-FFF2-40B4-BE49-F238E27FC236}">
-                <a16:creationId xmlns:a16="http://schemas.microsoft.com/office/drawing/2014/main" id="{1158BBBE-FC77-4318-9BC5-ABA19704BCE6}"/>
+                <a16:creationId xmlns:a16="http://schemas.microsoft.com/office/drawing/2014/main" xmlns="" id="{1158BBBE-FC77-4318-9BC5-ABA19704BCE6}"/>
               </a:ext>
             </a:extLst>
           </p:cNvPr>
@@ -19762,7 +19969,7 @@
           <p:cNvPr id="55" name="Connector: Curved 54">
             <a:extLst>
               <a:ext uri="{FF2B5EF4-FFF2-40B4-BE49-F238E27FC236}">
-                <a16:creationId xmlns:a16="http://schemas.microsoft.com/office/drawing/2014/main" id="{0522C0FB-435B-4553-B40A-11A310B09DE6}"/>
+                <a16:creationId xmlns:a16="http://schemas.microsoft.com/office/drawing/2014/main" xmlns="" id="{0522C0FB-435B-4553-B40A-11A310B09DE6}"/>
               </a:ext>
             </a:extLst>
           </p:cNvPr>
@@ -19839,7 +20046,7 @@
           <p:cNvPr id="2" name="Title 1">
             <a:extLst>
               <a:ext uri="{FF2B5EF4-FFF2-40B4-BE49-F238E27FC236}">
-                <a16:creationId xmlns:a16="http://schemas.microsoft.com/office/drawing/2014/main" id="{57956104-6A8B-4D1E-BC61-FA6382D559DE}"/>
+                <a16:creationId xmlns:a16="http://schemas.microsoft.com/office/drawing/2014/main" xmlns="" id="{57956104-6A8B-4D1E-BC61-FA6382D559DE}"/>
               </a:ext>
             </a:extLst>
           </p:cNvPr>
@@ -19887,7 +20094,7 @@
           <p:cNvPr id="3" name="Content Placeholder 2">
             <a:extLst>
               <a:ext uri="{FF2B5EF4-FFF2-40B4-BE49-F238E27FC236}">
-                <a16:creationId xmlns:a16="http://schemas.microsoft.com/office/drawing/2014/main" id="{1EE837EE-87B3-4131-A55C-39909C168290}"/>
+                <a16:creationId xmlns:a16="http://schemas.microsoft.com/office/drawing/2014/main" xmlns="" id="{1EE837EE-87B3-4131-A55C-39909C168290}"/>
               </a:ext>
             </a:extLst>
           </p:cNvPr>
@@ -20035,7 +20242,7 @@
           <p:cNvPr id="4" name="Date Placeholder 3">
             <a:extLst>
               <a:ext uri="{FF2B5EF4-FFF2-40B4-BE49-F238E27FC236}">
-                <a16:creationId xmlns:a16="http://schemas.microsoft.com/office/drawing/2014/main" id="{F9A75454-9A94-4611-8185-DFC138142D24}"/>
+                <a16:creationId xmlns:a16="http://schemas.microsoft.com/office/drawing/2014/main" xmlns="" id="{F9A75454-9A94-4611-8185-DFC138142D24}"/>
               </a:ext>
             </a:extLst>
           </p:cNvPr>
@@ -20063,7 +20270,7 @@
           <p:cNvPr id="5" name="Footer Placeholder 4">
             <a:extLst>
               <a:ext uri="{FF2B5EF4-FFF2-40B4-BE49-F238E27FC236}">
-                <a16:creationId xmlns:a16="http://schemas.microsoft.com/office/drawing/2014/main" id="{C63023CF-45E4-4B9A-8926-0AD06FFBF781}"/>
+                <a16:creationId xmlns:a16="http://schemas.microsoft.com/office/drawing/2014/main" xmlns="" id="{C63023CF-45E4-4B9A-8926-0AD06FFBF781}"/>
               </a:ext>
             </a:extLst>
           </p:cNvPr>
@@ -20092,7 +20299,7 @@
           <p:cNvPr id="6" name="Slide Number Placeholder 5">
             <a:extLst>
               <a:ext uri="{FF2B5EF4-FFF2-40B4-BE49-F238E27FC236}">
-                <a16:creationId xmlns:a16="http://schemas.microsoft.com/office/drawing/2014/main" id="{CE0DD165-ACD1-4DB9-B393-FABDCEE43A0C}"/>
+                <a16:creationId xmlns:a16="http://schemas.microsoft.com/office/drawing/2014/main" xmlns="" id="{CE0DD165-ACD1-4DB9-B393-FABDCEE43A0C}"/>
               </a:ext>
             </a:extLst>
           </p:cNvPr>
@@ -20151,7 +20358,7 @@
           <p:cNvPr id="2" name="Title 1">
             <a:extLst>
               <a:ext uri="{FF2B5EF4-FFF2-40B4-BE49-F238E27FC236}">
-                <a16:creationId xmlns:a16="http://schemas.microsoft.com/office/drawing/2014/main" id="{E92F2F5B-6BE2-471A-A8C5-B55506C4D847}"/>
+                <a16:creationId xmlns:a16="http://schemas.microsoft.com/office/drawing/2014/main" xmlns="" id="{E92F2F5B-6BE2-471A-A8C5-B55506C4D847}"/>
               </a:ext>
             </a:extLst>
           </p:cNvPr>
@@ -20185,7 +20392,7 @@
           <p:cNvPr id="3" name="Content Placeholder 2">
             <a:extLst>
               <a:ext uri="{FF2B5EF4-FFF2-40B4-BE49-F238E27FC236}">
-                <a16:creationId xmlns:a16="http://schemas.microsoft.com/office/drawing/2014/main" id="{BB36AFA4-8B6D-4497-8AAB-0BC6AEB37F55}"/>
+                <a16:creationId xmlns:a16="http://schemas.microsoft.com/office/drawing/2014/main" xmlns="" id="{BB36AFA4-8B6D-4497-8AAB-0BC6AEB37F55}"/>
               </a:ext>
             </a:extLst>
           </p:cNvPr>
@@ -20321,7 +20528,7 @@
           <p:cNvPr id="4" name="Rectangle 3">
             <a:extLst>
               <a:ext uri="{FF2B5EF4-FFF2-40B4-BE49-F238E27FC236}">
-                <a16:creationId xmlns:a16="http://schemas.microsoft.com/office/drawing/2014/main" id="{157EC5B1-59CF-421A-8E0A-5C682626F972}"/>
+                <a16:creationId xmlns:a16="http://schemas.microsoft.com/office/drawing/2014/main" xmlns="" id="{157EC5B1-59CF-421A-8E0A-5C682626F972}"/>
               </a:ext>
             </a:extLst>
           </p:cNvPr>
@@ -20375,7 +20582,7 @@
           <p:cNvPr id="5" name="Rectangle 4">
             <a:extLst>
               <a:ext uri="{FF2B5EF4-FFF2-40B4-BE49-F238E27FC236}">
-                <a16:creationId xmlns:a16="http://schemas.microsoft.com/office/drawing/2014/main" id="{634E75C5-1391-49FE-816F-63996EC867C4}"/>
+                <a16:creationId xmlns:a16="http://schemas.microsoft.com/office/drawing/2014/main" xmlns="" id="{634E75C5-1391-49FE-816F-63996EC867C4}"/>
               </a:ext>
             </a:extLst>
           </p:cNvPr>
@@ -20429,7 +20636,7 @@
           <p:cNvPr id="6" name="Rectangle: Rounded Corners 5">
             <a:extLst>
               <a:ext uri="{FF2B5EF4-FFF2-40B4-BE49-F238E27FC236}">
-                <a16:creationId xmlns:a16="http://schemas.microsoft.com/office/drawing/2014/main" id="{C55E33F4-4B7B-4831-BF50-92A0F937E350}"/>
+                <a16:creationId xmlns:a16="http://schemas.microsoft.com/office/drawing/2014/main" xmlns="" id="{C55E33F4-4B7B-4831-BF50-92A0F937E350}"/>
               </a:ext>
             </a:extLst>
           </p:cNvPr>
@@ -20493,7 +20700,7 @@
           <p:cNvPr id="7" name="Rectangle: Rounded Corners 6">
             <a:extLst>
               <a:ext uri="{FF2B5EF4-FFF2-40B4-BE49-F238E27FC236}">
-                <a16:creationId xmlns:a16="http://schemas.microsoft.com/office/drawing/2014/main" id="{477AFDCB-2C34-4764-B918-AFDC43C3B366}"/>
+                <a16:creationId xmlns:a16="http://schemas.microsoft.com/office/drawing/2014/main" xmlns="" id="{477AFDCB-2C34-4764-B918-AFDC43C3B366}"/>
               </a:ext>
             </a:extLst>
           </p:cNvPr>
@@ -20554,7 +20761,7 @@
           <p:cNvPr id="11" name="Date Placeholder 10">
             <a:extLst>
               <a:ext uri="{FF2B5EF4-FFF2-40B4-BE49-F238E27FC236}">
-                <a16:creationId xmlns:a16="http://schemas.microsoft.com/office/drawing/2014/main" id="{1BD50180-2EB2-4B55-A502-82BC7A9A4486}"/>
+                <a16:creationId xmlns:a16="http://schemas.microsoft.com/office/drawing/2014/main" xmlns="" id="{1BD50180-2EB2-4B55-A502-82BC7A9A4486}"/>
               </a:ext>
             </a:extLst>
           </p:cNvPr>
@@ -20582,7 +20789,7 @@
           <p:cNvPr id="12" name="Footer Placeholder 11">
             <a:extLst>
               <a:ext uri="{FF2B5EF4-FFF2-40B4-BE49-F238E27FC236}">
-                <a16:creationId xmlns:a16="http://schemas.microsoft.com/office/drawing/2014/main" id="{388E64DE-69F8-4E2A-87A2-81ABF44F5576}"/>
+                <a16:creationId xmlns:a16="http://schemas.microsoft.com/office/drawing/2014/main" xmlns="" id="{388E64DE-69F8-4E2A-87A2-81ABF44F5576}"/>
               </a:ext>
             </a:extLst>
           </p:cNvPr>
@@ -20611,7 +20818,7 @@
           <p:cNvPr id="13" name="Slide Number Placeholder 12">
             <a:extLst>
               <a:ext uri="{FF2B5EF4-FFF2-40B4-BE49-F238E27FC236}">
-                <a16:creationId xmlns:a16="http://schemas.microsoft.com/office/drawing/2014/main" id="{9847ECCB-9A1C-4755-81E2-48E0B260BF77}"/>
+                <a16:creationId xmlns:a16="http://schemas.microsoft.com/office/drawing/2014/main" xmlns="" id="{9847ECCB-9A1C-4755-81E2-48E0B260BF77}"/>
               </a:ext>
             </a:extLst>
           </p:cNvPr>
@@ -20670,7 +20877,7 @@
           <p:cNvPr id="2" name="Title 1">
             <a:extLst>
               <a:ext uri="{FF2B5EF4-FFF2-40B4-BE49-F238E27FC236}">
-                <a16:creationId xmlns:a16="http://schemas.microsoft.com/office/drawing/2014/main" id="{F2884752-74D1-481B-AF29-E03A85FE4C80}"/>
+                <a16:creationId xmlns:a16="http://schemas.microsoft.com/office/drawing/2014/main" xmlns="" id="{F2884752-74D1-481B-AF29-E03A85FE4C80}"/>
               </a:ext>
             </a:extLst>
           </p:cNvPr>
@@ -20699,7 +20906,7 @@
           <p:cNvPr id="3" name="Content Placeholder 2">
             <a:extLst>
               <a:ext uri="{FF2B5EF4-FFF2-40B4-BE49-F238E27FC236}">
-                <a16:creationId xmlns:a16="http://schemas.microsoft.com/office/drawing/2014/main" id="{9565EB2F-D586-4CAA-B8EB-CC77F71CD7E0}"/>
+                <a16:creationId xmlns:a16="http://schemas.microsoft.com/office/drawing/2014/main" xmlns="" id="{9565EB2F-D586-4CAA-B8EB-CC77F71CD7E0}"/>
               </a:ext>
             </a:extLst>
           </p:cNvPr>
@@ -20841,7 +21048,7 @@
           <p:cNvPr id="4" name="Date Placeholder 3">
             <a:extLst>
               <a:ext uri="{FF2B5EF4-FFF2-40B4-BE49-F238E27FC236}">
-                <a16:creationId xmlns:a16="http://schemas.microsoft.com/office/drawing/2014/main" id="{40CAA65F-F102-4006-9A9C-44E4BEA65DAF}"/>
+                <a16:creationId xmlns:a16="http://schemas.microsoft.com/office/drawing/2014/main" xmlns="" id="{40CAA65F-F102-4006-9A9C-44E4BEA65DAF}"/>
               </a:ext>
             </a:extLst>
           </p:cNvPr>
@@ -20869,7 +21076,7 @@
           <p:cNvPr id="5" name="Footer Placeholder 4">
             <a:extLst>
               <a:ext uri="{FF2B5EF4-FFF2-40B4-BE49-F238E27FC236}">
-                <a16:creationId xmlns:a16="http://schemas.microsoft.com/office/drawing/2014/main" id="{4BC367D8-221E-4298-B8CC-C0845A6A12A2}"/>
+                <a16:creationId xmlns:a16="http://schemas.microsoft.com/office/drawing/2014/main" xmlns="" id="{4BC367D8-221E-4298-B8CC-C0845A6A12A2}"/>
               </a:ext>
             </a:extLst>
           </p:cNvPr>
@@ -20898,7 +21105,7 @@
           <p:cNvPr id="6" name="Slide Number Placeholder 5">
             <a:extLst>
               <a:ext uri="{FF2B5EF4-FFF2-40B4-BE49-F238E27FC236}">
-                <a16:creationId xmlns:a16="http://schemas.microsoft.com/office/drawing/2014/main" id="{C9002B5A-6F51-4101-B994-D10BE6D2CCD0}"/>
+                <a16:creationId xmlns:a16="http://schemas.microsoft.com/office/drawing/2014/main" xmlns="" id="{C9002B5A-6F51-4101-B994-D10BE6D2CCD0}"/>
               </a:ext>
             </a:extLst>
           </p:cNvPr>
@@ -20957,7 +21164,7 @@
           <p:cNvPr id="2" name="Title 1">
             <a:extLst>
               <a:ext uri="{FF2B5EF4-FFF2-40B4-BE49-F238E27FC236}">
-                <a16:creationId xmlns:a16="http://schemas.microsoft.com/office/drawing/2014/main" id="{8CB97883-BB12-48A4-AD85-864410ED991D}"/>
+                <a16:creationId xmlns:a16="http://schemas.microsoft.com/office/drawing/2014/main" xmlns="" id="{8CB97883-BB12-48A4-AD85-864410ED991D}"/>
               </a:ext>
             </a:extLst>
           </p:cNvPr>
@@ -20991,7 +21198,7 @@
           <p:cNvPr id="3" name="Content Placeholder 2">
             <a:extLst>
               <a:ext uri="{FF2B5EF4-FFF2-40B4-BE49-F238E27FC236}">
-                <a16:creationId xmlns:a16="http://schemas.microsoft.com/office/drawing/2014/main" id="{277AFB2B-B20E-491F-AA14-9D166E71B6EE}"/>
+                <a16:creationId xmlns:a16="http://schemas.microsoft.com/office/drawing/2014/main" xmlns="" id="{277AFB2B-B20E-491F-AA14-9D166E71B6EE}"/>
               </a:ext>
             </a:extLst>
           </p:cNvPr>
@@ -21150,7 +21357,7 @@
           <p:cNvPr id="6" name="TextBox 5">
             <a:extLst>
               <a:ext uri="{FF2B5EF4-FFF2-40B4-BE49-F238E27FC236}">
-                <a16:creationId xmlns:a16="http://schemas.microsoft.com/office/drawing/2014/main" id="{CE0417F5-5B06-4686-A3D9-4DFAE2BC0ED0}"/>
+                <a16:creationId xmlns:a16="http://schemas.microsoft.com/office/drawing/2014/main" xmlns="" id="{CE0417F5-5B06-4686-A3D9-4DFAE2BC0ED0}"/>
               </a:ext>
             </a:extLst>
           </p:cNvPr>
@@ -21194,7 +21401,7 @@
           <p:cNvPr id="4" name="Date Placeholder 3">
             <a:extLst>
               <a:ext uri="{FF2B5EF4-FFF2-40B4-BE49-F238E27FC236}">
-                <a16:creationId xmlns:a16="http://schemas.microsoft.com/office/drawing/2014/main" id="{9989A927-D5DB-48D6-8639-22091504CBCB}"/>
+                <a16:creationId xmlns:a16="http://schemas.microsoft.com/office/drawing/2014/main" xmlns="" id="{9989A927-D5DB-48D6-8639-22091504CBCB}"/>
               </a:ext>
             </a:extLst>
           </p:cNvPr>
@@ -21222,7 +21429,7 @@
           <p:cNvPr id="5" name="Footer Placeholder 4">
             <a:extLst>
               <a:ext uri="{FF2B5EF4-FFF2-40B4-BE49-F238E27FC236}">
-                <a16:creationId xmlns:a16="http://schemas.microsoft.com/office/drawing/2014/main" id="{EDF23D45-7734-4103-80F1-712D5B4B8622}"/>
+                <a16:creationId xmlns:a16="http://schemas.microsoft.com/office/drawing/2014/main" xmlns="" id="{EDF23D45-7734-4103-80F1-712D5B4B8622}"/>
               </a:ext>
             </a:extLst>
           </p:cNvPr>
@@ -21251,7 +21458,7 @@
           <p:cNvPr id="7" name="Slide Number Placeholder 6">
             <a:extLst>
               <a:ext uri="{FF2B5EF4-FFF2-40B4-BE49-F238E27FC236}">
-                <a16:creationId xmlns:a16="http://schemas.microsoft.com/office/drawing/2014/main" id="{3586DD33-2F2F-45B5-8216-130103826B72}"/>
+                <a16:creationId xmlns:a16="http://schemas.microsoft.com/office/drawing/2014/main" xmlns="" id="{3586DD33-2F2F-45B5-8216-130103826B72}"/>
               </a:ext>
             </a:extLst>
           </p:cNvPr>
@@ -21310,7 +21517,7 @@
           <p:cNvPr id="2" name="Title 1">
             <a:extLst>
               <a:ext uri="{FF2B5EF4-FFF2-40B4-BE49-F238E27FC236}">
-                <a16:creationId xmlns:a16="http://schemas.microsoft.com/office/drawing/2014/main" id="{D9FE0E66-83A4-4C69-8E44-1AA046E66840}"/>
+                <a16:creationId xmlns:a16="http://schemas.microsoft.com/office/drawing/2014/main" xmlns="" id="{D9FE0E66-83A4-4C69-8E44-1AA046E66840}"/>
               </a:ext>
             </a:extLst>
           </p:cNvPr>
@@ -21343,7 +21550,7 @@
           <p:cNvPr id="3" name="Content Placeholder 2">
             <a:extLst>
               <a:ext uri="{FF2B5EF4-FFF2-40B4-BE49-F238E27FC236}">
-                <a16:creationId xmlns:a16="http://schemas.microsoft.com/office/drawing/2014/main" id="{6F3B08AB-D72E-4376-BFD6-28A98FB8D49A}"/>
+                <a16:creationId xmlns:a16="http://schemas.microsoft.com/office/drawing/2014/main" xmlns="" id="{6F3B08AB-D72E-4376-BFD6-28A98FB8D49A}"/>
               </a:ext>
             </a:extLst>
           </p:cNvPr>
@@ -21435,7 +21642,7 @@
           <p:cNvPr id="4" name="Content Placeholder 2">
             <a:extLst>
               <a:ext uri="{FF2B5EF4-FFF2-40B4-BE49-F238E27FC236}">
-                <a16:creationId xmlns:a16="http://schemas.microsoft.com/office/drawing/2014/main" id="{95B4F1EE-8024-440F-B4D1-69461DF3AF54}"/>
+                <a16:creationId xmlns:a16="http://schemas.microsoft.com/office/drawing/2014/main" xmlns="" id="{95B4F1EE-8024-440F-B4D1-69461DF3AF54}"/>
               </a:ext>
             </a:extLst>
           </p:cNvPr>
@@ -21687,7 +21894,7 @@
           <p:cNvPr id="5" name="Date Placeholder 4">
             <a:extLst>
               <a:ext uri="{FF2B5EF4-FFF2-40B4-BE49-F238E27FC236}">
-                <a16:creationId xmlns:a16="http://schemas.microsoft.com/office/drawing/2014/main" id="{5C70EB28-6652-41A6-9767-3132B7F4087E}"/>
+                <a16:creationId xmlns:a16="http://schemas.microsoft.com/office/drawing/2014/main" xmlns="" id="{5C70EB28-6652-41A6-9767-3132B7F4087E}"/>
               </a:ext>
             </a:extLst>
           </p:cNvPr>
@@ -21715,7 +21922,7 @@
           <p:cNvPr id="6" name="Footer Placeholder 5">
             <a:extLst>
               <a:ext uri="{FF2B5EF4-FFF2-40B4-BE49-F238E27FC236}">
-                <a16:creationId xmlns:a16="http://schemas.microsoft.com/office/drawing/2014/main" id="{EF2B77B1-B665-4275-B971-044700ABA9D4}"/>
+                <a16:creationId xmlns:a16="http://schemas.microsoft.com/office/drawing/2014/main" xmlns="" id="{EF2B77B1-B665-4275-B971-044700ABA9D4}"/>
               </a:ext>
             </a:extLst>
           </p:cNvPr>
@@ -21744,7 +21951,7 @@
           <p:cNvPr id="7" name="Slide Number Placeholder 6">
             <a:extLst>
               <a:ext uri="{FF2B5EF4-FFF2-40B4-BE49-F238E27FC236}">
-                <a16:creationId xmlns:a16="http://schemas.microsoft.com/office/drawing/2014/main" id="{213AC5E6-FE22-4855-B5F9-A2F537AAAA20}"/>
+                <a16:creationId xmlns:a16="http://schemas.microsoft.com/office/drawing/2014/main" xmlns="" id="{213AC5E6-FE22-4855-B5F9-A2F537AAAA20}"/>
               </a:ext>
             </a:extLst>
           </p:cNvPr>
@@ -21803,7 +22010,7 @@
           <p:cNvPr id="34" name="Straight Connector 33">
             <a:extLst>
               <a:ext uri="{FF2B5EF4-FFF2-40B4-BE49-F238E27FC236}">
-                <a16:creationId xmlns:a16="http://schemas.microsoft.com/office/drawing/2014/main" id="{1AA0C357-96B6-4A57-9B63-89EF18C2AA07}"/>
+                <a16:creationId xmlns:a16="http://schemas.microsoft.com/office/drawing/2014/main" xmlns="" id="{1AA0C357-96B6-4A57-9B63-89EF18C2AA07}"/>
               </a:ext>
             </a:extLst>
           </p:cNvPr>
@@ -21849,7 +22056,7 @@
           <p:cNvPr id="2" name="Title 1">
             <a:extLst>
               <a:ext uri="{FF2B5EF4-FFF2-40B4-BE49-F238E27FC236}">
-                <a16:creationId xmlns:a16="http://schemas.microsoft.com/office/drawing/2014/main" id="{6DDF967D-3DF7-4ABF-BC9A-DB27BB85286D}"/>
+                <a16:creationId xmlns:a16="http://schemas.microsoft.com/office/drawing/2014/main" xmlns="" id="{6DDF967D-3DF7-4ABF-BC9A-DB27BB85286D}"/>
               </a:ext>
             </a:extLst>
           </p:cNvPr>
@@ -21880,7 +22087,7 @@
           <p:cNvPr id="5" name="TextBox 4">
             <a:extLst>
               <a:ext uri="{FF2B5EF4-FFF2-40B4-BE49-F238E27FC236}">
-                <a16:creationId xmlns:a16="http://schemas.microsoft.com/office/drawing/2014/main" id="{7D413706-769E-4DB9-9D17-02A78F2736FD}"/>
+                <a16:creationId xmlns:a16="http://schemas.microsoft.com/office/drawing/2014/main" xmlns="" id="{7D413706-769E-4DB9-9D17-02A78F2736FD}"/>
               </a:ext>
             </a:extLst>
           </p:cNvPr>
@@ -21916,7 +22123,7 @@
           <p:cNvPr id="6" name="Flowchart: Alternate Process 5">
             <a:extLst>
               <a:ext uri="{FF2B5EF4-FFF2-40B4-BE49-F238E27FC236}">
-                <a16:creationId xmlns:a16="http://schemas.microsoft.com/office/drawing/2014/main" id="{E95C4835-903D-4DDA-BE3A-FA84E2482351}"/>
+                <a16:creationId xmlns:a16="http://schemas.microsoft.com/office/drawing/2014/main" xmlns="" id="{E95C4835-903D-4DDA-BE3A-FA84E2482351}"/>
               </a:ext>
             </a:extLst>
           </p:cNvPr>
@@ -21984,7 +22191,7 @@
           <p:cNvPr id="7" name="Rectangle 6">
             <a:extLst>
               <a:ext uri="{FF2B5EF4-FFF2-40B4-BE49-F238E27FC236}">
-                <a16:creationId xmlns:a16="http://schemas.microsoft.com/office/drawing/2014/main" id="{86B95E5A-DD93-4F8E-90AC-FB2A46C305AB}"/>
+                <a16:creationId xmlns:a16="http://schemas.microsoft.com/office/drawing/2014/main" xmlns="" id="{86B95E5A-DD93-4F8E-90AC-FB2A46C305AB}"/>
               </a:ext>
             </a:extLst>
           </p:cNvPr>
@@ -22038,7 +22245,7 @@
           <p:cNvPr id="8" name="Rectangle: Folded Corner 7">
             <a:extLst>
               <a:ext uri="{FF2B5EF4-FFF2-40B4-BE49-F238E27FC236}">
-                <a16:creationId xmlns:a16="http://schemas.microsoft.com/office/drawing/2014/main" id="{84C5B701-BCF7-4359-A0F2-55C283DA10B5}"/>
+                <a16:creationId xmlns:a16="http://schemas.microsoft.com/office/drawing/2014/main" xmlns="" id="{84C5B701-BCF7-4359-A0F2-55C283DA10B5}"/>
               </a:ext>
             </a:extLst>
           </p:cNvPr>
@@ -22091,7 +22298,7 @@
           <p:cNvPr id="10" name="Straight Arrow Connector 9">
             <a:extLst>
               <a:ext uri="{FF2B5EF4-FFF2-40B4-BE49-F238E27FC236}">
-                <a16:creationId xmlns:a16="http://schemas.microsoft.com/office/drawing/2014/main" id="{64590503-807D-41E7-AD45-0440F1D63E94}"/>
+                <a16:creationId xmlns:a16="http://schemas.microsoft.com/office/drawing/2014/main" xmlns="" id="{64590503-807D-41E7-AD45-0440F1D63E94}"/>
               </a:ext>
             </a:extLst>
           </p:cNvPr>
@@ -22138,7 +22345,7 @@
           <p:cNvPr id="11" name="Rectangle: Folded Corner 10">
             <a:extLst>
               <a:ext uri="{FF2B5EF4-FFF2-40B4-BE49-F238E27FC236}">
-                <a16:creationId xmlns:a16="http://schemas.microsoft.com/office/drawing/2014/main" id="{B6525369-034C-419C-8936-B978EB8F43A2}"/>
+                <a16:creationId xmlns:a16="http://schemas.microsoft.com/office/drawing/2014/main" xmlns="" id="{B6525369-034C-419C-8936-B978EB8F43A2}"/>
               </a:ext>
             </a:extLst>
           </p:cNvPr>
@@ -22192,7 +22399,7 @@
           <p:cNvPr id="12" name="Rectangle: Folded Corner 11">
             <a:extLst>
               <a:ext uri="{FF2B5EF4-FFF2-40B4-BE49-F238E27FC236}">
-                <a16:creationId xmlns:a16="http://schemas.microsoft.com/office/drawing/2014/main" id="{9752F72B-A539-40BE-A35D-CBBE0C3B4811}"/>
+                <a16:creationId xmlns:a16="http://schemas.microsoft.com/office/drawing/2014/main" xmlns="" id="{9752F72B-A539-40BE-A35D-CBBE0C3B4811}"/>
               </a:ext>
             </a:extLst>
           </p:cNvPr>
@@ -22245,7 +22452,7 @@
           <p:cNvPr id="19" name="Straight Arrow Connector 18">
             <a:extLst>
               <a:ext uri="{FF2B5EF4-FFF2-40B4-BE49-F238E27FC236}">
-                <a16:creationId xmlns:a16="http://schemas.microsoft.com/office/drawing/2014/main" id="{1651A282-8671-4AAD-8FFA-59D1DE67C351}"/>
+                <a16:creationId xmlns:a16="http://schemas.microsoft.com/office/drawing/2014/main" xmlns="" id="{1651A282-8671-4AAD-8FFA-59D1DE67C351}"/>
               </a:ext>
             </a:extLst>
           </p:cNvPr>
@@ -22294,7 +22501,7 @@
           <p:cNvPr id="20" name="Rectangle 19">
             <a:extLst>
               <a:ext uri="{FF2B5EF4-FFF2-40B4-BE49-F238E27FC236}">
-                <a16:creationId xmlns:a16="http://schemas.microsoft.com/office/drawing/2014/main" id="{93FBFE58-746C-4495-BCA8-65FC03D6C486}"/>
+                <a16:creationId xmlns:a16="http://schemas.microsoft.com/office/drawing/2014/main" xmlns="" id="{93FBFE58-746C-4495-BCA8-65FC03D6C486}"/>
               </a:ext>
             </a:extLst>
           </p:cNvPr>
@@ -22348,7 +22555,7 @@
           <p:cNvPr id="21" name="Rectangle 20">
             <a:extLst>
               <a:ext uri="{FF2B5EF4-FFF2-40B4-BE49-F238E27FC236}">
-                <a16:creationId xmlns:a16="http://schemas.microsoft.com/office/drawing/2014/main" id="{6E5B0FC8-AF08-4429-BF56-104393378583}"/>
+                <a16:creationId xmlns:a16="http://schemas.microsoft.com/office/drawing/2014/main" xmlns="" id="{6E5B0FC8-AF08-4429-BF56-104393378583}"/>
               </a:ext>
             </a:extLst>
           </p:cNvPr>
@@ -22401,7 +22608,7 @@
           <p:cNvPr id="23" name="Straight Arrow Connector 22">
             <a:extLst>
               <a:ext uri="{FF2B5EF4-FFF2-40B4-BE49-F238E27FC236}">
-                <a16:creationId xmlns:a16="http://schemas.microsoft.com/office/drawing/2014/main" id="{1145F427-32A2-41AC-9369-DF9A10DC3BD7}"/>
+                <a16:creationId xmlns:a16="http://schemas.microsoft.com/office/drawing/2014/main" xmlns="" id="{1145F427-32A2-41AC-9369-DF9A10DC3BD7}"/>
               </a:ext>
             </a:extLst>
           </p:cNvPr>
@@ -22449,7 +22656,7 @@
           <p:cNvPr id="28" name="Connector: Curved 27">
             <a:extLst>
               <a:ext uri="{FF2B5EF4-FFF2-40B4-BE49-F238E27FC236}">
-                <a16:creationId xmlns:a16="http://schemas.microsoft.com/office/drawing/2014/main" id="{D2F4548A-1967-4FAD-9A2F-4D5EF04906F4}"/>
+                <a16:creationId xmlns:a16="http://schemas.microsoft.com/office/drawing/2014/main" xmlns="" id="{D2F4548A-1967-4FAD-9A2F-4D5EF04906F4}"/>
               </a:ext>
             </a:extLst>
           </p:cNvPr>
@@ -22496,7 +22703,7 @@
           <p:cNvPr id="30" name="Straight Arrow Connector 29">
             <a:extLst>
               <a:ext uri="{FF2B5EF4-FFF2-40B4-BE49-F238E27FC236}">
-                <a16:creationId xmlns:a16="http://schemas.microsoft.com/office/drawing/2014/main" id="{D819BCB9-1531-4320-BB06-8E5FF1771AA8}"/>
+                <a16:creationId xmlns:a16="http://schemas.microsoft.com/office/drawing/2014/main" xmlns="" id="{D819BCB9-1531-4320-BB06-8E5FF1771AA8}"/>
               </a:ext>
             </a:extLst>
           </p:cNvPr>
@@ -22544,7 +22751,7 @@
           <p:cNvPr id="36" name="TextBox 35">
             <a:extLst>
               <a:ext uri="{FF2B5EF4-FFF2-40B4-BE49-F238E27FC236}">
-                <a16:creationId xmlns:a16="http://schemas.microsoft.com/office/drawing/2014/main" id="{13074851-951B-4129-86B7-342832AE2EF9}"/>
+                <a16:creationId xmlns:a16="http://schemas.microsoft.com/office/drawing/2014/main" xmlns="" id="{13074851-951B-4129-86B7-342832AE2EF9}"/>
               </a:ext>
             </a:extLst>
           </p:cNvPr>
@@ -22593,7 +22800,7 @@
           <p:cNvPr id="37" name="TextBox 36">
             <a:extLst>
               <a:ext uri="{FF2B5EF4-FFF2-40B4-BE49-F238E27FC236}">
-                <a16:creationId xmlns:a16="http://schemas.microsoft.com/office/drawing/2014/main" id="{E3512C98-6342-4CA6-8089-E2102E065F76}"/>
+                <a16:creationId xmlns:a16="http://schemas.microsoft.com/office/drawing/2014/main" xmlns="" id="{E3512C98-6342-4CA6-8089-E2102E065F76}"/>
               </a:ext>
             </a:extLst>
           </p:cNvPr>
@@ -22641,7 +22848,7 @@
           <p:cNvPr id="3" name="Date Placeholder 2">
             <a:extLst>
               <a:ext uri="{FF2B5EF4-FFF2-40B4-BE49-F238E27FC236}">
-                <a16:creationId xmlns:a16="http://schemas.microsoft.com/office/drawing/2014/main" id="{57345891-8931-4549-9A3A-D46E435FF1C9}"/>
+                <a16:creationId xmlns:a16="http://schemas.microsoft.com/office/drawing/2014/main" xmlns="" id="{57345891-8931-4549-9A3A-D46E435FF1C9}"/>
               </a:ext>
             </a:extLst>
           </p:cNvPr>
@@ -22669,7 +22876,7 @@
           <p:cNvPr id="4" name="Footer Placeholder 3">
             <a:extLst>
               <a:ext uri="{FF2B5EF4-FFF2-40B4-BE49-F238E27FC236}">
-                <a16:creationId xmlns:a16="http://schemas.microsoft.com/office/drawing/2014/main" id="{5AE3141E-D136-4AA9-BCC0-225F2FEF3E74}"/>
+                <a16:creationId xmlns:a16="http://schemas.microsoft.com/office/drawing/2014/main" xmlns="" id="{5AE3141E-D136-4AA9-BCC0-225F2FEF3E74}"/>
               </a:ext>
             </a:extLst>
           </p:cNvPr>
@@ -22698,7 +22905,7 @@
           <p:cNvPr id="9" name="Slide Number Placeholder 8">
             <a:extLst>
               <a:ext uri="{FF2B5EF4-FFF2-40B4-BE49-F238E27FC236}">
-                <a16:creationId xmlns:a16="http://schemas.microsoft.com/office/drawing/2014/main" id="{837B3D04-606B-4473-81DF-4178244E4867}"/>
+                <a16:creationId xmlns:a16="http://schemas.microsoft.com/office/drawing/2014/main" xmlns="" id="{837B3D04-606B-4473-81DF-4178244E4867}"/>
               </a:ext>
             </a:extLst>
           </p:cNvPr>
